--- a/esquema.pptx
+++ b/esquema.pptx
@@ -292,7 +292,7 @@
           <a:p>
             <a:fld id="{190083D6-91F4-43DC-AEC4-C280F2D89C3D}" type="datetimeFigureOut">
               <a:rPr lang="pt-PT" smtClean="0"/>
-              <a:t>17-09-2013</a:t>
+              <a:t>18-09-2013</a:t>
             </a:fld>
             <a:endParaRPr lang="pt-PT"/>
           </a:p>
@@ -462,7 +462,7 @@
           <a:p>
             <a:fld id="{190083D6-91F4-43DC-AEC4-C280F2D89C3D}" type="datetimeFigureOut">
               <a:rPr lang="pt-PT" smtClean="0"/>
-              <a:t>17-09-2013</a:t>
+              <a:t>18-09-2013</a:t>
             </a:fld>
             <a:endParaRPr lang="pt-PT"/>
           </a:p>
@@ -642,7 +642,7 @@
           <a:p>
             <a:fld id="{190083D6-91F4-43DC-AEC4-C280F2D89C3D}" type="datetimeFigureOut">
               <a:rPr lang="pt-PT" smtClean="0"/>
-              <a:t>17-09-2013</a:t>
+              <a:t>18-09-2013</a:t>
             </a:fld>
             <a:endParaRPr lang="pt-PT"/>
           </a:p>
@@ -812,7 +812,7 @@
           <a:p>
             <a:fld id="{190083D6-91F4-43DC-AEC4-C280F2D89C3D}" type="datetimeFigureOut">
               <a:rPr lang="pt-PT" smtClean="0"/>
-              <a:t>17-09-2013</a:t>
+              <a:t>18-09-2013</a:t>
             </a:fld>
             <a:endParaRPr lang="pt-PT"/>
           </a:p>
@@ -1058,7 +1058,7 @@
           <a:p>
             <a:fld id="{190083D6-91F4-43DC-AEC4-C280F2D89C3D}" type="datetimeFigureOut">
               <a:rPr lang="pt-PT" smtClean="0"/>
-              <a:t>17-09-2013</a:t>
+              <a:t>18-09-2013</a:t>
             </a:fld>
             <a:endParaRPr lang="pt-PT"/>
           </a:p>
@@ -1346,7 +1346,7 @@
           <a:p>
             <a:fld id="{190083D6-91F4-43DC-AEC4-C280F2D89C3D}" type="datetimeFigureOut">
               <a:rPr lang="pt-PT" smtClean="0"/>
-              <a:t>17-09-2013</a:t>
+              <a:t>18-09-2013</a:t>
             </a:fld>
             <a:endParaRPr lang="pt-PT"/>
           </a:p>
@@ -1768,7 +1768,7 @@
           <a:p>
             <a:fld id="{190083D6-91F4-43DC-AEC4-C280F2D89C3D}" type="datetimeFigureOut">
               <a:rPr lang="pt-PT" smtClean="0"/>
-              <a:t>17-09-2013</a:t>
+              <a:t>18-09-2013</a:t>
             </a:fld>
             <a:endParaRPr lang="pt-PT"/>
           </a:p>
@@ -1886,7 +1886,7 @@
           <a:p>
             <a:fld id="{190083D6-91F4-43DC-AEC4-C280F2D89C3D}" type="datetimeFigureOut">
               <a:rPr lang="pt-PT" smtClean="0"/>
-              <a:t>17-09-2013</a:t>
+              <a:t>18-09-2013</a:t>
             </a:fld>
             <a:endParaRPr lang="pt-PT"/>
           </a:p>
@@ -1981,7 +1981,7 @@
           <a:p>
             <a:fld id="{190083D6-91F4-43DC-AEC4-C280F2D89C3D}" type="datetimeFigureOut">
               <a:rPr lang="pt-PT" smtClean="0"/>
-              <a:t>17-09-2013</a:t>
+              <a:t>18-09-2013</a:t>
             </a:fld>
             <a:endParaRPr lang="pt-PT"/>
           </a:p>
@@ -2258,7 +2258,7 @@
           <a:p>
             <a:fld id="{190083D6-91F4-43DC-AEC4-C280F2D89C3D}" type="datetimeFigureOut">
               <a:rPr lang="pt-PT" smtClean="0"/>
-              <a:t>17-09-2013</a:t>
+              <a:t>18-09-2013</a:t>
             </a:fld>
             <a:endParaRPr lang="pt-PT"/>
           </a:p>
@@ -2511,7 +2511,7 @@
           <a:p>
             <a:fld id="{190083D6-91F4-43DC-AEC4-C280F2D89C3D}" type="datetimeFigureOut">
               <a:rPr lang="pt-PT" smtClean="0"/>
-              <a:t>17-09-2013</a:t>
+              <a:t>18-09-2013</a:t>
             </a:fld>
             <a:endParaRPr lang="pt-PT"/>
           </a:p>
@@ -2724,7 +2724,7 @@
           <a:p>
             <a:fld id="{190083D6-91F4-43DC-AEC4-C280F2D89C3D}" type="datetimeFigureOut">
               <a:rPr lang="pt-PT" smtClean="0"/>
-              <a:t>17-09-2013</a:t>
+              <a:t>18-09-2013</a:t>
             </a:fld>
             <a:endParaRPr lang="pt-PT"/>
           </a:p>
@@ -3284,8 +3284,8 @@
           </a:p>
         </p:txBody>
       </p:sp>
-      <mc:AlternateContent xmlns:mc="http://schemas.openxmlformats.org/markup-compatibility/2006">
-        <mc:Choice xmlns:a14="http://schemas.microsoft.com/office/drawing/2010/main" Requires="a14">
+      <mc:AlternateContent xmlns:mc="http://schemas.openxmlformats.org/markup-compatibility/2006" xmlns:a14="http://schemas.microsoft.com/office/drawing/2010/main">
+        <mc:Choice Requires="a14">
           <p:sp>
             <p:nvSpPr>
               <p:cNvPr id="5" name="Oval 4"/>
@@ -3385,7 +3385,7 @@
             </p:txBody>
           </p:sp>
         </mc:Choice>
-        <mc:Fallback>
+        <mc:Fallback xmlns="">
           <p:sp>
             <p:nvSpPr>
               <p:cNvPr id="5" name="Oval 4"/>
@@ -3424,8 +3424,8 @@
           </p:sp>
         </mc:Fallback>
       </mc:AlternateContent>
-      <mc:AlternateContent xmlns:mc="http://schemas.openxmlformats.org/markup-compatibility/2006">
-        <mc:Choice xmlns:a14="http://schemas.microsoft.com/office/drawing/2010/main" Requires="a14">
+      <mc:AlternateContent xmlns:mc="http://schemas.openxmlformats.org/markup-compatibility/2006" xmlns:a14="http://schemas.microsoft.com/office/drawing/2010/main">
+        <mc:Choice Requires="a14">
           <p:sp>
             <p:nvSpPr>
               <p:cNvPr id="6" name="Oval 5"/>
@@ -3525,7 +3525,7 @@
             </p:txBody>
           </p:sp>
         </mc:Choice>
-        <mc:Fallback>
+        <mc:Fallback xmlns="">
           <p:sp>
             <p:nvSpPr>
               <p:cNvPr id="6" name="Oval 5"/>
@@ -3564,8 +3564,8 @@
           </p:sp>
         </mc:Fallback>
       </mc:AlternateContent>
-      <mc:AlternateContent xmlns:mc="http://schemas.openxmlformats.org/markup-compatibility/2006">
-        <mc:Choice xmlns:a14="http://schemas.microsoft.com/office/drawing/2010/main" Requires="a14">
+      <mc:AlternateContent xmlns:mc="http://schemas.openxmlformats.org/markup-compatibility/2006" xmlns:a14="http://schemas.microsoft.com/office/drawing/2010/main">
+        <mc:Choice Requires="a14">
           <p:sp>
             <p:nvSpPr>
               <p:cNvPr id="7" name="Oval 6"/>
@@ -3665,7 +3665,7 @@
             </p:txBody>
           </p:sp>
         </mc:Choice>
-        <mc:Fallback>
+        <mc:Fallback xmlns="">
           <p:sp>
             <p:nvSpPr>
               <p:cNvPr id="7" name="Oval 6"/>
@@ -3704,8 +3704,8 @@
           </p:sp>
         </mc:Fallback>
       </mc:AlternateContent>
-      <mc:AlternateContent xmlns:mc="http://schemas.openxmlformats.org/markup-compatibility/2006">
-        <mc:Choice xmlns:a14="http://schemas.microsoft.com/office/drawing/2010/main" Requires="a14">
+      <mc:AlternateContent xmlns:mc="http://schemas.openxmlformats.org/markup-compatibility/2006" xmlns:a14="http://schemas.microsoft.com/office/drawing/2010/main">
+        <mc:Choice Requires="a14">
           <p:sp>
             <p:nvSpPr>
               <p:cNvPr id="8" name="TextBox 7"/>
@@ -3728,6 +3728,7 @@
               </a:bodyPr>
               <a:lstStyle/>
               <a:p>
+                <a:pPr/>
                 <a14:m>
                   <m:oMathPara xmlns:m="http://schemas.openxmlformats.org/officeDocument/2006/math">
                     <m:oMathParaPr>
@@ -3760,7 +3761,7 @@
             </p:txBody>
           </p:sp>
         </mc:Choice>
-        <mc:Fallback>
+        <mc:Fallback xmlns="">
           <p:sp>
             <p:nvSpPr>
               <p:cNvPr id="8" name="TextBox 7"/>
@@ -3799,8 +3800,8 @@
           </p:sp>
         </mc:Fallback>
       </mc:AlternateContent>
-      <mc:AlternateContent xmlns:mc="http://schemas.openxmlformats.org/markup-compatibility/2006">
-        <mc:Choice xmlns:a14="http://schemas.microsoft.com/office/drawing/2010/main" Requires="a14">
+      <mc:AlternateContent xmlns:mc="http://schemas.openxmlformats.org/markup-compatibility/2006" xmlns:a14="http://schemas.microsoft.com/office/drawing/2010/main">
+        <mc:Choice Requires="a14">
           <p:sp>
             <p:nvSpPr>
               <p:cNvPr id="9" name="TextBox 8"/>
@@ -3823,6 +3824,7 @@
               </a:bodyPr>
               <a:lstStyle/>
               <a:p>
+                <a:pPr/>
                 <a14:m>
                   <m:oMathPara xmlns:m="http://schemas.openxmlformats.org/officeDocument/2006/math">
                     <m:oMathParaPr>
@@ -3855,7 +3857,7 @@
             </p:txBody>
           </p:sp>
         </mc:Choice>
-        <mc:Fallback>
+        <mc:Fallback xmlns="">
           <p:sp>
             <p:nvSpPr>
               <p:cNvPr id="9" name="TextBox 8"/>
@@ -3894,8 +3896,8 @@
           </p:sp>
         </mc:Fallback>
       </mc:AlternateContent>
-      <mc:AlternateContent xmlns:mc="http://schemas.openxmlformats.org/markup-compatibility/2006">
-        <mc:Choice xmlns:a14="http://schemas.microsoft.com/office/drawing/2010/main" Requires="a14">
+      <mc:AlternateContent xmlns:mc="http://schemas.openxmlformats.org/markup-compatibility/2006" xmlns:a14="http://schemas.microsoft.com/office/drawing/2010/main">
+        <mc:Choice Requires="a14">
           <p:sp>
             <p:nvSpPr>
               <p:cNvPr id="10" name="Rectangle 9"/>
@@ -3988,7 +3990,7 @@
             </p:txBody>
           </p:sp>
         </mc:Choice>
-        <mc:Fallback>
+        <mc:Fallback xmlns="">
           <p:sp>
             <p:nvSpPr>
               <p:cNvPr id="10" name="Rectangle 9"/>
@@ -4060,8 +4062,8 @@
           </a:fontRef>
         </p:style>
       </p:cxnSp>
-      <mc:AlternateContent xmlns:mc="http://schemas.openxmlformats.org/markup-compatibility/2006">
-        <mc:Choice xmlns:a14="http://schemas.microsoft.com/office/drawing/2010/main" Requires="a14">
+      <mc:AlternateContent xmlns:mc="http://schemas.openxmlformats.org/markup-compatibility/2006" xmlns:a14="http://schemas.microsoft.com/office/drawing/2010/main">
+        <mc:Choice Requires="a14">
           <p:sp>
             <p:nvSpPr>
               <p:cNvPr id="15" name="Rectangle 14"/>
@@ -4138,7 +4140,7 @@
             </p:txBody>
           </p:sp>
         </mc:Choice>
-        <mc:Fallback>
+        <mc:Fallback xmlns="">
           <p:sp>
             <p:nvSpPr>
               <p:cNvPr id="15" name="Rectangle 14"/>
@@ -4267,8 +4269,8 @@
           </a:p>
         </p:txBody>
       </p:sp>
-      <mc:AlternateContent xmlns:mc="http://schemas.openxmlformats.org/markup-compatibility/2006">
-        <mc:Choice xmlns:a14="http://schemas.microsoft.com/office/drawing/2010/main" Requires="a14">
+      <mc:AlternateContent xmlns:mc="http://schemas.openxmlformats.org/markup-compatibility/2006" xmlns:a14="http://schemas.microsoft.com/office/drawing/2010/main">
+        <mc:Choice Requires="a14">
           <p:sp>
             <p:nvSpPr>
               <p:cNvPr id="34" name="Oval 33"/>
@@ -4368,7 +4370,7 @@
             </p:txBody>
           </p:sp>
         </mc:Choice>
-        <mc:Fallback>
+        <mc:Fallback xmlns="">
           <p:sp>
             <p:nvSpPr>
               <p:cNvPr id="34" name="Oval 33"/>
@@ -4407,8 +4409,8 @@
           </p:sp>
         </mc:Fallback>
       </mc:AlternateContent>
-      <mc:AlternateContent xmlns:mc="http://schemas.openxmlformats.org/markup-compatibility/2006">
-        <mc:Choice xmlns:a14="http://schemas.microsoft.com/office/drawing/2010/main" Requires="a14">
+      <mc:AlternateContent xmlns:mc="http://schemas.openxmlformats.org/markup-compatibility/2006" xmlns:a14="http://schemas.microsoft.com/office/drawing/2010/main">
+        <mc:Choice Requires="a14">
           <p:sp>
             <p:nvSpPr>
               <p:cNvPr id="35" name="Oval 34"/>
@@ -4508,7 +4510,7 @@
             </p:txBody>
           </p:sp>
         </mc:Choice>
-        <mc:Fallback>
+        <mc:Fallback xmlns="">
           <p:sp>
             <p:nvSpPr>
               <p:cNvPr id="35" name="Oval 34"/>
@@ -4547,8 +4549,8 @@
           </p:sp>
         </mc:Fallback>
       </mc:AlternateContent>
-      <mc:AlternateContent xmlns:mc="http://schemas.openxmlformats.org/markup-compatibility/2006">
-        <mc:Choice xmlns:a14="http://schemas.microsoft.com/office/drawing/2010/main" Requires="a14">
+      <mc:AlternateContent xmlns:mc="http://schemas.openxmlformats.org/markup-compatibility/2006" xmlns:a14="http://schemas.microsoft.com/office/drawing/2010/main">
+        <mc:Choice Requires="a14">
           <p:sp>
             <p:nvSpPr>
               <p:cNvPr id="36" name="Oval 35"/>
@@ -4648,7 +4650,7 @@
             </p:txBody>
           </p:sp>
         </mc:Choice>
-        <mc:Fallback>
+        <mc:Fallback xmlns="">
           <p:sp>
             <p:nvSpPr>
               <p:cNvPr id="36" name="Oval 35"/>
@@ -4717,8 +4719,8 @@
           </a:p>
         </p:txBody>
       </p:sp>
-      <mc:AlternateContent xmlns:mc="http://schemas.openxmlformats.org/markup-compatibility/2006">
-        <mc:Choice xmlns:a14="http://schemas.microsoft.com/office/drawing/2010/main" Requires="a14">
+      <mc:AlternateContent xmlns:mc="http://schemas.openxmlformats.org/markup-compatibility/2006" xmlns:a14="http://schemas.microsoft.com/office/drawing/2010/main">
+        <mc:Choice Requires="a14">
           <p:sp>
             <p:nvSpPr>
               <p:cNvPr id="56" name="TextBox 55"/>
@@ -4741,6 +4743,7 @@
               </a:bodyPr>
               <a:lstStyle/>
               <a:p>
+                <a:pPr/>
                 <a14:m>
                   <m:oMathPara xmlns:m="http://schemas.openxmlformats.org/officeDocument/2006/math">
                     <m:oMathParaPr>
@@ -4790,7 +4793,7 @@
             </p:txBody>
           </p:sp>
         </mc:Choice>
-        <mc:Fallback>
+        <mc:Fallback xmlns="">
           <p:sp>
             <p:nvSpPr>
               <p:cNvPr id="56" name="TextBox 55"/>
@@ -4829,8 +4832,8 @@
           </p:sp>
         </mc:Fallback>
       </mc:AlternateContent>
-      <mc:AlternateContent xmlns:mc="http://schemas.openxmlformats.org/markup-compatibility/2006">
-        <mc:Choice xmlns:a14="http://schemas.microsoft.com/office/drawing/2010/main" Requires="a14">
+      <mc:AlternateContent xmlns:mc="http://schemas.openxmlformats.org/markup-compatibility/2006" xmlns:a14="http://schemas.microsoft.com/office/drawing/2010/main">
+        <mc:Choice Requires="a14">
           <p:sp>
             <p:nvSpPr>
               <p:cNvPr id="67" name="TextBox 66"/>
@@ -4853,6 +4856,7 @@
               </a:bodyPr>
               <a:lstStyle/>
               <a:p>
+                <a:pPr/>
                 <a14:m>
                   <m:oMathPara xmlns:m="http://schemas.openxmlformats.org/officeDocument/2006/math">
                     <m:oMathParaPr>
@@ -4885,7 +4889,7 @@
             </p:txBody>
           </p:sp>
         </mc:Choice>
-        <mc:Fallback>
+        <mc:Fallback xmlns="">
           <p:sp>
             <p:nvSpPr>
               <p:cNvPr id="67" name="TextBox 66"/>
@@ -4924,8 +4928,8 @@
           </p:sp>
         </mc:Fallback>
       </mc:AlternateContent>
-      <mc:AlternateContent xmlns:mc="http://schemas.openxmlformats.org/markup-compatibility/2006">
-        <mc:Choice xmlns:a14="http://schemas.microsoft.com/office/drawing/2010/main" Requires="a14">
+      <mc:AlternateContent xmlns:mc="http://schemas.openxmlformats.org/markup-compatibility/2006" xmlns:a14="http://schemas.microsoft.com/office/drawing/2010/main">
+        <mc:Choice Requires="a14">
           <p:sp>
             <p:nvSpPr>
               <p:cNvPr id="68" name="TextBox 67"/>
@@ -4948,6 +4952,7 @@
               </a:bodyPr>
               <a:lstStyle/>
               <a:p>
+                <a:pPr/>
                 <a14:m>
                   <m:oMathPara xmlns:m="http://schemas.openxmlformats.org/officeDocument/2006/math">
                     <m:oMathParaPr>
@@ -4980,7 +4985,7 @@
             </p:txBody>
           </p:sp>
         </mc:Choice>
-        <mc:Fallback>
+        <mc:Fallback xmlns="">
           <p:sp>
             <p:nvSpPr>
               <p:cNvPr id="68" name="TextBox 67"/>
@@ -5052,8 +5057,8 @@
           </a:fontRef>
         </p:style>
       </p:cxnSp>
-      <mc:AlternateContent xmlns:mc="http://schemas.openxmlformats.org/markup-compatibility/2006">
-        <mc:Choice xmlns:a14="http://schemas.microsoft.com/office/drawing/2010/main" Requires="a14">
+      <mc:AlternateContent xmlns:mc="http://schemas.openxmlformats.org/markup-compatibility/2006" xmlns:a14="http://schemas.microsoft.com/office/drawing/2010/main">
+        <mc:Choice Requires="a14">
           <p:sp>
             <p:nvSpPr>
               <p:cNvPr id="110" name="Rectangle 109"/>
@@ -5146,7 +5151,7 @@
             </p:txBody>
           </p:sp>
         </mc:Choice>
-        <mc:Fallback>
+        <mc:Fallback xmlns="">
           <p:sp>
             <p:nvSpPr>
               <p:cNvPr id="110" name="Rectangle 109"/>
@@ -5510,8 +5515,8 @@
           </a:p>
         </p:txBody>
       </p:sp>
-      <mc:AlternateContent xmlns:mc="http://schemas.openxmlformats.org/markup-compatibility/2006">
-        <mc:Choice xmlns:a14="http://schemas.microsoft.com/office/drawing/2010/main" Requires="a14">
+      <mc:AlternateContent xmlns:mc="http://schemas.openxmlformats.org/markup-compatibility/2006" xmlns:a14="http://schemas.microsoft.com/office/drawing/2010/main">
+        <mc:Choice Requires="a14">
           <p:sp>
             <p:nvSpPr>
               <p:cNvPr id="132" name="TextBox 131"/>
@@ -5534,6 +5539,7 @@
               </a:bodyPr>
               <a:lstStyle/>
               <a:p>
+                <a:pPr/>
                 <a14:m>
                   <m:oMathPara xmlns:m="http://schemas.openxmlformats.org/officeDocument/2006/math">
                     <m:oMathParaPr>
@@ -5583,7 +5589,7 @@
             </p:txBody>
           </p:sp>
         </mc:Choice>
-        <mc:Fallback>
+        <mc:Fallback xmlns="">
           <p:sp>
             <p:nvSpPr>
               <p:cNvPr id="132" name="TextBox 131"/>
@@ -5881,8 +5887,8 @@
           </a:p>
         </p:txBody>
       </p:sp>
-      <mc:AlternateContent xmlns:mc="http://schemas.openxmlformats.org/markup-compatibility/2006">
-        <mc:Choice xmlns:a14="http://schemas.microsoft.com/office/drawing/2010/main" Requires="a14">
+      <mc:AlternateContent xmlns:mc="http://schemas.openxmlformats.org/markup-compatibility/2006" xmlns:a14="http://schemas.microsoft.com/office/drawing/2010/main">
+        <mc:Choice Requires="a14">
           <p:sp>
             <p:nvSpPr>
               <p:cNvPr id="140" name="TextBox 139"/>
@@ -5905,6 +5911,7 @@
               </a:bodyPr>
               <a:lstStyle/>
               <a:p>
+                <a:pPr/>
                 <a14:m>
                   <m:oMathPara xmlns:m="http://schemas.openxmlformats.org/officeDocument/2006/math">
                     <m:oMathParaPr>
@@ -5954,7 +5961,7 @@
             </p:txBody>
           </p:sp>
         </mc:Choice>
-        <mc:Fallback>
+        <mc:Fallback xmlns="">
           <p:sp>
             <p:nvSpPr>
               <p:cNvPr id="140" name="TextBox 139"/>
@@ -6241,8 +6248,8 @@
           </a:p>
         </p:txBody>
       </p:sp>
-      <mc:AlternateContent xmlns:mc="http://schemas.openxmlformats.org/markup-compatibility/2006">
-        <mc:Choice xmlns:a14="http://schemas.microsoft.com/office/drawing/2010/main" Requires="a14">
+      <mc:AlternateContent xmlns:mc="http://schemas.openxmlformats.org/markup-compatibility/2006" xmlns:a14="http://schemas.microsoft.com/office/drawing/2010/main">
+        <mc:Choice Requires="a14">
           <p:sp>
             <p:nvSpPr>
               <p:cNvPr id="4" name="Rectangle 3"/>
@@ -6591,7 +6598,7 @@
             </p:txBody>
           </p:sp>
         </mc:Choice>
-        <mc:Fallback>
+        <mc:Fallback xmlns="">
           <p:sp>
             <p:nvSpPr>
               <p:cNvPr id="4" name="Rectangle 3"/>
@@ -6630,8 +6637,8 @@
           </p:sp>
         </mc:Fallback>
       </mc:AlternateContent>
-      <mc:AlternateContent xmlns:mc="http://schemas.openxmlformats.org/markup-compatibility/2006">
-        <mc:Choice xmlns:a14="http://schemas.microsoft.com/office/drawing/2010/main" Requires="a14">
+      <mc:AlternateContent xmlns:mc="http://schemas.openxmlformats.org/markup-compatibility/2006" xmlns:a14="http://schemas.microsoft.com/office/drawing/2010/main">
+        <mc:Choice Requires="a14">
           <p:sp>
             <p:nvSpPr>
               <p:cNvPr id="10" name="Rectangle 9"/>
@@ -6724,7 +6731,7 @@
             </p:txBody>
           </p:sp>
         </mc:Choice>
-        <mc:Fallback>
+        <mc:Fallback xmlns="">
           <p:sp>
             <p:nvSpPr>
               <p:cNvPr id="10" name="Rectangle 9"/>
@@ -6826,148 +6833,8 @@
           </a:p>
         </p:txBody>
       </p:sp>
-      <mc:AlternateContent xmlns:mc="http://schemas.openxmlformats.org/markup-compatibility/2006">
-        <mc:Choice xmlns:a14="http://schemas.microsoft.com/office/drawing/2010/main" Requires="a14">
-          <p:sp>
-            <p:nvSpPr>
-              <p:cNvPr id="34" name="Oval 33"/>
-              <p:cNvSpPr/>
-              <p:nvPr/>
-            </p:nvSpPr>
-            <p:spPr>
-              <a:xfrm>
-                <a:off x="7092310" y="1042671"/>
-                <a:ext cx="1080135" cy="1080135"/>
-              </a:xfrm>
-              <a:prstGeom prst="ellipse">
-                <a:avLst/>
-              </a:prstGeom>
-            </p:spPr>
-            <p:style>
-              <a:lnRef idx="2">
-                <a:schemeClr val="dk1"/>
-              </a:lnRef>
-              <a:fillRef idx="1">
-                <a:schemeClr val="lt1"/>
-              </a:fillRef>
-              <a:effectRef idx="0">
-                <a:schemeClr val="dk1"/>
-              </a:effectRef>
-              <a:fontRef idx="minor">
-                <a:schemeClr val="dk1"/>
-              </a:fontRef>
-            </p:style>
-            <p:txBody>
-              <a:bodyPr rtlCol="0" anchor="ctr"/>
-              <a:lstStyle/>
-              <a:p>
-                <a:pPr algn="ctr"/>
-                <a14:m>
-                  <m:oMathPara xmlns:m="http://schemas.openxmlformats.org/officeDocument/2006/math">
-                    <m:oMathParaPr>
-                      <m:jc m:val="centerGroup"/>
-                    </m:oMathParaPr>
-                    <m:oMath xmlns:m="http://schemas.openxmlformats.org/officeDocument/2006/math">
-                      <m:d>
-                        <m:dPr>
-                          <m:begChr m:val=""/>
-                          <m:endChr m:val="⟩"/>
-                          <m:ctrlPr>
-                            <a:rPr lang="pt-PT" sz="2800" i="1" smtClean="0">
-                              <a:latin typeface="Cambria Math"/>
-                            </a:rPr>
-                          </m:ctrlPr>
-                        </m:dPr>
-                        <m:e>
-                          <m:d>
-                            <m:dPr>
-                              <m:begChr m:val="|"/>
-                              <m:endChr m:val=""/>
-                              <m:ctrlPr>
-                                <a:rPr lang="pt-PT" sz="2800" i="1" smtClean="0">
-                                  <a:latin typeface="Cambria Math"/>
-                                </a:rPr>
-                              </m:ctrlPr>
-                            </m:dPr>
-                            <m:e>
-                              <m:sSub>
-                                <m:sSubPr>
-                                  <m:ctrlPr>
-                                    <a:rPr lang="pt-PT" sz="2800" i="1" smtClean="0">
-                                      <a:latin typeface="Cambria Math"/>
-                                    </a:rPr>
-                                  </m:ctrlPr>
-                                </m:sSubPr>
-                                <m:e>
-                                  <m:r>
-                                    <a:rPr lang="pt-PT" sz="2800" b="0" i="1" smtClean="0">
-                                      <a:latin typeface="Cambria Math"/>
-                                    </a:rPr>
-                                    <m:t>𝜑</m:t>
-                                  </m:r>
-                                </m:e>
-                                <m:sub>
-                                  <m:r>
-                                    <a:rPr lang="pt-PT" sz="2800" b="0" i="1" smtClean="0">
-                                      <a:latin typeface="Cambria Math"/>
-                                    </a:rPr>
-                                    <m:t>1</m:t>
-                                  </m:r>
-                                </m:sub>
-                              </m:sSub>
-                            </m:e>
-                          </m:d>
-                        </m:e>
-                      </m:d>
-                    </m:oMath>
-                  </m:oMathPara>
-                </a14:m>
-                <a:endParaRPr lang="pt-PT" dirty="0"/>
-              </a:p>
-            </p:txBody>
-          </p:sp>
-        </mc:Choice>
-        <mc:Fallback>
-          <p:sp>
-            <p:nvSpPr>
-              <p:cNvPr id="34" name="Oval 33"/>
-              <p:cNvSpPr>
-                <a:spLocks noRot="1" noChangeAspect="1" noMove="1" noResize="1" noEditPoints="1" noAdjustHandles="1" noChangeArrowheads="1" noChangeShapeType="1" noTextEdit="1"/>
-              </p:cNvSpPr>
-              <p:nvPr/>
-            </p:nvSpPr>
-            <p:spPr>
-              <a:xfrm>
-                <a:off x="7092310" y="1042671"/>
-                <a:ext cx="1080135" cy="1080135"/>
-              </a:xfrm>
-              <a:prstGeom prst="ellipse">
-                <a:avLst/>
-              </a:prstGeom>
-              <a:blipFill rotWithShape="1">
-                <a:blip r:embed="rId4"/>
-                <a:stretch>
-                  <a:fillRect/>
-                </a:stretch>
-              </a:blipFill>
-            </p:spPr>
-            <p:txBody>
-              <a:bodyPr/>
-              <a:lstStyle/>
-              <a:p>
-                <a:r>
-                  <a:rPr lang="pt-PT">
-                    <a:noFill/>
-                  </a:rPr>
-                  <a:t> </a:t>
-                </a:r>
-              </a:p>
-            </p:txBody>
-          </p:sp>
-        </mc:Fallback>
-      </mc:AlternateContent>
-      <mc:AlternateContent xmlns:mc="http://schemas.openxmlformats.org/markup-compatibility/2006">
-        <mc:Choice xmlns:a14="http://schemas.microsoft.com/office/drawing/2010/main" Requires="a14">
+      <mc:AlternateContent xmlns:mc="http://schemas.openxmlformats.org/markup-compatibility/2006" xmlns:a14="http://schemas.microsoft.com/office/drawing/2010/main">
+        <mc:Choice Requires="a14">
           <p:sp>
             <p:nvSpPr>
               <p:cNvPr id="35" name="Oval 34"/>
@@ -7067,7 +6934,7 @@
             </p:txBody>
           </p:sp>
         </mc:Choice>
-        <mc:Fallback>
+        <mc:Fallback xmlns="">
           <p:sp>
             <p:nvSpPr>
               <p:cNvPr id="35" name="Oval 34"/>
@@ -7106,8 +6973,8 @@
           </p:sp>
         </mc:Fallback>
       </mc:AlternateContent>
-      <mc:AlternateContent xmlns:mc="http://schemas.openxmlformats.org/markup-compatibility/2006">
-        <mc:Choice xmlns:a14="http://schemas.microsoft.com/office/drawing/2010/main" Requires="a14">
+      <mc:AlternateContent xmlns:mc="http://schemas.openxmlformats.org/markup-compatibility/2006" xmlns:a14="http://schemas.microsoft.com/office/drawing/2010/main">
+        <mc:Choice Requires="a14">
           <p:sp>
             <p:nvSpPr>
               <p:cNvPr id="36" name="Oval 35"/>
@@ -7207,7 +7074,7 @@
             </p:txBody>
           </p:sp>
         </mc:Choice>
-        <mc:Fallback>
+        <mc:Fallback xmlns="">
           <p:sp>
             <p:nvSpPr>
               <p:cNvPr id="36" name="Oval 35"/>
@@ -7276,8 +7143,8 @@
           </a:p>
         </p:txBody>
       </p:sp>
-      <mc:AlternateContent xmlns:mc="http://schemas.openxmlformats.org/markup-compatibility/2006">
-        <mc:Choice xmlns:a14="http://schemas.microsoft.com/office/drawing/2010/main" Requires="a14">
+      <mc:AlternateContent xmlns:mc="http://schemas.openxmlformats.org/markup-compatibility/2006" xmlns:a14="http://schemas.microsoft.com/office/drawing/2010/main">
+        <mc:Choice Requires="a14">
           <p:sp>
             <p:nvSpPr>
               <p:cNvPr id="56" name="TextBox 55"/>
@@ -7300,6 +7167,7 @@
               </a:bodyPr>
               <a:lstStyle/>
               <a:p>
+                <a:pPr/>
                 <a14:m>
                   <m:oMathPara xmlns:m="http://schemas.openxmlformats.org/officeDocument/2006/math">
                     <m:oMathParaPr>
@@ -7321,7 +7189,7 @@
             </p:txBody>
           </p:sp>
         </mc:Choice>
-        <mc:Fallback>
+        <mc:Fallback xmlns="">
           <p:sp>
             <p:nvSpPr>
               <p:cNvPr id="56" name="TextBox 55"/>
@@ -7360,8 +7228,8 @@
           </p:sp>
         </mc:Fallback>
       </mc:AlternateContent>
-      <mc:AlternateContent xmlns:mc="http://schemas.openxmlformats.org/markup-compatibility/2006">
-        <mc:Choice xmlns:a14="http://schemas.microsoft.com/office/drawing/2010/main" Requires="a14">
+      <mc:AlternateContent xmlns:mc="http://schemas.openxmlformats.org/markup-compatibility/2006" xmlns:a14="http://schemas.microsoft.com/office/drawing/2010/main">
+        <mc:Choice Requires="a14">
           <p:sp>
             <p:nvSpPr>
               <p:cNvPr id="67" name="TextBox 66"/>
@@ -7384,6 +7252,7 @@
               </a:bodyPr>
               <a:lstStyle/>
               <a:p>
+                <a:pPr/>
                 <a14:m>
                   <m:oMathPara xmlns:m="http://schemas.openxmlformats.org/officeDocument/2006/math">
                     <m:oMathParaPr>
@@ -7416,7 +7285,7 @@
             </p:txBody>
           </p:sp>
         </mc:Choice>
-        <mc:Fallback>
+        <mc:Fallback xmlns="">
           <p:sp>
             <p:nvSpPr>
               <p:cNvPr id="67" name="TextBox 66"/>
@@ -7455,8 +7324,8 @@
           </p:sp>
         </mc:Fallback>
       </mc:AlternateContent>
-      <mc:AlternateContent xmlns:mc="http://schemas.openxmlformats.org/markup-compatibility/2006">
-        <mc:Choice xmlns:a14="http://schemas.microsoft.com/office/drawing/2010/main" Requires="a14">
+      <mc:AlternateContent xmlns:mc="http://schemas.openxmlformats.org/markup-compatibility/2006" xmlns:a14="http://schemas.microsoft.com/office/drawing/2010/main">
+        <mc:Choice Requires="a14">
           <p:sp>
             <p:nvSpPr>
               <p:cNvPr id="68" name="TextBox 67"/>
@@ -7479,6 +7348,7 @@
               </a:bodyPr>
               <a:lstStyle/>
               <a:p>
+                <a:pPr/>
                 <a14:m>
                   <m:oMathPara xmlns:m="http://schemas.openxmlformats.org/officeDocument/2006/math">
                     <m:oMathParaPr>
@@ -7511,7 +7381,7 @@
             </p:txBody>
           </p:sp>
         </mc:Choice>
-        <mc:Fallback>
+        <mc:Fallback xmlns="">
           <p:sp>
             <p:nvSpPr>
               <p:cNvPr id="68" name="TextBox 67"/>
@@ -7583,8 +7453,8 @@
           </a:fontRef>
         </p:style>
       </p:cxnSp>
-      <mc:AlternateContent xmlns:mc="http://schemas.openxmlformats.org/markup-compatibility/2006">
-        <mc:Choice xmlns:a14="http://schemas.microsoft.com/office/drawing/2010/main" Requires="a14">
+      <mc:AlternateContent xmlns:mc="http://schemas.openxmlformats.org/markup-compatibility/2006" xmlns:a14="http://schemas.microsoft.com/office/drawing/2010/main">
+        <mc:Choice Requires="a14">
           <p:sp>
             <p:nvSpPr>
               <p:cNvPr id="110" name="Rectangle 109"/>
@@ -7677,7 +7547,7 @@
             </p:txBody>
           </p:sp>
         </mc:Choice>
-        <mc:Fallback>
+        <mc:Fallback xmlns="">
           <p:sp>
             <p:nvSpPr>
               <p:cNvPr id="110" name="Rectangle 109"/>
@@ -7940,8 +7810,8 @@
           </a:p>
         </p:txBody>
       </p:sp>
-      <mc:AlternateContent xmlns:mc="http://schemas.openxmlformats.org/markup-compatibility/2006">
-        <mc:Choice xmlns:a14="http://schemas.microsoft.com/office/drawing/2010/main" Requires="a14">
+      <mc:AlternateContent xmlns:mc="http://schemas.openxmlformats.org/markup-compatibility/2006" xmlns:a14="http://schemas.microsoft.com/office/drawing/2010/main">
+        <mc:Choice Requires="a14">
           <p:sp>
             <p:nvSpPr>
               <p:cNvPr id="132" name="TextBox 131"/>
@@ -7964,6 +7834,7 @@
               </a:bodyPr>
               <a:lstStyle/>
               <a:p>
+                <a:pPr/>
                 <a14:m>
                   <m:oMathPara xmlns:m="http://schemas.openxmlformats.org/officeDocument/2006/math">
                     <m:oMathParaPr>
@@ -8013,7 +7884,7 @@
             </p:txBody>
           </p:sp>
         </mc:Choice>
-        <mc:Fallback>
+        <mc:Fallback xmlns="">
           <p:sp>
             <p:nvSpPr>
               <p:cNvPr id="132" name="TextBox 131"/>
@@ -8311,8 +8182,8 @@
           </a:p>
         </p:txBody>
       </p:sp>
-      <mc:AlternateContent xmlns:mc="http://schemas.openxmlformats.org/markup-compatibility/2006">
-        <mc:Choice xmlns:a14="http://schemas.microsoft.com/office/drawing/2010/main" Requires="a14">
+      <mc:AlternateContent xmlns:mc="http://schemas.openxmlformats.org/markup-compatibility/2006" xmlns:a14="http://schemas.microsoft.com/office/drawing/2010/main">
+        <mc:Choice Requires="a14">
           <p:sp>
             <p:nvSpPr>
               <p:cNvPr id="140" name="TextBox 139"/>
@@ -8335,6 +8206,7 @@
               </a:bodyPr>
               <a:lstStyle/>
               <a:p>
+                <a:pPr/>
                 <a14:m>
                   <m:oMathPara xmlns:m="http://schemas.openxmlformats.org/officeDocument/2006/math">
                     <m:oMathParaPr>
@@ -8384,7 +8256,7 @@
             </p:txBody>
           </p:sp>
         </mc:Choice>
-        <mc:Fallback>
+        <mc:Fallback xmlns="">
           <p:sp>
             <p:nvSpPr>
               <p:cNvPr id="140" name="TextBox 139"/>
@@ -8559,8 +8431,8 @@
           </a:fontRef>
         </p:style>
       </p:cxnSp>
-      <mc:AlternateContent xmlns:mc="http://schemas.openxmlformats.org/markup-compatibility/2006">
-        <mc:Choice xmlns:a14="http://schemas.microsoft.com/office/drawing/2010/main" Requires="a14">
+      <mc:AlternateContent xmlns:mc="http://schemas.openxmlformats.org/markup-compatibility/2006" xmlns:a14="http://schemas.microsoft.com/office/drawing/2010/main">
+        <mc:Choice Requires="a14">
           <p:sp>
             <p:nvSpPr>
               <p:cNvPr id="11" name="TextBox 10"/>
@@ -8583,6 +8455,7 @@
               </a:bodyPr>
               <a:lstStyle/>
               <a:p>
+                <a:pPr/>
                 <a14:m>
                   <m:oMathPara xmlns:m="http://schemas.openxmlformats.org/officeDocument/2006/math">
                     <m:oMathParaPr>
@@ -8791,7 +8664,7 @@
             </p:txBody>
           </p:sp>
         </mc:Choice>
-        <mc:Fallback>
+        <mc:Fallback xmlns="">
           <p:sp>
             <p:nvSpPr>
               <p:cNvPr id="11" name="TextBox 10"/>
@@ -8977,8 +8850,8 @@
           </a:p>
         </p:txBody>
       </p:sp>
-      <mc:AlternateContent xmlns:mc="http://schemas.openxmlformats.org/markup-compatibility/2006">
-        <mc:Choice xmlns:a14="http://schemas.microsoft.com/office/drawing/2010/main" Requires="a14">
+      <mc:AlternateContent xmlns:mc="http://schemas.openxmlformats.org/markup-compatibility/2006" xmlns:a14="http://schemas.microsoft.com/office/drawing/2010/main">
+        <mc:Choice Requires="a14">
           <p:sp>
             <p:nvSpPr>
               <p:cNvPr id="4" name="Rectangle 3"/>
@@ -9076,11 +8949,7 @@
                 </a14:m>
                 <a:r>
                   <a:rPr lang="pt-PT" sz="2400" dirty="0" smtClean="0"/>
-                  <a:t>=</a:t>
-                </a:r>
-                <a:r>
-                  <a:rPr lang="pt-PT" sz="2400" dirty="0" smtClean="0"/>
-                  <a:t> </a:t>
+                  <a:t>= </a:t>
                 </a:r>
                 <a14:m>
                   <m:oMath xmlns:m="http://schemas.openxmlformats.org/officeDocument/2006/math">
@@ -9148,7 +9017,7 @@
             </p:txBody>
           </p:sp>
         </mc:Choice>
-        <mc:Fallback>
+        <mc:Fallback xmlns="">
           <p:sp>
             <p:nvSpPr>
               <p:cNvPr id="4" name="Rectangle 3"/>
@@ -9187,8 +9056,8 @@
           </p:sp>
         </mc:Fallback>
       </mc:AlternateContent>
-      <mc:AlternateContent xmlns:mc="http://schemas.openxmlformats.org/markup-compatibility/2006">
-        <mc:Choice xmlns:a14="http://schemas.microsoft.com/office/drawing/2010/main" Requires="a14">
+      <mc:AlternateContent xmlns:mc="http://schemas.openxmlformats.org/markup-compatibility/2006" xmlns:a14="http://schemas.microsoft.com/office/drawing/2010/main">
+        <mc:Choice Requires="a14">
           <p:sp>
             <p:nvSpPr>
               <p:cNvPr id="10" name="Rectangle 9"/>
@@ -9281,7 +9150,7 @@
             </p:txBody>
           </p:sp>
         </mc:Choice>
-        <mc:Fallback>
+        <mc:Fallback xmlns="">
           <p:sp>
             <p:nvSpPr>
               <p:cNvPr id="10" name="Rectangle 9"/>
@@ -9383,148 +9252,8 @@
           </a:p>
         </p:txBody>
       </p:sp>
-      <mc:AlternateContent xmlns:mc="http://schemas.openxmlformats.org/markup-compatibility/2006">
-        <mc:Choice xmlns:a14="http://schemas.microsoft.com/office/drawing/2010/main" Requires="a14">
-          <p:sp>
-            <p:nvSpPr>
-              <p:cNvPr id="34" name="Oval 33"/>
-              <p:cNvSpPr/>
-              <p:nvPr/>
-            </p:nvSpPr>
-            <p:spPr>
-              <a:xfrm>
-                <a:off x="7092310" y="1042671"/>
-                <a:ext cx="1080135" cy="1080135"/>
-              </a:xfrm>
-              <a:prstGeom prst="ellipse">
-                <a:avLst/>
-              </a:prstGeom>
-            </p:spPr>
-            <p:style>
-              <a:lnRef idx="2">
-                <a:schemeClr val="dk1"/>
-              </a:lnRef>
-              <a:fillRef idx="1">
-                <a:schemeClr val="lt1"/>
-              </a:fillRef>
-              <a:effectRef idx="0">
-                <a:schemeClr val="dk1"/>
-              </a:effectRef>
-              <a:fontRef idx="minor">
-                <a:schemeClr val="dk1"/>
-              </a:fontRef>
-            </p:style>
-            <p:txBody>
-              <a:bodyPr rtlCol="0" anchor="ctr"/>
-              <a:lstStyle/>
-              <a:p>
-                <a:pPr algn="ctr"/>
-                <a14:m>
-                  <m:oMathPara xmlns:m="http://schemas.openxmlformats.org/officeDocument/2006/math">
-                    <m:oMathParaPr>
-                      <m:jc m:val="centerGroup"/>
-                    </m:oMathParaPr>
-                    <m:oMath xmlns:m="http://schemas.openxmlformats.org/officeDocument/2006/math">
-                      <m:d>
-                        <m:dPr>
-                          <m:begChr m:val=""/>
-                          <m:endChr m:val="⟩"/>
-                          <m:ctrlPr>
-                            <a:rPr lang="pt-PT" sz="2800" i="1" smtClean="0">
-                              <a:latin typeface="Cambria Math"/>
-                            </a:rPr>
-                          </m:ctrlPr>
-                        </m:dPr>
-                        <m:e>
-                          <m:d>
-                            <m:dPr>
-                              <m:begChr m:val="|"/>
-                              <m:endChr m:val=""/>
-                              <m:ctrlPr>
-                                <a:rPr lang="pt-PT" sz="2800" i="1" smtClean="0">
-                                  <a:latin typeface="Cambria Math"/>
-                                </a:rPr>
-                              </m:ctrlPr>
-                            </m:dPr>
-                            <m:e>
-                              <m:sSub>
-                                <m:sSubPr>
-                                  <m:ctrlPr>
-                                    <a:rPr lang="pt-PT" sz="2800" i="1" smtClean="0">
-                                      <a:latin typeface="Cambria Math"/>
-                                    </a:rPr>
-                                  </m:ctrlPr>
-                                </m:sSubPr>
-                                <m:e>
-                                  <m:r>
-                                    <a:rPr lang="pt-PT" sz="2800" b="0" i="1" smtClean="0">
-                                      <a:latin typeface="Cambria Math"/>
-                                    </a:rPr>
-                                    <m:t>𝜑</m:t>
-                                  </m:r>
-                                </m:e>
-                                <m:sub>
-                                  <m:r>
-                                    <a:rPr lang="pt-PT" sz="2800" b="0" i="1" smtClean="0">
-                                      <a:latin typeface="Cambria Math"/>
-                                    </a:rPr>
-                                    <m:t>1</m:t>
-                                  </m:r>
-                                </m:sub>
-                              </m:sSub>
-                            </m:e>
-                          </m:d>
-                        </m:e>
-                      </m:d>
-                    </m:oMath>
-                  </m:oMathPara>
-                </a14:m>
-                <a:endParaRPr lang="pt-PT" dirty="0"/>
-              </a:p>
-            </p:txBody>
-          </p:sp>
-        </mc:Choice>
-        <mc:Fallback>
-          <p:sp>
-            <p:nvSpPr>
-              <p:cNvPr id="34" name="Oval 33"/>
-              <p:cNvSpPr>
-                <a:spLocks noRot="1" noChangeAspect="1" noMove="1" noResize="1" noEditPoints="1" noAdjustHandles="1" noChangeArrowheads="1" noChangeShapeType="1" noTextEdit="1"/>
-              </p:cNvSpPr>
-              <p:nvPr/>
-            </p:nvSpPr>
-            <p:spPr>
-              <a:xfrm>
-                <a:off x="7092310" y="1042671"/>
-                <a:ext cx="1080135" cy="1080135"/>
-              </a:xfrm>
-              <a:prstGeom prst="ellipse">
-                <a:avLst/>
-              </a:prstGeom>
-              <a:blipFill rotWithShape="1">
-                <a:blip r:embed="rId4"/>
-                <a:stretch>
-                  <a:fillRect/>
-                </a:stretch>
-              </a:blipFill>
-            </p:spPr>
-            <p:txBody>
-              <a:bodyPr/>
-              <a:lstStyle/>
-              <a:p>
-                <a:r>
-                  <a:rPr lang="pt-PT">
-                    <a:noFill/>
-                  </a:rPr>
-                  <a:t> </a:t>
-                </a:r>
-              </a:p>
-            </p:txBody>
-          </p:sp>
-        </mc:Fallback>
-      </mc:AlternateContent>
-      <mc:AlternateContent xmlns:mc="http://schemas.openxmlformats.org/markup-compatibility/2006">
-        <mc:Choice xmlns:a14="http://schemas.microsoft.com/office/drawing/2010/main" Requires="a14">
+      <mc:AlternateContent xmlns:mc="http://schemas.openxmlformats.org/markup-compatibility/2006" xmlns:a14="http://schemas.microsoft.com/office/drawing/2010/main">
+        <mc:Choice Requires="a14">
           <p:sp>
             <p:nvSpPr>
               <p:cNvPr id="35" name="Oval 34"/>
@@ -9624,7 +9353,7 @@
             </p:txBody>
           </p:sp>
         </mc:Choice>
-        <mc:Fallback>
+        <mc:Fallback xmlns="">
           <p:sp>
             <p:nvSpPr>
               <p:cNvPr id="35" name="Oval 34"/>
@@ -9663,8 +9392,8 @@
           </p:sp>
         </mc:Fallback>
       </mc:AlternateContent>
-      <mc:AlternateContent xmlns:mc="http://schemas.openxmlformats.org/markup-compatibility/2006">
-        <mc:Choice xmlns:a14="http://schemas.microsoft.com/office/drawing/2010/main" Requires="a14">
+      <mc:AlternateContent xmlns:mc="http://schemas.openxmlformats.org/markup-compatibility/2006" xmlns:a14="http://schemas.microsoft.com/office/drawing/2010/main">
+        <mc:Choice Requires="a14">
           <p:sp>
             <p:nvSpPr>
               <p:cNvPr id="36" name="Oval 35"/>
@@ -9764,7 +9493,7 @@
             </p:txBody>
           </p:sp>
         </mc:Choice>
-        <mc:Fallback>
+        <mc:Fallback xmlns="">
           <p:sp>
             <p:nvSpPr>
               <p:cNvPr id="36" name="Oval 35"/>
@@ -9833,8 +9562,8 @@
           </a:p>
         </p:txBody>
       </p:sp>
-      <mc:AlternateContent xmlns:mc="http://schemas.openxmlformats.org/markup-compatibility/2006">
-        <mc:Choice xmlns:a14="http://schemas.microsoft.com/office/drawing/2010/main" Requires="a14">
+      <mc:AlternateContent xmlns:mc="http://schemas.openxmlformats.org/markup-compatibility/2006" xmlns:a14="http://schemas.microsoft.com/office/drawing/2010/main">
+        <mc:Choice Requires="a14">
           <p:sp>
             <p:nvSpPr>
               <p:cNvPr id="56" name="TextBox 55"/>
@@ -9857,6 +9586,7 @@
               </a:bodyPr>
               <a:lstStyle/>
               <a:p>
+                <a:pPr/>
                 <a14:m>
                   <m:oMathPara xmlns:m="http://schemas.openxmlformats.org/officeDocument/2006/math">
                     <m:oMathParaPr>
@@ -9878,7 +9608,7 @@
             </p:txBody>
           </p:sp>
         </mc:Choice>
-        <mc:Fallback>
+        <mc:Fallback xmlns="">
           <p:sp>
             <p:nvSpPr>
               <p:cNvPr id="56" name="TextBox 55"/>
@@ -9917,8 +9647,8 @@
           </p:sp>
         </mc:Fallback>
       </mc:AlternateContent>
-      <mc:AlternateContent xmlns:mc="http://schemas.openxmlformats.org/markup-compatibility/2006">
-        <mc:Choice xmlns:a14="http://schemas.microsoft.com/office/drawing/2010/main" Requires="a14">
+      <mc:AlternateContent xmlns:mc="http://schemas.openxmlformats.org/markup-compatibility/2006" xmlns:a14="http://schemas.microsoft.com/office/drawing/2010/main">
+        <mc:Choice Requires="a14">
           <p:sp>
             <p:nvSpPr>
               <p:cNvPr id="67" name="TextBox 66"/>
@@ -9941,6 +9671,7 @@
               </a:bodyPr>
               <a:lstStyle/>
               <a:p>
+                <a:pPr/>
                 <a14:m>
                   <m:oMathPara xmlns:m="http://schemas.openxmlformats.org/officeDocument/2006/math">
                     <m:oMathParaPr>
@@ -9973,7 +9704,7 @@
             </p:txBody>
           </p:sp>
         </mc:Choice>
-        <mc:Fallback>
+        <mc:Fallback xmlns="">
           <p:sp>
             <p:nvSpPr>
               <p:cNvPr id="67" name="TextBox 66"/>
@@ -10012,8 +9743,8 @@
           </p:sp>
         </mc:Fallback>
       </mc:AlternateContent>
-      <mc:AlternateContent xmlns:mc="http://schemas.openxmlformats.org/markup-compatibility/2006">
-        <mc:Choice xmlns:a14="http://schemas.microsoft.com/office/drawing/2010/main" Requires="a14">
+      <mc:AlternateContent xmlns:mc="http://schemas.openxmlformats.org/markup-compatibility/2006" xmlns:a14="http://schemas.microsoft.com/office/drawing/2010/main">
+        <mc:Choice Requires="a14">
           <p:sp>
             <p:nvSpPr>
               <p:cNvPr id="68" name="TextBox 67"/>
@@ -10036,6 +9767,7 @@
               </a:bodyPr>
               <a:lstStyle/>
               <a:p>
+                <a:pPr/>
                 <a14:m>
                   <m:oMathPara xmlns:m="http://schemas.openxmlformats.org/officeDocument/2006/math">
                     <m:oMathParaPr>
@@ -10068,7 +9800,7 @@
             </p:txBody>
           </p:sp>
         </mc:Choice>
-        <mc:Fallback>
+        <mc:Fallback xmlns="">
           <p:sp>
             <p:nvSpPr>
               <p:cNvPr id="68" name="TextBox 67"/>
@@ -10140,8 +9872,8 @@
           </a:fontRef>
         </p:style>
       </p:cxnSp>
-      <mc:AlternateContent xmlns:mc="http://schemas.openxmlformats.org/markup-compatibility/2006">
-        <mc:Choice xmlns:a14="http://schemas.microsoft.com/office/drawing/2010/main" Requires="a14">
+      <mc:AlternateContent xmlns:mc="http://schemas.openxmlformats.org/markup-compatibility/2006" xmlns:a14="http://schemas.microsoft.com/office/drawing/2010/main">
+        <mc:Choice Requires="a14">
           <p:sp>
             <p:nvSpPr>
               <p:cNvPr id="110" name="Rectangle 109"/>
@@ -10234,7 +9966,7 @@
             </p:txBody>
           </p:sp>
         </mc:Choice>
-        <mc:Fallback>
+        <mc:Fallback xmlns="">
           <p:sp>
             <p:nvSpPr>
               <p:cNvPr id="110" name="Rectangle 109"/>
@@ -10497,8 +10229,8 @@
           </a:p>
         </p:txBody>
       </p:sp>
-      <mc:AlternateContent xmlns:mc="http://schemas.openxmlformats.org/markup-compatibility/2006">
-        <mc:Choice xmlns:a14="http://schemas.microsoft.com/office/drawing/2010/main" Requires="a14">
+      <mc:AlternateContent xmlns:mc="http://schemas.openxmlformats.org/markup-compatibility/2006" xmlns:a14="http://schemas.microsoft.com/office/drawing/2010/main">
+        <mc:Choice Requires="a14">
           <p:sp>
             <p:nvSpPr>
               <p:cNvPr id="132" name="TextBox 131"/>
@@ -10521,6 +10253,7 @@
               </a:bodyPr>
               <a:lstStyle/>
               <a:p>
+                <a:pPr/>
                 <a14:m>
                   <m:oMathPara xmlns:m="http://schemas.openxmlformats.org/officeDocument/2006/math">
                     <m:oMathParaPr>
@@ -10570,7 +10303,7 @@
             </p:txBody>
           </p:sp>
         </mc:Choice>
-        <mc:Fallback>
+        <mc:Fallback xmlns="">
           <p:sp>
             <p:nvSpPr>
               <p:cNvPr id="132" name="TextBox 131"/>
@@ -10868,8 +10601,8 @@
           </a:p>
         </p:txBody>
       </p:sp>
-      <mc:AlternateContent xmlns:mc="http://schemas.openxmlformats.org/markup-compatibility/2006">
-        <mc:Choice xmlns:a14="http://schemas.microsoft.com/office/drawing/2010/main" Requires="a14">
+      <mc:AlternateContent xmlns:mc="http://schemas.openxmlformats.org/markup-compatibility/2006" xmlns:a14="http://schemas.microsoft.com/office/drawing/2010/main">
+        <mc:Choice Requires="a14">
           <p:sp>
             <p:nvSpPr>
               <p:cNvPr id="140" name="TextBox 139"/>
@@ -10892,6 +10625,7 @@
               </a:bodyPr>
               <a:lstStyle/>
               <a:p>
+                <a:pPr/>
                 <a14:m>
                   <m:oMathPara xmlns:m="http://schemas.openxmlformats.org/officeDocument/2006/math">
                     <m:oMathParaPr>
@@ -10941,7 +10675,7 @@
             </p:txBody>
           </p:sp>
         </mc:Choice>
-        <mc:Fallback>
+        <mc:Fallback xmlns="">
           <p:sp>
             <p:nvSpPr>
               <p:cNvPr id="140" name="TextBox 139"/>
@@ -11116,8 +10850,8 @@
           </a:fontRef>
         </p:style>
       </p:cxnSp>
-      <mc:AlternateContent xmlns:mc="http://schemas.openxmlformats.org/markup-compatibility/2006">
-        <mc:Choice xmlns:a14="http://schemas.microsoft.com/office/drawing/2010/main" Requires="a14">
+      <mc:AlternateContent xmlns:mc="http://schemas.openxmlformats.org/markup-compatibility/2006" xmlns:a14="http://schemas.microsoft.com/office/drawing/2010/main">
+        <mc:Choice Requires="a14">
           <p:sp>
             <p:nvSpPr>
               <p:cNvPr id="11" name="TextBox 10"/>
@@ -11140,6 +10874,7 @@
               </a:bodyPr>
               <a:lstStyle/>
               <a:p>
+                <a:pPr/>
                 <a14:m>
                   <m:oMathPara xmlns:m="http://schemas.openxmlformats.org/officeDocument/2006/math">
                     <m:oMathParaPr>
@@ -11348,7 +11083,7 @@
             </p:txBody>
           </p:sp>
         </mc:Choice>
-        <mc:Fallback>
+        <mc:Fallback xmlns="">
           <p:sp>
             <p:nvSpPr>
               <p:cNvPr id="11" name="TextBox 10"/>
@@ -11542,8 +11277,8 @@
           </a:p>
         </p:txBody>
       </p:sp>
-      <mc:AlternateContent xmlns:mc="http://schemas.openxmlformats.org/markup-compatibility/2006">
-        <mc:Choice xmlns:a14="http://schemas.microsoft.com/office/drawing/2010/main" Requires="a14">
+      <mc:AlternateContent xmlns:mc="http://schemas.openxmlformats.org/markup-compatibility/2006" xmlns:a14="http://schemas.microsoft.com/office/drawing/2010/main">
+        <mc:Choice Requires="a14">
           <p:sp>
             <p:nvSpPr>
               <p:cNvPr id="9" name="Oval 8"/>
@@ -11643,7 +11378,7 @@
             </p:txBody>
           </p:sp>
         </mc:Choice>
-        <mc:Fallback>
+        <mc:Fallback xmlns="">
           <p:sp>
             <p:nvSpPr>
               <p:cNvPr id="9" name="Oval 8"/>
@@ -11682,8 +11417,8 @@
           </p:sp>
         </mc:Fallback>
       </mc:AlternateContent>
-      <mc:AlternateContent xmlns:mc="http://schemas.openxmlformats.org/markup-compatibility/2006">
-        <mc:Choice xmlns:a14="http://schemas.microsoft.com/office/drawing/2010/main" Requires="a14">
+      <mc:AlternateContent xmlns:mc="http://schemas.openxmlformats.org/markup-compatibility/2006" xmlns:a14="http://schemas.microsoft.com/office/drawing/2010/main">
+        <mc:Choice Requires="a14">
           <p:sp>
             <p:nvSpPr>
               <p:cNvPr id="10" name="Oval 9"/>
@@ -11783,7 +11518,7 @@
             </p:txBody>
           </p:sp>
         </mc:Choice>
-        <mc:Fallback>
+        <mc:Fallback xmlns="">
           <p:sp>
             <p:nvSpPr>
               <p:cNvPr id="10" name="Oval 9"/>
@@ -11822,8 +11557,8 @@
           </p:sp>
         </mc:Fallback>
       </mc:AlternateContent>
-      <mc:AlternateContent xmlns:mc="http://schemas.openxmlformats.org/markup-compatibility/2006">
-        <mc:Choice xmlns:a14="http://schemas.microsoft.com/office/drawing/2010/main" Requires="a14">
+      <mc:AlternateContent xmlns:mc="http://schemas.openxmlformats.org/markup-compatibility/2006" xmlns:a14="http://schemas.microsoft.com/office/drawing/2010/main">
+        <mc:Choice Requires="a14">
           <p:sp>
             <p:nvSpPr>
               <p:cNvPr id="11" name="Oval 10"/>
@@ -11923,7 +11658,7 @@
             </p:txBody>
           </p:sp>
         </mc:Choice>
-        <mc:Fallback>
+        <mc:Fallback xmlns="">
           <p:sp>
             <p:nvSpPr>
               <p:cNvPr id="11" name="Oval 10"/>
@@ -11962,8 +11697,8 @@
           </p:sp>
         </mc:Fallback>
       </mc:AlternateContent>
-      <mc:AlternateContent xmlns:mc="http://schemas.openxmlformats.org/markup-compatibility/2006">
-        <mc:Choice xmlns:a14="http://schemas.microsoft.com/office/drawing/2010/main" Requires="a14">
+      <mc:AlternateContent xmlns:mc="http://schemas.openxmlformats.org/markup-compatibility/2006" xmlns:a14="http://schemas.microsoft.com/office/drawing/2010/main">
+        <mc:Choice Requires="a14">
           <p:sp>
             <p:nvSpPr>
               <p:cNvPr id="12" name="Rectangle 11"/>
@@ -12056,7 +11791,7 @@
             </p:txBody>
           </p:sp>
         </mc:Choice>
-        <mc:Fallback>
+        <mc:Fallback xmlns="">
           <p:sp>
             <p:nvSpPr>
               <p:cNvPr id="12" name="Rectangle 11"/>
@@ -12163,8 +11898,8 @@
           </a:fontRef>
         </p:style>
       </p:cxnSp>
-      <mc:AlternateContent xmlns:mc="http://schemas.openxmlformats.org/markup-compatibility/2006">
-        <mc:Choice xmlns:a14="http://schemas.microsoft.com/office/drawing/2010/main" Requires="a14">
+      <mc:AlternateContent xmlns:mc="http://schemas.openxmlformats.org/markup-compatibility/2006" xmlns:a14="http://schemas.microsoft.com/office/drawing/2010/main">
+        <mc:Choice Requires="a14">
           <p:sp>
             <p:nvSpPr>
               <p:cNvPr id="16" name="Oval 15"/>
@@ -12264,7 +11999,7 @@
             </p:txBody>
           </p:sp>
         </mc:Choice>
-        <mc:Fallback>
+        <mc:Fallback xmlns="">
           <p:sp>
             <p:nvSpPr>
               <p:cNvPr id="16" name="Oval 15"/>
@@ -12303,8 +12038,8 @@
           </p:sp>
         </mc:Fallback>
       </mc:AlternateContent>
-      <mc:AlternateContent xmlns:mc="http://schemas.openxmlformats.org/markup-compatibility/2006">
-        <mc:Choice xmlns:a14="http://schemas.microsoft.com/office/drawing/2010/main" Requires="a14">
+      <mc:AlternateContent xmlns:mc="http://schemas.openxmlformats.org/markup-compatibility/2006" xmlns:a14="http://schemas.microsoft.com/office/drawing/2010/main">
+        <mc:Choice Requires="a14">
           <p:sp>
             <p:nvSpPr>
               <p:cNvPr id="17" name="Oval 16"/>
@@ -12404,7 +12139,7 @@
             </p:txBody>
           </p:sp>
         </mc:Choice>
-        <mc:Fallback>
+        <mc:Fallback xmlns="">
           <p:sp>
             <p:nvSpPr>
               <p:cNvPr id="17" name="Oval 16"/>
@@ -12443,8 +12178,8 @@
           </p:sp>
         </mc:Fallback>
       </mc:AlternateContent>
-      <mc:AlternateContent xmlns:mc="http://schemas.openxmlformats.org/markup-compatibility/2006">
-        <mc:Choice xmlns:a14="http://schemas.microsoft.com/office/drawing/2010/main" Requires="a14">
+      <mc:AlternateContent xmlns:mc="http://schemas.openxmlformats.org/markup-compatibility/2006" xmlns:a14="http://schemas.microsoft.com/office/drawing/2010/main">
+        <mc:Choice Requires="a14">
           <p:sp>
             <p:nvSpPr>
               <p:cNvPr id="18" name="Oval 17"/>
@@ -12544,7 +12279,7 @@
             </p:txBody>
           </p:sp>
         </mc:Choice>
-        <mc:Fallback>
+        <mc:Fallback xmlns="">
           <p:sp>
             <p:nvSpPr>
               <p:cNvPr id="18" name="Oval 17"/>
@@ -12583,8 +12318,8 @@
           </p:sp>
         </mc:Fallback>
       </mc:AlternateContent>
-      <mc:AlternateContent xmlns:mc="http://schemas.openxmlformats.org/markup-compatibility/2006">
-        <mc:Choice xmlns:a14="http://schemas.microsoft.com/office/drawing/2010/main" Requires="a14">
+      <mc:AlternateContent xmlns:mc="http://schemas.openxmlformats.org/markup-compatibility/2006" xmlns:a14="http://schemas.microsoft.com/office/drawing/2010/main">
+        <mc:Choice Requires="a14">
           <p:sp>
             <p:nvSpPr>
               <p:cNvPr id="19" name="Oval 18"/>
@@ -12684,7 +12419,7 @@
             </p:txBody>
           </p:sp>
         </mc:Choice>
-        <mc:Fallback>
+        <mc:Fallback xmlns="">
           <p:sp>
             <p:nvSpPr>
               <p:cNvPr id="19" name="Oval 18"/>
@@ -12723,8 +12458,8 @@
           </p:sp>
         </mc:Fallback>
       </mc:AlternateContent>
-      <mc:AlternateContent xmlns:mc="http://schemas.openxmlformats.org/markup-compatibility/2006">
-        <mc:Choice xmlns:a14="http://schemas.microsoft.com/office/drawing/2010/main" Requires="a14">
+      <mc:AlternateContent xmlns:mc="http://schemas.openxmlformats.org/markup-compatibility/2006" xmlns:a14="http://schemas.microsoft.com/office/drawing/2010/main">
+        <mc:Choice Requires="a14">
           <p:sp>
             <p:nvSpPr>
               <p:cNvPr id="20" name="TextBox 19"/>
@@ -12747,6 +12482,7 @@
               </a:bodyPr>
               <a:lstStyle/>
               <a:p>
+                <a:pPr/>
                 <a14:m>
                   <m:oMathPara xmlns:m="http://schemas.openxmlformats.org/officeDocument/2006/math">
                     <m:oMathParaPr>
@@ -12779,7 +12515,7 @@
             </p:txBody>
           </p:sp>
         </mc:Choice>
-        <mc:Fallback>
+        <mc:Fallback xmlns="">
           <p:sp>
             <p:nvSpPr>
               <p:cNvPr id="20" name="TextBox 19"/>
@@ -12976,8 +12712,8 @@
           </a:p>
         </p:txBody>
       </p:sp>
-      <mc:AlternateContent xmlns:mc="http://schemas.openxmlformats.org/markup-compatibility/2006">
-        <mc:Choice xmlns:a14="http://schemas.microsoft.com/office/drawing/2010/main" Requires="a14">
+      <mc:AlternateContent xmlns:mc="http://schemas.openxmlformats.org/markup-compatibility/2006" xmlns:a14="http://schemas.microsoft.com/office/drawing/2010/main">
+        <mc:Choice Requires="a14">
           <p:sp>
             <p:nvSpPr>
               <p:cNvPr id="25" name="TextBox 24"/>
@@ -13000,6 +12736,7 @@
               </a:bodyPr>
               <a:lstStyle/>
               <a:p>
+                <a:pPr/>
                 <a14:m>
                   <m:oMathPara xmlns:m="http://schemas.openxmlformats.org/officeDocument/2006/math">
                     <m:oMathParaPr>
@@ -13049,7 +12786,7 @@
             </p:txBody>
           </p:sp>
         </mc:Choice>
-        <mc:Fallback>
+        <mc:Fallback xmlns="">
           <p:sp>
             <p:nvSpPr>
               <p:cNvPr id="25" name="TextBox 24"/>
@@ -13347,8 +13084,8 @@
           </a:p>
         </p:txBody>
       </p:sp>
-      <mc:AlternateContent xmlns:mc="http://schemas.openxmlformats.org/markup-compatibility/2006">
-        <mc:Choice xmlns:a14="http://schemas.microsoft.com/office/drawing/2010/main" Requires="a14">
+      <mc:AlternateContent xmlns:mc="http://schemas.openxmlformats.org/markup-compatibility/2006" xmlns:a14="http://schemas.microsoft.com/office/drawing/2010/main">
+        <mc:Choice Requires="a14">
           <p:sp>
             <p:nvSpPr>
               <p:cNvPr id="33" name="TextBox 32"/>
@@ -13371,6 +13108,7 @@
               </a:bodyPr>
               <a:lstStyle/>
               <a:p>
+                <a:pPr/>
                 <a14:m>
                   <m:oMathPara xmlns:m="http://schemas.openxmlformats.org/officeDocument/2006/math">
                     <m:oMathParaPr>
@@ -13420,7 +13158,7 @@
             </p:txBody>
           </p:sp>
         </mc:Choice>
-        <mc:Fallback>
+        <mc:Fallback xmlns="">
           <p:sp>
             <p:nvSpPr>
               <p:cNvPr id="33" name="TextBox 32"/>
@@ -13666,8 +13404,8 @@
           </a:p>
         </p:txBody>
       </p:sp>
-      <mc:AlternateContent xmlns:mc="http://schemas.openxmlformats.org/markup-compatibility/2006">
-        <mc:Choice xmlns:a14="http://schemas.microsoft.com/office/drawing/2010/main" Requires="a14">
+      <mc:AlternateContent xmlns:mc="http://schemas.openxmlformats.org/markup-compatibility/2006" xmlns:a14="http://schemas.microsoft.com/office/drawing/2010/main">
+        <mc:Choice Requires="a14">
           <p:sp>
             <p:nvSpPr>
               <p:cNvPr id="6" name="TextBox 5"/>
@@ -13802,7 +13540,7 @@
             </p:txBody>
           </p:sp>
         </mc:Choice>
-        <mc:Fallback>
+        <mc:Fallback xmlns="">
           <p:sp>
             <p:nvSpPr>
               <p:cNvPr id="6" name="TextBox 5"/>
@@ -13851,7 +13589,7 @@
             </p:nvSpPr>
             <p:spPr>
               <a:xfrm>
-                <a:off x="1098462" y="3059668"/>
+                <a:off x="971550" y="3334345"/>
                 <a:ext cx="6747553" cy="369332"/>
               </a:xfrm>
               <a:prstGeom prst="rect">
@@ -13957,7 +13695,7 @@
             </p:nvSpPr>
             <p:spPr>
               <a:xfrm>
-                <a:off x="1098462" y="3059668"/>
+                <a:off x="971550" y="3334345"/>
                 <a:ext cx="6747553" cy="369332"/>
               </a:xfrm>
               <a:prstGeom prst="rect">
@@ -14091,14 +13829,15 @@
         <p:nvCxnSpPr>
           <p:cNvPr id="84" name="Straight Arrow Connector 83"/>
           <p:cNvCxnSpPr>
-            <a:stCxn id="5" idx="3"/>
+            <a:stCxn id="34" idx="3"/>
+            <a:endCxn id="85" idx="1"/>
           </p:cNvCxnSpPr>
           <p:nvPr/>
         </p:nvCxnSpPr>
         <p:spPr>
           <a:xfrm>
-            <a:off x="4932045" y="5049203"/>
-            <a:ext cx="360045" cy="0"/>
+            <a:off x="4932044" y="5049202"/>
+            <a:ext cx="720091" cy="2"/>
           </a:xfrm>
           <a:prstGeom prst="straightConnector1">
             <a:avLst/>
@@ -14130,7 +13869,7 @@
         </p:nvSpPr>
         <p:spPr>
           <a:xfrm>
-            <a:off x="5292090" y="4869180"/>
+            <a:off x="5652135" y="4869181"/>
             <a:ext cx="1440180" cy="360045"/>
           </a:xfrm>
           <a:prstGeom prst="rect">
@@ -14172,7 +13911,7 @@
         </p:nvSpPr>
         <p:spPr>
           <a:xfrm>
-            <a:off x="6732270" y="4329113"/>
+            <a:off x="7092315" y="4329114"/>
             <a:ext cx="360045" cy="1440180"/>
           </a:xfrm>
           <a:prstGeom prst="leftBrace">
@@ -14210,8 +13949,8 @@
         </p:nvSpPr>
         <p:spPr>
           <a:xfrm>
-            <a:off x="7006416" y="4587537"/>
-            <a:ext cx="2062308" cy="923330"/>
+            <a:off x="7366461" y="4638347"/>
+            <a:ext cx="2062308" cy="1200329"/>
           </a:xfrm>
           <a:prstGeom prst="rect">
             <a:avLst/>
@@ -14230,8 +13969,17 @@
             </a:pPr>
             <a:r>
               <a:rPr lang="pt-PT" dirty="0" smtClean="0"/>
-              <a:t>Player 1 payoff</a:t>
+              <a:t>Player </a:t>
             </a:r>
+            <a:r>
+              <a:rPr lang="pt-PT" dirty="0" smtClean="0"/>
+              <a:t>2 </a:t>
+            </a:r>
+            <a:r>
+              <a:rPr lang="pt-PT" dirty="0" smtClean="0"/>
+              <a:t>step 2 payoff</a:t>
+            </a:r>
+            <a:endParaRPr lang="pt-PT" dirty="0" smtClean="0"/>
           </a:p>
           <a:p>
             <a:pPr marL="285750" indent="-285750">
@@ -14240,18 +13988,17 @@
             </a:pPr>
             <a:r>
               <a:rPr lang="pt-PT" dirty="0" smtClean="0"/>
-              <a:t>Player 2 payoff</a:t>
+              <a:t>Player 3 </a:t>
             </a:r>
-          </a:p>
-          <a:p>
-            <a:pPr marL="285750" indent="-285750">
-              <a:buFont typeface="Arial" panose="020B0604020202020204" pitchFamily="34" charset="0"/>
-              <a:buChar char="•"/>
-            </a:pPr>
             <a:r>
               <a:rPr lang="pt-PT" dirty="0" smtClean="0"/>
-              <a:t>Player 3 payoff</a:t>
+              <a:t>step 2</a:t>
             </a:r>
+            <a:r>
+              <a:rPr lang="pt-PT" dirty="0" smtClean="0"/>
+              <a:t> payoff</a:t>
+            </a:r>
+            <a:endParaRPr lang="pt-PT" dirty="0" smtClean="0"/>
           </a:p>
         </p:txBody>
       </p:sp>
@@ -14361,6 +14108,872 @@
           </a:fontRef>
         </p:style>
       </p:cxnSp>
+      <p:cxnSp>
+        <p:nvCxnSpPr>
+          <p:cNvPr id="15" name="Straight Arrow Connector 14"/>
+          <p:cNvCxnSpPr/>
+          <p:nvPr/>
+        </p:nvCxnSpPr>
+        <p:spPr>
+          <a:xfrm>
+            <a:off x="4572000" y="1628775"/>
+            <a:ext cx="360045" cy="0"/>
+          </a:xfrm>
+          <a:prstGeom prst="straightConnector1">
+            <a:avLst/>
+          </a:prstGeom>
+          <a:ln>
+            <a:tailEnd type="arrow"/>
+          </a:ln>
+        </p:spPr>
+        <p:style>
+          <a:lnRef idx="3">
+            <a:schemeClr val="dk1"/>
+          </a:lnRef>
+          <a:fillRef idx="0">
+            <a:schemeClr val="dk1"/>
+          </a:fillRef>
+          <a:effectRef idx="2">
+            <a:schemeClr val="dk1"/>
+          </a:effectRef>
+          <a:fontRef idx="minor">
+            <a:schemeClr val="tx1"/>
+          </a:fontRef>
+        </p:style>
+      </p:cxnSp>
+      <p:sp>
+        <p:nvSpPr>
+          <p:cNvPr id="16" name="Rectangle 15"/>
+          <p:cNvSpPr/>
+          <p:nvPr/>
+        </p:nvSpPr>
+        <p:spPr>
+          <a:xfrm>
+            <a:off x="4932045" y="1448752"/>
+            <a:ext cx="1440180" cy="360045"/>
+          </a:xfrm>
+          <a:prstGeom prst="rect">
+            <a:avLst/>
+          </a:prstGeom>
+        </p:spPr>
+        <p:style>
+          <a:lnRef idx="2">
+            <a:schemeClr val="dk1"/>
+          </a:lnRef>
+          <a:fillRef idx="1">
+            <a:schemeClr val="lt1"/>
+          </a:fillRef>
+          <a:effectRef idx="0">
+            <a:schemeClr val="dk1"/>
+          </a:effectRef>
+          <a:fontRef idx="minor">
+            <a:schemeClr val="dk1"/>
+          </a:fontRef>
+        </p:style>
+        <p:txBody>
+          <a:bodyPr rtlCol="0" anchor="ctr"/>
+          <a:lstStyle/>
+          <a:p>
+            <a:pPr algn="ctr"/>
+            <a:r>
+              <a:rPr lang="pt-PT" dirty="0" smtClean="0"/>
+              <a:t>Measure</a:t>
+            </a:r>
+            <a:endParaRPr lang="pt-PT" dirty="0"/>
+          </a:p>
+        </p:txBody>
+      </p:sp>
+      <p:sp>
+        <p:nvSpPr>
+          <p:cNvPr id="17" name="Left Brace 16"/>
+          <p:cNvSpPr/>
+          <p:nvPr/>
+        </p:nvSpPr>
+        <p:spPr>
+          <a:xfrm>
+            <a:off x="6372225" y="908685"/>
+            <a:ext cx="360045" cy="1440180"/>
+          </a:xfrm>
+          <a:prstGeom prst="leftBrace">
+            <a:avLst/>
+          </a:prstGeom>
+        </p:spPr>
+        <p:style>
+          <a:lnRef idx="3">
+            <a:schemeClr val="dk1"/>
+          </a:lnRef>
+          <a:fillRef idx="0">
+            <a:schemeClr val="dk1"/>
+          </a:fillRef>
+          <a:effectRef idx="2">
+            <a:schemeClr val="dk1"/>
+          </a:effectRef>
+          <a:fontRef idx="minor">
+            <a:schemeClr val="tx1"/>
+          </a:fontRef>
+        </p:style>
+        <p:txBody>
+          <a:bodyPr rtlCol="0" anchor="ctr"/>
+          <a:lstStyle/>
+          <a:p>
+            <a:pPr algn="ctr"/>
+            <a:endParaRPr lang="pt-PT"/>
+          </a:p>
+        </p:txBody>
+      </p:sp>
+      <p:sp>
+        <p:nvSpPr>
+          <p:cNvPr id="18" name="TextBox 17"/>
+          <p:cNvSpPr txBox="1"/>
+          <p:nvPr/>
+        </p:nvSpPr>
+        <p:spPr>
+          <a:xfrm>
+            <a:off x="6646371" y="1167109"/>
+            <a:ext cx="2062308" cy="923330"/>
+          </a:xfrm>
+          <a:prstGeom prst="rect">
+            <a:avLst/>
+          </a:prstGeom>
+          <a:noFill/>
+        </p:spPr>
+        <p:txBody>
+          <a:bodyPr wrap="square" rtlCol="0">
+            <a:spAutoFit/>
+          </a:bodyPr>
+          <a:lstStyle/>
+          <a:p>
+            <a:pPr marL="285750" indent="-285750">
+              <a:buFont typeface="Arial" panose="020B0604020202020204" pitchFamily="34" charset="0"/>
+              <a:buChar char="•"/>
+            </a:pPr>
+            <a:r>
+              <a:rPr lang="pt-PT" dirty="0" smtClean="0"/>
+              <a:t>Player 1 payoff</a:t>
+            </a:r>
+          </a:p>
+          <a:p>
+            <a:pPr marL="285750" indent="-285750">
+              <a:buFont typeface="Arial" panose="020B0604020202020204" pitchFamily="34" charset="0"/>
+              <a:buChar char="•"/>
+            </a:pPr>
+            <a:r>
+              <a:rPr lang="pt-PT" dirty="0" smtClean="0"/>
+              <a:t>Player </a:t>
+            </a:r>
+            <a:r>
+              <a:rPr lang="pt-PT" dirty="0" smtClean="0"/>
+              <a:t>2 payoff</a:t>
+            </a:r>
+          </a:p>
+          <a:p>
+            <a:pPr marL="285750" indent="-285750">
+              <a:buFont typeface="Arial" panose="020B0604020202020204" pitchFamily="34" charset="0"/>
+              <a:buChar char="•"/>
+            </a:pPr>
+            <a:r>
+              <a:rPr lang="pt-PT" dirty="0" smtClean="0"/>
+              <a:t>Player 3 payoff</a:t>
+            </a:r>
+          </a:p>
+        </p:txBody>
+      </p:sp>
+      <p:cxnSp>
+        <p:nvCxnSpPr>
+          <p:cNvPr id="10" name="Straight Arrow Connector 9"/>
+          <p:cNvCxnSpPr>
+            <a:endCxn id="16" idx="0"/>
+          </p:cNvCxnSpPr>
+          <p:nvPr/>
+        </p:nvCxnSpPr>
+        <p:spPr>
+          <a:xfrm>
+            <a:off x="5652135" y="561622"/>
+            <a:ext cx="0" cy="887130"/>
+          </a:xfrm>
+          <a:prstGeom prst="straightConnector1">
+            <a:avLst/>
+          </a:prstGeom>
+          <a:ln>
+            <a:tailEnd type="arrow"/>
+          </a:ln>
+        </p:spPr>
+        <p:style>
+          <a:lnRef idx="3">
+            <a:schemeClr val="dk1"/>
+          </a:lnRef>
+          <a:fillRef idx="0">
+            <a:schemeClr val="dk1"/>
+          </a:fillRef>
+          <a:effectRef idx="2">
+            <a:schemeClr val="dk1"/>
+          </a:effectRef>
+          <a:fontRef idx="minor">
+            <a:schemeClr val="tx1"/>
+          </a:fontRef>
+        </p:style>
+      </p:cxnSp>
+      <p:cxnSp>
+        <p:nvCxnSpPr>
+          <p:cNvPr id="12" name="Straight Connector 11"/>
+          <p:cNvCxnSpPr/>
+          <p:nvPr/>
+        </p:nvCxnSpPr>
+        <p:spPr>
+          <a:xfrm>
+            <a:off x="8667403" y="548640"/>
+            <a:ext cx="0" cy="2160270"/>
+          </a:xfrm>
+          <a:prstGeom prst="line">
+            <a:avLst/>
+          </a:prstGeom>
+        </p:spPr>
+        <p:style>
+          <a:lnRef idx="3">
+            <a:schemeClr val="dk1"/>
+          </a:lnRef>
+          <a:fillRef idx="0">
+            <a:schemeClr val="dk1"/>
+          </a:fillRef>
+          <a:effectRef idx="2">
+            <a:schemeClr val="dk1"/>
+          </a:effectRef>
+          <a:fontRef idx="minor">
+            <a:schemeClr val="tx1"/>
+          </a:fontRef>
+        </p:style>
+      </p:cxnSp>
+      <p:cxnSp>
+        <p:nvCxnSpPr>
+          <p:cNvPr id="14" name="Straight Connector 13"/>
+          <p:cNvCxnSpPr/>
+          <p:nvPr/>
+        </p:nvCxnSpPr>
+        <p:spPr>
+          <a:xfrm>
+            <a:off x="8670175" y="2708910"/>
+            <a:ext cx="0" cy="1620203"/>
+          </a:xfrm>
+          <a:prstGeom prst="line">
+            <a:avLst/>
+          </a:prstGeom>
+        </p:spPr>
+        <p:style>
+          <a:lnRef idx="3">
+            <a:schemeClr val="dk1"/>
+          </a:lnRef>
+          <a:fillRef idx="0">
+            <a:schemeClr val="dk1"/>
+          </a:fillRef>
+          <a:effectRef idx="2">
+            <a:schemeClr val="dk1"/>
+          </a:effectRef>
+          <a:fontRef idx="minor">
+            <a:schemeClr val="tx1"/>
+          </a:fontRef>
+        </p:style>
+      </p:cxnSp>
+      <p:cxnSp>
+        <p:nvCxnSpPr>
+          <p:cNvPr id="25" name="Straight Connector 24"/>
+          <p:cNvCxnSpPr/>
+          <p:nvPr/>
+        </p:nvCxnSpPr>
+        <p:spPr>
+          <a:xfrm>
+            <a:off x="5652135" y="561622"/>
+            <a:ext cx="3015268" cy="0"/>
+          </a:xfrm>
+          <a:prstGeom prst="line">
+            <a:avLst/>
+          </a:prstGeom>
+        </p:spPr>
+        <p:style>
+          <a:lnRef idx="3">
+            <a:schemeClr val="dk1"/>
+          </a:lnRef>
+          <a:fillRef idx="0">
+            <a:schemeClr val="dk1"/>
+          </a:fillRef>
+          <a:effectRef idx="2">
+            <a:schemeClr val="dk1"/>
+          </a:effectRef>
+          <a:fontRef idx="minor">
+            <a:schemeClr val="tx1"/>
+          </a:fontRef>
+        </p:style>
+      </p:cxnSp>
+      <p:sp>
+        <p:nvSpPr>
+          <p:cNvPr id="34" name="Diamond 33"/>
+          <p:cNvSpPr/>
+          <p:nvPr/>
+        </p:nvSpPr>
+        <p:spPr>
+          <a:xfrm>
+            <a:off x="4571999" y="4869179"/>
+            <a:ext cx="360045" cy="360045"/>
+          </a:xfrm>
+          <a:prstGeom prst="diamond">
+            <a:avLst/>
+          </a:prstGeom>
+        </p:spPr>
+        <p:style>
+          <a:lnRef idx="2">
+            <a:schemeClr val="dk1"/>
+          </a:lnRef>
+          <a:fillRef idx="1">
+            <a:schemeClr val="lt1"/>
+          </a:fillRef>
+          <a:effectRef idx="0">
+            <a:schemeClr val="dk1"/>
+          </a:effectRef>
+          <a:fontRef idx="minor">
+            <a:schemeClr val="dk1"/>
+          </a:fontRef>
+        </p:style>
+        <p:txBody>
+          <a:bodyPr rtlCol="0" anchor="ctr"/>
+          <a:lstStyle/>
+          <a:p>
+            <a:pPr algn="ctr"/>
+            <a:endParaRPr lang="pt-PT"/>
+          </a:p>
+        </p:txBody>
+      </p:sp>
+      <p:cxnSp>
+        <p:nvCxnSpPr>
+          <p:cNvPr id="35" name="Elbow Connector 34"/>
+          <p:cNvCxnSpPr>
+            <a:stCxn id="34" idx="1"/>
+          </p:cNvCxnSpPr>
+          <p:nvPr/>
+        </p:nvCxnSpPr>
+        <p:spPr>
+          <a:xfrm rot="10800000" flipV="1">
+            <a:off x="4053429" y="5049201"/>
+            <a:ext cx="518571" cy="461665"/>
+          </a:xfrm>
+          <a:prstGeom prst="bentConnector3">
+            <a:avLst>
+              <a:gd name="adj1" fmla="val 50000"/>
+            </a:avLst>
+          </a:prstGeom>
+          <a:ln>
+            <a:tailEnd type="arrow"/>
+          </a:ln>
+        </p:spPr>
+        <p:style>
+          <a:lnRef idx="2">
+            <a:schemeClr val="dk1"/>
+          </a:lnRef>
+          <a:fillRef idx="0">
+            <a:schemeClr val="dk1"/>
+          </a:fillRef>
+          <a:effectRef idx="1">
+            <a:schemeClr val="dk1"/>
+          </a:effectRef>
+          <a:fontRef idx="minor">
+            <a:schemeClr val="tx1"/>
+          </a:fontRef>
+        </p:style>
+      </p:cxnSp>
+      <p:cxnSp>
+        <p:nvCxnSpPr>
+          <p:cNvPr id="36" name="Elbow Connector 35"/>
+          <p:cNvCxnSpPr>
+            <a:stCxn id="34" idx="1"/>
+          </p:cNvCxnSpPr>
+          <p:nvPr/>
+        </p:nvCxnSpPr>
+        <p:spPr>
+          <a:xfrm rot="10800000">
+            <a:off x="4053429" y="4587538"/>
+            <a:ext cx="518571" cy="461665"/>
+          </a:xfrm>
+          <a:prstGeom prst="bentConnector3">
+            <a:avLst>
+              <a:gd name="adj1" fmla="val 50000"/>
+            </a:avLst>
+          </a:prstGeom>
+          <a:ln>
+            <a:tailEnd type="arrow"/>
+          </a:ln>
+        </p:spPr>
+        <p:style>
+          <a:lnRef idx="2">
+            <a:schemeClr val="dk1"/>
+          </a:lnRef>
+          <a:fillRef idx="0">
+            <a:schemeClr val="dk1"/>
+          </a:fillRef>
+          <a:effectRef idx="1">
+            <a:schemeClr val="dk1"/>
+          </a:effectRef>
+          <a:fontRef idx="minor">
+            <a:schemeClr val="tx1"/>
+          </a:fontRef>
+        </p:style>
+      </p:cxnSp>
+      <mc:AlternateContent xmlns:mc="http://schemas.openxmlformats.org/markup-compatibility/2006">
+        <mc:Choice xmlns:a14="http://schemas.microsoft.com/office/drawing/2010/main" Requires="a14">
+          <p:sp>
+            <p:nvSpPr>
+              <p:cNvPr id="30" name="Rectangle 29"/>
+              <p:cNvSpPr/>
+              <p:nvPr/>
+            </p:nvSpPr>
+            <p:spPr>
+              <a:xfrm>
+                <a:off x="728952" y="5187701"/>
+                <a:ext cx="739021" cy="411331"/>
+              </a:xfrm>
+              <a:prstGeom prst="rect">
+                <a:avLst/>
+              </a:prstGeom>
+            </p:spPr>
+            <p:txBody>
+              <a:bodyPr wrap="square">
+                <a:spAutoFit/>
+              </a:bodyPr>
+              <a:lstStyle/>
+              <a:p>
+                <a14:m>
+                  <m:oMathPara xmlns:m="http://schemas.openxmlformats.org/officeDocument/2006/math">
+                    <m:oMathParaPr>
+                      <m:jc m:val="centerGroup"/>
+                    </m:oMathParaPr>
+                    <m:oMath xmlns:m="http://schemas.openxmlformats.org/officeDocument/2006/math">
+                      <m:d>
+                        <m:dPr>
+                          <m:begChr m:val=""/>
+                          <m:endChr m:val="⟩"/>
+                          <m:ctrlPr>
+                            <a:rPr lang="pt-PT" i="1">
+                              <a:latin typeface="Cambria Math"/>
+                            </a:rPr>
+                          </m:ctrlPr>
+                        </m:dPr>
+                        <m:e>
+                          <m:d>
+                            <m:dPr>
+                              <m:begChr m:val="|"/>
+                              <m:endChr m:val=""/>
+                              <m:ctrlPr>
+                                <a:rPr lang="pt-PT" i="1">
+                                  <a:latin typeface="Cambria Math"/>
+                                </a:rPr>
+                              </m:ctrlPr>
+                            </m:dPr>
+                            <m:e>
+                              <m:sSub>
+                                <m:sSubPr>
+                                  <m:ctrlPr>
+                                    <a:rPr lang="pt-PT" i="1">
+                                      <a:latin typeface="Cambria Math"/>
+                                    </a:rPr>
+                                  </m:ctrlPr>
+                                </m:sSubPr>
+                                <m:e>
+                                  <m:r>
+                                    <a:rPr lang="pt-PT" i="1">
+                                      <a:latin typeface="Cambria Math"/>
+                                    </a:rPr>
+                                    <m:t>𝜓</m:t>
+                                  </m:r>
+                                </m:e>
+                                <m:sub>
+                                  <m:r>
+                                    <a:rPr lang="pt-PT" i="1">
+                                      <a:latin typeface="Cambria Math"/>
+                                    </a:rPr>
+                                    <m:t>𝑓𝑖𝑛</m:t>
+                                  </m:r>
+                                  <m:r>
+                                    <a:rPr lang="pt-PT" i="1">
+                                      <a:latin typeface="Cambria Math"/>
+                                    </a:rPr>
+                                    <m:t>1</m:t>
+                                  </m:r>
+                                </m:sub>
+                              </m:sSub>
+                            </m:e>
+                          </m:d>
+                        </m:e>
+                      </m:d>
+                    </m:oMath>
+                  </m:oMathPara>
+                </a14:m>
+                <a:endParaRPr lang="pt-PT" dirty="0"/>
+              </a:p>
+            </p:txBody>
+          </p:sp>
+        </mc:Choice>
+        <mc:Fallback>
+          <p:sp>
+            <p:nvSpPr>
+              <p:cNvPr id="30" name="Rectangle 29"/>
+              <p:cNvSpPr>
+                <a:spLocks noRot="1" noChangeAspect="1" noMove="1" noResize="1" noEditPoints="1" noAdjustHandles="1" noChangeArrowheads="1" noChangeShapeType="1" noTextEdit="1"/>
+              </p:cNvSpPr>
+              <p:nvPr/>
+            </p:nvSpPr>
+            <p:spPr>
+              <a:xfrm>
+                <a:off x="728952" y="5187701"/>
+                <a:ext cx="739021" cy="411331"/>
+              </a:xfrm>
+              <a:prstGeom prst="rect">
+                <a:avLst/>
+              </a:prstGeom>
+              <a:blipFill rotWithShape="1">
+                <a:blip r:embed="rId5"/>
+                <a:stretch>
+                  <a:fillRect l="-64463" t="-153731" r="-100000" b="-228358"/>
+                </a:stretch>
+              </a:blipFill>
+            </p:spPr>
+            <p:txBody>
+              <a:bodyPr/>
+              <a:lstStyle/>
+              <a:p>
+                <a:r>
+                  <a:rPr lang="pt-PT">
+                    <a:noFill/>
+                  </a:rPr>
+                  <a:t> </a:t>
+                </a:r>
+              </a:p>
+            </p:txBody>
+          </p:sp>
+        </mc:Fallback>
+      </mc:AlternateContent>
+      <mc:AlternateContent xmlns:mc="http://schemas.openxmlformats.org/markup-compatibility/2006">
+        <mc:Choice xmlns:a14="http://schemas.microsoft.com/office/drawing/2010/main" Requires="a14">
+          <p:sp>
+            <p:nvSpPr>
+              <p:cNvPr id="43" name="Rectangle 42"/>
+              <p:cNvSpPr/>
+              <p:nvPr/>
+            </p:nvSpPr>
+            <p:spPr>
+              <a:xfrm>
+                <a:off x="4899456" y="5229224"/>
+                <a:ext cx="739021" cy="411331"/>
+              </a:xfrm>
+              <a:prstGeom prst="rect">
+                <a:avLst/>
+              </a:prstGeom>
+            </p:spPr>
+            <p:txBody>
+              <a:bodyPr wrap="square">
+                <a:spAutoFit/>
+              </a:bodyPr>
+              <a:lstStyle/>
+              <a:p>
+                <a14:m>
+                  <m:oMathPara xmlns:m="http://schemas.openxmlformats.org/officeDocument/2006/math">
+                    <m:oMathParaPr>
+                      <m:jc m:val="centerGroup"/>
+                    </m:oMathParaPr>
+                    <m:oMath xmlns:m="http://schemas.openxmlformats.org/officeDocument/2006/math">
+                      <m:d>
+                        <m:dPr>
+                          <m:begChr m:val=""/>
+                          <m:endChr m:val="⟩"/>
+                          <m:ctrlPr>
+                            <a:rPr lang="pt-PT" i="1" smtClean="0">
+                              <a:latin typeface="Cambria Math"/>
+                            </a:rPr>
+                          </m:ctrlPr>
+                        </m:dPr>
+                        <m:e>
+                          <m:d>
+                            <m:dPr>
+                              <m:begChr m:val="|"/>
+                              <m:endChr m:val=""/>
+                              <m:ctrlPr>
+                                <a:rPr lang="pt-PT" i="1">
+                                  <a:latin typeface="Cambria Math"/>
+                                </a:rPr>
+                              </m:ctrlPr>
+                            </m:dPr>
+                            <m:e>
+                              <m:sSub>
+                                <m:sSubPr>
+                                  <m:ctrlPr>
+                                    <a:rPr lang="pt-PT" i="1">
+                                      <a:latin typeface="Cambria Math"/>
+                                    </a:rPr>
+                                  </m:ctrlPr>
+                                </m:sSubPr>
+                                <m:e>
+                                  <m:r>
+                                    <a:rPr lang="pt-PT" i="1">
+                                      <a:latin typeface="Cambria Math"/>
+                                    </a:rPr>
+                                    <m:t>𝜓</m:t>
+                                  </m:r>
+                                </m:e>
+                                <m:sub>
+                                  <m:r>
+                                    <a:rPr lang="pt-PT" i="1">
+                                      <a:latin typeface="Cambria Math"/>
+                                    </a:rPr>
+                                    <m:t>𝑓𝑖𝑛</m:t>
+                                  </m:r>
+                                  <m:r>
+                                    <a:rPr lang="pt-PT" b="0" i="1" smtClean="0">
+                                      <a:latin typeface="Cambria Math"/>
+                                    </a:rPr>
+                                    <m:t>2</m:t>
+                                  </m:r>
+                                </m:sub>
+                              </m:sSub>
+                            </m:e>
+                          </m:d>
+                        </m:e>
+                      </m:d>
+                    </m:oMath>
+                  </m:oMathPara>
+                </a14:m>
+                <a:endParaRPr lang="pt-PT" dirty="0"/>
+              </a:p>
+            </p:txBody>
+          </p:sp>
+        </mc:Choice>
+        <mc:Fallback>
+          <p:sp>
+            <p:nvSpPr>
+              <p:cNvPr id="43" name="Rectangle 42"/>
+              <p:cNvSpPr>
+                <a:spLocks noRot="1" noChangeAspect="1" noMove="1" noResize="1" noEditPoints="1" noAdjustHandles="1" noChangeArrowheads="1" noChangeShapeType="1" noTextEdit="1"/>
+              </p:cNvSpPr>
+              <p:nvPr/>
+            </p:nvSpPr>
+            <p:spPr>
+              <a:xfrm>
+                <a:off x="4899456" y="5229224"/>
+                <a:ext cx="739021" cy="411331"/>
+              </a:xfrm>
+              <a:prstGeom prst="rect">
+                <a:avLst/>
+              </a:prstGeom>
+              <a:blipFill rotWithShape="1">
+                <a:blip r:embed="rId6"/>
+                <a:stretch>
+                  <a:fillRect l="-64463" t="-153731" r="-100000" b="-228358"/>
+                </a:stretch>
+              </a:blipFill>
+            </p:spPr>
+            <p:txBody>
+              <a:bodyPr/>
+              <a:lstStyle/>
+              <a:p>
+                <a:r>
+                  <a:rPr lang="pt-PT">
+                    <a:noFill/>
+                  </a:rPr>
+                  <a:t> </a:t>
+                </a:r>
+              </a:p>
+            </p:txBody>
+          </p:sp>
+        </mc:Fallback>
+      </mc:AlternateContent>
+      <p:sp>
+        <p:nvSpPr>
+          <p:cNvPr id="46" name="TextBox 45"/>
+          <p:cNvSpPr txBox="1"/>
+          <p:nvPr/>
+        </p:nvSpPr>
+        <p:spPr>
+          <a:xfrm>
+            <a:off x="2325699" y="3942954"/>
+            <a:ext cx="2606346" cy="923330"/>
+          </a:xfrm>
+          <a:prstGeom prst="rect">
+            <a:avLst/>
+          </a:prstGeom>
+          <a:noFill/>
+        </p:spPr>
+        <p:txBody>
+          <a:bodyPr wrap="square" rtlCol="0">
+            <a:spAutoFit/>
+          </a:bodyPr>
+          <a:lstStyle/>
+          <a:p>
+            <a:r>
+              <a:rPr lang="pt-PT" dirty="0" smtClean="0"/>
+              <a:t>Subgame with 2 players after an intermediate measuring step.</a:t>
+            </a:r>
+            <a:endParaRPr lang="pt-PT" dirty="0"/>
+          </a:p>
+        </p:txBody>
+      </p:sp>
+      <p:sp>
+        <p:nvSpPr>
+          <p:cNvPr id="47" name="TextBox 46"/>
+          <p:cNvSpPr txBox="1"/>
+          <p:nvPr/>
+        </p:nvSpPr>
+        <p:spPr>
+          <a:xfrm>
+            <a:off x="2433371" y="5137367"/>
+            <a:ext cx="1879343" cy="1200329"/>
+          </a:xfrm>
+          <a:prstGeom prst="rect">
+            <a:avLst/>
+          </a:prstGeom>
+          <a:noFill/>
+        </p:spPr>
+        <p:txBody>
+          <a:bodyPr wrap="square" rtlCol="0">
+            <a:spAutoFit/>
+          </a:bodyPr>
+          <a:lstStyle/>
+          <a:p>
+            <a:r>
+              <a:rPr lang="pt-PT" dirty="0" smtClean="0"/>
+              <a:t>Subgame with 2 players without an intermediate measuring step.</a:t>
+            </a:r>
+            <a:endParaRPr lang="pt-PT" dirty="0"/>
+          </a:p>
+        </p:txBody>
+      </p:sp>
+      <mc:AlternateContent xmlns:mc="http://schemas.openxmlformats.org/markup-compatibility/2006">
+        <mc:Choice xmlns:a14="http://schemas.microsoft.com/office/drawing/2010/main" Requires="a14">
+          <p:sp>
+            <p:nvSpPr>
+              <p:cNvPr id="48" name="Rectangle 47"/>
+              <p:cNvSpPr/>
+              <p:nvPr/>
+            </p:nvSpPr>
+            <p:spPr>
+              <a:xfrm>
+                <a:off x="4553068" y="1805364"/>
+                <a:ext cx="739021" cy="411331"/>
+              </a:xfrm>
+              <a:prstGeom prst="rect">
+                <a:avLst/>
+              </a:prstGeom>
+            </p:spPr>
+            <p:txBody>
+              <a:bodyPr wrap="square">
+                <a:spAutoFit/>
+              </a:bodyPr>
+              <a:lstStyle/>
+              <a:p>
+                <a14:m>
+                  <m:oMathPara xmlns:m="http://schemas.openxmlformats.org/officeDocument/2006/math">
+                    <m:oMathParaPr>
+                      <m:jc m:val="centerGroup"/>
+                    </m:oMathParaPr>
+                    <m:oMath xmlns:m="http://schemas.openxmlformats.org/officeDocument/2006/math">
+                      <m:d>
+                        <m:dPr>
+                          <m:begChr m:val=""/>
+                          <m:endChr m:val="⟩"/>
+                          <m:ctrlPr>
+                            <a:rPr lang="pt-PT" i="1">
+                              <a:latin typeface="Cambria Math"/>
+                            </a:rPr>
+                          </m:ctrlPr>
+                        </m:dPr>
+                        <m:e>
+                          <m:d>
+                            <m:dPr>
+                              <m:begChr m:val="|"/>
+                              <m:endChr m:val=""/>
+                              <m:ctrlPr>
+                                <a:rPr lang="pt-PT" i="1">
+                                  <a:latin typeface="Cambria Math"/>
+                                </a:rPr>
+                              </m:ctrlPr>
+                            </m:dPr>
+                            <m:e>
+                              <m:sSub>
+                                <m:sSubPr>
+                                  <m:ctrlPr>
+                                    <a:rPr lang="pt-PT" i="1">
+                                      <a:latin typeface="Cambria Math"/>
+                                    </a:rPr>
+                                  </m:ctrlPr>
+                                </m:sSubPr>
+                                <m:e>
+                                  <m:r>
+                                    <a:rPr lang="pt-PT" i="1">
+                                      <a:latin typeface="Cambria Math"/>
+                                    </a:rPr>
+                                    <m:t>𝜓</m:t>
+                                  </m:r>
+                                </m:e>
+                                <m:sub>
+                                  <m:r>
+                                    <a:rPr lang="pt-PT" i="1">
+                                      <a:latin typeface="Cambria Math"/>
+                                    </a:rPr>
+                                    <m:t>𝑓𝑖𝑛</m:t>
+                                  </m:r>
+                                  <m:r>
+                                    <a:rPr lang="pt-PT" i="1">
+                                      <a:latin typeface="Cambria Math"/>
+                                    </a:rPr>
+                                    <m:t>1</m:t>
+                                  </m:r>
+                                </m:sub>
+                              </m:sSub>
+                            </m:e>
+                          </m:d>
+                        </m:e>
+                      </m:d>
+                    </m:oMath>
+                  </m:oMathPara>
+                </a14:m>
+                <a:endParaRPr lang="pt-PT" dirty="0"/>
+              </a:p>
+            </p:txBody>
+          </p:sp>
+        </mc:Choice>
+        <mc:Fallback>
+          <p:sp>
+            <p:nvSpPr>
+              <p:cNvPr id="48" name="Rectangle 47"/>
+              <p:cNvSpPr>
+                <a:spLocks noRot="1" noChangeAspect="1" noMove="1" noResize="1" noEditPoints="1" noAdjustHandles="1" noChangeArrowheads="1" noChangeShapeType="1" noTextEdit="1"/>
+              </p:cNvSpPr>
+              <p:nvPr/>
+            </p:nvSpPr>
+            <p:spPr>
+              <a:xfrm>
+                <a:off x="4553068" y="1805364"/>
+                <a:ext cx="739021" cy="411331"/>
+              </a:xfrm>
+              <a:prstGeom prst="rect">
+                <a:avLst/>
+              </a:prstGeom>
+              <a:blipFill rotWithShape="1">
+                <a:blip r:embed="rId7"/>
+                <a:stretch>
+                  <a:fillRect l="-64463" t="-151471" r="-100000" b="-223529"/>
+                </a:stretch>
+              </a:blipFill>
+            </p:spPr>
+            <p:txBody>
+              <a:bodyPr/>
+              <a:lstStyle/>
+              <a:p>
+                <a:r>
+                  <a:rPr lang="pt-PT">
+                    <a:noFill/>
+                  </a:rPr>
+                  <a:t> </a:t>
+                </a:r>
+              </a:p>
+            </p:txBody>
+          </p:sp>
+        </mc:Fallback>
+      </mc:AlternateContent>
     </p:spTree>
     <p:extLst>
       <p:ext uri="{BB962C8B-B14F-4D97-AF65-F5344CB8AC3E}">

--- a/esquema.pptx
+++ b/esquema.pptx
@@ -13579,8 +13579,8 @@
           </p:sp>
         </mc:Fallback>
       </mc:AlternateContent>
-      <mc:AlternateContent xmlns:mc="http://schemas.openxmlformats.org/markup-compatibility/2006">
-        <mc:Choice xmlns:a14="http://schemas.microsoft.com/office/drawing/2010/main" Requires="a14">
+      <mc:AlternateContent xmlns:mc="http://schemas.openxmlformats.org/markup-compatibility/2006" xmlns:a14="http://schemas.microsoft.com/office/drawing/2010/main">
+        <mc:Choice Requires="a14">
           <p:sp>
             <p:nvSpPr>
               <p:cNvPr id="7" name="TextBox 6"/>
@@ -13684,7 +13684,7 @@
             </p:txBody>
           </p:sp>
         </mc:Choice>
-        <mc:Fallback>
+        <mc:Fallback xmlns="">
           <p:sp>
             <p:nvSpPr>
               <p:cNvPr id="7" name="TextBox 6"/>
@@ -13969,17 +13969,8 @@
             </a:pPr>
             <a:r>
               <a:rPr lang="pt-PT" dirty="0" smtClean="0"/>
-              <a:t>Player </a:t>
+              <a:t>Player 2 step 2 payoff</a:t>
             </a:r>
-            <a:r>
-              <a:rPr lang="pt-PT" dirty="0" smtClean="0"/>
-              <a:t>2 </a:t>
-            </a:r>
-            <a:r>
-              <a:rPr lang="pt-PT" dirty="0" smtClean="0"/>
-              <a:t>step 2 payoff</a:t>
-            </a:r>
-            <a:endParaRPr lang="pt-PT" dirty="0" smtClean="0"/>
           </a:p>
           <a:p>
             <a:pPr marL="285750" indent="-285750">
@@ -13988,17 +13979,8 @@
             </a:pPr>
             <a:r>
               <a:rPr lang="pt-PT" dirty="0" smtClean="0"/>
-              <a:t>Player 3 </a:t>
+              <a:t>Player 3 step 2 payoff</a:t>
             </a:r>
-            <a:r>
-              <a:rPr lang="pt-PT" dirty="0" smtClean="0"/>
-              <a:t>step 2</a:t>
-            </a:r>
-            <a:r>
-              <a:rPr lang="pt-PT" dirty="0" smtClean="0"/>
-              <a:t> payoff</a:t>
-            </a:r>
-            <a:endParaRPr lang="pt-PT" dirty="0" smtClean="0"/>
           </a:p>
         </p:txBody>
       </p:sp>
@@ -14259,11 +14241,7 @@
             </a:pPr>
             <a:r>
               <a:rPr lang="pt-PT" dirty="0" smtClean="0"/>
-              <a:t>Player </a:t>
-            </a:r>
-            <a:r>
-              <a:rPr lang="pt-PT" dirty="0" smtClean="0"/>
-              <a:t>2 payoff</a:t>
+              <a:t>Player 2 payoff</a:t>
             </a:r>
           </a:p>
           <a:p>
@@ -14441,82 +14419,8 @@
           </a:p>
         </p:txBody>
       </p:sp>
-      <p:cxnSp>
-        <p:nvCxnSpPr>
-          <p:cNvPr id="35" name="Elbow Connector 34"/>
-          <p:cNvCxnSpPr>
-            <a:stCxn id="34" idx="1"/>
-          </p:cNvCxnSpPr>
-          <p:nvPr/>
-        </p:nvCxnSpPr>
-        <p:spPr>
-          <a:xfrm rot="10800000" flipV="1">
-            <a:off x="4053429" y="5049201"/>
-            <a:ext cx="518571" cy="461665"/>
-          </a:xfrm>
-          <a:prstGeom prst="bentConnector3">
-            <a:avLst>
-              <a:gd name="adj1" fmla="val 50000"/>
-            </a:avLst>
-          </a:prstGeom>
-          <a:ln>
-            <a:tailEnd type="arrow"/>
-          </a:ln>
-        </p:spPr>
-        <p:style>
-          <a:lnRef idx="2">
-            <a:schemeClr val="dk1"/>
-          </a:lnRef>
-          <a:fillRef idx="0">
-            <a:schemeClr val="dk1"/>
-          </a:fillRef>
-          <a:effectRef idx="1">
-            <a:schemeClr val="dk1"/>
-          </a:effectRef>
-          <a:fontRef idx="minor">
-            <a:schemeClr val="tx1"/>
-          </a:fontRef>
-        </p:style>
-      </p:cxnSp>
-      <p:cxnSp>
-        <p:nvCxnSpPr>
-          <p:cNvPr id="36" name="Elbow Connector 35"/>
-          <p:cNvCxnSpPr>
-            <a:stCxn id="34" idx="1"/>
-          </p:cNvCxnSpPr>
-          <p:nvPr/>
-        </p:nvCxnSpPr>
-        <p:spPr>
-          <a:xfrm rot="10800000">
-            <a:off x="4053429" y="4587538"/>
-            <a:ext cx="518571" cy="461665"/>
-          </a:xfrm>
-          <a:prstGeom prst="bentConnector3">
-            <a:avLst>
-              <a:gd name="adj1" fmla="val 50000"/>
-            </a:avLst>
-          </a:prstGeom>
-          <a:ln>
-            <a:tailEnd type="arrow"/>
-          </a:ln>
-        </p:spPr>
-        <p:style>
-          <a:lnRef idx="2">
-            <a:schemeClr val="dk1"/>
-          </a:lnRef>
-          <a:fillRef idx="0">
-            <a:schemeClr val="dk1"/>
-          </a:fillRef>
-          <a:effectRef idx="1">
-            <a:schemeClr val="dk1"/>
-          </a:effectRef>
-          <a:fontRef idx="minor">
-            <a:schemeClr val="tx1"/>
-          </a:fontRef>
-        </p:style>
-      </p:cxnSp>
-      <mc:AlternateContent xmlns:mc="http://schemas.openxmlformats.org/markup-compatibility/2006">
-        <mc:Choice xmlns:a14="http://schemas.microsoft.com/office/drawing/2010/main" Requires="a14">
+      <mc:AlternateContent xmlns:mc="http://schemas.openxmlformats.org/markup-compatibility/2006" xmlns:a14="http://schemas.microsoft.com/office/drawing/2010/main">
+        <mc:Choice Requires="a14">
           <p:sp>
             <p:nvSpPr>
               <p:cNvPr id="30" name="Rectangle 29"/>
@@ -14538,6 +14442,7 @@
               </a:bodyPr>
               <a:lstStyle/>
               <a:p>
+                <a:pPr/>
                 <a14:m>
                   <m:oMathPara xmlns:m="http://schemas.openxmlformats.org/officeDocument/2006/math">
                     <m:oMathParaPr>
@@ -14609,7 +14514,7 @@
             </p:txBody>
           </p:sp>
         </mc:Choice>
-        <mc:Fallback>
+        <mc:Fallback xmlns="">
           <p:sp>
             <p:nvSpPr>
               <p:cNvPr id="30" name="Rectangle 29"/>
@@ -14648,8 +14553,8 @@
           </p:sp>
         </mc:Fallback>
       </mc:AlternateContent>
-      <mc:AlternateContent xmlns:mc="http://schemas.openxmlformats.org/markup-compatibility/2006">
-        <mc:Choice xmlns:a14="http://schemas.microsoft.com/office/drawing/2010/main" Requires="a14">
+      <mc:AlternateContent xmlns:mc="http://schemas.openxmlformats.org/markup-compatibility/2006" xmlns:a14="http://schemas.microsoft.com/office/drawing/2010/main">
+        <mc:Choice Requires="a14">
           <p:sp>
             <p:nvSpPr>
               <p:cNvPr id="43" name="Rectangle 42"/>
@@ -14671,6 +14576,7 @@
               </a:bodyPr>
               <a:lstStyle/>
               <a:p>
+                <a:pPr/>
                 <a14:m>
                   <m:oMathPara xmlns:m="http://schemas.openxmlformats.org/officeDocument/2006/math">
                     <m:oMathParaPr>
@@ -14742,7 +14648,7 @@
             </p:txBody>
           </p:sp>
         </mc:Choice>
-        <mc:Fallback>
+        <mc:Fallback xmlns="">
           <p:sp>
             <p:nvSpPr>
               <p:cNvPr id="43" name="Rectangle 42"/>
@@ -14841,8 +14747,8 @@
           </a:p>
         </p:txBody>
       </p:sp>
-      <mc:AlternateContent xmlns:mc="http://schemas.openxmlformats.org/markup-compatibility/2006">
-        <mc:Choice xmlns:a14="http://schemas.microsoft.com/office/drawing/2010/main" Requires="a14">
+      <mc:AlternateContent xmlns:mc="http://schemas.openxmlformats.org/markup-compatibility/2006" xmlns:a14="http://schemas.microsoft.com/office/drawing/2010/main">
+        <mc:Choice Requires="a14">
           <p:sp>
             <p:nvSpPr>
               <p:cNvPr id="48" name="Rectangle 47"/>
@@ -14864,6 +14770,7 @@
               </a:bodyPr>
               <a:lstStyle/>
               <a:p>
+                <a:pPr/>
                 <a14:m>
                   <m:oMathPara xmlns:m="http://schemas.openxmlformats.org/officeDocument/2006/math">
                     <m:oMathParaPr>
@@ -14935,7 +14842,7 @@
             </p:txBody>
           </p:sp>
         </mc:Choice>
-        <mc:Fallback>
+        <mc:Fallback xmlns="">
           <p:sp>
             <p:nvSpPr>
               <p:cNvPr id="48" name="Rectangle 47"/>
@@ -14974,6 +14881,223 @@
           </p:sp>
         </mc:Fallback>
       </mc:AlternateContent>
+      <p:cxnSp>
+        <p:nvCxnSpPr>
+          <p:cNvPr id="13" name="Straight Connector 12"/>
+          <p:cNvCxnSpPr>
+            <a:stCxn id="34" idx="1"/>
+          </p:cNvCxnSpPr>
+          <p:nvPr/>
+        </p:nvCxnSpPr>
+        <p:spPr>
+          <a:xfrm flipH="1">
+            <a:off x="4312714" y="5049202"/>
+            <a:ext cx="259285" cy="2"/>
+          </a:xfrm>
+          <a:prstGeom prst="line">
+            <a:avLst/>
+          </a:prstGeom>
+        </p:spPr>
+        <p:style>
+          <a:lnRef idx="2">
+            <a:schemeClr val="dk1"/>
+          </a:lnRef>
+          <a:fillRef idx="0">
+            <a:schemeClr val="dk1"/>
+          </a:fillRef>
+          <a:effectRef idx="1">
+            <a:schemeClr val="dk1"/>
+          </a:effectRef>
+          <a:fontRef idx="minor">
+            <a:schemeClr val="tx1"/>
+          </a:fontRef>
+        </p:style>
+      </p:cxnSp>
+      <p:cxnSp>
+        <p:nvCxnSpPr>
+          <p:cNvPr id="20" name="Straight Connector 19"/>
+          <p:cNvCxnSpPr/>
+          <p:nvPr/>
+        </p:nvCxnSpPr>
+        <p:spPr>
+          <a:xfrm flipV="1">
+            <a:off x="4312714" y="4630803"/>
+            <a:ext cx="0" cy="418398"/>
+          </a:xfrm>
+          <a:prstGeom prst="line">
+            <a:avLst/>
+          </a:prstGeom>
+        </p:spPr>
+        <p:style>
+          <a:lnRef idx="2">
+            <a:schemeClr val="dk1"/>
+          </a:lnRef>
+          <a:fillRef idx="0">
+            <a:schemeClr val="dk1"/>
+          </a:fillRef>
+          <a:effectRef idx="1">
+            <a:schemeClr val="dk1"/>
+          </a:effectRef>
+          <a:fontRef idx="minor">
+            <a:schemeClr val="tx1"/>
+          </a:fontRef>
+        </p:style>
+      </p:cxnSp>
+      <p:cxnSp>
+        <p:nvCxnSpPr>
+          <p:cNvPr id="49" name="Straight Connector 48"/>
+          <p:cNvCxnSpPr/>
+          <p:nvPr/>
+        </p:nvCxnSpPr>
+        <p:spPr>
+          <a:xfrm flipH="1">
+            <a:off x="4311376" y="5049199"/>
+            <a:ext cx="2" cy="349974"/>
+          </a:xfrm>
+          <a:prstGeom prst="line">
+            <a:avLst/>
+          </a:prstGeom>
+        </p:spPr>
+        <p:style>
+          <a:lnRef idx="2">
+            <a:schemeClr val="dk1"/>
+          </a:lnRef>
+          <a:fillRef idx="0">
+            <a:schemeClr val="dk1"/>
+          </a:fillRef>
+          <a:effectRef idx="1">
+            <a:schemeClr val="dk1"/>
+          </a:effectRef>
+          <a:fontRef idx="minor">
+            <a:schemeClr val="tx1"/>
+          </a:fontRef>
+        </p:style>
+      </p:cxnSp>
+      <p:cxnSp>
+        <p:nvCxnSpPr>
+          <p:cNvPr id="54" name="Straight Connector 53"/>
+          <p:cNvCxnSpPr/>
+          <p:nvPr/>
+        </p:nvCxnSpPr>
+        <p:spPr>
+          <a:xfrm flipV="1">
+            <a:off x="4312714" y="4630803"/>
+            <a:ext cx="0" cy="418398"/>
+          </a:xfrm>
+          <a:prstGeom prst="line">
+            <a:avLst/>
+          </a:prstGeom>
+        </p:spPr>
+        <p:style>
+          <a:lnRef idx="2">
+            <a:schemeClr val="dk1"/>
+          </a:lnRef>
+          <a:fillRef idx="0">
+            <a:schemeClr val="dk1"/>
+          </a:fillRef>
+          <a:effectRef idx="1">
+            <a:schemeClr val="dk1"/>
+          </a:effectRef>
+          <a:fontRef idx="minor">
+            <a:schemeClr val="tx1"/>
+          </a:fontRef>
+        </p:style>
+      </p:cxnSp>
+      <p:cxnSp>
+        <p:nvCxnSpPr>
+          <p:cNvPr id="55" name="Straight Connector 54"/>
+          <p:cNvCxnSpPr/>
+          <p:nvPr/>
+        </p:nvCxnSpPr>
+        <p:spPr>
+          <a:xfrm>
+            <a:off x="4179344" y="4645156"/>
+            <a:ext cx="133371" cy="0"/>
+          </a:xfrm>
+          <a:prstGeom prst="line">
+            <a:avLst/>
+          </a:prstGeom>
+        </p:spPr>
+        <p:style>
+          <a:lnRef idx="2">
+            <a:schemeClr val="dk1"/>
+          </a:lnRef>
+          <a:fillRef idx="0">
+            <a:schemeClr val="dk1"/>
+          </a:fillRef>
+          <a:effectRef idx="1">
+            <a:schemeClr val="dk1"/>
+          </a:effectRef>
+          <a:fontRef idx="minor">
+            <a:schemeClr val="tx1"/>
+          </a:fontRef>
+        </p:style>
+      </p:cxnSp>
+      <p:cxnSp>
+        <p:nvCxnSpPr>
+          <p:cNvPr id="51" name="Straight Connector 50"/>
+          <p:cNvCxnSpPr/>
+          <p:nvPr/>
+        </p:nvCxnSpPr>
+        <p:spPr>
+          <a:xfrm flipH="1" flipV="1">
+            <a:off x="4178005" y="5386328"/>
+            <a:ext cx="134710" cy="5807"/>
+          </a:xfrm>
+          <a:prstGeom prst="line">
+            <a:avLst/>
+          </a:prstGeom>
+        </p:spPr>
+        <p:style>
+          <a:lnRef idx="2">
+            <a:schemeClr val="dk1"/>
+          </a:lnRef>
+          <a:fillRef idx="0">
+            <a:schemeClr val="dk1"/>
+          </a:fillRef>
+          <a:effectRef idx="1">
+            <a:schemeClr val="dk1"/>
+          </a:effectRef>
+          <a:fontRef idx="minor">
+            <a:schemeClr val="tx1"/>
+          </a:fontRef>
+        </p:style>
+      </p:cxnSp>
+      <p:cxnSp>
+        <p:nvCxnSpPr>
+          <p:cNvPr id="67" name="Straight Arrow Connector 66"/>
+          <p:cNvCxnSpPr>
+            <a:endCxn id="34" idx="1"/>
+          </p:cNvCxnSpPr>
+          <p:nvPr/>
+        </p:nvCxnSpPr>
+        <p:spPr>
+          <a:xfrm>
+            <a:off x="4312715" y="5049199"/>
+            <a:ext cx="259284" cy="3"/>
+          </a:xfrm>
+          <a:prstGeom prst="straightConnector1">
+            <a:avLst/>
+          </a:prstGeom>
+          <a:ln>
+            <a:tailEnd type="arrow"/>
+          </a:ln>
+        </p:spPr>
+        <p:style>
+          <a:lnRef idx="2">
+            <a:schemeClr val="dk1"/>
+          </a:lnRef>
+          <a:fillRef idx="0">
+            <a:schemeClr val="dk1"/>
+          </a:fillRef>
+          <a:effectRef idx="1">
+            <a:schemeClr val="dk1"/>
+          </a:effectRef>
+          <a:fontRef idx="minor">
+            <a:schemeClr val="tx1"/>
+          </a:fontRef>
+        </p:style>
+      </p:cxnSp>
     </p:spTree>
     <p:extLst>
       <p:ext uri="{BB962C8B-B14F-4D97-AF65-F5344CB8AC3E}">

--- a/esquema.pptx
+++ b/esquema.pptx
@@ -10,6 +10,8 @@
     <p:sldId id="260" r:id="rId4"/>
     <p:sldId id="257" r:id="rId5"/>
     <p:sldId id="258" r:id="rId6"/>
+    <p:sldId id="261" r:id="rId7"/>
+    <p:sldId id="262" r:id="rId8"/>
   </p:sldIdLst>
   <p:sldSz cx="9144000" cy="6858000" type="screen4x3"/>
   <p:notesSz cx="6858000" cy="9144000"/>
@@ -292,7 +294,7 @@
           <a:p>
             <a:fld id="{190083D6-91F4-43DC-AEC4-C280F2D89C3D}" type="datetimeFigureOut">
               <a:rPr lang="pt-PT" smtClean="0"/>
-              <a:t>18-09-2013</a:t>
+              <a:t>07-10-2013</a:t>
             </a:fld>
             <a:endParaRPr lang="pt-PT"/>
           </a:p>
@@ -462,7 +464,7 @@
           <a:p>
             <a:fld id="{190083D6-91F4-43DC-AEC4-C280F2D89C3D}" type="datetimeFigureOut">
               <a:rPr lang="pt-PT" smtClean="0"/>
-              <a:t>18-09-2013</a:t>
+              <a:t>07-10-2013</a:t>
             </a:fld>
             <a:endParaRPr lang="pt-PT"/>
           </a:p>
@@ -642,7 +644,7 @@
           <a:p>
             <a:fld id="{190083D6-91F4-43DC-AEC4-C280F2D89C3D}" type="datetimeFigureOut">
               <a:rPr lang="pt-PT" smtClean="0"/>
-              <a:t>18-09-2013</a:t>
+              <a:t>07-10-2013</a:t>
             </a:fld>
             <a:endParaRPr lang="pt-PT"/>
           </a:p>
@@ -812,7 +814,7 @@
           <a:p>
             <a:fld id="{190083D6-91F4-43DC-AEC4-C280F2D89C3D}" type="datetimeFigureOut">
               <a:rPr lang="pt-PT" smtClean="0"/>
-              <a:t>18-09-2013</a:t>
+              <a:t>07-10-2013</a:t>
             </a:fld>
             <a:endParaRPr lang="pt-PT"/>
           </a:p>
@@ -1058,7 +1060,7 @@
           <a:p>
             <a:fld id="{190083D6-91F4-43DC-AEC4-C280F2D89C3D}" type="datetimeFigureOut">
               <a:rPr lang="pt-PT" smtClean="0"/>
-              <a:t>18-09-2013</a:t>
+              <a:t>07-10-2013</a:t>
             </a:fld>
             <a:endParaRPr lang="pt-PT"/>
           </a:p>
@@ -1346,7 +1348,7 @@
           <a:p>
             <a:fld id="{190083D6-91F4-43DC-AEC4-C280F2D89C3D}" type="datetimeFigureOut">
               <a:rPr lang="pt-PT" smtClean="0"/>
-              <a:t>18-09-2013</a:t>
+              <a:t>07-10-2013</a:t>
             </a:fld>
             <a:endParaRPr lang="pt-PT"/>
           </a:p>
@@ -1768,7 +1770,7 @@
           <a:p>
             <a:fld id="{190083D6-91F4-43DC-AEC4-C280F2D89C3D}" type="datetimeFigureOut">
               <a:rPr lang="pt-PT" smtClean="0"/>
-              <a:t>18-09-2013</a:t>
+              <a:t>07-10-2013</a:t>
             </a:fld>
             <a:endParaRPr lang="pt-PT"/>
           </a:p>
@@ -1886,7 +1888,7 @@
           <a:p>
             <a:fld id="{190083D6-91F4-43DC-AEC4-C280F2D89C3D}" type="datetimeFigureOut">
               <a:rPr lang="pt-PT" smtClean="0"/>
-              <a:t>18-09-2013</a:t>
+              <a:t>07-10-2013</a:t>
             </a:fld>
             <a:endParaRPr lang="pt-PT"/>
           </a:p>
@@ -1981,7 +1983,7 @@
           <a:p>
             <a:fld id="{190083D6-91F4-43DC-AEC4-C280F2D89C3D}" type="datetimeFigureOut">
               <a:rPr lang="pt-PT" smtClean="0"/>
-              <a:t>18-09-2013</a:t>
+              <a:t>07-10-2013</a:t>
             </a:fld>
             <a:endParaRPr lang="pt-PT"/>
           </a:p>
@@ -2258,7 +2260,7 @@
           <a:p>
             <a:fld id="{190083D6-91F4-43DC-AEC4-C280F2D89C3D}" type="datetimeFigureOut">
               <a:rPr lang="pt-PT" smtClean="0"/>
-              <a:t>18-09-2013</a:t>
+              <a:t>07-10-2013</a:t>
             </a:fld>
             <a:endParaRPr lang="pt-PT"/>
           </a:p>
@@ -2511,7 +2513,7 @@
           <a:p>
             <a:fld id="{190083D6-91F4-43DC-AEC4-C280F2D89C3D}" type="datetimeFigureOut">
               <a:rPr lang="pt-PT" smtClean="0"/>
-              <a:t>18-09-2013</a:t>
+              <a:t>07-10-2013</a:t>
             </a:fld>
             <a:endParaRPr lang="pt-PT"/>
           </a:p>
@@ -2724,7 +2726,7 @@
           <a:p>
             <a:fld id="{190083D6-91F4-43DC-AEC4-C280F2D89C3D}" type="datetimeFigureOut">
               <a:rPr lang="pt-PT" smtClean="0"/>
-              <a:t>18-09-2013</a:t>
+              <a:t>07-10-2013</a:t>
             </a:fld>
             <a:endParaRPr lang="pt-PT"/>
           </a:p>
@@ -15111,6 +15113,4298 @@
 </p:sld>
 </file>
 
+<file path=ppt/slides/slide6.xml><?xml version="1.0" encoding="utf-8"?>
+<p:sld xmlns:a="http://schemas.openxmlformats.org/drawingml/2006/main" xmlns:r="http://schemas.openxmlformats.org/officeDocument/2006/relationships" xmlns:p="http://schemas.openxmlformats.org/presentationml/2006/main">
+  <p:cSld>
+    <p:spTree>
+      <p:nvGrpSpPr>
+        <p:cNvPr id="1" name=""/>
+        <p:cNvGrpSpPr/>
+        <p:nvPr/>
+      </p:nvGrpSpPr>
+      <p:grpSpPr>
+        <a:xfrm>
+          <a:off x="0" y="0"/>
+          <a:ext cx="0" cy="0"/>
+          <a:chOff x="0" y="0"/>
+          <a:chExt cx="0" cy="0"/>
+        </a:xfrm>
+      </p:grpSpPr>
+      <mc:AlternateContent xmlns:mc="http://schemas.openxmlformats.org/markup-compatibility/2006">
+        <mc:Choice xmlns:a14="http://schemas.microsoft.com/office/drawing/2010/main" Requires="a14">
+          <p:sp>
+            <p:nvSpPr>
+              <p:cNvPr id="3" name="Rectangle 2"/>
+              <p:cNvSpPr/>
+              <p:nvPr/>
+            </p:nvSpPr>
+            <p:spPr>
+              <a:xfrm>
+                <a:off x="-78241" y="704572"/>
+                <a:ext cx="1742785" cy="1323439"/>
+              </a:xfrm>
+              <a:prstGeom prst="rect">
+                <a:avLst/>
+              </a:prstGeom>
+            </p:spPr>
+            <p:txBody>
+              <a:bodyPr wrap="none">
+                <a:spAutoFit/>
+              </a:bodyPr>
+              <a:lstStyle/>
+              <a:p>
+                <a14:m>
+                  <m:oMathPara xmlns:m="http://schemas.openxmlformats.org/officeDocument/2006/math">
+                    <m:oMathParaPr>
+                      <m:jc m:val="centerGroup"/>
+                    </m:oMathParaPr>
+                    <m:oMath xmlns:m="http://schemas.openxmlformats.org/officeDocument/2006/math">
+                      <m:d>
+                        <m:dPr>
+                          <m:begChr m:val=""/>
+                          <m:endChr m:val="⟩"/>
+                          <m:ctrlPr>
+                            <a:rPr lang="pt-PT" sz="4000" i="1" smtClean="0">
+                              <a:latin typeface="Cambria Math"/>
+                            </a:rPr>
+                          </m:ctrlPr>
+                        </m:dPr>
+                        <m:e>
+                          <m:d>
+                            <m:dPr>
+                              <m:begChr m:val="|"/>
+                              <m:endChr m:val=""/>
+                              <m:ctrlPr>
+                                <a:rPr lang="pt-PT" sz="4000" i="1">
+                                  <a:latin typeface="Cambria Math"/>
+                                </a:rPr>
+                              </m:ctrlPr>
+                            </m:dPr>
+                            <m:e>
+                              <m:sSub>
+                                <m:sSubPr>
+                                  <m:ctrlPr>
+                                    <a:rPr lang="pt-PT" sz="4000" i="1">
+                                      <a:latin typeface="Cambria Math"/>
+                                    </a:rPr>
+                                  </m:ctrlPr>
+                                </m:sSubPr>
+                                <m:e>
+                                  <m:r>
+                                    <a:rPr lang="pt-PT" sz="4000" i="1">
+                                      <a:latin typeface="Cambria Math"/>
+                                    </a:rPr>
+                                    <m:t>𝜑</m:t>
+                                  </m:r>
+                                </m:e>
+                                <m:sub>
+                                  <m:r>
+                                    <a:rPr lang="pt-PT" sz="4000" i="1">
+                                      <a:latin typeface="Cambria Math"/>
+                                    </a:rPr>
+                                    <m:t>1</m:t>
+                                  </m:r>
+                                </m:sub>
+                              </m:sSub>
+                            </m:e>
+                          </m:d>
+                        </m:e>
+                      </m:d>
+                      <m:r>
+                        <a:rPr lang="pt-PT" sz="4000" b="0" i="1" smtClean="0">
+                          <a:latin typeface="Cambria Math"/>
+                        </a:rPr>
+                        <m:t>=</m:t>
+                      </m:r>
+                    </m:oMath>
+                  </m:oMathPara>
+                </a14:m>
+                <a:endParaRPr lang="pt-PT" sz="4000" b="0" i="1" dirty="0" smtClean="0">
+                  <a:latin typeface="Cambria Math"/>
+                </a:endParaRPr>
+              </a:p>
+              <a:p>
+                <a14:m>
+                  <m:oMathPara xmlns:m="http://schemas.openxmlformats.org/officeDocument/2006/math">
+                    <m:oMathParaPr>
+                      <m:jc m:val="centerGroup"/>
+                    </m:oMathParaPr>
+                    <m:oMath xmlns:m="http://schemas.openxmlformats.org/officeDocument/2006/math">
+                      <m:r>
+                        <a:rPr lang="pt-PT" sz="4000" b="0" i="1" smtClean="0">
+                          <a:latin typeface="Cambria Math"/>
+                        </a:rPr>
+                        <m:t>|</m:t>
+                      </m:r>
+                      <m:r>
+                        <a:rPr lang="pt-PT" sz="4000" b="0" i="1" smtClean="0">
+                          <a:latin typeface="Cambria Math"/>
+                        </a:rPr>
+                        <m:t>𝐶</m:t>
+                      </m:r>
+                      <m:r>
+                        <a:rPr lang="pt-PT" sz="4000" b="0" i="1" smtClean="0">
+                          <a:latin typeface="Cambria Math"/>
+                        </a:rPr>
+                        <m:t>〉</m:t>
+                      </m:r>
+                    </m:oMath>
+                  </m:oMathPara>
+                </a14:m>
+                <a:endParaRPr lang="pt-PT" sz="4000" dirty="0"/>
+              </a:p>
+            </p:txBody>
+          </p:sp>
+        </mc:Choice>
+        <mc:Fallback>
+          <p:sp>
+            <p:nvSpPr>
+              <p:cNvPr id="3" name="Rectangle 2"/>
+              <p:cNvSpPr>
+                <a:spLocks noRot="1" noChangeAspect="1" noMove="1" noResize="1" noEditPoints="1" noAdjustHandles="1" noChangeArrowheads="1" noChangeShapeType="1" noTextEdit="1"/>
+              </p:cNvSpPr>
+              <p:nvPr/>
+            </p:nvSpPr>
+            <p:spPr>
+              <a:xfrm>
+                <a:off x="-78241" y="704572"/>
+                <a:ext cx="1742785" cy="1323439"/>
+              </a:xfrm>
+              <a:prstGeom prst="rect">
+                <a:avLst/>
+              </a:prstGeom>
+              <a:blipFill rotWithShape="1">
+                <a:blip r:embed="rId2"/>
+                <a:stretch>
+                  <a:fillRect/>
+                </a:stretch>
+              </a:blipFill>
+            </p:spPr>
+            <p:txBody>
+              <a:bodyPr/>
+              <a:lstStyle/>
+              <a:p>
+                <a:r>
+                  <a:rPr lang="pt-PT">
+                    <a:noFill/>
+                  </a:rPr>
+                  <a:t> </a:t>
+                </a:r>
+              </a:p>
+            </p:txBody>
+          </p:sp>
+        </mc:Fallback>
+      </mc:AlternateContent>
+      <mc:AlternateContent xmlns:mc="http://schemas.openxmlformats.org/markup-compatibility/2006">
+        <mc:Choice xmlns:a14="http://schemas.microsoft.com/office/drawing/2010/main" Requires="a14">
+          <p:sp>
+            <p:nvSpPr>
+              <p:cNvPr id="4" name="Rectangle 3"/>
+              <p:cNvSpPr/>
+              <p:nvPr/>
+            </p:nvSpPr>
+            <p:spPr>
+              <a:xfrm>
+                <a:off x="-84173" y="2874020"/>
+                <a:ext cx="1754648" cy="1323439"/>
+              </a:xfrm>
+              <a:prstGeom prst="rect">
+                <a:avLst/>
+              </a:prstGeom>
+            </p:spPr>
+            <p:txBody>
+              <a:bodyPr wrap="none">
+                <a:spAutoFit/>
+              </a:bodyPr>
+              <a:lstStyle/>
+              <a:p>
+                <a14:m>
+                  <m:oMathPara xmlns:m="http://schemas.openxmlformats.org/officeDocument/2006/math">
+                    <m:oMathParaPr>
+                      <m:jc m:val="centerGroup"/>
+                    </m:oMathParaPr>
+                    <m:oMath xmlns:m="http://schemas.openxmlformats.org/officeDocument/2006/math">
+                      <m:d>
+                        <m:dPr>
+                          <m:begChr m:val=""/>
+                          <m:endChr m:val="⟩"/>
+                          <m:ctrlPr>
+                            <a:rPr lang="pt-PT" sz="4000" i="1" smtClean="0">
+                              <a:latin typeface="Cambria Math"/>
+                            </a:rPr>
+                          </m:ctrlPr>
+                        </m:dPr>
+                        <m:e>
+                          <m:d>
+                            <m:dPr>
+                              <m:begChr m:val="|"/>
+                              <m:endChr m:val=""/>
+                              <m:ctrlPr>
+                                <a:rPr lang="pt-PT" sz="4000" i="1">
+                                  <a:latin typeface="Cambria Math"/>
+                                </a:rPr>
+                              </m:ctrlPr>
+                            </m:dPr>
+                            <m:e>
+                              <m:sSub>
+                                <m:sSubPr>
+                                  <m:ctrlPr>
+                                    <a:rPr lang="pt-PT" sz="4000" i="1">
+                                      <a:latin typeface="Cambria Math"/>
+                                    </a:rPr>
+                                  </m:ctrlPr>
+                                </m:sSubPr>
+                                <m:e>
+                                  <m:r>
+                                    <a:rPr lang="pt-PT" sz="4000" i="1">
+                                      <a:latin typeface="Cambria Math"/>
+                                    </a:rPr>
+                                    <m:t>𝜑</m:t>
+                                  </m:r>
+                                </m:e>
+                                <m:sub>
+                                  <m:r>
+                                    <a:rPr lang="pt-PT" sz="4000" b="0" i="1" smtClean="0">
+                                      <a:latin typeface="Cambria Math"/>
+                                    </a:rPr>
+                                    <m:t>2</m:t>
+                                  </m:r>
+                                </m:sub>
+                              </m:sSub>
+                            </m:e>
+                          </m:d>
+                        </m:e>
+                      </m:d>
+                      <m:r>
+                        <a:rPr lang="pt-PT" sz="4000" b="0" i="1" smtClean="0">
+                          <a:latin typeface="Cambria Math"/>
+                        </a:rPr>
+                        <m:t>=</m:t>
+                      </m:r>
+                    </m:oMath>
+                  </m:oMathPara>
+                </a14:m>
+                <a:endParaRPr lang="pt-PT" sz="4000" b="0" i="1" dirty="0" smtClean="0">
+                  <a:latin typeface="Cambria Math"/>
+                </a:endParaRPr>
+              </a:p>
+              <a:p>
+                <a14:m>
+                  <m:oMathPara xmlns:m="http://schemas.openxmlformats.org/officeDocument/2006/math">
+                    <m:oMathParaPr>
+                      <m:jc m:val="centerGroup"/>
+                    </m:oMathParaPr>
+                    <m:oMath xmlns:m="http://schemas.openxmlformats.org/officeDocument/2006/math">
+                      <m:r>
+                        <a:rPr lang="pt-PT" sz="4000" b="0" i="1" smtClean="0">
+                          <a:latin typeface="Cambria Math"/>
+                        </a:rPr>
+                        <m:t>|</m:t>
+                      </m:r>
+                      <m:r>
+                        <a:rPr lang="pt-PT" sz="4000" b="0" i="1" smtClean="0">
+                          <a:latin typeface="Cambria Math"/>
+                        </a:rPr>
+                        <m:t>𝐶</m:t>
+                      </m:r>
+                      <m:r>
+                        <a:rPr lang="pt-PT" sz="4000" b="0" i="1" smtClean="0">
+                          <a:latin typeface="Cambria Math"/>
+                        </a:rPr>
+                        <m:t>〉</m:t>
+                      </m:r>
+                    </m:oMath>
+                  </m:oMathPara>
+                </a14:m>
+                <a:endParaRPr lang="pt-PT" sz="4000" dirty="0"/>
+              </a:p>
+            </p:txBody>
+          </p:sp>
+        </mc:Choice>
+        <mc:Fallback>
+          <p:sp>
+            <p:nvSpPr>
+              <p:cNvPr id="4" name="Rectangle 3"/>
+              <p:cNvSpPr>
+                <a:spLocks noRot="1" noChangeAspect="1" noMove="1" noResize="1" noEditPoints="1" noAdjustHandles="1" noChangeArrowheads="1" noChangeShapeType="1" noTextEdit="1"/>
+              </p:cNvSpPr>
+              <p:nvPr/>
+            </p:nvSpPr>
+            <p:spPr>
+              <a:xfrm>
+                <a:off x="-84173" y="2874020"/>
+                <a:ext cx="1754648" cy="1323439"/>
+              </a:xfrm>
+              <a:prstGeom prst="rect">
+                <a:avLst/>
+              </a:prstGeom>
+              <a:blipFill rotWithShape="1">
+                <a:blip r:embed="rId3"/>
+                <a:stretch>
+                  <a:fillRect/>
+                </a:stretch>
+              </a:blipFill>
+            </p:spPr>
+            <p:txBody>
+              <a:bodyPr/>
+              <a:lstStyle/>
+              <a:p>
+                <a:r>
+                  <a:rPr lang="pt-PT">
+                    <a:noFill/>
+                  </a:rPr>
+                  <a:t> </a:t>
+                </a:r>
+              </a:p>
+            </p:txBody>
+          </p:sp>
+        </mc:Fallback>
+      </mc:AlternateContent>
+      <mc:AlternateContent xmlns:mc="http://schemas.openxmlformats.org/markup-compatibility/2006">
+        <mc:Choice xmlns:a14="http://schemas.microsoft.com/office/drawing/2010/main" Requires="a14">
+          <p:sp>
+            <p:nvSpPr>
+              <p:cNvPr id="5" name="Rectangle 4"/>
+              <p:cNvSpPr/>
+              <p:nvPr/>
+            </p:nvSpPr>
+            <p:spPr>
+              <a:xfrm>
+                <a:off x="-27008" y="5218956"/>
+                <a:ext cx="1754648" cy="1323439"/>
+              </a:xfrm>
+              <a:prstGeom prst="rect">
+                <a:avLst/>
+              </a:prstGeom>
+            </p:spPr>
+            <p:txBody>
+              <a:bodyPr wrap="none">
+                <a:spAutoFit/>
+              </a:bodyPr>
+              <a:lstStyle/>
+              <a:p>
+                <a14:m>
+                  <m:oMathPara xmlns:m="http://schemas.openxmlformats.org/officeDocument/2006/math">
+                    <m:oMathParaPr>
+                      <m:jc m:val="centerGroup"/>
+                    </m:oMathParaPr>
+                    <m:oMath xmlns:m="http://schemas.openxmlformats.org/officeDocument/2006/math">
+                      <m:d>
+                        <m:dPr>
+                          <m:begChr m:val=""/>
+                          <m:endChr m:val="⟩"/>
+                          <m:ctrlPr>
+                            <a:rPr lang="pt-PT" sz="4000" i="1" smtClean="0">
+                              <a:latin typeface="Cambria Math"/>
+                            </a:rPr>
+                          </m:ctrlPr>
+                        </m:dPr>
+                        <m:e>
+                          <m:d>
+                            <m:dPr>
+                              <m:begChr m:val="|"/>
+                              <m:endChr m:val=""/>
+                              <m:ctrlPr>
+                                <a:rPr lang="pt-PT" sz="4000" i="1">
+                                  <a:latin typeface="Cambria Math"/>
+                                </a:rPr>
+                              </m:ctrlPr>
+                            </m:dPr>
+                            <m:e>
+                              <m:sSub>
+                                <m:sSubPr>
+                                  <m:ctrlPr>
+                                    <a:rPr lang="pt-PT" sz="4000" i="1">
+                                      <a:latin typeface="Cambria Math"/>
+                                    </a:rPr>
+                                  </m:ctrlPr>
+                                </m:sSubPr>
+                                <m:e>
+                                  <m:r>
+                                    <a:rPr lang="pt-PT" sz="4000" i="1">
+                                      <a:latin typeface="Cambria Math"/>
+                                    </a:rPr>
+                                    <m:t>𝜑</m:t>
+                                  </m:r>
+                                </m:e>
+                                <m:sub>
+                                  <m:r>
+                                    <a:rPr lang="pt-PT" sz="4000" b="0" i="1" smtClean="0">
+                                      <a:latin typeface="Cambria Math"/>
+                                    </a:rPr>
+                                    <m:t>3</m:t>
+                                  </m:r>
+                                </m:sub>
+                              </m:sSub>
+                            </m:e>
+                          </m:d>
+                        </m:e>
+                      </m:d>
+                      <m:r>
+                        <a:rPr lang="pt-PT" sz="4000" b="0" i="1" smtClean="0">
+                          <a:latin typeface="Cambria Math"/>
+                        </a:rPr>
+                        <m:t>=</m:t>
+                      </m:r>
+                    </m:oMath>
+                  </m:oMathPara>
+                </a14:m>
+                <a:endParaRPr lang="pt-PT" sz="4000" b="0" i="1" dirty="0" smtClean="0">
+                  <a:latin typeface="Cambria Math"/>
+                </a:endParaRPr>
+              </a:p>
+              <a:p>
+                <a14:m>
+                  <m:oMathPara xmlns:m="http://schemas.openxmlformats.org/officeDocument/2006/math">
+                    <m:oMathParaPr>
+                      <m:jc m:val="centerGroup"/>
+                    </m:oMathParaPr>
+                    <m:oMath xmlns:m="http://schemas.openxmlformats.org/officeDocument/2006/math">
+                      <m:r>
+                        <a:rPr lang="pt-PT" sz="4000" b="0" i="1" smtClean="0">
+                          <a:latin typeface="Cambria Math"/>
+                        </a:rPr>
+                        <m:t>|</m:t>
+                      </m:r>
+                      <m:r>
+                        <a:rPr lang="pt-PT" sz="4000" b="0" i="1" smtClean="0">
+                          <a:latin typeface="Cambria Math"/>
+                        </a:rPr>
+                        <m:t>𝐶</m:t>
+                      </m:r>
+                      <m:r>
+                        <a:rPr lang="pt-PT" sz="4000" b="0" i="1" smtClean="0">
+                          <a:latin typeface="Cambria Math"/>
+                        </a:rPr>
+                        <m:t>〉</m:t>
+                      </m:r>
+                    </m:oMath>
+                  </m:oMathPara>
+                </a14:m>
+                <a:endParaRPr lang="pt-PT" sz="4000" dirty="0"/>
+              </a:p>
+            </p:txBody>
+          </p:sp>
+        </mc:Choice>
+        <mc:Fallback>
+          <p:sp>
+            <p:nvSpPr>
+              <p:cNvPr id="5" name="Rectangle 4"/>
+              <p:cNvSpPr>
+                <a:spLocks noRot="1" noChangeAspect="1" noMove="1" noResize="1" noEditPoints="1" noAdjustHandles="1" noChangeArrowheads="1" noChangeShapeType="1" noTextEdit="1"/>
+              </p:cNvSpPr>
+              <p:nvPr/>
+            </p:nvSpPr>
+            <p:spPr>
+              <a:xfrm>
+                <a:off x="-27008" y="5218956"/>
+                <a:ext cx="1754648" cy="1323439"/>
+              </a:xfrm>
+              <a:prstGeom prst="rect">
+                <a:avLst/>
+              </a:prstGeom>
+              <a:blipFill rotWithShape="1">
+                <a:blip r:embed="rId4"/>
+                <a:stretch>
+                  <a:fillRect/>
+                </a:stretch>
+              </a:blipFill>
+            </p:spPr>
+            <p:txBody>
+              <a:bodyPr/>
+              <a:lstStyle/>
+              <a:p>
+                <a:r>
+                  <a:rPr lang="pt-PT">
+                    <a:noFill/>
+                  </a:rPr>
+                  <a:t> </a:t>
+                </a:r>
+              </a:p>
+            </p:txBody>
+          </p:sp>
+        </mc:Fallback>
+      </mc:AlternateContent>
+      <p:cxnSp>
+        <p:nvCxnSpPr>
+          <p:cNvPr id="7" name="Straight Connector 6"/>
+          <p:cNvCxnSpPr/>
+          <p:nvPr/>
+        </p:nvCxnSpPr>
+        <p:spPr>
+          <a:xfrm>
+            <a:off x="1612042" y="1067693"/>
+            <a:ext cx="6829691" cy="0"/>
+          </a:xfrm>
+          <a:prstGeom prst="line">
+            <a:avLst/>
+          </a:prstGeom>
+        </p:spPr>
+        <p:style>
+          <a:lnRef idx="3">
+            <a:schemeClr val="dk1"/>
+          </a:lnRef>
+          <a:fillRef idx="0">
+            <a:schemeClr val="dk1"/>
+          </a:fillRef>
+          <a:effectRef idx="2">
+            <a:schemeClr val="dk1"/>
+          </a:effectRef>
+          <a:fontRef idx="minor">
+            <a:schemeClr val="tx1"/>
+          </a:fontRef>
+        </p:style>
+      </p:cxnSp>
+      <p:cxnSp>
+        <p:nvCxnSpPr>
+          <p:cNvPr id="8" name="Straight Connector 7"/>
+          <p:cNvCxnSpPr/>
+          <p:nvPr/>
+        </p:nvCxnSpPr>
+        <p:spPr>
+          <a:xfrm>
+            <a:off x="1612042" y="3227963"/>
+            <a:ext cx="6811868" cy="0"/>
+          </a:xfrm>
+          <a:prstGeom prst="line">
+            <a:avLst/>
+          </a:prstGeom>
+        </p:spPr>
+        <p:style>
+          <a:lnRef idx="3">
+            <a:schemeClr val="dk1"/>
+          </a:lnRef>
+          <a:fillRef idx="0">
+            <a:schemeClr val="dk1"/>
+          </a:fillRef>
+          <a:effectRef idx="2">
+            <a:schemeClr val="dk1"/>
+          </a:effectRef>
+          <a:fontRef idx="minor">
+            <a:schemeClr val="tx1"/>
+          </a:fontRef>
+        </p:style>
+      </p:cxnSp>
+      <p:cxnSp>
+        <p:nvCxnSpPr>
+          <p:cNvPr id="9" name="Straight Connector 8"/>
+          <p:cNvCxnSpPr/>
+          <p:nvPr/>
+        </p:nvCxnSpPr>
+        <p:spPr>
+          <a:xfrm>
+            <a:off x="1675050" y="5572899"/>
+            <a:ext cx="6748860" cy="0"/>
+          </a:xfrm>
+          <a:prstGeom prst="line">
+            <a:avLst/>
+          </a:prstGeom>
+        </p:spPr>
+        <p:style>
+          <a:lnRef idx="3">
+            <a:schemeClr val="dk1"/>
+          </a:lnRef>
+          <a:fillRef idx="0">
+            <a:schemeClr val="dk1"/>
+          </a:fillRef>
+          <a:effectRef idx="2">
+            <a:schemeClr val="dk1"/>
+          </a:effectRef>
+          <a:fontRef idx="minor">
+            <a:schemeClr val="tx1"/>
+          </a:fontRef>
+        </p:style>
+      </p:cxnSp>
+      <mc:AlternateContent xmlns:mc="http://schemas.openxmlformats.org/markup-compatibility/2006">
+        <mc:Choice xmlns:a14="http://schemas.microsoft.com/office/drawing/2010/main" Requires="a14">
+          <p:sp>
+            <p:nvSpPr>
+              <p:cNvPr id="10" name="Rectangle 9"/>
+              <p:cNvSpPr/>
+              <p:nvPr/>
+            </p:nvSpPr>
+            <p:spPr>
+              <a:xfrm>
+                <a:off x="2051685" y="347603"/>
+                <a:ext cx="720090" cy="5760720"/>
+              </a:xfrm>
+              <a:prstGeom prst="rect">
+                <a:avLst/>
+              </a:prstGeom>
+            </p:spPr>
+            <p:style>
+              <a:lnRef idx="2">
+                <a:schemeClr val="dk1"/>
+              </a:lnRef>
+              <a:fillRef idx="1">
+                <a:schemeClr val="lt1"/>
+              </a:fillRef>
+              <a:effectRef idx="0">
+                <a:schemeClr val="dk1"/>
+              </a:effectRef>
+              <a:fontRef idx="minor">
+                <a:schemeClr val="dk1"/>
+              </a:fontRef>
+            </p:style>
+            <p:txBody>
+              <a:bodyPr rtlCol="0" anchor="ctr"/>
+              <a:lstStyle/>
+              <a:p>
+                <a:pPr algn="ctr"/>
+                <a14:m>
+                  <m:oMathPara xmlns:m="http://schemas.openxmlformats.org/officeDocument/2006/math">
+                    <m:oMathParaPr>
+                      <m:jc m:val="centerGroup"/>
+                    </m:oMathParaPr>
+                    <m:oMath xmlns:m="http://schemas.openxmlformats.org/officeDocument/2006/math">
+                      <m:r>
+                        <a:rPr lang="pt-PT" sz="4000" i="1" smtClean="0">
+                          <a:latin typeface="Cambria Math"/>
+                          <a:ea typeface="Cambria Math"/>
+                        </a:rPr>
+                        <m:t>𝒥</m:t>
+                      </m:r>
+                    </m:oMath>
+                  </m:oMathPara>
+                </a14:m>
+                <a:endParaRPr lang="pt-PT" sz="4000" dirty="0"/>
+              </a:p>
+            </p:txBody>
+          </p:sp>
+        </mc:Choice>
+        <mc:Fallback>
+          <p:sp>
+            <p:nvSpPr>
+              <p:cNvPr id="10" name="Rectangle 9"/>
+              <p:cNvSpPr>
+                <a:spLocks noRot="1" noChangeAspect="1" noMove="1" noResize="1" noEditPoints="1" noAdjustHandles="1" noChangeArrowheads="1" noChangeShapeType="1" noTextEdit="1"/>
+              </p:cNvSpPr>
+              <p:nvPr/>
+            </p:nvSpPr>
+            <p:spPr>
+              <a:xfrm>
+                <a:off x="2051685" y="347603"/>
+                <a:ext cx="720090" cy="5760720"/>
+              </a:xfrm>
+              <a:prstGeom prst="rect">
+                <a:avLst/>
+              </a:prstGeom>
+              <a:blipFill rotWithShape="1">
+                <a:blip r:embed="rId5"/>
+                <a:stretch>
+                  <a:fillRect/>
+                </a:stretch>
+              </a:blipFill>
+            </p:spPr>
+            <p:txBody>
+              <a:bodyPr/>
+              <a:lstStyle/>
+              <a:p>
+                <a:r>
+                  <a:rPr lang="pt-PT">
+                    <a:noFill/>
+                  </a:rPr>
+                  <a:t> </a:t>
+                </a:r>
+              </a:p>
+            </p:txBody>
+          </p:sp>
+        </mc:Fallback>
+      </mc:AlternateContent>
+      <mc:AlternateContent xmlns:mc="http://schemas.openxmlformats.org/markup-compatibility/2006">
+        <mc:Choice xmlns:a14="http://schemas.microsoft.com/office/drawing/2010/main" Requires="a14">
+          <p:sp>
+            <p:nvSpPr>
+              <p:cNvPr id="11" name="Rectangle 10"/>
+              <p:cNvSpPr/>
+              <p:nvPr/>
+            </p:nvSpPr>
+            <p:spPr>
+              <a:xfrm>
+                <a:off x="6256627" y="347603"/>
+                <a:ext cx="935550" cy="5760720"/>
+              </a:xfrm>
+              <a:prstGeom prst="rect">
+                <a:avLst/>
+              </a:prstGeom>
+            </p:spPr>
+            <p:style>
+              <a:lnRef idx="2">
+                <a:schemeClr val="dk1"/>
+              </a:lnRef>
+              <a:fillRef idx="1">
+                <a:schemeClr val="lt1"/>
+              </a:fillRef>
+              <a:effectRef idx="0">
+                <a:schemeClr val="dk1"/>
+              </a:effectRef>
+              <a:fontRef idx="minor">
+                <a:schemeClr val="dk1"/>
+              </a:fontRef>
+            </p:style>
+            <p:txBody>
+              <a:bodyPr rtlCol="0" anchor="ctr"/>
+              <a:lstStyle/>
+              <a:p>
+                <a:pPr algn="ctr"/>
+                <a14:m>
+                  <m:oMathPara xmlns:m="http://schemas.openxmlformats.org/officeDocument/2006/math">
+                    <m:oMathParaPr>
+                      <m:jc m:val="center"/>
+                    </m:oMathParaPr>
+                    <m:oMath xmlns:m="http://schemas.openxmlformats.org/officeDocument/2006/math">
+                      <m:sSup>
+                        <m:sSupPr>
+                          <m:ctrlPr>
+                            <a:rPr lang="pt-PT" sz="4000" i="1" smtClean="0">
+                              <a:latin typeface="Cambria Math"/>
+                              <a:ea typeface="Cambria Math"/>
+                            </a:rPr>
+                          </m:ctrlPr>
+                        </m:sSupPr>
+                        <m:e>
+                          <m:r>
+                            <a:rPr lang="pt-PT" sz="4000" i="1">
+                              <a:latin typeface="Cambria Math"/>
+                              <a:ea typeface="Cambria Math"/>
+                            </a:rPr>
+                            <m:t>𝒥</m:t>
+                          </m:r>
+                          <m:r>
+                            <m:rPr>
+                              <m:nor/>
+                            </m:rPr>
+                            <a:rPr lang="pt-PT" sz="4000" dirty="0"/>
+                            <m:t> </m:t>
+                          </m:r>
+                        </m:e>
+                        <m:sup>
+                          <m:r>
+                            <a:rPr lang="pt-PT" sz="4000" i="1">
+                              <a:latin typeface="Cambria Math"/>
+                              <a:ea typeface="Cambria Math"/>
+                            </a:rPr>
+                            <m:t>†</m:t>
+                          </m:r>
+                        </m:sup>
+                      </m:sSup>
+                    </m:oMath>
+                  </m:oMathPara>
+                </a14:m>
+                <a:endParaRPr lang="pt-PT" sz="6000" dirty="0"/>
+              </a:p>
+            </p:txBody>
+          </p:sp>
+        </mc:Choice>
+        <mc:Fallback>
+          <p:sp>
+            <p:nvSpPr>
+              <p:cNvPr id="11" name="Rectangle 10"/>
+              <p:cNvSpPr>
+                <a:spLocks noRot="1" noChangeAspect="1" noMove="1" noResize="1" noEditPoints="1" noAdjustHandles="1" noChangeArrowheads="1" noChangeShapeType="1" noTextEdit="1"/>
+              </p:cNvSpPr>
+              <p:nvPr/>
+            </p:nvSpPr>
+            <p:spPr>
+              <a:xfrm>
+                <a:off x="6256627" y="347603"/>
+                <a:ext cx="935550" cy="5760720"/>
+              </a:xfrm>
+              <a:prstGeom prst="rect">
+                <a:avLst/>
+              </a:prstGeom>
+              <a:blipFill rotWithShape="1">
+                <a:blip r:embed="rId6"/>
+                <a:stretch>
+                  <a:fillRect/>
+                </a:stretch>
+              </a:blipFill>
+            </p:spPr>
+            <p:txBody>
+              <a:bodyPr/>
+              <a:lstStyle/>
+              <a:p>
+                <a:r>
+                  <a:rPr lang="pt-PT">
+                    <a:noFill/>
+                  </a:rPr>
+                  <a:t> </a:t>
+                </a:r>
+              </a:p>
+            </p:txBody>
+          </p:sp>
+        </mc:Fallback>
+      </mc:AlternateContent>
+      <mc:AlternateContent xmlns:mc="http://schemas.openxmlformats.org/markup-compatibility/2006">
+        <mc:Choice xmlns:a14="http://schemas.microsoft.com/office/drawing/2010/main" Requires="a14">
+          <p:sp>
+            <p:nvSpPr>
+              <p:cNvPr id="12" name="Rectangle 11"/>
+              <p:cNvSpPr/>
+              <p:nvPr/>
+            </p:nvSpPr>
+            <p:spPr>
+              <a:xfrm>
+                <a:off x="7079782" y="1366291"/>
+                <a:ext cx="1473416" cy="730456"/>
+              </a:xfrm>
+              <a:prstGeom prst="rect">
+                <a:avLst/>
+              </a:prstGeom>
+            </p:spPr>
+            <p:txBody>
+              <a:bodyPr wrap="none">
+                <a:spAutoFit/>
+              </a:bodyPr>
+              <a:lstStyle/>
+              <a:p>
+                <a14:m>
+                  <m:oMathPara xmlns:m="http://schemas.openxmlformats.org/officeDocument/2006/math">
+                    <m:oMathParaPr>
+                      <m:jc m:val="centerGroup"/>
+                    </m:oMathParaPr>
+                    <m:oMath xmlns:m="http://schemas.openxmlformats.org/officeDocument/2006/math">
+                      <m:d>
+                        <m:dPr>
+                          <m:begChr m:val=""/>
+                          <m:endChr m:val="⟩"/>
+                          <m:ctrlPr>
+                            <a:rPr lang="pt-PT" sz="3600" i="1" smtClean="0">
+                              <a:latin typeface="Cambria Math"/>
+                            </a:rPr>
+                          </m:ctrlPr>
+                        </m:dPr>
+                        <m:e>
+                          <m:d>
+                            <m:dPr>
+                              <m:begChr m:val="|"/>
+                              <m:endChr m:val=""/>
+                              <m:ctrlPr>
+                                <a:rPr lang="pt-PT" sz="3600" i="1">
+                                  <a:latin typeface="Cambria Math"/>
+                                </a:rPr>
+                              </m:ctrlPr>
+                            </m:dPr>
+                            <m:e>
+                              <m:sSub>
+                                <m:sSubPr>
+                                  <m:ctrlPr>
+                                    <a:rPr lang="pt-PT" sz="3600" i="1">
+                                      <a:latin typeface="Cambria Math"/>
+                                    </a:rPr>
+                                  </m:ctrlPr>
+                                </m:sSubPr>
+                                <m:e>
+                                  <m:r>
+                                    <a:rPr lang="pt-PT" sz="3600" b="0" i="1" smtClean="0">
+                                      <a:latin typeface="Cambria Math"/>
+                                    </a:rPr>
+                                    <m:t>𝜓</m:t>
+                                  </m:r>
+                                </m:e>
+                                <m:sub>
+                                  <m:r>
+                                    <a:rPr lang="pt-PT" sz="3600" b="0" i="1" smtClean="0">
+                                      <a:latin typeface="Cambria Math"/>
+                                    </a:rPr>
+                                    <m:t>𝑓𝑖𝑛</m:t>
+                                  </m:r>
+                                </m:sub>
+                              </m:sSub>
+                            </m:e>
+                          </m:d>
+                        </m:e>
+                      </m:d>
+                    </m:oMath>
+                  </m:oMathPara>
+                </a14:m>
+                <a:endParaRPr lang="pt-PT" sz="3600" dirty="0"/>
+              </a:p>
+            </p:txBody>
+          </p:sp>
+        </mc:Choice>
+        <mc:Fallback>
+          <p:sp>
+            <p:nvSpPr>
+              <p:cNvPr id="12" name="Rectangle 11"/>
+              <p:cNvSpPr>
+                <a:spLocks noRot="1" noChangeAspect="1" noMove="1" noResize="1" noEditPoints="1" noAdjustHandles="1" noChangeArrowheads="1" noChangeShapeType="1" noTextEdit="1"/>
+              </p:cNvSpPr>
+              <p:nvPr/>
+            </p:nvSpPr>
+            <p:spPr>
+              <a:xfrm>
+                <a:off x="7079782" y="1366291"/>
+                <a:ext cx="1473416" cy="730456"/>
+              </a:xfrm>
+              <a:prstGeom prst="rect">
+                <a:avLst/>
+              </a:prstGeom>
+              <a:blipFill rotWithShape="1">
+                <a:blip r:embed="rId7"/>
+                <a:stretch>
+                  <a:fillRect/>
+                </a:stretch>
+              </a:blipFill>
+            </p:spPr>
+            <p:txBody>
+              <a:bodyPr/>
+              <a:lstStyle/>
+              <a:p>
+                <a:r>
+                  <a:rPr lang="pt-PT">
+                    <a:noFill/>
+                  </a:rPr>
+                  <a:t> </a:t>
+                </a:r>
+              </a:p>
+            </p:txBody>
+          </p:sp>
+        </mc:Fallback>
+      </mc:AlternateContent>
+      <mc:AlternateContent xmlns:mc="http://schemas.openxmlformats.org/markup-compatibility/2006">
+        <mc:Choice xmlns:a14="http://schemas.microsoft.com/office/drawing/2010/main" Requires="a14">
+          <p:sp>
+            <p:nvSpPr>
+              <p:cNvPr id="16" name="Rectangle 15"/>
+              <p:cNvSpPr/>
+              <p:nvPr/>
+            </p:nvSpPr>
+            <p:spPr>
+              <a:xfrm>
+                <a:off x="2771775" y="1366291"/>
+                <a:ext cx="1413784" cy="646331"/>
+              </a:xfrm>
+              <a:prstGeom prst="rect">
+                <a:avLst/>
+              </a:prstGeom>
+            </p:spPr>
+            <p:txBody>
+              <a:bodyPr wrap="none">
+                <a:spAutoFit/>
+              </a:bodyPr>
+              <a:lstStyle/>
+              <a:p>
+                <a14:m>
+                  <m:oMathPara xmlns:m="http://schemas.openxmlformats.org/officeDocument/2006/math">
+                    <m:oMathParaPr>
+                      <m:jc m:val="centerGroup"/>
+                    </m:oMathParaPr>
+                    <m:oMath xmlns:m="http://schemas.openxmlformats.org/officeDocument/2006/math">
+                      <m:d>
+                        <m:dPr>
+                          <m:begChr m:val=""/>
+                          <m:endChr m:val="⟩"/>
+                          <m:ctrlPr>
+                            <a:rPr lang="pt-PT" sz="3600" i="1" smtClean="0">
+                              <a:latin typeface="Cambria Math"/>
+                            </a:rPr>
+                          </m:ctrlPr>
+                        </m:dPr>
+                        <m:e>
+                          <m:d>
+                            <m:dPr>
+                              <m:begChr m:val="|"/>
+                              <m:endChr m:val=""/>
+                              <m:ctrlPr>
+                                <a:rPr lang="pt-PT" sz="3600" i="1">
+                                  <a:latin typeface="Cambria Math"/>
+                                </a:rPr>
+                              </m:ctrlPr>
+                            </m:dPr>
+                            <m:e>
+                              <m:sSub>
+                                <m:sSubPr>
+                                  <m:ctrlPr>
+                                    <a:rPr lang="pt-PT" sz="3600" i="1">
+                                      <a:latin typeface="Cambria Math"/>
+                                    </a:rPr>
+                                  </m:ctrlPr>
+                                </m:sSubPr>
+                                <m:e>
+                                  <m:r>
+                                    <a:rPr lang="pt-PT" sz="3600" b="0" i="1" smtClean="0">
+                                      <a:latin typeface="Cambria Math"/>
+                                    </a:rPr>
+                                    <m:t>𝜓</m:t>
+                                  </m:r>
+                                </m:e>
+                                <m:sub>
+                                  <m:r>
+                                    <a:rPr lang="pt-PT" sz="3600" b="0" i="1" smtClean="0">
+                                      <a:latin typeface="Cambria Math"/>
+                                    </a:rPr>
+                                    <m:t>𝑖𝑛𝑖</m:t>
+                                  </m:r>
+                                </m:sub>
+                              </m:sSub>
+                            </m:e>
+                          </m:d>
+                        </m:e>
+                      </m:d>
+                    </m:oMath>
+                  </m:oMathPara>
+                </a14:m>
+                <a:endParaRPr lang="pt-PT" sz="3600" dirty="0"/>
+              </a:p>
+            </p:txBody>
+          </p:sp>
+        </mc:Choice>
+        <mc:Fallback>
+          <p:sp>
+            <p:nvSpPr>
+              <p:cNvPr id="16" name="Rectangle 15"/>
+              <p:cNvSpPr>
+                <a:spLocks noRot="1" noChangeAspect="1" noMove="1" noResize="1" noEditPoints="1" noAdjustHandles="1" noChangeArrowheads="1" noChangeShapeType="1" noTextEdit="1"/>
+              </p:cNvSpPr>
+              <p:nvPr/>
+            </p:nvSpPr>
+            <p:spPr>
+              <a:xfrm>
+                <a:off x="2771775" y="1366291"/>
+                <a:ext cx="1413784" cy="646331"/>
+              </a:xfrm>
+              <a:prstGeom prst="rect">
+                <a:avLst/>
+              </a:prstGeom>
+              <a:blipFill rotWithShape="1">
+                <a:blip r:embed="rId8"/>
+                <a:stretch>
+                  <a:fillRect/>
+                </a:stretch>
+              </a:blipFill>
+            </p:spPr>
+            <p:txBody>
+              <a:bodyPr/>
+              <a:lstStyle/>
+              <a:p>
+                <a:r>
+                  <a:rPr lang="pt-PT">
+                    <a:noFill/>
+                  </a:rPr>
+                  <a:t> </a:t>
+                </a:r>
+              </a:p>
+            </p:txBody>
+          </p:sp>
+        </mc:Fallback>
+      </mc:AlternateContent>
+      <mc:AlternateContent xmlns:mc="http://schemas.openxmlformats.org/markup-compatibility/2006">
+        <mc:Choice xmlns:a14="http://schemas.microsoft.com/office/drawing/2010/main" Requires="a14">
+          <p:sp>
+            <p:nvSpPr>
+              <p:cNvPr id="20" name="Rectangle 19"/>
+              <p:cNvSpPr/>
+              <p:nvPr/>
+            </p:nvSpPr>
+            <p:spPr>
+              <a:xfrm>
+                <a:off x="8423910" y="500003"/>
+                <a:ext cx="720090" cy="5760720"/>
+              </a:xfrm>
+              <a:prstGeom prst="rect">
+                <a:avLst/>
+              </a:prstGeom>
+              <a:ln>
+                <a:solidFill>
+                  <a:schemeClr val="bg1"/>
+                </a:solidFill>
+              </a:ln>
+            </p:spPr>
+            <p:style>
+              <a:lnRef idx="2">
+                <a:schemeClr val="dk1"/>
+              </a:lnRef>
+              <a:fillRef idx="1">
+                <a:schemeClr val="lt1"/>
+              </a:fillRef>
+              <a:effectRef idx="0">
+                <a:schemeClr val="dk1"/>
+              </a:effectRef>
+              <a:fontRef idx="minor">
+                <a:schemeClr val="dk1"/>
+              </a:fontRef>
+            </p:style>
+            <p:txBody>
+              <a:bodyPr vert="vert270" rtlCol="0" anchor="ctr"/>
+              <a:lstStyle/>
+              <a:p>
+                <a:pPr algn="ctr"/>
+                <a14:m>
+                  <m:oMathPara xmlns:m="http://schemas.openxmlformats.org/officeDocument/2006/math">
+                    <m:oMathParaPr>
+                      <m:jc m:val="center"/>
+                    </m:oMathParaPr>
+                    <m:oMath xmlns:m="http://schemas.openxmlformats.org/officeDocument/2006/math">
+                      <m:r>
+                        <a:rPr lang="pt-PT" sz="4000" b="0" i="1" smtClean="0">
+                          <a:latin typeface="Cambria Math"/>
+                          <a:ea typeface="Cambria Math"/>
+                        </a:rPr>
+                        <m:t>𝑚𝑒𝑎𝑠𝑢𝑟𝑒𝑚𝑒𝑛𝑡</m:t>
+                      </m:r>
+                    </m:oMath>
+                  </m:oMathPara>
+                </a14:m>
+                <a:endParaRPr lang="pt-PT" sz="6000" dirty="0"/>
+              </a:p>
+            </p:txBody>
+          </p:sp>
+        </mc:Choice>
+        <mc:Fallback>
+          <p:sp>
+            <p:nvSpPr>
+              <p:cNvPr id="20" name="Rectangle 19"/>
+              <p:cNvSpPr>
+                <a:spLocks noRot="1" noChangeAspect="1" noMove="1" noResize="1" noEditPoints="1" noAdjustHandles="1" noChangeArrowheads="1" noChangeShapeType="1" noTextEdit="1"/>
+              </p:cNvSpPr>
+              <p:nvPr/>
+            </p:nvSpPr>
+            <p:spPr>
+              <a:xfrm>
+                <a:off x="8423910" y="500003"/>
+                <a:ext cx="720090" cy="5760720"/>
+              </a:xfrm>
+              <a:prstGeom prst="rect">
+                <a:avLst/>
+              </a:prstGeom>
+              <a:blipFill rotWithShape="1">
+                <a:blip r:embed="rId9"/>
+                <a:stretch>
+                  <a:fillRect/>
+                </a:stretch>
+              </a:blipFill>
+              <a:ln>
+                <a:solidFill>
+                  <a:schemeClr val="bg1"/>
+                </a:solidFill>
+              </a:ln>
+            </p:spPr>
+            <p:txBody>
+              <a:bodyPr/>
+              <a:lstStyle/>
+              <a:p>
+                <a:r>
+                  <a:rPr lang="pt-PT">
+                    <a:noFill/>
+                  </a:rPr>
+                  <a:t> </a:t>
+                </a:r>
+              </a:p>
+            </p:txBody>
+          </p:sp>
+        </mc:Fallback>
+      </mc:AlternateContent>
+      <p:cxnSp>
+        <p:nvCxnSpPr>
+          <p:cNvPr id="22" name="Straight Connector 21"/>
+          <p:cNvCxnSpPr/>
+          <p:nvPr/>
+        </p:nvCxnSpPr>
+        <p:spPr>
+          <a:xfrm>
+            <a:off x="8441733" y="548640"/>
+            <a:ext cx="0" cy="5559683"/>
+          </a:xfrm>
+          <a:prstGeom prst="line">
+            <a:avLst/>
+          </a:prstGeom>
+        </p:spPr>
+        <p:style>
+          <a:lnRef idx="3">
+            <a:schemeClr val="dk1"/>
+          </a:lnRef>
+          <a:fillRef idx="0">
+            <a:schemeClr val="dk1"/>
+          </a:fillRef>
+          <a:effectRef idx="2">
+            <a:schemeClr val="dk1"/>
+          </a:effectRef>
+          <a:fontRef idx="minor">
+            <a:schemeClr val="tx1"/>
+          </a:fontRef>
+        </p:style>
+      </p:cxnSp>
+      <mc:AlternateContent xmlns:mc="http://schemas.openxmlformats.org/markup-compatibility/2006">
+        <mc:Choice xmlns:a14="http://schemas.microsoft.com/office/drawing/2010/main" Requires="a14">
+          <p:sp>
+            <p:nvSpPr>
+              <p:cNvPr id="32" name="Rectangle 31"/>
+              <p:cNvSpPr/>
+              <p:nvPr/>
+            </p:nvSpPr>
+            <p:spPr>
+              <a:xfrm>
+                <a:off x="4221191" y="347603"/>
+                <a:ext cx="1273357" cy="5760720"/>
+              </a:xfrm>
+              <a:prstGeom prst="rect">
+                <a:avLst/>
+              </a:prstGeom>
+              <a:ln/>
+            </p:spPr>
+            <p:style>
+              <a:lnRef idx="2">
+                <a:schemeClr val="dk1"/>
+              </a:lnRef>
+              <a:fillRef idx="1">
+                <a:schemeClr val="lt1"/>
+              </a:fillRef>
+              <a:effectRef idx="0">
+                <a:schemeClr val="dk1"/>
+              </a:effectRef>
+              <a:fontRef idx="minor">
+                <a:schemeClr val="dk1"/>
+              </a:fontRef>
+            </p:style>
+            <p:txBody>
+              <a:bodyPr vert="vert270" rtlCol="0" anchor="ctr"/>
+              <a:lstStyle/>
+              <a:p>
+                <a:pPr algn="ctr"/>
+                <a14:m>
+                  <m:oMathPara xmlns:m="http://schemas.openxmlformats.org/officeDocument/2006/math">
+                    <m:oMathParaPr>
+                      <m:jc m:val="center"/>
+                    </m:oMathParaPr>
+                    <m:oMath xmlns:m="http://schemas.openxmlformats.org/officeDocument/2006/math">
+                      <m:r>
+                        <a:rPr lang="pt-PT" sz="4000" b="0" i="1" smtClean="0">
+                          <a:latin typeface="Cambria Math"/>
+                          <a:ea typeface="Cambria Math"/>
+                        </a:rPr>
+                        <m:t>𝑝𝑙𝑎𝑦𝑒𝑟𝑠</m:t>
+                      </m:r>
+                      <m:r>
+                        <a:rPr lang="pt-PT" sz="4000" b="0" i="1" smtClean="0">
+                          <a:latin typeface="Cambria Math"/>
+                          <a:ea typeface="Cambria Math"/>
+                        </a:rPr>
+                        <m:t> </m:t>
+                      </m:r>
+                      <m:r>
+                        <a:rPr lang="pt-PT" sz="4000" b="0" i="1" smtClean="0">
+                          <a:latin typeface="Cambria Math"/>
+                          <a:ea typeface="Cambria Math"/>
+                        </a:rPr>
+                        <m:t>𝑎𝑝𝑝𝑙𝑦</m:t>
+                      </m:r>
+                      <m:r>
+                        <a:rPr lang="pt-PT" sz="4000" b="0" i="1" smtClean="0">
+                          <a:latin typeface="Cambria Math"/>
+                          <a:ea typeface="Cambria Math"/>
+                        </a:rPr>
+                        <m:t> </m:t>
+                      </m:r>
+                      <m:r>
+                        <a:rPr lang="pt-PT" sz="4000" b="0" i="1" smtClean="0">
+                          <a:latin typeface="Cambria Math"/>
+                          <a:ea typeface="Cambria Math"/>
+                        </a:rPr>
+                        <m:t>𝑡h𝑒𝑖𝑟</m:t>
+                      </m:r>
+                    </m:oMath>
+                  </m:oMathPara>
+                </a14:m>
+                <a:endParaRPr lang="pt-PT" sz="4000" b="0" i="1" dirty="0" smtClean="0">
+                  <a:latin typeface="Cambria Math"/>
+                  <a:ea typeface="Cambria Math"/>
+                </a:endParaRPr>
+              </a:p>
+              <a:p>
+                <a:pPr algn="ctr"/>
+                <a:r>
+                  <a:rPr lang="pt-PT" sz="4000" b="0" dirty="0" smtClean="0">
+                    <a:ea typeface="Cambria Math"/>
+                  </a:rPr>
+                  <a:t>s</a:t>
+                </a:r>
+                <a14:m>
+                  <m:oMath xmlns:m="http://schemas.openxmlformats.org/officeDocument/2006/math">
+                    <m:r>
+                      <a:rPr lang="pt-PT" sz="4000" b="0" i="1" smtClean="0">
+                        <a:latin typeface="Cambria Math"/>
+                        <a:ea typeface="Cambria Math"/>
+                      </a:rPr>
+                      <m:t>𝑡𝑟𝑎𝑡𝑒𝑔𝑖𝑒𝑠</m:t>
+                    </m:r>
+                  </m:oMath>
+                </a14:m>
+                <a:endParaRPr lang="pt-PT" sz="6000" dirty="0"/>
+              </a:p>
+            </p:txBody>
+          </p:sp>
+        </mc:Choice>
+        <mc:Fallback>
+          <p:sp>
+            <p:nvSpPr>
+              <p:cNvPr id="32" name="Rectangle 31"/>
+              <p:cNvSpPr>
+                <a:spLocks noRot="1" noChangeAspect="1" noMove="1" noResize="1" noEditPoints="1" noAdjustHandles="1" noChangeArrowheads="1" noChangeShapeType="1" noTextEdit="1"/>
+              </p:cNvSpPr>
+              <p:nvPr/>
+            </p:nvSpPr>
+            <p:spPr>
+              <a:xfrm>
+                <a:off x="4221191" y="347603"/>
+                <a:ext cx="1273357" cy="5760720"/>
+              </a:xfrm>
+              <a:prstGeom prst="rect">
+                <a:avLst/>
+              </a:prstGeom>
+              <a:blipFill rotWithShape="1">
+                <a:blip r:embed="rId10"/>
+                <a:stretch>
+                  <a:fillRect r="-20657"/>
+                </a:stretch>
+              </a:blipFill>
+              <a:ln/>
+            </p:spPr>
+            <p:txBody>
+              <a:bodyPr/>
+              <a:lstStyle/>
+              <a:p>
+                <a:r>
+                  <a:rPr lang="pt-PT">
+                    <a:noFill/>
+                  </a:rPr>
+                  <a:t> </a:t>
+                </a:r>
+              </a:p>
+            </p:txBody>
+          </p:sp>
+        </mc:Fallback>
+      </mc:AlternateContent>
+    </p:spTree>
+    <p:extLst>
+      <p:ext uri="{BB962C8B-B14F-4D97-AF65-F5344CB8AC3E}">
+        <p14:creationId xmlns:p14="http://schemas.microsoft.com/office/powerpoint/2010/main" val="3633837879"/>
+      </p:ext>
+    </p:extLst>
+  </p:cSld>
+  <p:clrMapOvr>
+    <a:masterClrMapping/>
+  </p:clrMapOvr>
+</p:sld>
+</file>
+
+<file path=ppt/slides/slide7.xml><?xml version="1.0" encoding="utf-8"?>
+<p:sld xmlns:a="http://schemas.openxmlformats.org/drawingml/2006/main" xmlns:r="http://schemas.openxmlformats.org/officeDocument/2006/relationships" xmlns:p="http://schemas.openxmlformats.org/presentationml/2006/main">
+  <p:cSld>
+    <p:spTree>
+      <p:nvGrpSpPr>
+        <p:cNvPr id="1" name=""/>
+        <p:cNvGrpSpPr/>
+        <p:nvPr/>
+      </p:nvGrpSpPr>
+      <p:grpSpPr>
+        <a:xfrm>
+          <a:off x="0" y="0"/>
+          <a:ext cx="0" cy="0"/>
+          <a:chOff x="0" y="0"/>
+          <a:chExt cx="0" cy="0"/>
+        </a:xfrm>
+      </p:grpSpPr>
+      <p:cxnSp>
+        <p:nvCxnSpPr>
+          <p:cNvPr id="91" name="Straight Connector 90"/>
+          <p:cNvCxnSpPr/>
+          <p:nvPr/>
+        </p:nvCxnSpPr>
+        <p:spPr>
+          <a:xfrm>
+            <a:off x="4310447" y="5663993"/>
+            <a:ext cx="611328" cy="0"/>
+          </a:xfrm>
+          <a:prstGeom prst="line">
+            <a:avLst/>
+          </a:prstGeom>
+        </p:spPr>
+        <p:style>
+          <a:lnRef idx="3">
+            <a:schemeClr val="dk1"/>
+          </a:lnRef>
+          <a:fillRef idx="0">
+            <a:schemeClr val="dk1"/>
+          </a:fillRef>
+          <a:effectRef idx="2">
+            <a:schemeClr val="dk1"/>
+          </a:effectRef>
+          <a:fontRef idx="minor">
+            <a:schemeClr val="tx1"/>
+          </a:fontRef>
+        </p:style>
+      </p:cxnSp>
+      <p:cxnSp>
+        <p:nvCxnSpPr>
+          <p:cNvPr id="79" name="Straight Arrow Connector 78"/>
+          <p:cNvCxnSpPr>
+            <a:endCxn id="69" idx="0"/>
+          </p:cNvCxnSpPr>
+          <p:nvPr/>
+        </p:nvCxnSpPr>
+        <p:spPr>
+          <a:xfrm>
+            <a:off x="6181934" y="3002963"/>
+            <a:ext cx="32899" cy="2042132"/>
+          </a:xfrm>
+          <a:prstGeom prst="straightConnector1">
+            <a:avLst/>
+          </a:prstGeom>
+          <a:ln>
+            <a:tailEnd type="arrow"/>
+          </a:ln>
+        </p:spPr>
+        <p:style>
+          <a:lnRef idx="3">
+            <a:schemeClr val="dk1"/>
+          </a:lnRef>
+          <a:fillRef idx="0">
+            <a:schemeClr val="dk1"/>
+          </a:fillRef>
+          <a:effectRef idx="2">
+            <a:schemeClr val="dk1"/>
+          </a:effectRef>
+          <a:fontRef idx="minor">
+            <a:schemeClr val="tx1"/>
+          </a:fontRef>
+        </p:style>
+      </p:cxnSp>
+      <p:cxnSp>
+        <p:nvCxnSpPr>
+          <p:cNvPr id="76" name="Straight Arrow Connector 75"/>
+          <p:cNvCxnSpPr/>
+          <p:nvPr/>
+        </p:nvCxnSpPr>
+        <p:spPr>
+          <a:xfrm>
+            <a:off x="4561730" y="1052512"/>
+            <a:ext cx="15083" cy="618405"/>
+          </a:xfrm>
+          <a:prstGeom prst="straightConnector1">
+            <a:avLst/>
+          </a:prstGeom>
+          <a:ln>
+            <a:tailEnd type="arrow"/>
+          </a:ln>
+        </p:spPr>
+        <p:style>
+          <a:lnRef idx="3">
+            <a:schemeClr val="dk1"/>
+          </a:lnRef>
+          <a:fillRef idx="0">
+            <a:schemeClr val="dk1"/>
+          </a:fillRef>
+          <a:effectRef idx="2">
+            <a:schemeClr val="dk1"/>
+          </a:effectRef>
+          <a:fontRef idx="minor">
+            <a:schemeClr val="tx1"/>
+          </a:fontRef>
+        </p:style>
+      </p:cxnSp>
+      <p:sp>
+        <p:nvSpPr>
+          <p:cNvPr id="6" name="Oval 5"/>
+          <p:cNvSpPr/>
+          <p:nvPr/>
+        </p:nvSpPr>
+        <p:spPr>
+          <a:xfrm>
+            <a:off x="4391977" y="-12442"/>
+            <a:ext cx="360045" cy="360045"/>
+          </a:xfrm>
+          <a:prstGeom prst="ellipse">
+            <a:avLst/>
+          </a:prstGeom>
+        </p:spPr>
+        <p:style>
+          <a:lnRef idx="0">
+            <a:schemeClr val="dk1"/>
+          </a:lnRef>
+          <a:fillRef idx="3">
+            <a:schemeClr val="dk1"/>
+          </a:fillRef>
+          <a:effectRef idx="3">
+            <a:schemeClr val="dk1"/>
+          </a:effectRef>
+          <a:fontRef idx="minor">
+            <a:schemeClr val="lt1"/>
+          </a:fontRef>
+        </p:style>
+        <p:txBody>
+          <a:bodyPr rtlCol="0" anchor="ctr"/>
+          <a:lstStyle/>
+          <a:p>
+            <a:pPr algn="ctr"/>
+            <a:endParaRPr lang="pt-PT"/>
+          </a:p>
+        </p:txBody>
+      </p:sp>
+      <p:cxnSp>
+        <p:nvCxnSpPr>
+          <p:cNvPr id="17" name="Straight Connector 16"/>
+          <p:cNvCxnSpPr>
+            <a:stCxn id="6" idx="4"/>
+          </p:cNvCxnSpPr>
+          <p:nvPr/>
+        </p:nvCxnSpPr>
+        <p:spPr>
+          <a:xfrm>
+            <a:off x="4572000" y="347603"/>
+            <a:ext cx="0" cy="2361307"/>
+          </a:xfrm>
+          <a:prstGeom prst="line">
+            <a:avLst/>
+          </a:prstGeom>
+        </p:spPr>
+        <p:style>
+          <a:lnRef idx="3">
+            <a:schemeClr val="dk1"/>
+          </a:lnRef>
+          <a:fillRef idx="0">
+            <a:schemeClr val="dk1"/>
+          </a:fillRef>
+          <a:effectRef idx="2">
+            <a:schemeClr val="dk1"/>
+          </a:effectRef>
+          <a:fontRef idx="minor">
+            <a:schemeClr val="tx1"/>
+          </a:fontRef>
+        </p:style>
+      </p:cxnSp>
+      <p:sp>
+        <p:nvSpPr>
+          <p:cNvPr id="23" name="Flowchart: Decision 22"/>
+          <p:cNvSpPr/>
+          <p:nvPr/>
+        </p:nvSpPr>
+        <p:spPr>
+          <a:xfrm>
+            <a:off x="4201685" y="2708910"/>
+            <a:ext cx="720090" cy="539442"/>
+          </a:xfrm>
+          <a:prstGeom prst="flowChartDecision">
+            <a:avLst/>
+          </a:prstGeom>
+        </p:spPr>
+        <p:style>
+          <a:lnRef idx="2">
+            <a:schemeClr val="dk1"/>
+          </a:lnRef>
+          <a:fillRef idx="1">
+            <a:schemeClr val="lt1"/>
+          </a:fillRef>
+          <a:effectRef idx="0">
+            <a:schemeClr val="dk1"/>
+          </a:effectRef>
+          <a:fontRef idx="minor">
+            <a:schemeClr val="dk1"/>
+          </a:fontRef>
+        </p:style>
+        <p:txBody>
+          <a:bodyPr rtlCol="0" anchor="ctr"/>
+          <a:lstStyle/>
+          <a:p>
+            <a:pPr algn="ctr"/>
+            <a:endParaRPr lang="pt-PT" dirty="0"/>
+          </a:p>
+        </p:txBody>
+      </p:sp>
+      <p:sp>
+        <p:nvSpPr>
+          <p:cNvPr id="24" name="Rectangle 23"/>
+          <p:cNvSpPr/>
+          <p:nvPr/>
+        </p:nvSpPr>
+        <p:spPr>
+          <a:xfrm>
+            <a:off x="1331595" y="1665654"/>
+            <a:ext cx="6480810" cy="683211"/>
+          </a:xfrm>
+          <a:prstGeom prst="rect">
+            <a:avLst/>
+          </a:prstGeom>
+        </p:spPr>
+        <p:style>
+          <a:lnRef idx="2">
+            <a:schemeClr val="dk1"/>
+          </a:lnRef>
+          <a:fillRef idx="1">
+            <a:schemeClr val="lt1"/>
+          </a:fillRef>
+          <a:effectRef idx="0">
+            <a:schemeClr val="dk1"/>
+          </a:effectRef>
+          <a:fontRef idx="minor">
+            <a:schemeClr val="dk1"/>
+          </a:fontRef>
+        </p:style>
+        <p:txBody>
+          <a:bodyPr rtlCol="0" anchor="ctr"/>
+          <a:lstStyle/>
+          <a:p>
+            <a:pPr algn="ctr"/>
+            <a:endParaRPr lang="pt-PT"/>
+          </a:p>
+        </p:txBody>
+      </p:sp>
+      <mc:AlternateContent xmlns:mc="http://schemas.openxmlformats.org/markup-compatibility/2006">
+        <mc:Choice xmlns:a14="http://schemas.microsoft.com/office/drawing/2010/main" Requires="a14">
+          <p:sp>
+            <p:nvSpPr>
+              <p:cNvPr id="26" name="Rectangle 25"/>
+              <p:cNvSpPr/>
+              <p:nvPr/>
+            </p:nvSpPr>
+            <p:spPr>
+              <a:xfrm>
+                <a:off x="1331595" y="1665654"/>
+                <a:ext cx="6480810" cy="646331"/>
+              </a:xfrm>
+              <a:prstGeom prst="rect">
+                <a:avLst/>
+              </a:prstGeom>
+            </p:spPr>
+            <p:txBody>
+              <a:bodyPr wrap="square">
+                <a:spAutoFit/>
+              </a:bodyPr>
+              <a:lstStyle/>
+              <a:p>
+                <a14:m>
+                  <m:oMathPara xmlns:m="http://schemas.openxmlformats.org/officeDocument/2006/math">
+                    <m:oMathParaPr>
+                      <m:jc m:val="centerGroup"/>
+                    </m:oMathParaPr>
+                    <m:oMath xmlns:m="http://schemas.openxmlformats.org/officeDocument/2006/math">
+                      <m:d>
+                        <m:dPr>
+                          <m:begChr m:val=""/>
+                          <m:endChr m:val="⟩"/>
+                          <m:ctrlPr>
+                            <a:rPr lang="pt-PT" sz="3600" i="1" smtClean="0">
+                              <a:latin typeface="Cambria Math"/>
+                            </a:rPr>
+                          </m:ctrlPr>
+                        </m:dPr>
+                        <m:e>
+                          <m:d>
+                            <m:dPr>
+                              <m:begChr m:val="|"/>
+                              <m:endChr m:val=""/>
+                              <m:ctrlPr>
+                                <a:rPr lang="pt-PT" sz="3600" i="1">
+                                  <a:latin typeface="Cambria Math"/>
+                                </a:rPr>
+                              </m:ctrlPr>
+                            </m:dPr>
+                            <m:e>
+                              <m:sSub>
+                                <m:sSubPr>
+                                  <m:ctrlPr>
+                                    <a:rPr lang="pt-PT" sz="3600" i="1">
+                                      <a:latin typeface="Cambria Math"/>
+                                    </a:rPr>
+                                  </m:ctrlPr>
+                                </m:sSubPr>
+                                <m:e>
+                                  <m:r>
+                                    <a:rPr lang="pt-PT" sz="3600" b="0" i="1" smtClean="0">
+                                      <a:latin typeface="Cambria Math"/>
+                                    </a:rPr>
+                                    <m:t>𝜓</m:t>
+                                  </m:r>
+                                </m:e>
+                                <m:sub>
+                                  <m:r>
+                                    <a:rPr lang="pt-PT" sz="3600" b="0" i="1" smtClean="0">
+                                      <a:latin typeface="Cambria Math"/>
+                                    </a:rPr>
+                                    <m:t>1</m:t>
+                                  </m:r>
+                                </m:sub>
+                              </m:sSub>
+                            </m:e>
+                          </m:d>
+                        </m:e>
+                      </m:d>
+                      <m:r>
+                        <a:rPr lang="pt-PT" sz="3600" b="0" i="1" smtClean="0">
+                          <a:latin typeface="Cambria Math"/>
+                        </a:rPr>
+                        <m:t>=</m:t>
+                      </m:r>
+                      <m:sSub>
+                        <m:sSubPr>
+                          <m:ctrlPr>
+                            <a:rPr lang="pt-PT" sz="3600" b="0" i="1" smtClean="0">
+                              <a:latin typeface="Cambria Math"/>
+                              <a:ea typeface="Cambria Math"/>
+                            </a:rPr>
+                          </m:ctrlPr>
+                        </m:sSubPr>
+                        <m:e>
+                          <m:r>
+                            <a:rPr lang="pt-PT" sz="3600" b="0" i="1" smtClean="0">
+                              <a:latin typeface="Cambria Math"/>
+                              <a:ea typeface="Cambria Math"/>
+                            </a:rPr>
+                            <m:t>(</m:t>
+                          </m:r>
+                          <m:r>
+                            <a:rPr lang="pt-PT" sz="3600" i="1">
+                              <a:latin typeface="Cambria Math"/>
+                              <a:ea typeface="Cambria Math"/>
+                            </a:rPr>
+                            <m:t>𝒰</m:t>
+                          </m:r>
+                        </m:e>
+                        <m:sub>
+                          <m:r>
+                            <a:rPr lang="pt-PT" sz="3600" b="0" i="1" smtClean="0">
+                              <a:latin typeface="Cambria Math"/>
+                              <a:ea typeface="Cambria Math"/>
+                            </a:rPr>
+                            <m:t>1</m:t>
+                          </m:r>
+                        </m:sub>
+                      </m:sSub>
+                      <m:r>
+                        <a:rPr lang="pt-PT" sz="3600" b="0" i="1" smtClean="0">
+                          <a:latin typeface="Cambria Math"/>
+                          <a:ea typeface="Cambria Math"/>
+                        </a:rPr>
+                        <m:t>⊗</m:t>
+                      </m:r>
+                      <m:sSub>
+                        <m:sSubPr>
+                          <m:ctrlPr>
+                            <a:rPr lang="pt-PT" sz="3600" i="1">
+                              <a:latin typeface="Cambria Math"/>
+                              <a:ea typeface="Cambria Math"/>
+                            </a:rPr>
+                          </m:ctrlPr>
+                        </m:sSubPr>
+                        <m:e>
+                          <m:r>
+                            <a:rPr lang="pt-PT" sz="3600" i="1">
+                              <a:latin typeface="Cambria Math"/>
+                              <a:ea typeface="Cambria Math"/>
+                            </a:rPr>
+                            <m:t>𝒰</m:t>
+                          </m:r>
+                        </m:e>
+                        <m:sub>
+                          <m:r>
+                            <a:rPr lang="pt-PT" sz="3600" b="0" i="1" smtClean="0">
+                              <a:latin typeface="Cambria Math"/>
+                              <a:ea typeface="Cambria Math"/>
+                            </a:rPr>
+                            <m:t>2</m:t>
+                          </m:r>
+                        </m:sub>
+                      </m:sSub>
+                      <m:r>
+                        <a:rPr lang="pt-PT" sz="3600" b="0" i="1" smtClean="0">
+                          <a:latin typeface="Cambria Math"/>
+                          <a:ea typeface="Cambria Math"/>
+                        </a:rPr>
+                        <m:t>⊗</m:t>
+                      </m:r>
+                      <m:sSub>
+                        <m:sSubPr>
+                          <m:ctrlPr>
+                            <a:rPr lang="pt-PT" sz="3600" i="1">
+                              <a:latin typeface="Cambria Math"/>
+                              <a:ea typeface="Cambria Math"/>
+                            </a:rPr>
+                          </m:ctrlPr>
+                        </m:sSubPr>
+                        <m:e>
+                          <m:r>
+                            <a:rPr lang="pt-PT" sz="3600" i="1">
+                              <a:latin typeface="Cambria Math"/>
+                              <a:ea typeface="Cambria Math"/>
+                            </a:rPr>
+                            <m:t>𝒰</m:t>
+                          </m:r>
+                        </m:e>
+                        <m:sub>
+                          <m:r>
+                            <a:rPr lang="pt-PT" sz="3600" b="0" i="1" smtClean="0">
+                              <a:latin typeface="Cambria Math"/>
+                              <a:ea typeface="Cambria Math"/>
+                            </a:rPr>
+                            <m:t>3</m:t>
+                          </m:r>
+                        </m:sub>
+                      </m:sSub>
+                      <m:r>
+                        <a:rPr lang="pt-PT" sz="3600" b="0" i="1" smtClean="0">
+                          <a:latin typeface="Cambria Math"/>
+                          <a:ea typeface="Cambria Math"/>
+                        </a:rPr>
+                        <m:t>)</m:t>
+                      </m:r>
+                      <m:r>
+                        <a:rPr lang="pt-PT" sz="3600" b="0" i="1" dirty="0" smtClean="0">
+                          <a:latin typeface="Cambria Math"/>
+                        </a:rPr>
+                        <m:t>|</m:t>
+                      </m:r>
+                      <m:r>
+                        <a:rPr lang="nn-NO" sz="3600" i="1" dirty="0" smtClean="0">
+                          <a:latin typeface="Cambria Math"/>
+                        </a:rPr>
+                        <m:t> </m:t>
+                      </m:r>
+                      <m:sSub>
+                        <m:sSubPr>
+                          <m:ctrlPr>
+                            <a:rPr lang="nn-NO" sz="3600" i="1" dirty="0" smtClean="0">
+                              <a:latin typeface="Cambria Math"/>
+                            </a:rPr>
+                          </m:ctrlPr>
+                        </m:sSubPr>
+                        <m:e>
+                          <m:r>
+                            <a:rPr lang="nn-NO" sz="3600" i="1" dirty="0">
+                              <a:latin typeface="Cambria Math"/>
+                            </a:rPr>
+                            <m:t>𝜓</m:t>
+                          </m:r>
+                        </m:e>
+                        <m:sub>
+                          <m:r>
+                            <a:rPr lang="pt-PT" sz="3600" b="0" i="1" dirty="0" smtClean="0">
+                              <a:latin typeface="Cambria Math"/>
+                            </a:rPr>
+                            <m:t>𝑖𝑛𝑖</m:t>
+                          </m:r>
+                        </m:sub>
+                      </m:sSub>
+                      <m:r>
+                        <a:rPr lang="nn-NO" sz="3600" i="1" dirty="0" smtClean="0">
+                          <a:latin typeface="Cambria Math"/>
+                        </a:rPr>
+                        <m:t>〉</m:t>
+                      </m:r>
+                    </m:oMath>
+                  </m:oMathPara>
+                </a14:m>
+                <a:endParaRPr lang="pt-PT" sz="3600" dirty="0"/>
+              </a:p>
+            </p:txBody>
+          </p:sp>
+        </mc:Choice>
+        <mc:Fallback>
+          <p:sp>
+            <p:nvSpPr>
+              <p:cNvPr id="26" name="Rectangle 25"/>
+              <p:cNvSpPr>
+                <a:spLocks noRot="1" noChangeAspect="1" noMove="1" noResize="1" noEditPoints="1" noAdjustHandles="1" noChangeArrowheads="1" noChangeShapeType="1" noTextEdit="1"/>
+              </p:cNvSpPr>
+              <p:nvPr/>
+            </p:nvSpPr>
+            <p:spPr>
+              <a:xfrm>
+                <a:off x="1331595" y="1665654"/>
+                <a:ext cx="6480810" cy="646331"/>
+              </a:xfrm>
+              <a:prstGeom prst="rect">
+                <a:avLst/>
+              </a:prstGeom>
+              <a:blipFill rotWithShape="1">
+                <a:blip r:embed="rId2"/>
+                <a:stretch>
+                  <a:fillRect/>
+                </a:stretch>
+              </a:blipFill>
+            </p:spPr>
+            <p:txBody>
+              <a:bodyPr/>
+              <a:lstStyle/>
+              <a:p>
+                <a:r>
+                  <a:rPr lang="pt-PT">
+                    <a:noFill/>
+                  </a:rPr>
+                  <a:t> </a:t>
+                </a:r>
+              </a:p>
+            </p:txBody>
+          </p:sp>
+        </mc:Fallback>
+      </mc:AlternateContent>
+      <p:sp>
+        <p:nvSpPr>
+          <p:cNvPr id="29" name="Rectangle 28"/>
+          <p:cNvSpPr/>
+          <p:nvPr/>
+        </p:nvSpPr>
+        <p:spPr>
+          <a:xfrm>
+            <a:off x="2729159" y="548640"/>
+            <a:ext cx="3809761" cy="683211"/>
+          </a:xfrm>
+          <a:prstGeom prst="rect">
+            <a:avLst/>
+          </a:prstGeom>
+        </p:spPr>
+        <p:style>
+          <a:lnRef idx="2">
+            <a:schemeClr val="dk1"/>
+          </a:lnRef>
+          <a:fillRef idx="1">
+            <a:schemeClr val="lt1"/>
+          </a:fillRef>
+          <a:effectRef idx="0">
+            <a:schemeClr val="dk1"/>
+          </a:effectRef>
+          <a:fontRef idx="minor">
+            <a:schemeClr val="dk1"/>
+          </a:fontRef>
+        </p:style>
+        <p:txBody>
+          <a:bodyPr rtlCol="0" anchor="ctr"/>
+          <a:lstStyle/>
+          <a:p>
+            <a:pPr algn="ctr"/>
+            <a:endParaRPr lang="pt-PT"/>
+          </a:p>
+        </p:txBody>
+      </p:sp>
+      <mc:AlternateContent xmlns:mc="http://schemas.openxmlformats.org/markup-compatibility/2006">
+        <mc:Choice xmlns:a14="http://schemas.microsoft.com/office/drawing/2010/main" Requires="a14">
+          <p:sp>
+            <p:nvSpPr>
+              <p:cNvPr id="16" name="Rectangle 15"/>
+              <p:cNvSpPr/>
+              <p:nvPr/>
+            </p:nvSpPr>
+            <p:spPr>
+              <a:xfrm>
+                <a:off x="2769282" y="544627"/>
+                <a:ext cx="3809761" cy="646331"/>
+              </a:xfrm>
+              <a:prstGeom prst="rect">
+                <a:avLst/>
+              </a:prstGeom>
+            </p:spPr>
+            <p:txBody>
+              <a:bodyPr wrap="none">
+                <a:spAutoFit/>
+              </a:bodyPr>
+              <a:lstStyle/>
+              <a:p>
+                <a14:m>
+                  <m:oMathPara xmlns:m="http://schemas.openxmlformats.org/officeDocument/2006/math">
+                    <m:oMathParaPr>
+                      <m:jc m:val="centerGroup"/>
+                    </m:oMathParaPr>
+                    <m:oMath xmlns:m="http://schemas.openxmlformats.org/officeDocument/2006/math">
+                      <m:d>
+                        <m:dPr>
+                          <m:begChr m:val=""/>
+                          <m:endChr m:val="⟩"/>
+                          <m:ctrlPr>
+                            <a:rPr lang="pt-PT" sz="3600" i="1" smtClean="0">
+                              <a:latin typeface="Cambria Math"/>
+                            </a:rPr>
+                          </m:ctrlPr>
+                        </m:dPr>
+                        <m:e>
+                          <m:d>
+                            <m:dPr>
+                              <m:begChr m:val="|"/>
+                              <m:endChr m:val=""/>
+                              <m:ctrlPr>
+                                <a:rPr lang="pt-PT" sz="3600" i="1">
+                                  <a:latin typeface="Cambria Math"/>
+                                </a:rPr>
+                              </m:ctrlPr>
+                            </m:dPr>
+                            <m:e>
+                              <m:sSub>
+                                <m:sSubPr>
+                                  <m:ctrlPr>
+                                    <a:rPr lang="pt-PT" sz="3600" i="1">
+                                      <a:latin typeface="Cambria Math"/>
+                                    </a:rPr>
+                                  </m:ctrlPr>
+                                </m:sSubPr>
+                                <m:e>
+                                  <m:r>
+                                    <a:rPr lang="pt-PT" sz="3600" b="0" i="1" smtClean="0">
+                                      <a:latin typeface="Cambria Math"/>
+                                    </a:rPr>
+                                    <m:t>𝜓</m:t>
+                                  </m:r>
+                                </m:e>
+                                <m:sub>
+                                  <m:r>
+                                    <a:rPr lang="pt-PT" sz="3600" b="0" i="1" smtClean="0">
+                                      <a:latin typeface="Cambria Math"/>
+                                    </a:rPr>
+                                    <m:t>𝑖𝑛𝑖</m:t>
+                                  </m:r>
+                                </m:sub>
+                              </m:sSub>
+                            </m:e>
+                          </m:d>
+                        </m:e>
+                      </m:d>
+                      <m:r>
+                        <a:rPr lang="pt-PT" sz="3600" b="0" i="1" smtClean="0">
+                          <a:latin typeface="Cambria Math"/>
+                        </a:rPr>
+                        <m:t>=</m:t>
+                      </m:r>
+                      <m:r>
+                        <a:rPr lang="pt-PT" sz="3600" b="0" i="1" dirty="0" smtClean="0">
+                          <a:latin typeface="Cambria Math"/>
+                        </a:rPr>
+                        <m:t>|</m:t>
+                      </m:r>
+                      <m:r>
+                        <a:rPr lang="nn-NO" sz="3600" i="1" dirty="0" smtClean="0">
+                          <a:latin typeface="Cambria Math"/>
+                        </a:rPr>
+                        <m:t> </m:t>
+                      </m:r>
+                      <m:sSub>
+                        <m:sSubPr>
+                          <m:ctrlPr>
+                            <a:rPr lang="nn-NO" sz="3600" i="1" dirty="0" smtClean="0">
+                              <a:latin typeface="Cambria Math"/>
+                            </a:rPr>
+                          </m:ctrlPr>
+                        </m:sSubPr>
+                        <m:e>
+                          <m:r>
+                            <a:rPr lang="nn-NO" sz="3600" i="1" dirty="0">
+                              <a:latin typeface="Cambria Math"/>
+                            </a:rPr>
+                            <m:t>𝜓</m:t>
+                          </m:r>
+                        </m:e>
+                        <m:sub>
+                          <m:r>
+                            <a:rPr lang="pt-PT" sz="3600" b="0" i="1" dirty="0" smtClean="0">
+                              <a:latin typeface="Cambria Math"/>
+                            </a:rPr>
+                            <m:t>0</m:t>
+                          </m:r>
+                        </m:sub>
+                      </m:sSub>
+                      <m:r>
+                        <a:rPr lang="nn-NO" sz="3600" i="1" dirty="0" smtClean="0">
+                          <a:latin typeface="Cambria Math"/>
+                        </a:rPr>
+                        <m:t>(</m:t>
+                      </m:r>
+                      <m:r>
+                        <m:rPr>
+                          <m:lit/>
+                        </m:rPr>
+                        <a:rPr lang="pt-PT" sz="3600" b="0" i="1" dirty="0" smtClean="0">
+                          <a:latin typeface="Cambria Math"/>
+                        </a:rPr>
+                        <m:t> </m:t>
+                      </m:r>
+                      <m:r>
+                        <a:rPr lang="pt-PT" sz="3600" b="0" i="1" dirty="0" smtClean="0">
+                          <a:latin typeface="Cambria Math"/>
+                        </a:rPr>
+                        <m:t>𝛾</m:t>
+                      </m:r>
+                      <m:r>
+                        <a:rPr lang="nn-NO" sz="3600" i="1" dirty="0" smtClean="0">
+                          <a:latin typeface="Cambria Math"/>
+                        </a:rPr>
+                        <m:t>) 〉</m:t>
+                      </m:r>
+                    </m:oMath>
+                  </m:oMathPara>
+                </a14:m>
+                <a:endParaRPr lang="pt-PT" sz="3600" dirty="0"/>
+              </a:p>
+            </p:txBody>
+          </p:sp>
+        </mc:Choice>
+        <mc:Fallback>
+          <p:sp>
+            <p:nvSpPr>
+              <p:cNvPr id="16" name="Rectangle 15"/>
+              <p:cNvSpPr>
+                <a:spLocks noRot="1" noChangeAspect="1" noMove="1" noResize="1" noEditPoints="1" noAdjustHandles="1" noChangeArrowheads="1" noChangeShapeType="1" noTextEdit="1"/>
+              </p:cNvSpPr>
+              <p:nvPr/>
+            </p:nvSpPr>
+            <p:spPr>
+              <a:xfrm>
+                <a:off x="2769282" y="544627"/>
+                <a:ext cx="3809761" cy="646331"/>
+              </a:xfrm>
+              <a:prstGeom prst="rect">
+                <a:avLst/>
+              </a:prstGeom>
+              <a:blipFill rotWithShape="1">
+                <a:blip r:embed="rId3"/>
+                <a:stretch>
+                  <a:fillRect/>
+                </a:stretch>
+              </a:blipFill>
+            </p:spPr>
+            <p:txBody>
+              <a:bodyPr/>
+              <a:lstStyle/>
+              <a:p>
+                <a:r>
+                  <a:rPr lang="pt-PT">
+                    <a:noFill/>
+                  </a:rPr>
+                  <a:t> </a:t>
+                </a:r>
+              </a:p>
+            </p:txBody>
+          </p:sp>
+        </mc:Fallback>
+      </mc:AlternateContent>
+      <p:cxnSp>
+        <p:nvCxnSpPr>
+          <p:cNvPr id="31" name="Straight Connector 30"/>
+          <p:cNvCxnSpPr>
+            <a:stCxn id="23" idx="1"/>
+          </p:cNvCxnSpPr>
+          <p:nvPr/>
+        </p:nvCxnSpPr>
+        <p:spPr>
+          <a:xfrm flipH="1">
+            <a:off x="2941529" y="2978631"/>
+            <a:ext cx="1260156" cy="24332"/>
+          </a:xfrm>
+          <a:prstGeom prst="line">
+            <a:avLst/>
+          </a:prstGeom>
+        </p:spPr>
+        <p:style>
+          <a:lnRef idx="3">
+            <a:schemeClr val="dk1"/>
+          </a:lnRef>
+          <a:fillRef idx="0">
+            <a:schemeClr val="dk1"/>
+          </a:fillRef>
+          <a:effectRef idx="2">
+            <a:schemeClr val="dk1"/>
+          </a:effectRef>
+          <a:fontRef idx="minor">
+            <a:schemeClr val="tx1"/>
+          </a:fontRef>
+        </p:style>
+      </p:cxnSp>
+      <mc:AlternateContent xmlns:mc="http://schemas.openxmlformats.org/markup-compatibility/2006">
+        <mc:Choice xmlns:a14="http://schemas.microsoft.com/office/drawing/2010/main" Requires="a14">
+          <p:sp>
+            <p:nvSpPr>
+              <p:cNvPr id="34" name="Rectangle 33"/>
+              <p:cNvSpPr/>
+              <p:nvPr/>
+            </p:nvSpPr>
+            <p:spPr>
+              <a:xfrm>
+                <a:off x="182114" y="2463522"/>
+                <a:ext cx="3600450" cy="1569660"/>
+              </a:xfrm>
+              <a:prstGeom prst="rect">
+                <a:avLst/>
+              </a:prstGeom>
+            </p:spPr>
+            <p:txBody>
+              <a:bodyPr wrap="square">
+                <a:spAutoFit/>
+              </a:bodyPr>
+              <a:lstStyle/>
+              <a:p>
+                <a:pPr/>
+                <a14:m>
+                  <m:oMathPara xmlns:m="http://schemas.openxmlformats.org/officeDocument/2006/math">
+                    <m:oMathParaPr>
+                      <m:jc m:val="centerGroup"/>
+                    </m:oMathParaPr>
+                    <m:oMath xmlns:m="http://schemas.openxmlformats.org/officeDocument/2006/math">
+                      <m:sSub>
+                        <m:sSubPr>
+                          <m:ctrlPr>
+                            <a:rPr lang="pt-PT" sz="2400" i="1">
+                              <a:latin typeface="Cambria Math"/>
+                              <a:ea typeface="Cambria Math"/>
+                            </a:rPr>
+                          </m:ctrlPr>
+                        </m:sSubPr>
+                        <m:e>
+                          <m:r>
+                            <a:rPr lang="pt-PT" sz="2400" i="1">
+                              <a:latin typeface="Cambria Math"/>
+                              <a:ea typeface="Cambria Math"/>
+                            </a:rPr>
+                            <m:t>(</m:t>
+                          </m:r>
+                          <m:r>
+                            <a:rPr lang="pt-PT" sz="2400" i="1">
+                              <a:latin typeface="Cambria Math"/>
+                              <a:ea typeface="Cambria Math"/>
+                            </a:rPr>
+                            <m:t>𝒰</m:t>
+                          </m:r>
+                        </m:e>
+                        <m:sub>
+                          <m:r>
+                            <a:rPr lang="pt-PT" sz="2400" i="1">
+                              <a:latin typeface="Cambria Math"/>
+                              <a:ea typeface="Cambria Math"/>
+                            </a:rPr>
+                            <m:t>1</m:t>
+                          </m:r>
+                        </m:sub>
+                      </m:sSub>
+                      <m:r>
+                        <a:rPr lang="pt-PT" sz="2400" i="1">
+                          <a:latin typeface="Cambria Math"/>
+                          <a:ea typeface="Cambria Math"/>
+                        </a:rPr>
+                        <m:t>,</m:t>
+                      </m:r>
+                      <m:sSub>
+                        <m:sSubPr>
+                          <m:ctrlPr>
+                            <a:rPr lang="pt-PT" sz="2400" i="1">
+                              <a:latin typeface="Cambria Math"/>
+                              <a:ea typeface="Cambria Math"/>
+                            </a:rPr>
+                          </m:ctrlPr>
+                        </m:sSubPr>
+                        <m:e>
+                          <m:r>
+                            <a:rPr lang="pt-PT" sz="2400" i="1">
+                              <a:latin typeface="Cambria Math"/>
+                              <a:ea typeface="Cambria Math"/>
+                            </a:rPr>
+                            <m:t>𝒰</m:t>
+                          </m:r>
+                        </m:e>
+                        <m:sub>
+                          <m:r>
+                            <a:rPr lang="pt-PT" sz="2400" i="1">
+                              <a:latin typeface="Cambria Math"/>
+                              <a:ea typeface="Cambria Math"/>
+                            </a:rPr>
+                            <m:t>2</m:t>
+                          </m:r>
+                        </m:sub>
+                      </m:sSub>
+                      <m:r>
+                        <a:rPr lang="pt-PT" sz="2400" i="1">
+                          <a:latin typeface="Cambria Math"/>
+                          <a:ea typeface="Cambria Math"/>
+                        </a:rPr>
+                        <m:t>,</m:t>
+                      </m:r>
+                      <m:sSub>
+                        <m:sSubPr>
+                          <m:ctrlPr>
+                            <a:rPr lang="pt-PT" sz="2400" i="1">
+                              <a:latin typeface="Cambria Math"/>
+                              <a:ea typeface="Cambria Math"/>
+                            </a:rPr>
+                          </m:ctrlPr>
+                        </m:sSubPr>
+                        <m:e>
+                          <m:r>
+                            <a:rPr lang="pt-PT" sz="2400" i="1">
+                              <a:latin typeface="Cambria Math"/>
+                              <a:ea typeface="Cambria Math"/>
+                            </a:rPr>
+                            <m:t>𝒰</m:t>
+                          </m:r>
+                        </m:e>
+                        <m:sub>
+                          <m:r>
+                            <a:rPr lang="pt-PT" sz="2400" i="1">
+                              <a:latin typeface="Cambria Math"/>
+                              <a:ea typeface="Cambria Math"/>
+                            </a:rPr>
+                            <m:t>3</m:t>
+                          </m:r>
+                        </m:sub>
+                      </m:sSub>
+                      <m:r>
+                        <a:rPr lang="pt-PT" sz="2400" i="1">
+                          <a:latin typeface="Cambria Math"/>
+                          <a:ea typeface="Cambria Math"/>
+                        </a:rPr>
+                        <m:t>)∈{</m:t>
+                      </m:r>
+                      <m:d>
+                        <m:dPr>
+                          <m:ctrlPr>
+                            <a:rPr lang="pt-PT" sz="2400" i="1">
+                              <a:latin typeface="Cambria Math"/>
+                              <a:ea typeface="Cambria Math"/>
+                            </a:rPr>
+                          </m:ctrlPr>
+                        </m:dPr>
+                        <m:e>
+                          <m:r>
+                            <a:rPr lang="pt-PT" sz="2400" i="1">
+                              <a:latin typeface="Cambria Math"/>
+                              <a:ea typeface="Cambria Math"/>
+                            </a:rPr>
+                            <m:t>𝐶</m:t>
+                          </m:r>
+                          <m:r>
+                            <a:rPr lang="pt-PT" sz="2400" i="1">
+                              <a:latin typeface="Cambria Math"/>
+                              <a:ea typeface="Cambria Math"/>
+                            </a:rPr>
+                            <m:t>,</m:t>
+                          </m:r>
+                          <m:r>
+                            <a:rPr lang="pt-PT" sz="2400" i="1">
+                              <a:latin typeface="Cambria Math"/>
+                              <a:ea typeface="Cambria Math"/>
+                            </a:rPr>
+                            <m:t>𝐶</m:t>
+                          </m:r>
+                          <m:r>
+                            <a:rPr lang="pt-PT" sz="2400" i="1">
+                              <a:latin typeface="Cambria Math"/>
+                              <a:ea typeface="Cambria Math"/>
+                            </a:rPr>
+                            <m:t>,</m:t>
+                          </m:r>
+                          <m:r>
+                            <a:rPr lang="pt-PT" sz="2400" i="1">
+                              <a:latin typeface="Cambria Math"/>
+                              <a:ea typeface="Cambria Math"/>
+                            </a:rPr>
+                            <m:t>𝐶</m:t>
+                          </m:r>
+                        </m:e>
+                      </m:d>
+                      <m:r>
+                        <a:rPr lang="pt-PT" sz="2400" i="1">
+                          <a:latin typeface="Cambria Math"/>
+                          <a:ea typeface="Cambria Math"/>
+                        </a:rPr>
+                        <m:t>,</m:t>
+                      </m:r>
+                    </m:oMath>
+                  </m:oMathPara>
+                </a14:m>
+                <a:endParaRPr lang="pt-PT" sz="2400" i="1" dirty="0">
+                  <a:latin typeface="Cambria Math"/>
+                  <a:ea typeface="Cambria Math"/>
+                </a:endParaRPr>
+              </a:p>
+              <a:p>
+                <a:pPr/>
+                <a14:m>
+                  <m:oMathPara xmlns:m="http://schemas.openxmlformats.org/officeDocument/2006/math">
+                    <m:oMathParaPr>
+                      <m:jc m:val="centerGroup"/>
+                    </m:oMathParaPr>
+                    <m:oMath xmlns:m="http://schemas.openxmlformats.org/officeDocument/2006/math">
+                      <m:d>
+                        <m:dPr>
+                          <m:ctrlPr>
+                            <a:rPr lang="pt-PT" sz="2400" i="1">
+                              <a:latin typeface="Cambria Math"/>
+                              <a:ea typeface="Cambria Math"/>
+                            </a:rPr>
+                          </m:ctrlPr>
+                        </m:dPr>
+                        <m:e>
+                          <m:r>
+                            <a:rPr lang="pt-PT" sz="2400" i="1">
+                              <a:latin typeface="Cambria Math"/>
+                              <a:ea typeface="Cambria Math"/>
+                            </a:rPr>
+                            <m:t>𝐶</m:t>
+                          </m:r>
+                          <m:r>
+                            <a:rPr lang="pt-PT" sz="2400" i="1">
+                              <a:latin typeface="Cambria Math"/>
+                              <a:ea typeface="Cambria Math"/>
+                            </a:rPr>
+                            <m:t>,</m:t>
+                          </m:r>
+                          <m:r>
+                            <a:rPr lang="pt-PT" sz="2400" i="1">
+                              <a:latin typeface="Cambria Math"/>
+                              <a:ea typeface="Cambria Math"/>
+                            </a:rPr>
+                            <m:t>𝐶</m:t>
+                          </m:r>
+                          <m:r>
+                            <a:rPr lang="pt-PT" sz="2400" i="1">
+                              <a:latin typeface="Cambria Math"/>
+                              <a:ea typeface="Cambria Math"/>
+                            </a:rPr>
+                            <m:t>,</m:t>
+                          </m:r>
+                          <m:r>
+                            <a:rPr lang="pt-PT" sz="2400" i="1">
+                              <a:latin typeface="Cambria Math"/>
+                              <a:ea typeface="Cambria Math"/>
+                            </a:rPr>
+                            <m:t>𝐷</m:t>
+                          </m:r>
+                        </m:e>
+                      </m:d>
+                      <m:r>
+                        <a:rPr lang="pt-PT" sz="2400" i="1">
+                          <a:latin typeface="Cambria Math"/>
+                          <a:ea typeface="Cambria Math"/>
+                        </a:rPr>
+                        <m:t>,</m:t>
+                      </m:r>
+                    </m:oMath>
+                  </m:oMathPara>
+                </a14:m>
+                <a:endParaRPr lang="pt-PT" sz="2400" i="1" dirty="0">
+                  <a:latin typeface="Cambria Math"/>
+                  <a:ea typeface="Cambria Math"/>
+                </a:endParaRPr>
+              </a:p>
+              <a:p>
+                <a:pPr/>
+                <a14:m>
+                  <m:oMathPara xmlns:m="http://schemas.openxmlformats.org/officeDocument/2006/math">
+                    <m:oMathParaPr>
+                      <m:jc m:val="centerGroup"/>
+                    </m:oMathParaPr>
+                    <m:oMath xmlns:m="http://schemas.openxmlformats.org/officeDocument/2006/math">
+                      <m:d>
+                        <m:dPr>
+                          <m:ctrlPr>
+                            <a:rPr lang="pt-PT" sz="2400" i="1">
+                              <a:latin typeface="Cambria Math"/>
+                              <a:ea typeface="Cambria Math"/>
+                            </a:rPr>
+                          </m:ctrlPr>
+                        </m:dPr>
+                        <m:e>
+                          <m:r>
+                            <a:rPr lang="pt-PT" sz="2400" i="1">
+                              <a:latin typeface="Cambria Math"/>
+                              <a:ea typeface="Cambria Math"/>
+                            </a:rPr>
+                            <m:t>𝐶</m:t>
+                          </m:r>
+                          <m:r>
+                            <a:rPr lang="pt-PT" sz="2400" i="1">
+                              <a:latin typeface="Cambria Math"/>
+                              <a:ea typeface="Cambria Math"/>
+                            </a:rPr>
+                            <m:t>,</m:t>
+                          </m:r>
+                          <m:r>
+                            <a:rPr lang="pt-PT" sz="2400" i="1">
+                              <a:latin typeface="Cambria Math"/>
+                              <a:ea typeface="Cambria Math"/>
+                            </a:rPr>
+                            <m:t>𝐷</m:t>
+                          </m:r>
+                          <m:r>
+                            <a:rPr lang="pt-PT" sz="2400" i="1">
+                              <a:latin typeface="Cambria Math"/>
+                              <a:ea typeface="Cambria Math"/>
+                            </a:rPr>
+                            <m:t>,</m:t>
+                          </m:r>
+                          <m:r>
+                            <a:rPr lang="pt-PT" sz="2400" i="1">
+                              <a:latin typeface="Cambria Math"/>
+                              <a:ea typeface="Cambria Math"/>
+                            </a:rPr>
+                            <m:t>𝐶</m:t>
+                          </m:r>
+                        </m:e>
+                      </m:d>
+                      <m:r>
+                        <a:rPr lang="pt-PT" sz="2400" i="1">
+                          <a:latin typeface="Cambria Math"/>
+                          <a:ea typeface="Cambria Math"/>
+                        </a:rPr>
+                        <m:t>,</m:t>
+                      </m:r>
+                    </m:oMath>
+                  </m:oMathPara>
+                </a14:m>
+                <a:endParaRPr lang="pt-PT" sz="2400" i="1" dirty="0">
+                  <a:latin typeface="Cambria Math"/>
+                  <a:ea typeface="Cambria Math"/>
+                </a:endParaRPr>
+              </a:p>
+              <a:p>
+                <a:pPr/>
+                <a14:m>
+                  <m:oMathPara xmlns:m="http://schemas.openxmlformats.org/officeDocument/2006/math">
+                    <m:oMathParaPr>
+                      <m:jc m:val="centerGroup"/>
+                    </m:oMathParaPr>
+                    <m:oMath xmlns:m="http://schemas.openxmlformats.org/officeDocument/2006/math">
+                      <m:r>
+                        <a:rPr lang="pt-PT" sz="2400" i="1">
+                          <a:latin typeface="Cambria Math"/>
+                          <a:ea typeface="Cambria Math"/>
+                        </a:rPr>
+                        <m:t>(</m:t>
+                      </m:r>
+                      <m:r>
+                        <a:rPr lang="pt-PT" sz="2400" i="1">
+                          <a:latin typeface="Cambria Math"/>
+                          <a:ea typeface="Cambria Math"/>
+                        </a:rPr>
+                        <m:t>𝐷</m:t>
+                      </m:r>
+                      <m:r>
+                        <a:rPr lang="pt-PT" sz="2400" i="1">
+                          <a:latin typeface="Cambria Math"/>
+                          <a:ea typeface="Cambria Math"/>
+                        </a:rPr>
+                        <m:t>,</m:t>
+                      </m:r>
+                      <m:r>
+                        <a:rPr lang="pt-PT" sz="2400" i="1">
+                          <a:latin typeface="Cambria Math"/>
+                          <a:ea typeface="Cambria Math"/>
+                        </a:rPr>
+                        <m:t>𝐶</m:t>
+                      </m:r>
+                      <m:r>
+                        <a:rPr lang="pt-PT" sz="2400" i="1">
+                          <a:latin typeface="Cambria Math"/>
+                          <a:ea typeface="Cambria Math"/>
+                        </a:rPr>
+                        <m:t>,</m:t>
+                      </m:r>
+                      <m:r>
+                        <a:rPr lang="pt-PT" sz="2400" i="1">
+                          <a:latin typeface="Cambria Math"/>
+                          <a:ea typeface="Cambria Math"/>
+                        </a:rPr>
+                        <m:t>𝐶</m:t>
+                      </m:r>
+                      <m:r>
+                        <a:rPr lang="pt-PT" sz="2400" i="1">
+                          <a:latin typeface="Cambria Math"/>
+                          <a:ea typeface="Cambria Math"/>
+                        </a:rPr>
+                        <m:t>)}</m:t>
+                      </m:r>
+                    </m:oMath>
+                  </m:oMathPara>
+                </a14:m>
+                <a:endParaRPr lang="pt-PT" sz="2400" dirty="0"/>
+              </a:p>
+            </p:txBody>
+          </p:sp>
+        </mc:Choice>
+        <mc:Fallback>
+          <p:sp>
+            <p:nvSpPr>
+              <p:cNvPr id="34" name="Rectangle 33"/>
+              <p:cNvSpPr>
+                <a:spLocks noRot="1" noChangeAspect="1" noMove="1" noResize="1" noEditPoints="1" noAdjustHandles="1" noChangeArrowheads="1" noChangeShapeType="1" noTextEdit="1"/>
+              </p:cNvSpPr>
+              <p:nvPr/>
+            </p:nvSpPr>
+            <p:spPr>
+              <a:xfrm>
+                <a:off x="182114" y="2463522"/>
+                <a:ext cx="3600450" cy="1569660"/>
+              </a:xfrm>
+              <a:prstGeom prst="rect">
+                <a:avLst/>
+              </a:prstGeom>
+              <a:blipFill rotWithShape="1">
+                <a:blip r:embed="rId4"/>
+                <a:stretch>
+                  <a:fillRect b="-4264"/>
+                </a:stretch>
+              </a:blipFill>
+            </p:spPr>
+            <p:txBody>
+              <a:bodyPr/>
+              <a:lstStyle/>
+              <a:p>
+                <a:r>
+                  <a:rPr lang="pt-PT">
+                    <a:noFill/>
+                  </a:rPr>
+                  <a:t> </a:t>
+                </a:r>
+              </a:p>
+            </p:txBody>
+          </p:sp>
+        </mc:Fallback>
+      </mc:AlternateContent>
+      <mc:AlternateContent xmlns:mc="http://schemas.openxmlformats.org/markup-compatibility/2006">
+        <mc:Choice xmlns:a14="http://schemas.microsoft.com/office/drawing/2010/main" Requires="a14">
+          <p:sp>
+            <p:nvSpPr>
+              <p:cNvPr id="35" name="Rectangle 34"/>
+              <p:cNvSpPr/>
+              <p:nvPr/>
+            </p:nvSpPr>
+            <p:spPr>
+              <a:xfrm>
+                <a:off x="5293623" y="2472135"/>
+                <a:ext cx="3600450" cy="1569660"/>
+              </a:xfrm>
+              <a:prstGeom prst="rect">
+                <a:avLst/>
+              </a:prstGeom>
+            </p:spPr>
+            <p:txBody>
+              <a:bodyPr wrap="square">
+                <a:spAutoFit/>
+              </a:bodyPr>
+              <a:lstStyle/>
+              <a:p>
+                <a14:m>
+                  <m:oMathPara xmlns:m="http://schemas.openxmlformats.org/officeDocument/2006/math">
+                    <m:oMathParaPr>
+                      <m:jc m:val="centerGroup"/>
+                    </m:oMathParaPr>
+                    <m:oMath xmlns:m="http://schemas.openxmlformats.org/officeDocument/2006/math">
+                      <m:sSub>
+                        <m:sSubPr>
+                          <m:ctrlPr>
+                            <a:rPr lang="pt-PT" sz="2400" b="0" i="1" smtClean="0">
+                              <a:latin typeface="Cambria Math"/>
+                              <a:ea typeface="Cambria Math"/>
+                            </a:rPr>
+                          </m:ctrlPr>
+                        </m:sSubPr>
+                        <m:e>
+                          <m:r>
+                            <a:rPr lang="pt-PT" sz="2400" b="0" i="1" smtClean="0">
+                              <a:latin typeface="Cambria Math"/>
+                              <a:ea typeface="Cambria Math"/>
+                            </a:rPr>
+                            <m:t>(</m:t>
+                          </m:r>
+                          <m:r>
+                            <a:rPr lang="pt-PT" sz="2400" i="1">
+                              <a:latin typeface="Cambria Math"/>
+                              <a:ea typeface="Cambria Math"/>
+                            </a:rPr>
+                            <m:t>𝒰</m:t>
+                          </m:r>
+                        </m:e>
+                        <m:sub>
+                          <m:r>
+                            <a:rPr lang="pt-PT" sz="2400" b="0" i="1" smtClean="0">
+                              <a:latin typeface="Cambria Math"/>
+                              <a:ea typeface="Cambria Math"/>
+                            </a:rPr>
+                            <m:t>1</m:t>
+                          </m:r>
+                        </m:sub>
+                      </m:sSub>
+                      <m:r>
+                        <a:rPr lang="pt-PT" sz="2400" b="0" i="1" smtClean="0">
+                          <a:latin typeface="Cambria Math"/>
+                          <a:ea typeface="Cambria Math"/>
+                        </a:rPr>
+                        <m:t>,</m:t>
+                      </m:r>
+                      <m:sSub>
+                        <m:sSubPr>
+                          <m:ctrlPr>
+                            <a:rPr lang="pt-PT" sz="2400" i="1">
+                              <a:latin typeface="Cambria Math"/>
+                              <a:ea typeface="Cambria Math"/>
+                            </a:rPr>
+                          </m:ctrlPr>
+                        </m:sSubPr>
+                        <m:e>
+                          <m:r>
+                            <a:rPr lang="pt-PT" sz="2400" i="1">
+                              <a:latin typeface="Cambria Math"/>
+                              <a:ea typeface="Cambria Math"/>
+                            </a:rPr>
+                            <m:t>𝒰</m:t>
+                          </m:r>
+                        </m:e>
+                        <m:sub>
+                          <m:r>
+                            <a:rPr lang="pt-PT" sz="2400" b="0" i="1" smtClean="0">
+                              <a:latin typeface="Cambria Math"/>
+                              <a:ea typeface="Cambria Math"/>
+                            </a:rPr>
+                            <m:t>2</m:t>
+                          </m:r>
+                        </m:sub>
+                      </m:sSub>
+                      <m:r>
+                        <a:rPr lang="pt-PT" sz="2400" b="0" i="1" smtClean="0">
+                          <a:latin typeface="Cambria Math"/>
+                          <a:ea typeface="Cambria Math"/>
+                        </a:rPr>
+                        <m:t>,</m:t>
+                      </m:r>
+                      <m:sSub>
+                        <m:sSubPr>
+                          <m:ctrlPr>
+                            <a:rPr lang="pt-PT" sz="2400" i="1">
+                              <a:latin typeface="Cambria Math"/>
+                              <a:ea typeface="Cambria Math"/>
+                            </a:rPr>
+                          </m:ctrlPr>
+                        </m:sSubPr>
+                        <m:e>
+                          <m:r>
+                            <a:rPr lang="pt-PT" sz="2400" i="1">
+                              <a:latin typeface="Cambria Math"/>
+                              <a:ea typeface="Cambria Math"/>
+                            </a:rPr>
+                            <m:t>𝒰</m:t>
+                          </m:r>
+                        </m:e>
+                        <m:sub>
+                          <m:r>
+                            <a:rPr lang="pt-PT" sz="2400" b="0" i="1" smtClean="0">
+                              <a:latin typeface="Cambria Math"/>
+                              <a:ea typeface="Cambria Math"/>
+                            </a:rPr>
+                            <m:t>3</m:t>
+                          </m:r>
+                        </m:sub>
+                      </m:sSub>
+                      <m:r>
+                        <a:rPr lang="pt-PT" sz="2400" b="0" i="1" smtClean="0">
+                          <a:latin typeface="Cambria Math"/>
+                          <a:ea typeface="Cambria Math"/>
+                        </a:rPr>
+                        <m:t>)∈{</m:t>
+                      </m:r>
+                      <m:d>
+                        <m:dPr>
+                          <m:ctrlPr>
+                            <a:rPr lang="pt-PT" sz="2400" b="0" i="1" smtClean="0">
+                              <a:latin typeface="Cambria Math"/>
+                              <a:ea typeface="Cambria Math"/>
+                            </a:rPr>
+                          </m:ctrlPr>
+                        </m:dPr>
+                        <m:e>
+                          <m:r>
+                            <a:rPr lang="pt-PT" sz="2400" b="0" i="1" smtClean="0">
+                              <a:latin typeface="Cambria Math"/>
+                              <a:ea typeface="Cambria Math"/>
+                            </a:rPr>
+                            <m:t>𝐷</m:t>
+                          </m:r>
+                          <m:r>
+                            <a:rPr lang="pt-PT" sz="2400" b="0" i="1" smtClean="0">
+                              <a:latin typeface="Cambria Math"/>
+                              <a:ea typeface="Cambria Math"/>
+                            </a:rPr>
+                            <m:t>,</m:t>
+                          </m:r>
+                          <m:r>
+                            <a:rPr lang="pt-PT" sz="2400" b="0" i="1" smtClean="0">
+                              <a:latin typeface="Cambria Math"/>
+                              <a:ea typeface="Cambria Math"/>
+                            </a:rPr>
+                            <m:t>𝐷</m:t>
+                          </m:r>
+                          <m:r>
+                            <a:rPr lang="pt-PT" sz="2400" b="0" i="1" smtClean="0">
+                              <a:latin typeface="Cambria Math"/>
+                              <a:ea typeface="Cambria Math"/>
+                            </a:rPr>
+                            <m:t>,</m:t>
+                          </m:r>
+                          <m:r>
+                            <a:rPr lang="pt-PT" sz="2400" b="0" i="1" smtClean="0">
+                              <a:latin typeface="Cambria Math"/>
+                              <a:ea typeface="Cambria Math"/>
+                            </a:rPr>
+                            <m:t>𝐷</m:t>
+                          </m:r>
+                        </m:e>
+                      </m:d>
+                      <m:r>
+                        <a:rPr lang="pt-PT" sz="2400" b="0" i="1" smtClean="0">
+                          <a:latin typeface="Cambria Math"/>
+                          <a:ea typeface="Cambria Math"/>
+                        </a:rPr>
+                        <m:t>,</m:t>
+                      </m:r>
+                    </m:oMath>
+                  </m:oMathPara>
+                </a14:m>
+                <a:endParaRPr lang="pt-PT" sz="2400" b="0" i="1" dirty="0" smtClean="0">
+                  <a:latin typeface="Cambria Math"/>
+                  <a:ea typeface="Cambria Math"/>
+                </a:endParaRPr>
+              </a:p>
+              <a:p>
+                <a14:m>
+                  <m:oMathPara xmlns:m="http://schemas.openxmlformats.org/officeDocument/2006/math">
+                    <m:oMathParaPr>
+                      <m:jc m:val="centerGroup"/>
+                    </m:oMathParaPr>
+                    <m:oMath xmlns:m="http://schemas.openxmlformats.org/officeDocument/2006/math">
+                      <m:d>
+                        <m:dPr>
+                          <m:ctrlPr>
+                            <a:rPr lang="pt-PT" sz="2400" b="0" i="1" smtClean="0">
+                              <a:latin typeface="Cambria Math"/>
+                              <a:ea typeface="Cambria Math"/>
+                            </a:rPr>
+                          </m:ctrlPr>
+                        </m:dPr>
+                        <m:e>
+                          <m:r>
+                            <a:rPr lang="pt-PT" sz="2400" b="0" i="1" smtClean="0">
+                              <a:latin typeface="Cambria Math"/>
+                              <a:ea typeface="Cambria Math"/>
+                            </a:rPr>
+                            <m:t>𝐶</m:t>
+                          </m:r>
+                          <m:r>
+                            <a:rPr lang="pt-PT" sz="2400" b="0" i="1" smtClean="0">
+                              <a:latin typeface="Cambria Math"/>
+                              <a:ea typeface="Cambria Math"/>
+                            </a:rPr>
+                            <m:t>,</m:t>
+                          </m:r>
+                          <m:r>
+                            <a:rPr lang="pt-PT" sz="2400" b="0" i="1" smtClean="0">
+                              <a:latin typeface="Cambria Math"/>
+                              <a:ea typeface="Cambria Math"/>
+                            </a:rPr>
+                            <m:t>𝐷</m:t>
+                          </m:r>
+                          <m:r>
+                            <a:rPr lang="pt-PT" sz="2400" b="0" i="1" smtClean="0">
+                              <a:latin typeface="Cambria Math"/>
+                              <a:ea typeface="Cambria Math"/>
+                            </a:rPr>
+                            <m:t>,</m:t>
+                          </m:r>
+                          <m:r>
+                            <a:rPr lang="pt-PT" sz="2400" b="0" i="1" smtClean="0">
+                              <a:latin typeface="Cambria Math"/>
+                              <a:ea typeface="Cambria Math"/>
+                            </a:rPr>
+                            <m:t>𝐷</m:t>
+                          </m:r>
+                        </m:e>
+                      </m:d>
+                      <m:r>
+                        <a:rPr lang="pt-PT" sz="2400" b="0" i="1" smtClean="0">
+                          <a:latin typeface="Cambria Math"/>
+                          <a:ea typeface="Cambria Math"/>
+                        </a:rPr>
+                        <m:t>,</m:t>
+                      </m:r>
+                    </m:oMath>
+                  </m:oMathPara>
+                </a14:m>
+                <a:endParaRPr lang="pt-PT" sz="2400" b="0" i="1" dirty="0" smtClean="0">
+                  <a:latin typeface="Cambria Math"/>
+                  <a:ea typeface="Cambria Math"/>
+                </a:endParaRPr>
+              </a:p>
+              <a:p>
+                <a14:m>
+                  <m:oMathPara xmlns:m="http://schemas.openxmlformats.org/officeDocument/2006/math">
+                    <m:oMathParaPr>
+                      <m:jc m:val="centerGroup"/>
+                    </m:oMathParaPr>
+                    <m:oMath xmlns:m="http://schemas.openxmlformats.org/officeDocument/2006/math">
+                      <m:d>
+                        <m:dPr>
+                          <m:ctrlPr>
+                            <a:rPr lang="pt-PT" sz="2400" b="0" i="1" smtClean="0">
+                              <a:latin typeface="Cambria Math"/>
+                              <a:ea typeface="Cambria Math"/>
+                            </a:rPr>
+                          </m:ctrlPr>
+                        </m:dPr>
+                        <m:e>
+                          <m:r>
+                            <a:rPr lang="pt-PT" sz="2400" b="0" i="1" smtClean="0">
+                              <a:latin typeface="Cambria Math"/>
+                              <a:ea typeface="Cambria Math"/>
+                            </a:rPr>
+                            <m:t>𝐷</m:t>
+                          </m:r>
+                          <m:r>
+                            <a:rPr lang="pt-PT" sz="2400" b="0" i="1" smtClean="0">
+                              <a:latin typeface="Cambria Math"/>
+                              <a:ea typeface="Cambria Math"/>
+                            </a:rPr>
+                            <m:t>,</m:t>
+                          </m:r>
+                          <m:r>
+                            <a:rPr lang="pt-PT" sz="2400" b="0" i="1" smtClean="0">
+                              <a:latin typeface="Cambria Math"/>
+                              <a:ea typeface="Cambria Math"/>
+                            </a:rPr>
+                            <m:t>𝐷</m:t>
+                          </m:r>
+                          <m:r>
+                            <a:rPr lang="pt-PT" sz="2400" b="0" i="1" smtClean="0">
+                              <a:latin typeface="Cambria Math"/>
+                              <a:ea typeface="Cambria Math"/>
+                            </a:rPr>
+                            <m:t>,</m:t>
+                          </m:r>
+                          <m:r>
+                            <a:rPr lang="pt-PT" sz="2400" b="0" i="1" smtClean="0">
+                              <a:latin typeface="Cambria Math"/>
+                              <a:ea typeface="Cambria Math"/>
+                            </a:rPr>
+                            <m:t>𝐶</m:t>
+                          </m:r>
+                        </m:e>
+                      </m:d>
+                      <m:r>
+                        <a:rPr lang="pt-PT" sz="2400" b="0" i="1" smtClean="0">
+                          <a:latin typeface="Cambria Math"/>
+                          <a:ea typeface="Cambria Math"/>
+                        </a:rPr>
+                        <m:t>,</m:t>
+                      </m:r>
+                    </m:oMath>
+                  </m:oMathPara>
+                </a14:m>
+                <a:endParaRPr lang="pt-PT" sz="2400" b="0" i="1" dirty="0" smtClean="0">
+                  <a:latin typeface="Cambria Math"/>
+                  <a:ea typeface="Cambria Math"/>
+                </a:endParaRPr>
+              </a:p>
+              <a:p>
+                <a14:m>
+                  <m:oMathPara xmlns:m="http://schemas.openxmlformats.org/officeDocument/2006/math">
+                    <m:oMathParaPr>
+                      <m:jc m:val="centerGroup"/>
+                    </m:oMathParaPr>
+                    <m:oMath xmlns:m="http://schemas.openxmlformats.org/officeDocument/2006/math">
+                      <m:r>
+                        <a:rPr lang="pt-PT" sz="2400" b="0" i="1" smtClean="0">
+                          <a:latin typeface="Cambria Math"/>
+                          <a:ea typeface="Cambria Math"/>
+                        </a:rPr>
+                        <m:t>(</m:t>
+                      </m:r>
+                      <m:r>
+                        <a:rPr lang="pt-PT" sz="2400" b="0" i="1" smtClean="0">
+                          <a:latin typeface="Cambria Math"/>
+                          <a:ea typeface="Cambria Math"/>
+                        </a:rPr>
+                        <m:t>𝐷</m:t>
+                      </m:r>
+                      <m:r>
+                        <a:rPr lang="pt-PT" sz="2400" b="0" i="1" smtClean="0">
+                          <a:latin typeface="Cambria Math"/>
+                          <a:ea typeface="Cambria Math"/>
+                        </a:rPr>
+                        <m:t>,</m:t>
+                      </m:r>
+                      <m:r>
+                        <a:rPr lang="pt-PT" sz="2400" b="0" i="1" smtClean="0">
+                          <a:latin typeface="Cambria Math"/>
+                          <a:ea typeface="Cambria Math"/>
+                        </a:rPr>
+                        <m:t>𝐶</m:t>
+                      </m:r>
+                      <m:r>
+                        <a:rPr lang="pt-PT" sz="2400" b="0" i="1" smtClean="0">
+                          <a:latin typeface="Cambria Math"/>
+                          <a:ea typeface="Cambria Math"/>
+                        </a:rPr>
+                        <m:t>,</m:t>
+                      </m:r>
+                      <m:r>
+                        <a:rPr lang="pt-PT" sz="2400" b="0" i="1" smtClean="0">
+                          <a:latin typeface="Cambria Math"/>
+                          <a:ea typeface="Cambria Math"/>
+                        </a:rPr>
+                        <m:t>𝐷</m:t>
+                      </m:r>
+                      <m:r>
+                        <a:rPr lang="pt-PT" sz="2400" b="0" i="1" smtClean="0">
+                          <a:latin typeface="Cambria Math"/>
+                          <a:ea typeface="Cambria Math"/>
+                        </a:rPr>
+                        <m:t>)}</m:t>
+                      </m:r>
+                    </m:oMath>
+                  </m:oMathPara>
+                </a14:m>
+                <a:endParaRPr lang="pt-PT" sz="2400" dirty="0"/>
+              </a:p>
+            </p:txBody>
+          </p:sp>
+        </mc:Choice>
+        <mc:Fallback>
+          <p:sp>
+            <p:nvSpPr>
+              <p:cNvPr id="35" name="Rectangle 34"/>
+              <p:cNvSpPr>
+                <a:spLocks noRot="1" noChangeAspect="1" noMove="1" noResize="1" noEditPoints="1" noAdjustHandles="1" noChangeArrowheads="1" noChangeShapeType="1" noTextEdit="1"/>
+              </p:cNvSpPr>
+              <p:nvPr/>
+            </p:nvSpPr>
+            <p:spPr>
+              <a:xfrm>
+                <a:off x="5293623" y="2472135"/>
+                <a:ext cx="3600450" cy="1569660"/>
+              </a:xfrm>
+              <a:prstGeom prst="rect">
+                <a:avLst/>
+              </a:prstGeom>
+              <a:blipFill rotWithShape="1">
+                <a:blip r:embed="rId5"/>
+                <a:stretch>
+                  <a:fillRect b="-4669"/>
+                </a:stretch>
+              </a:blipFill>
+            </p:spPr>
+            <p:txBody>
+              <a:bodyPr/>
+              <a:lstStyle/>
+              <a:p>
+                <a:r>
+                  <a:rPr lang="pt-PT">
+                    <a:noFill/>
+                  </a:rPr>
+                  <a:t> </a:t>
+                </a:r>
+              </a:p>
+            </p:txBody>
+          </p:sp>
+        </mc:Fallback>
+      </mc:AlternateContent>
+      <p:cxnSp>
+        <p:nvCxnSpPr>
+          <p:cNvPr id="37" name="Straight Connector 36"/>
+          <p:cNvCxnSpPr>
+            <a:endCxn id="23" idx="3"/>
+          </p:cNvCxnSpPr>
+          <p:nvPr/>
+        </p:nvCxnSpPr>
+        <p:spPr>
+          <a:xfrm flipH="1" flipV="1">
+            <a:off x="4921775" y="2978631"/>
+            <a:ext cx="1260159" cy="23546"/>
+          </a:xfrm>
+          <a:prstGeom prst="line">
+            <a:avLst/>
+          </a:prstGeom>
+        </p:spPr>
+        <p:style>
+          <a:lnRef idx="3">
+            <a:schemeClr val="dk1"/>
+          </a:lnRef>
+          <a:fillRef idx="0">
+            <a:schemeClr val="dk1"/>
+          </a:fillRef>
+          <a:effectRef idx="2">
+            <a:schemeClr val="dk1"/>
+          </a:effectRef>
+          <a:fontRef idx="minor">
+            <a:schemeClr val="tx1"/>
+          </a:fontRef>
+        </p:style>
+      </p:cxnSp>
+      <p:cxnSp>
+        <p:nvCxnSpPr>
+          <p:cNvPr id="38" name="Straight Connector 37"/>
+          <p:cNvCxnSpPr/>
+          <p:nvPr/>
+        </p:nvCxnSpPr>
+        <p:spPr>
+          <a:xfrm>
+            <a:off x="2951797" y="2990404"/>
+            <a:ext cx="0" cy="1080135"/>
+          </a:xfrm>
+          <a:prstGeom prst="line">
+            <a:avLst/>
+          </a:prstGeom>
+        </p:spPr>
+        <p:style>
+          <a:lnRef idx="3">
+            <a:schemeClr val="dk1"/>
+          </a:lnRef>
+          <a:fillRef idx="0">
+            <a:schemeClr val="dk1"/>
+          </a:fillRef>
+          <a:effectRef idx="2">
+            <a:schemeClr val="dk1"/>
+          </a:effectRef>
+          <a:fontRef idx="minor">
+            <a:schemeClr val="tx1"/>
+          </a:fontRef>
+        </p:style>
+      </p:cxnSp>
+      <p:sp>
+        <p:nvSpPr>
+          <p:cNvPr id="55" name="Rectangle 54"/>
+          <p:cNvSpPr/>
+          <p:nvPr/>
+        </p:nvSpPr>
+        <p:spPr>
+          <a:xfrm>
+            <a:off x="500686" y="5053121"/>
+            <a:ext cx="3809761" cy="683211"/>
+          </a:xfrm>
+          <a:prstGeom prst="rect">
+            <a:avLst/>
+          </a:prstGeom>
+        </p:spPr>
+        <p:style>
+          <a:lnRef idx="2">
+            <a:schemeClr val="dk1"/>
+          </a:lnRef>
+          <a:fillRef idx="1">
+            <a:schemeClr val="lt1"/>
+          </a:fillRef>
+          <a:effectRef idx="0">
+            <a:schemeClr val="dk1"/>
+          </a:effectRef>
+          <a:fontRef idx="minor">
+            <a:schemeClr val="dk1"/>
+          </a:fontRef>
+        </p:style>
+        <p:txBody>
+          <a:bodyPr rtlCol="0" anchor="ctr"/>
+          <a:lstStyle/>
+          <a:p>
+            <a:pPr algn="ctr"/>
+            <a:endParaRPr lang="pt-PT"/>
+          </a:p>
+        </p:txBody>
+      </p:sp>
+      <mc:AlternateContent xmlns:mc="http://schemas.openxmlformats.org/markup-compatibility/2006">
+        <mc:Choice xmlns:a14="http://schemas.microsoft.com/office/drawing/2010/main" Requires="a14">
+          <p:sp>
+            <p:nvSpPr>
+              <p:cNvPr id="56" name="Rectangle 55"/>
+              <p:cNvSpPr/>
+              <p:nvPr/>
+            </p:nvSpPr>
+            <p:spPr>
+              <a:xfrm>
+                <a:off x="540809" y="5049108"/>
+                <a:ext cx="3747116" cy="750911"/>
+              </a:xfrm>
+              <a:prstGeom prst="rect">
+                <a:avLst/>
+              </a:prstGeom>
+            </p:spPr>
+            <p:txBody>
+              <a:bodyPr wrap="none">
+                <a:spAutoFit/>
+              </a:bodyPr>
+              <a:lstStyle/>
+              <a:p>
+                <a14:m>
+                  <m:oMathPara xmlns:m="http://schemas.openxmlformats.org/officeDocument/2006/math">
+                    <m:oMathParaPr>
+                      <m:jc m:val="centerGroup"/>
+                    </m:oMathParaPr>
+                    <m:oMath xmlns:m="http://schemas.openxmlformats.org/officeDocument/2006/math">
+                      <m:d>
+                        <m:dPr>
+                          <m:begChr m:val=""/>
+                          <m:endChr m:val="⟩"/>
+                          <m:ctrlPr>
+                            <a:rPr lang="pt-PT" sz="3600" i="1" smtClean="0">
+                              <a:latin typeface="Cambria Math"/>
+                            </a:rPr>
+                          </m:ctrlPr>
+                        </m:dPr>
+                        <m:e>
+                          <m:d>
+                            <m:dPr>
+                              <m:begChr m:val="|"/>
+                              <m:endChr m:val=""/>
+                              <m:ctrlPr>
+                                <a:rPr lang="pt-PT" sz="3600" i="1">
+                                  <a:latin typeface="Cambria Math"/>
+                                </a:rPr>
+                              </m:ctrlPr>
+                            </m:dPr>
+                            <m:e>
+                              <m:sSub>
+                                <m:sSubPr>
+                                  <m:ctrlPr>
+                                    <a:rPr lang="pt-PT" sz="3600" i="1">
+                                      <a:latin typeface="Cambria Math"/>
+                                    </a:rPr>
+                                  </m:ctrlPr>
+                                </m:sSubPr>
+                                <m:e>
+                                  <m:r>
+                                    <a:rPr lang="pt-PT" sz="3600" b="0" i="1" smtClean="0">
+                                      <a:latin typeface="Cambria Math"/>
+                                    </a:rPr>
+                                    <m:t>𝜓</m:t>
+                                  </m:r>
+                                </m:e>
+                                <m:sub>
+                                  <m:r>
+                                    <a:rPr lang="pt-PT" sz="3600" b="0" i="1" smtClean="0">
+                                      <a:latin typeface="Cambria Math"/>
+                                    </a:rPr>
+                                    <m:t>𝑓𝑖𝑛</m:t>
+                                  </m:r>
+                                </m:sub>
+                              </m:sSub>
+                            </m:e>
+                          </m:d>
+                        </m:e>
+                      </m:d>
+                      <m:r>
+                        <a:rPr lang="pt-PT" sz="3600" b="0" i="1" smtClean="0">
+                          <a:latin typeface="Cambria Math"/>
+                        </a:rPr>
+                        <m:t>=</m:t>
+                      </m:r>
+                      <m:sSup>
+                        <m:sSupPr>
+                          <m:ctrlPr>
+                            <a:rPr lang="pt-PT" sz="3600" b="0" i="1" smtClean="0">
+                              <a:latin typeface="Cambria Math"/>
+                              <a:ea typeface="Cambria Math"/>
+                            </a:rPr>
+                          </m:ctrlPr>
+                        </m:sSupPr>
+                        <m:e>
+                          <m:r>
+                            <a:rPr lang="pt-PT" sz="3600" i="1">
+                              <a:latin typeface="Cambria Math"/>
+                              <a:ea typeface="Cambria Math"/>
+                            </a:rPr>
+                            <m:t>𝒥</m:t>
+                          </m:r>
+                        </m:e>
+                        <m:sup>
+                          <m:r>
+                            <a:rPr lang="pt-PT" sz="3600" b="0" i="1" smtClean="0">
+                              <a:latin typeface="Cambria Math"/>
+                              <a:ea typeface="Cambria Math"/>
+                            </a:rPr>
+                            <m:t>†</m:t>
+                          </m:r>
+                        </m:sup>
+                      </m:sSup>
+                      <m:r>
+                        <a:rPr lang="pt-PT" sz="3600" b="0" i="1" dirty="0" smtClean="0">
+                          <a:latin typeface="Cambria Math"/>
+                        </a:rPr>
+                        <m:t>|</m:t>
+                      </m:r>
+                      <m:r>
+                        <a:rPr lang="nn-NO" sz="3600" i="1" dirty="0" smtClean="0">
+                          <a:latin typeface="Cambria Math"/>
+                        </a:rPr>
+                        <m:t> </m:t>
+                      </m:r>
+                      <m:sSub>
+                        <m:sSubPr>
+                          <m:ctrlPr>
+                            <a:rPr lang="nn-NO" sz="3600" i="1" dirty="0" smtClean="0">
+                              <a:latin typeface="Cambria Math"/>
+                            </a:rPr>
+                          </m:ctrlPr>
+                        </m:sSubPr>
+                        <m:e>
+                          <m:r>
+                            <a:rPr lang="nn-NO" sz="3600" i="1" dirty="0">
+                              <a:latin typeface="Cambria Math"/>
+                            </a:rPr>
+                            <m:t>𝜓</m:t>
+                          </m:r>
+                        </m:e>
+                        <m:sub>
+                          <m:r>
+                            <a:rPr lang="pt-PT" sz="3600" b="0" i="1" dirty="0" smtClean="0">
+                              <a:latin typeface="Cambria Math"/>
+                            </a:rPr>
+                            <m:t>1</m:t>
+                          </m:r>
+                        </m:sub>
+                      </m:sSub>
+                      <m:r>
+                        <a:rPr lang="nn-NO" sz="3600" i="1" dirty="0" smtClean="0">
+                          <a:latin typeface="Cambria Math"/>
+                        </a:rPr>
+                        <m:t> 〉</m:t>
+                      </m:r>
+                    </m:oMath>
+                  </m:oMathPara>
+                </a14:m>
+                <a:endParaRPr lang="pt-PT" sz="3600" dirty="0"/>
+              </a:p>
+            </p:txBody>
+          </p:sp>
+        </mc:Choice>
+        <mc:Fallback>
+          <p:sp>
+            <p:nvSpPr>
+              <p:cNvPr id="56" name="Rectangle 55"/>
+              <p:cNvSpPr>
+                <a:spLocks noRot="1" noChangeAspect="1" noMove="1" noResize="1" noEditPoints="1" noAdjustHandles="1" noChangeArrowheads="1" noChangeShapeType="1" noTextEdit="1"/>
+              </p:cNvSpPr>
+              <p:nvPr/>
+            </p:nvSpPr>
+            <p:spPr>
+              <a:xfrm>
+                <a:off x="540809" y="5049108"/>
+                <a:ext cx="3747116" cy="750911"/>
+              </a:xfrm>
+              <a:prstGeom prst="rect">
+                <a:avLst/>
+              </a:prstGeom>
+              <a:blipFill rotWithShape="1">
+                <a:blip r:embed="rId6"/>
+                <a:stretch>
+                  <a:fillRect/>
+                </a:stretch>
+              </a:blipFill>
+            </p:spPr>
+            <p:txBody>
+              <a:bodyPr/>
+              <a:lstStyle/>
+              <a:p>
+                <a:r>
+                  <a:rPr lang="pt-PT">
+                    <a:noFill/>
+                  </a:rPr>
+                  <a:t> </a:t>
+                </a:r>
+              </a:p>
+            </p:txBody>
+          </p:sp>
+        </mc:Fallback>
+      </mc:AlternateContent>
+      <p:cxnSp>
+        <p:nvCxnSpPr>
+          <p:cNvPr id="63" name="Straight Connector 62"/>
+          <p:cNvCxnSpPr/>
+          <p:nvPr/>
+        </p:nvCxnSpPr>
+        <p:spPr>
+          <a:xfrm>
+            <a:off x="6181934" y="3002177"/>
+            <a:ext cx="0" cy="1080135"/>
+          </a:xfrm>
+          <a:prstGeom prst="line">
+            <a:avLst/>
+          </a:prstGeom>
+        </p:spPr>
+        <p:style>
+          <a:lnRef idx="3">
+            <a:schemeClr val="dk1"/>
+          </a:lnRef>
+          <a:fillRef idx="0">
+            <a:schemeClr val="dk1"/>
+          </a:fillRef>
+          <a:effectRef idx="2">
+            <a:schemeClr val="dk1"/>
+          </a:effectRef>
+          <a:fontRef idx="minor">
+            <a:schemeClr val="tx1"/>
+          </a:fontRef>
+        </p:style>
+      </p:cxnSp>
+      <p:sp>
+        <p:nvSpPr>
+          <p:cNvPr id="64" name="Rectangle 63"/>
+          <p:cNvSpPr/>
+          <p:nvPr/>
+        </p:nvSpPr>
+        <p:spPr>
+          <a:xfrm>
+            <a:off x="4932046" y="4085020"/>
+            <a:ext cx="4211955" cy="683211"/>
+          </a:xfrm>
+          <a:prstGeom prst="rect">
+            <a:avLst/>
+          </a:prstGeom>
+        </p:spPr>
+        <p:style>
+          <a:lnRef idx="2">
+            <a:schemeClr val="dk1"/>
+          </a:lnRef>
+          <a:fillRef idx="1">
+            <a:schemeClr val="lt1"/>
+          </a:fillRef>
+          <a:effectRef idx="0">
+            <a:schemeClr val="dk1"/>
+          </a:effectRef>
+          <a:fontRef idx="minor">
+            <a:schemeClr val="dk1"/>
+          </a:fontRef>
+        </p:style>
+        <p:txBody>
+          <a:bodyPr rtlCol="0" anchor="ctr"/>
+          <a:lstStyle/>
+          <a:p>
+            <a:pPr algn="ctr"/>
+            <a:endParaRPr lang="pt-PT"/>
+          </a:p>
+        </p:txBody>
+      </p:sp>
+      <mc:AlternateContent xmlns:mc="http://schemas.openxmlformats.org/markup-compatibility/2006">
+        <mc:Choice xmlns:a14="http://schemas.microsoft.com/office/drawing/2010/main" Requires="a14">
+          <p:sp>
+            <p:nvSpPr>
+              <p:cNvPr id="65" name="Rectangle 64"/>
+              <p:cNvSpPr/>
+              <p:nvPr/>
+            </p:nvSpPr>
+            <p:spPr>
+              <a:xfrm>
+                <a:off x="4932046" y="4146576"/>
+                <a:ext cx="4211956" cy="461665"/>
+              </a:xfrm>
+              <a:prstGeom prst="rect">
+                <a:avLst/>
+              </a:prstGeom>
+            </p:spPr>
+            <p:txBody>
+              <a:bodyPr wrap="square">
+                <a:spAutoFit/>
+              </a:bodyPr>
+              <a:lstStyle/>
+              <a:p>
+                <a14:m>
+                  <m:oMathPara xmlns:m="http://schemas.openxmlformats.org/officeDocument/2006/math">
+                    <m:oMathParaPr>
+                      <m:jc m:val="centerGroup"/>
+                    </m:oMathParaPr>
+                    <m:oMath xmlns:m="http://schemas.openxmlformats.org/officeDocument/2006/math">
+                      <m:d>
+                        <m:dPr>
+                          <m:begChr m:val=""/>
+                          <m:endChr m:val="⟩"/>
+                          <m:ctrlPr>
+                            <a:rPr lang="pt-PT" sz="2400" i="1" smtClean="0">
+                              <a:latin typeface="Cambria Math"/>
+                            </a:rPr>
+                          </m:ctrlPr>
+                        </m:dPr>
+                        <m:e>
+                          <m:d>
+                            <m:dPr>
+                              <m:begChr m:val="|"/>
+                              <m:endChr m:val=""/>
+                              <m:ctrlPr>
+                                <a:rPr lang="pt-PT" sz="2400" i="1">
+                                  <a:latin typeface="Cambria Math"/>
+                                </a:rPr>
+                              </m:ctrlPr>
+                            </m:dPr>
+                            <m:e>
+                              <m:sSub>
+                                <m:sSubPr>
+                                  <m:ctrlPr>
+                                    <a:rPr lang="pt-PT" sz="2400" i="1">
+                                      <a:latin typeface="Cambria Math"/>
+                                    </a:rPr>
+                                  </m:ctrlPr>
+                                </m:sSubPr>
+                                <m:e>
+                                  <m:r>
+                                    <a:rPr lang="pt-PT" sz="2400" b="0" i="1" smtClean="0">
+                                      <a:latin typeface="Cambria Math"/>
+                                    </a:rPr>
+                                    <m:t>𝜓</m:t>
+                                  </m:r>
+                                </m:e>
+                                <m:sub>
+                                  <m:r>
+                                    <a:rPr lang="pt-PT" sz="2400" b="0" i="1" smtClean="0">
+                                      <a:latin typeface="Cambria Math"/>
+                                    </a:rPr>
+                                    <m:t>2</m:t>
+                                  </m:r>
+                                </m:sub>
+                              </m:sSub>
+                            </m:e>
+                          </m:d>
+                        </m:e>
+                      </m:d>
+                      <m:r>
+                        <a:rPr lang="pt-PT" sz="2400" b="0" i="1" smtClean="0">
+                          <a:latin typeface="Cambria Math"/>
+                        </a:rPr>
+                        <m:t>=(</m:t>
+                      </m:r>
+                      <m:r>
+                        <a:rPr lang="pt-PT" sz="2400" b="0" i="1" smtClean="0">
+                          <a:latin typeface="Cambria Math"/>
+                          <a:ea typeface="Cambria Math"/>
+                        </a:rPr>
+                        <m:t>𝐻</m:t>
+                      </m:r>
+                      <m:r>
+                        <a:rPr lang="pt-PT" sz="2400" b="0" i="1" smtClean="0">
+                          <a:latin typeface="Cambria Math"/>
+                          <a:ea typeface="Cambria Math"/>
+                        </a:rPr>
+                        <m:t>⊗</m:t>
+                      </m:r>
+                      <m:sSub>
+                        <m:sSubPr>
+                          <m:ctrlPr>
+                            <a:rPr lang="pt-PT" sz="2400" i="1">
+                              <a:latin typeface="Cambria Math"/>
+                              <a:ea typeface="Cambria Math"/>
+                            </a:rPr>
+                          </m:ctrlPr>
+                        </m:sSubPr>
+                        <m:e>
+                          <m:r>
+                            <a:rPr lang="pt-PT" sz="2400" i="1">
+                              <a:latin typeface="Cambria Math"/>
+                              <a:ea typeface="Cambria Math"/>
+                            </a:rPr>
+                            <m:t>𝒰</m:t>
+                          </m:r>
+                        </m:e>
+                        <m:sub>
+                          <m:r>
+                            <a:rPr lang="pt-PT" sz="2400" b="0" i="1" smtClean="0">
+                              <a:latin typeface="Cambria Math"/>
+                              <a:ea typeface="Cambria Math"/>
+                            </a:rPr>
+                            <m:t>2</m:t>
+                          </m:r>
+                        </m:sub>
+                      </m:sSub>
+                      <m:r>
+                        <a:rPr lang="pt-PT" sz="2400" b="0" i="1" smtClean="0">
+                          <a:latin typeface="Cambria Math"/>
+                          <a:ea typeface="Cambria Math"/>
+                        </a:rPr>
+                        <m:t>⊗</m:t>
+                      </m:r>
+                      <m:sSub>
+                        <m:sSubPr>
+                          <m:ctrlPr>
+                            <a:rPr lang="pt-PT" sz="2400" i="1">
+                              <a:latin typeface="Cambria Math"/>
+                              <a:ea typeface="Cambria Math"/>
+                            </a:rPr>
+                          </m:ctrlPr>
+                        </m:sSubPr>
+                        <m:e>
+                          <m:r>
+                            <a:rPr lang="pt-PT" sz="2400" i="1">
+                              <a:latin typeface="Cambria Math"/>
+                              <a:ea typeface="Cambria Math"/>
+                            </a:rPr>
+                            <m:t>𝒰</m:t>
+                          </m:r>
+                        </m:e>
+                        <m:sub>
+                          <m:r>
+                            <a:rPr lang="pt-PT" sz="2400" b="0" i="1" smtClean="0">
+                              <a:latin typeface="Cambria Math"/>
+                              <a:ea typeface="Cambria Math"/>
+                            </a:rPr>
+                            <m:t>3</m:t>
+                          </m:r>
+                        </m:sub>
+                      </m:sSub>
+                      <m:r>
+                        <a:rPr lang="pt-PT" sz="2400" b="0" i="1" smtClean="0">
+                          <a:latin typeface="Cambria Math"/>
+                          <a:ea typeface="Cambria Math"/>
+                        </a:rPr>
+                        <m:t>)</m:t>
+                      </m:r>
+                      <m:r>
+                        <a:rPr lang="pt-PT" sz="2400" b="0" i="1" dirty="0" smtClean="0">
+                          <a:latin typeface="Cambria Math"/>
+                        </a:rPr>
+                        <m:t>|</m:t>
+                      </m:r>
+                      <m:r>
+                        <a:rPr lang="nn-NO" sz="2400" i="1" dirty="0" smtClean="0">
+                          <a:latin typeface="Cambria Math"/>
+                        </a:rPr>
+                        <m:t> </m:t>
+                      </m:r>
+                      <m:sSub>
+                        <m:sSubPr>
+                          <m:ctrlPr>
+                            <a:rPr lang="nn-NO" sz="2400" i="1" dirty="0" smtClean="0">
+                              <a:latin typeface="Cambria Math"/>
+                            </a:rPr>
+                          </m:ctrlPr>
+                        </m:sSubPr>
+                        <m:e>
+                          <m:r>
+                            <a:rPr lang="nn-NO" sz="2400" i="1" dirty="0">
+                              <a:latin typeface="Cambria Math"/>
+                            </a:rPr>
+                            <m:t>𝜓</m:t>
+                          </m:r>
+                        </m:e>
+                        <m:sub>
+                          <m:r>
+                            <a:rPr lang="pt-PT" sz="2400" b="0" i="1" dirty="0" smtClean="0">
+                              <a:latin typeface="Cambria Math"/>
+                            </a:rPr>
+                            <m:t>1</m:t>
+                          </m:r>
+                        </m:sub>
+                      </m:sSub>
+                      <m:r>
+                        <a:rPr lang="nn-NO" sz="2400" i="1" dirty="0" smtClean="0">
+                          <a:latin typeface="Cambria Math"/>
+                        </a:rPr>
+                        <m:t>〉</m:t>
+                      </m:r>
+                    </m:oMath>
+                  </m:oMathPara>
+                </a14:m>
+                <a:endParaRPr lang="pt-PT" sz="3200" dirty="0"/>
+              </a:p>
+            </p:txBody>
+          </p:sp>
+        </mc:Choice>
+        <mc:Fallback>
+          <p:sp>
+            <p:nvSpPr>
+              <p:cNvPr id="65" name="Rectangle 64"/>
+              <p:cNvSpPr>
+                <a:spLocks noRot="1" noChangeAspect="1" noMove="1" noResize="1" noEditPoints="1" noAdjustHandles="1" noChangeArrowheads="1" noChangeShapeType="1" noTextEdit="1"/>
+              </p:cNvSpPr>
+              <p:nvPr/>
+            </p:nvSpPr>
+            <p:spPr>
+              <a:xfrm>
+                <a:off x="4932046" y="4146576"/>
+                <a:ext cx="4211956" cy="461665"/>
+              </a:xfrm>
+              <a:prstGeom prst="rect">
+                <a:avLst/>
+              </a:prstGeom>
+              <a:blipFill rotWithShape="1">
+                <a:blip r:embed="rId7"/>
+                <a:stretch>
+                  <a:fillRect l="-7091" t="-130263" b="-194737"/>
+                </a:stretch>
+              </a:blipFill>
+            </p:spPr>
+            <p:txBody>
+              <a:bodyPr/>
+              <a:lstStyle/>
+              <a:p>
+                <a:r>
+                  <a:rPr lang="pt-PT">
+                    <a:noFill/>
+                  </a:rPr>
+                  <a:t> </a:t>
+                </a:r>
+              </a:p>
+            </p:txBody>
+          </p:sp>
+        </mc:Fallback>
+      </mc:AlternateContent>
+      <p:sp>
+        <p:nvSpPr>
+          <p:cNvPr id="68" name="Rectangle 67"/>
+          <p:cNvSpPr/>
+          <p:nvPr/>
+        </p:nvSpPr>
+        <p:spPr>
+          <a:xfrm>
+            <a:off x="4891924" y="5049108"/>
+            <a:ext cx="2521636" cy="683211"/>
+          </a:xfrm>
+          <a:prstGeom prst="rect">
+            <a:avLst/>
+          </a:prstGeom>
+        </p:spPr>
+        <p:style>
+          <a:lnRef idx="2">
+            <a:schemeClr val="dk1"/>
+          </a:lnRef>
+          <a:fillRef idx="1">
+            <a:schemeClr val="lt1"/>
+          </a:fillRef>
+          <a:effectRef idx="0">
+            <a:schemeClr val="dk1"/>
+          </a:effectRef>
+          <a:fontRef idx="minor">
+            <a:schemeClr val="dk1"/>
+          </a:fontRef>
+        </p:style>
+        <p:txBody>
+          <a:bodyPr rtlCol="0" anchor="ctr"/>
+          <a:lstStyle/>
+          <a:p>
+            <a:pPr algn="ctr"/>
+            <a:endParaRPr lang="pt-PT" sz="1200"/>
+          </a:p>
+        </p:txBody>
+      </p:sp>
+      <mc:AlternateContent xmlns:mc="http://schemas.openxmlformats.org/markup-compatibility/2006">
+        <mc:Choice xmlns:a14="http://schemas.microsoft.com/office/drawing/2010/main" Requires="a14">
+          <p:sp>
+            <p:nvSpPr>
+              <p:cNvPr id="69" name="Rectangle 68"/>
+              <p:cNvSpPr/>
+              <p:nvPr/>
+            </p:nvSpPr>
+            <p:spPr>
+              <a:xfrm>
+                <a:off x="4932046" y="5045095"/>
+                <a:ext cx="2565574" cy="517706"/>
+              </a:xfrm>
+              <a:prstGeom prst="rect">
+                <a:avLst/>
+              </a:prstGeom>
+            </p:spPr>
+            <p:txBody>
+              <a:bodyPr wrap="none">
+                <a:spAutoFit/>
+              </a:bodyPr>
+              <a:lstStyle/>
+              <a:p>
+                <a14:m>
+                  <m:oMathPara xmlns:m="http://schemas.openxmlformats.org/officeDocument/2006/math">
+                    <m:oMathParaPr>
+                      <m:jc m:val="centerGroup"/>
+                    </m:oMathParaPr>
+                    <m:oMath xmlns:m="http://schemas.openxmlformats.org/officeDocument/2006/math">
+                      <m:d>
+                        <m:dPr>
+                          <m:begChr m:val=""/>
+                          <m:endChr m:val="⟩"/>
+                          <m:ctrlPr>
+                            <a:rPr lang="pt-PT" sz="2400" i="1" smtClean="0">
+                              <a:latin typeface="Cambria Math"/>
+                            </a:rPr>
+                          </m:ctrlPr>
+                        </m:dPr>
+                        <m:e>
+                          <m:d>
+                            <m:dPr>
+                              <m:begChr m:val="|"/>
+                              <m:endChr m:val=""/>
+                              <m:ctrlPr>
+                                <a:rPr lang="pt-PT" sz="2400" i="1">
+                                  <a:latin typeface="Cambria Math"/>
+                                </a:rPr>
+                              </m:ctrlPr>
+                            </m:dPr>
+                            <m:e>
+                              <m:sSub>
+                                <m:sSubPr>
+                                  <m:ctrlPr>
+                                    <a:rPr lang="pt-PT" sz="2400" i="1">
+                                      <a:latin typeface="Cambria Math"/>
+                                    </a:rPr>
+                                  </m:ctrlPr>
+                                </m:sSubPr>
+                                <m:e>
+                                  <m:r>
+                                    <a:rPr lang="pt-PT" sz="2400" b="0" i="1" smtClean="0">
+                                      <a:latin typeface="Cambria Math"/>
+                                    </a:rPr>
+                                    <m:t>𝜓</m:t>
+                                  </m:r>
+                                </m:e>
+                                <m:sub>
+                                  <m:r>
+                                    <a:rPr lang="pt-PT" sz="2400" b="0" i="1" smtClean="0">
+                                      <a:latin typeface="Cambria Math"/>
+                                    </a:rPr>
+                                    <m:t>𝑓𝑖𝑛</m:t>
+                                  </m:r>
+                                </m:sub>
+                              </m:sSub>
+                            </m:e>
+                          </m:d>
+                        </m:e>
+                      </m:d>
+                      <m:r>
+                        <a:rPr lang="pt-PT" sz="2400" b="0" i="1" smtClean="0">
+                          <a:latin typeface="Cambria Math"/>
+                        </a:rPr>
+                        <m:t>=</m:t>
+                      </m:r>
+                      <m:sSup>
+                        <m:sSupPr>
+                          <m:ctrlPr>
+                            <a:rPr lang="pt-PT" sz="2400" b="0" i="1" smtClean="0">
+                              <a:latin typeface="Cambria Math"/>
+                              <a:ea typeface="Cambria Math"/>
+                            </a:rPr>
+                          </m:ctrlPr>
+                        </m:sSupPr>
+                        <m:e>
+                          <m:r>
+                            <a:rPr lang="pt-PT" sz="2400" i="1">
+                              <a:latin typeface="Cambria Math"/>
+                              <a:ea typeface="Cambria Math"/>
+                            </a:rPr>
+                            <m:t>𝒥</m:t>
+                          </m:r>
+                        </m:e>
+                        <m:sup>
+                          <m:r>
+                            <a:rPr lang="pt-PT" sz="2400" b="0" i="1" smtClean="0">
+                              <a:latin typeface="Cambria Math"/>
+                              <a:ea typeface="Cambria Math"/>
+                            </a:rPr>
+                            <m:t>†</m:t>
+                          </m:r>
+                        </m:sup>
+                      </m:sSup>
+                      <m:r>
+                        <a:rPr lang="pt-PT" sz="2400" b="0" i="1" dirty="0" smtClean="0">
+                          <a:latin typeface="Cambria Math"/>
+                        </a:rPr>
+                        <m:t>|</m:t>
+                      </m:r>
+                      <m:r>
+                        <a:rPr lang="nn-NO" sz="2400" i="1" dirty="0" smtClean="0">
+                          <a:latin typeface="Cambria Math"/>
+                        </a:rPr>
+                        <m:t> </m:t>
+                      </m:r>
+                      <m:sSub>
+                        <m:sSubPr>
+                          <m:ctrlPr>
+                            <a:rPr lang="nn-NO" sz="2400" i="1" dirty="0" smtClean="0">
+                              <a:latin typeface="Cambria Math"/>
+                            </a:rPr>
+                          </m:ctrlPr>
+                        </m:sSubPr>
+                        <m:e>
+                          <m:r>
+                            <a:rPr lang="nn-NO" sz="2400" i="1" dirty="0">
+                              <a:latin typeface="Cambria Math"/>
+                            </a:rPr>
+                            <m:t>𝜓</m:t>
+                          </m:r>
+                        </m:e>
+                        <m:sub>
+                          <m:r>
+                            <a:rPr lang="pt-PT" sz="2400" b="0" i="1" dirty="0" smtClean="0">
+                              <a:latin typeface="Cambria Math"/>
+                            </a:rPr>
+                            <m:t>2</m:t>
+                          </m:r>
+                        </m:sub>
+                      </m:sSub>
+                      <m:r>
+                        <a:rPr lang="nn-NO" sz="2400" i="1" dirty="0" smtClean="0">
+                          <a:latin typeface="Cambria Math"/>
+                        </a:rPr>
+                        <m:t> 〉</m:t>
+                      </m:r>
+                    </m:oMath>
+                  </m:oMathPara>
+                </a14:m>
+                <a:endParaRPr lang="pt-PT" sz="2400" dirty="0"/>
+              </a:p>
+            </p:txBody>
+          </p:sp>
+        </mc:Choice>
+        <mc:Fallback>
+          <p:sp>
+            <p:nvSpPr>
+              <p:cNvPr id="69" name="Rectangle 68"/>
+              <p:cNvSpPr>
+                <a:spLocks noRot="1" noChangeAspect="1" noMove="1" noResize="1" noEditPoints="1" noAdjustHandles="1" noChangeArrowheads="1" noChangeShapeType="1" noTextEdit="1"/>
+              </p:cNvSpPr>
+              <p:nvPr/>
+            </p:nvSpPr>
+            <p:spPr>
+              <a:xfrm>
+                <a:off x="4932046" y="5045095"/>
+                <a:ext cx="2565574" cy="517706"/>
+              </a:xfrm>
+              <a:prstGeom prst="rect">
+                <a:avLst/>
+              </a:prstGeom>
+              <a:blipFill rotWithShape="1">
+                <a:blip r:embed="rId8"/>
+                <a:stretch>
+                  <a:fillRect/>
+                </a:stretch>
+              </a:blipFill>
+            </p:spPr>
+            <p:txBody>
+              <a:bodyPr/>
+              <a:lstStyle/>
+              <a:p>
+                <a:r>
+                  <a:rPr lang="pt-PT">
+                    <a:noFill/>
+                  </a:rPr>
+                  <a:t> </a:t>
+                </a:r>
+              </a:p>
+            </p:txBody>
+          </p:sp>
+        </mc:Fallback>
+      </mc:AlternateContent>
+      <mc:AlternateContent xmlns:mc="http://schemas.openxmlformats.org/markup-compatibility/2006">
+        <mc:Choice xmlns:a14="http://schemas.microsoft.com/office/drawing/2010/main" Requires="a14">
+          <p:sp>
+            <p:nvSpPr>
+              <p:cNvPr id="70" name="Rectangle 69"/>
+              <p:cNvSpPr/>
+              <p:nvPr/>
+            </p:nvSpPr>
+            <p:spPr>
+              <a:xfrm>
+                <a:off x="2873937" y="6404574"/>
+                <a:ext cx="3600450" cy="461665"/>
+              </a:xfrm>
+              <a:prstGeom prst="rect">
+                <a:avLst/>
+              </a:prstGeom>
+            </p:spPr>
+            <p:txBody>
+              <a:bodyPr wrap="square">
+                <a:spAutoFit/>
+              </a:bodyPr>
+              <a:lstStyle/>
+              <a:p>
+                <a:pPr/>
+                <a14:m>
+                  <m:oMathPara xmlns:m="http://schemas.openxmlformats.org/officeDocument/2006/math">
+                    <m:oMathParaPr>
+                      <m:jc m:val="centerGroup"/>
+                    </m:oMathParaPr>
+                    <m:oMath xmlns:m="http://schemas.openxmlformats.org/officeDocument/2006/math">
+                      <m:r>
+                        <a:rPr lang="pt-PT" sz="2400" b="0" i="1" smtClean="0">
+                          <a:latin typeface="Cambria Math"/>
+                          <a:ea typeface="Cambria Math"/>
+                        </a:rPr>
+                        <m:t>𝑚𝑒𝑎𝑠𝑢𝑟𝑒</m:t>
+                      </m:r>
+                      <m:r>
+                        <a:rPr lang="pt-PT" sz="2400" b="0" i="1" smtClean="0">
+                          <a:latin typeface="Cambria Math"/>
+                          <a:ea typeface="Cambria Math"/>
+                        </a:rPr>
+                        <m:t> </m:t>
+                      </m:r>
+                      <m:r>
+                        <a:rPr lang="pt-PT" sz="2400" b="0" i="1" smtClean="0">
+                          <a:latin typeface="Cambria Math"/>
+                          <a:ea typeface="Cambria Math"/>
+                        </a:rPr>
+                        <m:t>𝑓𝑖𝑛𝑎𝑙</m:t>
+                      </m:r>
+                      <m:r>
+                        <a:rPr lang="pt-PT" sz="2400" b="0" i="1" smtClean="0">
+                          <a:latin typeface="Cambria Math"/>
+                          <a:ea typeface="Cambria Math"/>
+                        </a:rPr>
+                        <m:t> </m:t>
+                      </m:r>
+                      <m:r>
+                        <a:rPr lang="pt-PT" sz="2400" b="0" i="1" smtClean="0">
+                          <a:latin typeface="Cambria Math"/>
+                          <a:ea typeface="Cambria Math"/>
+                        </a:rPr>
+                        <m:t>𝑠𝑡𝑎𝑡𝑒</m:t>
+                      </m:r>
+                    </m:oMath>
+                  </m:oMathPara>
+                </a14:m>
+                <a:endParaRPr lang="pt-PT" sz="2400" dirty="0"/>
+              </a:p>
+            </p:txBody>
+          </p:sp>
+        </mc:Choice>
+        <mc:Fallback>
+          <p:sp>
+            <p:nvSpPr>
+              <p:cNvPr id="70" name="Rectangle 69"/>
+              <p:cNvSpPr>
+                <a:spLocks noRot="1" noChangeAspect="1" noMove="1" noResize="1" noEditPoints="1" noAdjustHandles="1" noChangeArrowheads="1" noChangeShapeType="1" noTextEdit="1"/>
+              </p:cNvSpPr>
+              <p:nvPr/>
+            </p:nvSpPr>
+            <p:spPr>
+              <a:xfrm>
+                <a:off x="2873937" y="6404574"/>
+                <a:ext cx="3600450" cy="461665"/>
+              </a:xfrm>
+              <a:prstGeom prst="rect">
+                <a:avLst/>
+              </a:prstGeom>
+              <a:blipFill rotWithShape="1">
+                <a:blip r:embed="rId9"/>
+                <a:stretch>
+                  <a:fillRect b="-18667"/>
+                </a:stretch>
+              </a:blipFill>
+            </p:spPr>
+            <p:txBody>
+              <a:bodyPr/>
+              <a:lstStyle/>
+              <a:p>
+                <a:r>
+                  <a:rPr lang="pt-PT">
+                    <a:noFill/>
+                  </a:rPr>
+                  <a:t> </a:t>
+                </a:r>
+              </a:p>
+            </p:txBody>
+          </p:sp>
+        </mc:Fallback>
+      </mc:AlternateContent>
+      <p:cxnSp>
+        <p:nvCxnSpPr>
+          <p:cNvPr id="72" name="Straight Arrow Connector 71"/>
+          <p:cNvCxnSpPr/>
+          <p:nvPr/>
+        </p:nvCxnSpPr>
+        <p:spPr>
+          <a:xfrm flipH="1">
+            <a:off x="2941529" y="3796989"/>
+            <a:ext cx="10268" cy="1256132"/>
+          </a:xfrm>
+          <a:prstGeom prst="straightConnector1">
+            <a:avLst/>
+          </a:prstGeom>
+          <a:ln>
+            <a:tailEnd type="arrow"/>
+          </a:ln>
+        </p:spPr>
+        <p:style>
+          <a:lnRef idx="3">
+            <a:schemeClr val="dk1"/>
+          </a:lnRef>
+          <a:fillRef idx="0">
+            <a:schemeClr val="dk1"/>
+          </a:fillRef>
+          <a:effectRef idx="2">
+            <a:schemeClr val="dk1"/>
+          </a:effectRef>
+          <a:fontRef idx="minor">
+            <a:schemeClr val="tx1"/>
+          </a:fontRef>
+        </p:style>
+      </p:cxnSp>
+      <p:cxnSp>
+        <p:nvCxnSpPr>
+          <p:cNvPr id="75" name="Straight Arrow Connector 74"/>
+          <p:cNvCxnSpPr/>
+          <p:nvPr/>
+        </p:nvCxnSpPr>
+        <p:spPr>
+          <a:xfrm>
+            <a:off x="6181934" y="3799697"/>
+            <a:ext cx="0" cy="285323"/>
+          </a:xfrm>
+          <a:prstGeom prst="straightConnector1">
+            <a:avLst/>
+          </a:prstGeom>
+          <a:ln>
+            <a:tailEnd type="arrow"/>
+          </a:ln>
+        </p:spPr>
+        <p:style>
+          <a:lnRef idx="3">
+            <a:schemeClr val="dk1"/>
+          </a:lnRef>
+          <a:fillRef idx="0">
+            <a:schemeClr val="dk1"/>
+          </a:fillRef>
+          <a:effectRef idx="2">
+            <a:schemeClr val="dk1"/>
+          </a:effectRef>
+          <a:fontRef idx="minor">
+            <a:schemeClr val="tx1"/>
+          </a:fontRef>
+        </p:style>
+      </p:cxnSp>
+      <p:cxnSp>
+        <p:nvCxnSpPr>
+          <p:cNvPr id="78" name="Straight Arrow Connector 77"/>
+          <p:cNvCxnSpPr/>
+          <p:nvPr/>
+        </p:nvCxnSpPr>
+        <p:spPr>
+          <a:xfrm>
+            <a:off x="4569271" y="2472135"/>
+            <a:ext cx="0" cy="285323"/>
+          </a:xfrm>
+          <a:prstGeom prst="straightConnector1">
+            <a:avLst/>
+          </a:prstGeom>
+          <a:ln>
+            <a:tailEnd type="arrow"/>
+          </a:ln>
+        </p:spPr>
+        <p:style>
+          <a:lnRef idx="3">
+            <a:schemeClr val="dk1"/>
+          </a:lnRef>
+          <a:fillRef idx="0">
+            <a:schemeClr val="dk1"/>
+          </a:fillRef>
+          <a:effectRef idx="2">
+            <a:schemeClr val="dk1"/>
+          </a:effectRef>
+          <a:fontRef idx="minor">
+            <a:schemeClr val="tx1"/>
+          </a:fontRef>
+        </p:style>
+      </p:cxnSp>
+      <p:sp>
+        <p:nvSpPr>
+          <p:cNvPr id="87" name="Oval 86"/>
+          <p:cNvSpPr/>
+          <p:nvPr/>
+        </p:nvSpPr>
+        <p:spPr>
+          <a:xfrm>
+            <a:off x="4353046" y="5949316"/>
+            <a:ext cx="437905" cy="455258"/>
+          </a:xfrm>
+          <a:prstGeom prst="ellipse">
+            <a:avLst/>
+          </a:prstGeom>
+        </p:spPr>
+        <p:style>
+          <a:lnRef idx="2">
+            <a:schemeClr val="dk1"/>
+          </a:lnRef>
+          <a:fillRef idx="1">
+            <a:schemeClr val="lt1"/>
+          </a:fillRef>
+          <a:effectRef idx="0">
+            <a:schemeClr val="dk1"/>
+          </a:effectRef>
+          <a:fontRef idx="minor">
+            <a:schemeClr val="dk1"/>
+          </a:fontRef>
+        </p:style>
+        <p:txBody>
+          <a:bodyPr rtlCol="0" anchor="ctr"/>
+          <a:lstStyle/>
+          <a:p>
+            <a:pPr algn="ctr"/>
+            <a:endParaRPr lang="pt-PT"/>
+          </a:p>
+        </p:txBody>
+      </p:sp>
+      <p:sp>
+        <p:nvSpPr>
+          <p:cNvPr id="85" name="Oval 84"/>
+          <p:cNvSpPr/>
+          <p:nvPr/>
+        </p:nvSpPr>
+        <p:spPr>
+          <a:xfrm>
+            <a:off x="4470415" y="6063130"/>
+            <a:ext cx="218953" cy="227630"/>
+          </a:xfrm>
+          <a:prstGeom prst="ellipse">
+            <a:avLst/>
+          </a:prstGeom>
+        </p:spPr>
+        <p:style>
+          <a:lnRef idx="2">
+            <a:schemeClr val="dk1">
+              <a:shade val="50000"/>
+            </a:schemeClr>
+          </a:lnRef>
+          <a:fillRef idx="1">
+            <a:schemeClr val="dk1"/>
+          </a:fillRef>
+          <a:effectRef idx="0">
+            <a:schemeClr val="dk1"/>
+          </a:effectRef>
+          <a:fontRef idx="minor">
+            <a:schemeClr val="lt1"/>
+          </a:fontRef>
+        </p:style>
+        <p:txBody>
+          <a:bodyPr rtlCol="0" anchor="ctr"/>
+          <a:lstStyle/>
+          <a:p>
+            <a:pPr algn="ctr"/>
+            <a:endParaRPr lang="pt-PT"/>
+          </a:p>
+        </p:txBody>
+      </p:sp>
+      <p:cxnSp>
+        <p:nvCxnSpPr>
+          <p:cNvPr id="90" name="Straight Arrow Connector 89"/>
+          <p:cNvCxnSpPr/>
+          <p:nvPr/>
+        </p:nvCxnSpPr>
+        <p:spPr>
+          <a:xfrm>
+            <a:off x="4571999" y="5663993"/>
+            <a:ext cx="0" cy="285323"/>
+          </a:xfrm>
+          <a:prstGeom prst="straightConnector1">
+            <a:avLst/>
+          </a:prstGeom>
+          <a:ln>
+            <a:tailEnd type="arrow"/>
+          </a:ln>
+        </p:spPr>
+        <p:style>
+          <a:lnRef idx="3">
+            <a:schemeClr val="dk1"/>
+          </a:lnRef>
+          <a:fillRef idx="0">
+            <a:schemeClr val="dk1"/>
+          </a:fillRef>
+          <a:effectRef idx="2">
+            <a:schemeClr val="dk1"/>
+          </a:effectRef>
+          <a:fontRef idx="minor">
+            <a:schemeClr val="tx1"/>
+          </a:fontRef>
+        </p:style>
+      </p:cxnSp>
+    </p:spTree>
+    <p:extLst>
+      <p:ext uri="{BB962C8B-B14F-4D97-AF65-F5344CB8AC3E}">
+        <p14:creationId xmlns:p14="http://schemas.microsoft.com/office/powerpoint/2010/main" val="3189472231"/>
+      </p:ext>
+    </p:extLst>
+  </p:cSld>
+  <p:clrMapOvr>
+    <a:masterClrMapping/>
+  </p:clrMapOvr>
+</p:sld>
+</file>
+
 <file path=ppt/theme/theme1.xml><?xml version="1.0" encoding="utf-8"?>
 <a:theme xmlns:a="http://schemas.openxmlformats.org/drawingml/2006/main" name="Office Theme">
   <a:themeElements>

--- a/esquema.pptx
+++ b/esquema.pptx
@@ -12,6 +12,7 @@
     <p:sldId id="258" r:id="rId6"/>
     <p:sldId id="261" r:id="rId7"/>
     <p:sldId id="262" r:id="rId8"/>
+    <p:sldId id="263" r:id="rId9"/>
   </p:sldIdLst>
   <p:sldSz cx="9144000" cy="6858000" type="screen4x3"/>
   <p:notesSz cx="6858000" cy="9144000"/>
@@ -294,7 +295,7 @@
           <a:p>
             <a:fld id="{190083D6-91F4-43DC-AEC4-C280F2D89C3D}" type="datetimeFigureOut">
               <a:rPr lang="pt-PT" smtClean="0"/>
-              <a:t>07-10-2013</a:t>
+              <a:t>08-10-2013</a:t>
             </a:fld>
             <a:endParaRPr lang="pt-PT"/>
           </a:p>
@@ -464,7 +465,7 @@
           <a:p>
             <a:fld id="{190083D6-91F4-43DC-AEC4-C280F2D89C3D}" type="datetimeFigureOut">
               <a:rPr lang="pt-PT" smtClean="0"/>
-              <a:t>07-10-2013</a:t>
+              <a:t>08-10-2013</a:t>
             </a:fld>
             <a:endParaRPr lang="pt-PT"/>
           </a:p>
@@ -644,7 +645,7 @@
           <a:p>
             <a:fld id="{190083D6-91F4-43DC-AEC4-C280F2D89C3D}" type="datetimeFigureOut">
               <a:rPr lang="pt-PT" smtClean="0"/>
-              <a:t>07-10-2013</a:t>
+              <a:t>08-10-2013</a:t>
             </a:fld>
             <a:endParaRPr lang="pt-PT"/>
           </a:p>
@@ -814,7 +815,7 @@
           <a:p>
             <a:fld id="{190083D6-91F4-43DC-AEC4-C280F2D89C3D}" type="datetimeFigureOut">
               <a:rPr lang="pt-PT" smtClean="0"/>
-              <a:t>07-10-2013</a:t>
+              <a:t>08-10-2013</a:t>
             </a:fld>
             <a:endParaRPr lang="pt-PT"/>
           </a:p>
@@ -1060,7 +1061,7 @@
           <a:p>
             <a:fld id="{190083D6-91F4-43DC-AEC4-C280F2D89C3D}" type="datetimeFigureOut">
               <a:rPr lang="pt-PT" smtClean="0"/>
-              <a:t>07-10-2013</a:t>
+              <a:t>08-10-2013</a:t>
             </a:fld>
             <a:endParaRPr lang="pt-PT"/>
           </a:p>
@@ -1348,7 +1349,7 @@
           <a:p>
             <a:fld id="{190083D6-91F4-43DC-AEC4-C280F2D89C3D}" type="datetimeFigureOut">
               <a:rPr lang="pt-PT" smtClean="0"/>
-              <a:t>07-10-2013</a:t>
+              <a:t>08-10-2013</a:t>
             </a:fld>
             <a:endParaRPr lang="pt-PT"/>
           </a:p>
@@ -1770,7 +1771,7 @@
           <a:p>
             <a:fld id="{190083D6-91F4-43DC-AEC4-C280F2D89C3D}" type="datetimeFigureOut">
               <a:rPr lang="pt-PT" smtClean="0"/>
-              <a:t>07-10-2013</a:t>
+              <a:t>08-10-2013</a:t>
             </a:fld>
             <a:endParaRPr lang="pt-PT"/>
           </a:p>
@@ -1888,7 +1889,7 @@
           <a:p>
             <a:fld id="{190083D6-91F4-43DC-AEC4-C280F2D89C3D}" type="datetimeFigureOut">
               <a:rPr lang="pt-PT" smtClean="0"/>
-              <a:t>07-10-2013</a:t>
+              <a:t>08-10-2013</a:t>
             </a:fld>
             <a:endParaRPr lang="pt-PT"/>
           </a:p>
@@ -1983,7 +1984,7 @@
           <a:p>
             <a:fld id="{190083D6-91F4-43DC-AEC4-C280F2D89C3D}" type="datetimeFigureOut">
               <a:rPr lang="pt-PT" smtClean="0"/>
-              <a:t>07-10-2013</a:t>
+              <a:t>08-10-2013</a:t>
             </a:fld>
             <a:endParaRPr lang="pt-PT"/>
           </a:p>
@@ -2260,7 +2261,7 @@
           <a:p>
             <a:fld id="{190083D6-91F4-43DC-AEC4-C280F2D89C3D}" type="datetimeFigureOut">
               <a:rPr lang="pt-PT" smtClean="0"/>
-              <a:t>07-10-2013</a:t>
+              <a:t>08-10-2013</a:t>
             </a:fld>
             <a:endParaRPr lang="pt-PT"/>
           </a:p>
@@ -2513,7 +2514,7 @@
           <a:p>
             <a:fld id="{190083D6-91F4-43DC-AEC4-C280F2D89C3D}" type="datetimeFigureOut">
               <a:rPr lang="pt-PT" smtClean="0"/>
-              <a:t>07-10-2013</a:t>
+              <a:t>08-10-2013</a:t>
             </a:fld>
             <a:endParaRPr lang="pt-PT"/>
           </a:p>
@@ -2726,7 +2727,7 @@
           <a:p>
             <a:fld id="{190083D6-91F4-43DC-AEC4-C280F2D89C3D}" type="datetimeFigureOut">
               <a:rPr lang="pt-PT" smtClean="0"/>
-              <a:t>07-10-2013</a:t>
+              <a:t>08-10-2013</a:t>
             </a:fld>
             <a:endParaRPr lang="pt-PT"/>
           </a:p>
@@ -15130,8 +15131,8 @@
           <a:chExt cx="0" cy="0"/>
         </a:xfrm>
       </p:grpSpPr>
-      <mc:AlternateContent xmlns:mc="http://schemas.openxmlformats.org/markup-compatibility/2006">
-        <mc:Choice xmlns:a14="http://schemas.microsoft.com/office/drawing/2010/main" Requires="a14">
+      <mc:AlternateContent xmlns:mc="http://schemas.openxmlformats.org/markup-compatibility/2006" xmlns:a14="http://schemas.microsoft.com/office/drawing/2010/main">
+        <mc:Choice Requires="a14">
           <p:sp>
             <p:nvSpPr>
               <p:cNvPr id="3" name="Rectangle 2"/>
@@ -15153,6 +15154,7 @@
               </a:bodyPr>
               <a:lstStyle/>
               <a:p>
+                <a:pPr/>
                 <a14:m>
                   <m:oMathPara xmlns:m="http://schemas.openxmlformats.org/officeDocument/2006/math">
                     <m:oMathParaPr>
@@ -15224,6 +15226,7 @@
                 </a:endParaRPr>
               </a:p>
               <a:p>
+                <a:pPr/>
                 <a14:m>
                   <m:oMathPara xmlns:m="http://schemas.openxmlformats.org/officeDocument/2006/math">
                     <m:oMathParaPr>
@@ -15256,7 +15259,7 @@
             </p:txBody>
           </p:sp>
         </mc:Choice>
-        <mc:Fallback>
+        <mc:Fallback xmlns="">
           <p:sp>
             <p:nvSpPr>
               <p:cNvPr id="3" name="Rectangle 2"/>
@@ -15295,8 +15298,8 @@
           </p:sp>
         </mc:Fallback>
       </mc:AlternateContent>
-      <mc:AlternateContent xmlns:mc="http://schemas.openxmlformats.org/markup-compatibility/2006">
-        <mc:Choice xmlns:a14="http://schemas.microsoft.com/office/drawing/2010/main" Requires="a14">
+      <mc:AlternateContent xmlns:mc="http://schemas.openxmlformats.org/markup-compatibility/2006" xmlns:a14="http://schemas.microsoft.com/office/drawing/2010/main">
+        <mc:Choice Requires="a14">
           <p:sp>
             <p:nvSpPr>
               <p:cNvPr id="4" name="Rectangle 3"/>
@@ -15318,6 +15321,7 @@
               </a:bodyPr>
               <a:lstStyle/>
               <a:p>
+                <a:pPr/>
                 <a14:m>
                   <m:oMathPara xmlns:m="http://schemas.openxmlformats.org/officeDocument/2006/math">
                     <m:oMathParaPr>
@@ -15389,6 +15393,7 @@
                 </a:endParaRPr>
               </a:p>
               <a:p>
+                <a:pPr/>
                 <a14:m>
                   <m:oMathPara xmlns:m="http://schemas.openxmlformats.org/officeDocument/2006/math">
                     <m:oMathParaPr>
@@ -15421,7 +15426,7 @@
             </p:txBody>
           </p:sp>
         </mc:Choice>
-        <mc:Fallback>
+        <mc:Fallback xmlns="">
           <p:sp>
             <p:nvSpPr>
               <p:cNvPr id="4" name="Rectangle 3"/>
@@ -15460,8 +15465,8 @@
           </p:sp>
         </mc:Fallback>
       </mc:AlternateContent>
-      <mc:AlternateContent xmlns:mc="http://schemas.openxmlformats.org/markup-compatibility/2006">
-        <mc:Choice xmlns:a14="http://schemas.microsoft.com/office/drawing/2010/main" Requires="a14">
+      <mc:AlternateContent xmlns:mc="http://schemas.openxmlformats.org/markup-compatibility/2006" xmlns:a14="http://schemas.microsoft.com/office/drawing/2010/main">
+        <mc:Choice Requires="a14">
           <p:sp>
             <p:nvSpPr>
               <p:cNvPr id="5" name="Rectangle 4"/>
@@ -15483,6 +15488,7 @@
               </a:bodyPr>
               <a:lstStyle/>
               <a:p>
+                <a:pPr/>
                 <a14:m>
                   <m:oMathPara xmlns:m="http://schemas.openxmlformats.org/officeDocument/2006/math">
                     <m:oMathParaPr>
@@ -15554,6 +15560,7 @@
                 </a:endParaRPr>
               </a:p>
               <a:p>
+                <a:pPr/>
                 <a14:m>
                   <m:oMathPara xmlns:m="http://schemas.openxmlformats.org/officeDocument/2006/math">
                     <m:oMathParaPr>
@@ -15586,7 +15593,7 @@
             </p:txBody>
           </p:sp>
         </mc:Choice>
-        <mc:Fallback>
+        <mc:Fallback xmlns="">
           <p:sp>
             <p:nvSpPr>
               <p:cNvPr id="5" name="Rectangle 4"/>
@@ -15715,8 +15722,8 @@
           </a:fontRef>
         </p:style>
       </p:cxnSp>
-      <mc:AlternateContent xmlns:mc="http://schemas.openxmlformats.org/markup-compatibility/2006">
-        <mc:Choice xmlns:a14="http://schemas.microsoft.com/office/drawing/2010/main" Requires="a14">
+      <mc:AlternateContent xmlns:mc="http://schemas.openxmlformats.org/markup-compatibility/2006" xmlns:a14="http://schemas.microsoft.com/office/drawing/2010/main">
+        <mc:Choice Requires="a14">
           <p:sp>
             <p:nvSpPr>
               <p:cNvPr id="10" name="Rectangle 9"/>
@@ -15772,7 +15779,7 @@
             </p:txBody>
           </p:sp>
         </mc:Choice>
-        <mc:Fallback>
+        <mc:Fallback xmlns="">
           <p:sp>
             <p:nvSpPr>
               <p:cNvPr id="10" name="Rectangle 9"/>
@@ -15811,8 +15818,8 @@
           </p:sp>
         </mc:Fallback>
       </mc:AlternateContent>
-      <mc:AlternateContent xmlns:mc="http://schemas.openxmlformats.org/markup-compatibility/2006">
-        <mc:Choice xmlns:a14="http://schemas.microsoft.com/office/drawing/2010/main" Requires="a14">
+      <mc:AlternateContent xmlns:mc="http://schemas.openxmlformats.org/markup-compatibility/2006" xmlns:a14="http://schemas.microsoft.com/office/drawing/2010/main">
+        <mc:Choice Requires="a14">
           <p:sp>
             <p:nvSpPr>
               <p:cNvPr id="11" name="Rectangle 10"/>
@@ -15896,7 +15903,7 @@
             </p:txBody>
           </p:sp>
         </mc:Choice>
-        <mc:Fallback>
+        <mc:Fallback xmlns="">
           <p:sp>
             <p:nvSpPr>
               <p:cNvPr id="11" name="Rectangle 10"/>
@@ -15935,8 +15942,8 @@
           </p:sp>
         </mc:Fallback>
       </mc:AlternateContent>
-      <mc:AlternateContent xmlns:mc="http://schemas.openxmlformats.org/markup-compatibility/2006">
-        <mc:Choice xmlns:a14="http://schemas.microsoft.com/office/drawing/2010/main" Requires="a14">
+      <mc:AlternateContent xmlns:mc="http://schemas.openxmlformats.org/markup-compatibility/2006" xmlns:a14="http://schemas.microsoft.com/office/drawing/2010/main">
+        <mc:Choice Requires="a14">
           <p:sp>
             <p:nvSpPr>
               <p:cNvPr id="12" name="Rectangle 11"/>
@@ -15958,6 +15965,7 @@
               </a:bodyPr>
               <a:lstStyle/>
               <a:p>
+                <a:pPr/>
                 <a14:m>
                   <m:oMathPara xmlns:m="http://schemas.openxmlformats.org/officeDocument/2006/math">
                     <m:oMathParaPr>
@@ -16023,7 +16031,7 @@
             </p:txBody>
           </p:sp>
         </mc:Choice>
-        <mc:Fallback>
+        <mc:Fallback xmlns="">
           <p:sp>
             <p:nvSpPr>
               <p:cNvPr id="12" name="Rectangle 11"/>
@@ -16062,8 +16070,8 @@
           </p:sp>
         </mc:Fallback>
       </mc:AlternateContent>
-      <mc:AlternateContent xmlns:mc="http://schemas.openxmlformats.org/markup-compatibility/2006">
-        <mc:Choice xmlns:a14="http://schemas.microsoft.com/office/drawing/2010/main" Requires="a14">
+      <mc:AlternateContent xmlns:mc="http://schemas.openxmlformats.org/markup-compatibility/2006" xmlns:a14="http://schemas.microsoft.com/office/drawing/2010/main">
+        <mc:Choice Requires="a14">
           <p:sp>
             <p:nvSpPr>
               <p:cNvPr id="16" name="Rectangle 15"/>
@@ -16085,6 +16093,7 @@
               </a:bodyPr>
               <a:lstStyle/>
               <a:p>
+                <a:pPr/>
                 <a14:m>
                   <m:oMathPara xmlns:m="http://schemas.openxmlformats.org/officeDocument/2006/math">
                     <m:oMathParaPr>
@@ -16150,7 +16159,7 @@
             </p:txBody>
           </p:sp>
         </mc:Choice>
-        <mc:Fallback>
+        <mc:Fallback xmlns="">
           <p:sp>
             <p:nvSpPr>
               <p:cNvPr id="16" name="Rectangle 15"/>
@@ -16189,8 +16198,8 @@
           </p:sp>
         </mc:Fallback>
       </mc:AlternateContent>
-      <mc:AlternateContent xmlns:mc="http://schemas.openxmlformats.org/markup-compatibility/2006">
-        <mc:Choice xmlns:a14="http://schemas.microsoft.com/office/drawing/2010/main" Requires="a14">
+      <mc:AlternateContent xmlns:mc="http://schemas.openxmlformats.org/markup-compatibility/2006" xmlns:a14="http://schemas.microsoft.com/office/drawing/2010/main">
+        <mc:Choice Requires="a14">
           <p:sp>
             <p:nvSpPr>
               <p:cNvPr id="20" name="Rectangle 19"/>
@@ -16251,7 +16260,7 @@
             </p:txBody>
           </p:sp>
         </mc:Choice>
-        <mc:Fallback>
+        <mc:Fallback xmlns="">
           <p:sp>
             <p:nvSpPr>
               <p:cNvPr id="20" name="Rectangle 19"/>
@@ -16325,8 +16334,8 @@
           </a:fontRef>
         </p:style>
       </p:cxnSp>
-      <mc:AlternateContent xmlns:mc="http://schemas.openxmlformats.org/markup-compatibility/2006">
-        <mc:Choice xmlns:a14="http://schemas.microsoft.com/office/drawing/2010/main" Requires="a14">
+      <mc:AlternateContent xmlns:mc="http://schemas.openxmlformats.org/markup-compatibility/2006" xmlns:a14="http://schemas.microsoft.com/office/drawing/2010/main">
+        <mc:Choice Requires="a14">
           <p:sp>
             <p:nvSpPr>
               <p:cNvPr id="32" name="Rectangle 31"/>
@@ -16435,7 +16444,7 @@
             </p:txBody>
           </p:sp>
         </mc:Choice>
-        <mc:Fallback>
+        <mc:Fallback xmlns="">
           <p:sp>
             <p:nvSpPr>
               <p:cNvPr id="32" name="Rectangle 31"/>
@@ -16749,8 +16758,8 @@
           </a:p>
         </p:txBody>
       </p:sp>
-      <mc:AlternateContent xmlns:mc="http://schemas.openxmlformats.org/markup-compatibility/2006">
-        <mc:Choice xmlns:a14="http://schemas.microsoft.com/office/drawing/2010/main" Requires="a14">
+      <mc:AlternateContent xmlns:mc="http://schemas.openxmlformats.org/markup-compatibility/2006" xmlns:a14="http://schemas.microsoft.com/office/drawing/2010/main">
+        <mc:Choice Requires="a14">
           <p:sp>
             <p:nvSpPr>
               <p:cNvPr id="26" name="Rectangle 25"/>
@@ -16772,6 +16781,7 @@
               </a:bodyPr>
               <a:lstStyle/>
               <a:p>
+                <a:pPr/>
                 <a14:m>
                   <m:oMathPara xmlns:m="http://schemas.openxmlformats.org/officeDocument/2006/math">
                     <m:oMathParaPr>
@@ -16998,7 +17008,7 @@
             </p:txBody>
           </p:sp>
         </mc:Choice>
-        <mc:Fallback>
+        <mc:Fallback xmlns="">
           <p:sp>
             <p:nvSpPr>
               <p:cNvPr id="26" name="Rectangle 25"/>
@@ -17075,8 +17085,8 @@
           </a:p>
         </p:txBody>
       </p:sp>
-      <mc:AlternateContent xmlns:mc="http://schemas.openxmlformats.org/markup-compatibility/2006">
-        <mc:Choice xmlns:a14="http://schemas.microsoft.com/office/drawing/2010/main" Requires="a14">
+      <mc:AlternateContent xmlns:mc="http://schemas.openxmlformats.org/markup-compatibility/2006" xmlns:a14="http://schemas.microsoft.com/office/drawing/2010/main">
+        <mc:Choice Requires="a14">
           <p:sp>
             <p:nvSpPr>
               <p:cNvPr id="16" name="Rectangle 15"/>
@@ -17098,6 +17108,7 @@
               </a:bodyPr>
               <a:lstStyle/>
               <a:p>
+                <a:pPr/>
                 <a14:m>
                   <m:oMathPara xmlns:m="http://schemas.openxmlformats.org/officeDocument/2006/math">
                     <m:oMathParaPr>
@@ -17233,7 +17244,7 @@
             </p:txBody>
           </p:sp>
         </mc:Choice>
-        <mc:Fallback>
+        <mc:Fallback xmlns="">
           <p:sp>
             <p:nvSpPr>
               <p:cNvPr id="16" name="Rectangle 15"/>
@@ -17304,8 +17315,8 @@
           </a:fontRef>
         </p:style>
       </p:cxnSp>
-      <mc:AlternateContent xmlns:mc="http://schemas.openxmlformats.org/markup-compatibility/2006">
-        <mc:Choice xmlns:a14="http://schemas.microsoft.com/office/drawing/2010/main" Requires="a14">
+      <mc:AlternateContent xmlns:mc="http://schemas.openxmlformats.org/markup-compatibility/2006" xmlns:a14="http://schemas.microsoft.com/office/drawing/2010/main">
+        <mc:Choice Requires="a14">
           <p:sp>
             <p:nvSpPr>
               <p:cNvPr id="34" name="Rectangle 33"/>
@@ -17713,7 +17724,7 @@
             </p:txBody>
           </p:sp>
         </mc:Choice>
-        <mc:Fallback>
+        <mc:Fallback xmlns="">
           <p:sp>
             <p:nvSpPr>
               <p:cNvPr id="34" name="Rectangle 33"/>
@@ -17752,8 +17763,8 @@
           </p:sp>
         </mc:Fallback>
       </mc:AlternateContent>
-      <mc:AlternateContent xmlns:mc="http://schemas.openxmlformats.org/markup-compatibility/2006">
-        <mc:Choice xmlns:a14="http://schemas.microsoft.com/office/drawing/2010/main" Requires="a14">
+      <mc:AlternateContent xmlns:mc="http://schemas.openxmlformats.org/markup-compatibility/2006" xmlns:a14="http://schemas.microsoft.com/office/drawing/2010/main">
+        <mc:Choice Requires="a14">
           <p:sp>
             <p:nvSpPr>
               <p:cNvPr id="35" name="Rectangle 34"/>
@@ -17775,6 +17786,7 @@
               </a:bodyPr>
               <a:lstStyle/>
               <a:p>
+                <a:pPr/>
                 <a14:m>
                   <m:oMathPara xmlns:m="http://schemas.openxmlformats.org/officeDocument/2006/math">
                     <m:oMathParaPr>
@@ -17956,6 +17968,7 @@
                 </a:endParaRPr>
               </a:p>
               <a:p>
+                <a:pPr/>
                 <a14:m>
                   <m:oMathPara xmlns:m="http://schemas.openxmlformats.org/officeDocument/2006/math">
                     <m:oMathParaPr>
@@ -18025,6 +18038,7 @@
                 </a:endParaRPr>
               </a:p>
               <a:p>
+                <a:pPr/>
                 <a14:m>
                   <m:oMathPara xmlns:m="http://schemas.openxmlformats.org/officeDocument/2006/math">
                     <m:oMathParaPr>
@@ -18094,6 +18108,7 @@
                 </a:endParaRPr>
               </a:p>
               <a:p>
+                <a:pPr/>
                 <a14:m>
                   <m:oMathPara xmlns:m="http://schemas.openxmlformats.org/officeDocument/2006/math">
                     <m:oMathParaPr>
@@ -18157,7 +18172,7 @@
             </p:txBody>
           </p:sp>
         </mc:Choice>
-        <mc:Fallback>
+        <mc:Fallback xmlns="">
           <p:sp>
             <p:nvSpPr>
               <p:cNvPr id="35" name="Rectangle 34"/>
@@ -18296,8 +18311,8 @@
           </a:p>
         </p:txBody>
       </p:sp>
-      <mc:AlternateContent xmlns:mc="http://schemas.openxmlformats.org/markup-compatibility/2006">
-        <mc:Choice xmlns:a14="http://schemas.microsoft.com/office/drawing/2010/main" Requires="a14">
+      <mc:AlternateContent xmlns:mc="http://schemas.openxmlformats.org/markup-compatibility/2006" xmlns:a14="http://schemas.microsoft.com/office/drawing/2010/main">
+        <mc:Choice Requires="a14">
           <p:sp>
             <p:nvSpPr>
               <p:cNvPr id="56" name="Rectangle 55"/>
@@ -18319,6 +18334,7 @@
               </a:bodyPr>
               <a:lstStyle/>
               <a:p>
+                <a:pPr/>
                 <a14:m>
                   <m:oMathPara xmlns:m="http://schemas.openxmlformats.org/officeDocument/2006/math">
                     <m:oMathParaPr>
@@ -18461,7 +18477,7 @@
             </p:txBody>
           </p:sp>
         </mc:Choice>
-        <mc:Fallback>
+        <mc:Fallback xmlns="">
           <p:sp>
             <p:nvSpPr>
               <p:cNvPr id="56" name="Rectangle 55"/>
@@ -18568,8 +18584,8 @@
           </a:p>
         </p:txBody>
       </p:sp>
-      <mc:AlternateContent xmlns:mc="http://schemas.openxmlformats.org/markup-compatibility/2006">
-        <mc:Choice xmlns:a14="http://schemas.microsoft.com/office/drawing/2010/main" Requires="a14">
+      <mc:AlternateContent xmlns:mc="http://schemas.openxmlformats.org/markup-compatibility/2006" xmlns:a14="http://schemas.microsoft.com/office/drawing/2010/main">
+        <mc:Choice Requires="a14">
           <p:sp>
             <p:nvSpPr>
               <p:cNvPr id="65" name="Rectangle 64"/>
@@ -18591,6 +18607,7 @@
               </a:bodyPr>
               <a:lstStyle/>
               <a:p>
+                <a:pPr/>
                 <a14:m>
                   <m:oMathPara xmlns:m="http://schemas.openxmlformats.org/officeDocument/2006/math">
                     <m:oMathParaPr>
@@ -18789,7 +18806,7 @@
             </p:txBody>
           </p:sp>
         </mc:Choice>
-        <mc:Fallback>
+        <mc:Fallback xmlns="">
           <p:sp>
             <p:nvSpPr>
               <p:cNvPr id="65" name="Rectangle 64"/>
@@ -18866,8 +18883,8 @@
           </a:p>
         </p:txBody>
       </p:sp>
-      <mc:AlternateContent xmlns:mc="http://schemas.openxmlformats.org/markup-compatibility/2006">
-        <mc:Choice xmlns:a14="http://schemas.microsoft.com/office/drawing/2010/main" Requires="a14">
+      <mc:AlternateContent xmlns:mc="http://schemas.openxmlformats.org/markup-compatibility/2006" xmlns:a14="http://schemas.microsoft.com/office/drawing/2010/main">
+        <mc:Choice Requires="a14">
           <p:sp>
             <p:nvSpPr>
               <p:cNvPr id="69" name="Rectangle 68"/>
@@ -18889,6 +18906,7 @@
               </a:bodyPr>
               <a:lstStyle/>
               <a:p>
+                <a:pPr/>
                 <a14:m>
                   <m:oMathPara xmlns:m="http://schemas.openxmlformats.org/officeDocument/2006/math">
                     <m:oMathParaPr>
@@ -19031,7 +19049,7 @@
             </p:txBody>
           </p:sp>
         </mc:Choice>
-        <mc:Fallback>
+        <mc:Fallback xmlns="">
           <p:sp>
             <p:nvSpPr>
               <p:cNvPr id="69" name="Rectangle 68"/>
@@ -19070,8 +19088,8 @@
           </p:sp>
         </mc:Fallback>
       </mc:AlternateContent>
-      <mc:AlternateContent xmlns:mc="http://schemas.openxmlformats.org/markup-compatibility/2006">
-        <mc:Choice xmlns:a14="http://schemas.microsoft.com/office/drawing/2010/main" Requires="a14">
+      <mc:AlternateContent xmlns:mc="http://schemas.openxmlformats.org/markup-compatibility/2006" xmlns:a14="http://schemas.microsoft.com/office/drawing/2010/main">
+        <mc:Choice Requires="a14">
           <p:sp>
             <p:nvSpPr>
               <p:cNvPr id="70" name="Rectangle 69"/>
@@ -19143,7 +19161,7 @@
             </p:txBody>
           </p:sp>
         </mc:Choice>
-        <mc:Fallback>
+        <mc:Fallback xmlns="">
           <p:sp>
             <p:nvSpPr>
               <p:cNvPr id="70" name="Rectangle 69"/>
@@ -19396,6 +19414,1090 @@
     <p:extLst>
       <p:ext uri="{BB962C8B-B14F-4D97-AF65-F5344CB8AC3E}">
         <p14:creationId xmlns:p14="http://schemas.microsoft.com/office/powerpoint/2010/main" val="3189472231"/>
+      </p:ext>
+    </p:extLst>
+  </p:cSld>
+  <p:clrMapOvr>
+    <a:masterClrMapping/>
+  </p:clrMapOvr>
+</p:sld>
+</file>
+
+<file path=ppt/slides/slide8.xml><?xml version="1.0" encoding="utf-8"?>
+<p:sld xmlns:a="http://schemas.openxmlformats.org/drawingml/2006/main" xmlns:r="http://schemas.openxmlformats.org/officeDocument/2006/relationships" xmlns:p="http://schemas.openxmlformats.org/presentationml/2006/main">
+  <p:cSld>
+    <p:spTree>
+      <p:nvGrpSpPr>
+        <p:cNvPr id="1" name=""/>
+        <p:cNvGrpSpPr/>
+        <p:nvPr/>
+      </p:nvGrpSpPr>
+      <p:grpSpPr>
+        <a:xfrm>
+          <a:off x="0" y="0"/>
+          <a:ext cx="0" cy="0"/>
+          <a:chOff x="0" y="0"/>
+          <a:chExt cx="0" cy="0"/>
+        </a:xfrm>
+      </p:grpSpPr>
+      <p:sp>
+        <p:nvSpPr>
+          <p:cNvPr id="2" name="Oval 1"/>
+          <p:cNvSpPr/>
+          <p:nvPr/>
+        </p:nvSpPr>
+        <p:spPr>
+          <a:xfrm>
+            <a:off x="4391977" y="786732"/>
+            <a:ext cx="360045" cy="360045"/>
+          </a:xfrm>
+          <a:prstGeom prst="ellipse">
+            <a:avLst/>
+          </a:prstGeom>
+        </p:spPr>
+        <p:style>
+          <a:lnRef idx="2">
+            <a:schemeClr val="dk1"/>
+          </a:lnRef>
+          <a:fillRef idx="1">
+            <a:schemeClr val="lt1"/>
+          </a:fillRef>
+          <a:effectRef idx="0">
+            <a:schemeClr val="dk1"/>
+          </a:effectRef>
+          <a:fontRef idx="minor">
+            <a:schemeClr val="dk1"/>
+          </a:fontRef>
+        </p:style>
+        <p:txBody>
+          <a:bodyPr rtlCol="0" anchor="ctr"/>
+          <a:lstStyle/>
+          <a:p>
+            <a:pPr algn="ctr"/>
+            <a:endParaRPr lang="pt-PT" sz="2800"/>
+          </a:p>
+        </p:txBody>
+      </p:sp>
+      <p:sp>
+        <p:nvSpPr>
+          <p:cNvPr id="3" name="Oval 2"/>
+          <p:cNvSpPr/>
+          <p:nvPr/>
+        </p:nvSpPr>
+        <p:spPr>
+          <a:xfrm>
+            <a:off x="1916669" y="2755671"/>
+            <a:ext cx="360045" cy="360045"/>
+          </a:xfrm>
+          <a:prstGeom prst="ellipse">
+            <a:avLst/>
+          </a:prstGeom>
+        </p:spPr>
+        <p:style>
+          <a:lnRef idx="2">
+            <a:schemeClr val="dk1">
+              <a:shade val="50000"/>
+            </a:schemeClr>
+          </a:lnRef>
+          <a:fillRef idx="1">
+            <a:schemeClr val="dk1"/>
+          </a:fillRef>
+          <a:effectRef idx="0">
+            <a:schemeClr val="dk1"/>
+          </a:effectRef>
+          <a:fontRef idx="minor">
+            <a:schemeClr val="lt1"/>
+          </a:fontRef>
+        </p:style>
+        <p:txBody>
+          <a:bodyPr rtlCol="0" anchor="ctr"/>
+          <a:lstStyle/>
+          <a:p>
+            <a:pPr algn="ctr"/>
+            <a:endParaRPr lang="pt-PT" sz="2800"/>
+          </a:p>
+        </p:txBody>
+      </p:sp>
+      <p:sp>
+        <p:nvSpPr>
+          <p:cNvPr id="4" name="Oval 3"/>
+          <p:cNvSpPr/>
+          <p:nvPr/>
+        </p:nvSpPr>
+        <p:spPr>
+          <a:xfrm>
+            <a:off x="6911816" y="2755670"/>
+            <a:ext cx="360045" cy="360045"/>
+          </a:xfrm>
+          <a:prstGeom prst="ellipse">
+            <a:avLst/>
+          </a:prstGeom>
+        </p:spPr>
+        <p:style>
+          <a:lnRef idx="2">
+            <a:schemeClr val="dk1">
+              <a:shade val="50000"/>
+            </a:schemeClr>
+          </a:lnRef>
+          <a:fillRef idx="1">
+            <a:schemeClr val="dk1"/>
+          </a:fillRef>
+          <a:effectRef idx="0">
+            <a:schemeClr val="dk1"/>
+          </a:effectRef>
+          <a:fontRef idx="minor">
+            <a:schemeClr val="lt1"/>
+          </a:fontRef>
+        </p:style>
+        <p:txBody>
+          <a:bodyPr rtlCol="0" anchor="ctr"/>
+          <a:lstStyle/>
+          <a:p>
+            <a:pPr algn="ctr"/>
+            <a:endParaRPr lang="pt-PT" sz="2800"/>
+          </a:p>
+        </p:txBody>
+      </p:sp>
+      <p:sp>
+        <p:nvSpPr>
+          <p:cNvPr id="5" name="TextBox 4"/>
+          <p:cNvSpPr txBox="1"/>
+          <p:nvPr/>
+        </p:nvSpPr>
+        <p:spPr>
+          <a:xfrm>
+            <a:off x="4842034" y="705144"/>
+            <a:ext cx="1440180" cy="523220"/>
+          </a:xfrm>
+          <a:prstGeom prst="rect">
+            <a:avLst/>
+          </a:prstGeom>
+          <a:noFill/>
+        </p:spPr>
+        <p:txBody>
+          <a:bodyPr wrap="square" rtlCol="0">
+            <a:spAutoFit/>
+          </a:bodyPr>
+          <a:lstStyle/>
+          <a:p>
+            <a:r>
+              <a:rPr lang="pt-PT" sz="2800" dirty="0" smtClean="0"/>
+              <a:t>Player 1</a:t>
+            </a:r>
+            <a:endParaRPr lang="pt-PT" sz="2800" dirty="0"/>
+          </a:p>
+        </p:txBody>
+      </p:sp>
+      <p:sp>
+        <p:nvSpPr>
+          <p:cNvPr id="6" name="TextBox 5"/>
+          <p:cNvSpPr txBox="1"/>
+          <p:nvPr/>
+        </p:nvSpPr>
+        <p:spPr>
+          <a:xfrm>
+            <a:off x="7452360" y="2644224"/>
+            <a:ext cx="1440180" cy="523220"/>
+          </a:xfrm>
+          <a:prstGeom prst="rect">
+            <a:avLst/>
+          </a:prstGeom>
+          <a:noFill/>
+        </p:spPr>
+        <p:txBody>
+          <a:bodyPr wrap="square" rtlCol="0">
+            <a:spAutoFit/>
+          </a:bodyPr>
+          <a:lstStyle/>
+          <a:p>
+            <a:r>
+              <a:rPr lang="pt-PT" sz="2800" dirty="0" smtClean="0"/>
+              <a:t>Player 2</a:t>
+            </a:r>
+            <a:endParaRPr lang="pt-PT" sz="2800" dirty="0"/>
+          </a:p>
+        </p:txBody>
+      </p:sp>
+      <p:cxnSp>
+        <p:nvCxnSpPr>
+          <p:cNvPr id="8" name="Straight Connector 7"/>
+          <p:cNvCxnSpPr>
+            <a:stCxn id="2" idx="4"/>
+            <a:endCxn id="3" idx="0"/>
+          </p:cNvCxnSpPr>
+          <p:nvPr/>
+        </p:nvCxnSpPr>
+        <p:spPr>
+          <a:xfrm flipH="1">
+            <a:off x="2096692" y="1146777"/>
+            <a:ext cx="2475308" cy="1608894"/>
+          </a:xfrm>
+          <a:prstGeom prst="line">
+            <a:avLst/>
+          </a:prstGeom>
+        </p:spPr>
+        <p:style>
+          <a:lnRef idx="3">
+            <a:schemeClr val="dk1"/>
+          </a:lnRef>
+          <a:fillRef idx="0">
+            <a:schemeClr val="dk1"/>
+          </a:fillRef>
+          <a:effectRef idx="2">
+            <a:schemeClr val="dk1"/>
+          </a:effectRef>
+          <a:fontRef idx="minor">
+            <a:schemeClr val="tx1"/>
+          </a:fontRef>
+        </p:style>
+      </p:cxnSp>
+      <p:cxnSp>
+        <p:nvCxnSpPr>
+          <p:cNvPr id="10" name="Straight Connector 9"/>
+          <p:cNvCxnSpPr>
+            <a:stCxn id="2" idx="4"/>
+            <a:endCxn id="4" idx="0"/>
+          </p:cNvCxnSpPr>
+          <p:nvPr/>
+        </p:nvCxnSpPr>
+        <p:spPr>
+          <a:xfrm>
+            <a:off x="4572000" y="1146777"/>
+            <a:ext cx="2519839" cy="1608893"/>
+          </a:xfrm>
+          <a:prstGeom prst="line">
+            <a:avLst/>
+          </a:prstGeom>
+        </p:spPr>
+        <p:style>
+          <a:lnRef idx="3">
+            <a:schemeClr val="dk1"/>
+          </a:lnRef>
+          <a:fillRef idx="0">
+            <a:schemeClr val="dk1"/>
+          </a:fillRef>
+          <a:effectRef idx="2">
+            <a:schemeClr val="dk1"/>
+          </a:effectRef>
+          <a:fontRef idx="minor">
+            <a:schemeClr val="tx1"/>
+          </a:fontRef>
+        </p:style>
+      </p:cxnSp>
+      <p:sp>
+        <p:nvSpPr>
+          <p:cNvPr id="11" name="TextBox 10"/>
+          <p:cNvSpPr txBox="1"/>
+          <p:nvPr/>
+        </p:nvSpPr>
+        <p:spPr>
+          <a:xfrm>
+            <a:off x="1642349" y="1309952"/>
+            <a:ext cx="2070258" cy="954107"/>
+          </a:xfrm>
+          <a:prstGeom prst="rect">
+            <a:avLst/>
+          </a:prstGeom>
+          <a:noFill/>
+        </p:spPr>
+        <p:txBody>
+          <a:bodyPr wrap="square" rtlCol="0">
+            <a:spAutoFit/>
+          </a:bodyPr>
+          <a:lstStyle/>
+          <a:p>
+            <a:r>
+              <a:rPr lang="pt-PT" sz="2800" dirty="0" smtClean="0"/>
+              <a:t>Fair  proposal</a:t>
+            </a:r>
+            <a:endParaRPr lang="pt-PT" sz="2800" dirty="0"/>
+          </a:p>
+        </p:txBody>
+      </p:sp>
+      <mc:AlternateContent xmlns:mc="http://schemas.openxmlformats.org/markup-compatibility/2006">
+        <mc:Choice xmlns:a14="http://schemas.microsoft.com/office/drawing/2010/main" Requires="a14">
+          <p:sp>
+            <p:nvSpPr>
+              <p:cNvPr id="12" name="TextBox 11"/>
+              <p:cNvSpPr txBox="1"/>
+              <p:nvPr/>
+            </p:nvSpPr>
+            <p:spPr>
+              <a:xfrm>
+                <a:off x="6605111" y="1258725"/>
+                <a:ext cx="1801177" cy="1384995"/>
+              </a:xfrm>
+              <a:prstGeom prst="rect">
+                <a:avLst/>
+              </a:prstGeom>
+              <a:noFill/>
+            </p:spPr>
+            <p:txBody>
+              <a:bodyPr wrap="square" rtlCol="0">
+                <a:spAutoFit/>
+              </a:bodyPr>
+              <a:lstStyle/>
+              <a:p>
+                <a:r>
+                  <a:rPr lang="pt-PT" sz="2800" dirty="0" smtClean="0"/>
+                  <a:t>Unfair proposal </a:t>
+                </a:r>
+                <a14:m>
+                  <m:oMath xmlns:m="http://schemas.openxmlformats.org/officeDocument/2006/math">
+                    <m:r>
+                      <a:rPr lang="pt-PT" sz="2800" i="1">
+                        <a:latin typeface="Cambria Math"/>
+                      </a:rPr>
+                      <m:t>𝜃</m:t>
+                    </m:r>
+                    <m:r>
+                      <a:rPr lang="pt-PT" sz="2800" b="0" i="1" smtClean="0">
+                        <a:latin typeface="Cambria Math"/>
+                      </a:rPr>
+                      <m:t>&gt;50</m:t>
+                    </m:r>
+                  </m:oMath>
+                </a14:m>
+                <a:r>
+                  <a:rPr lang="pt-PT" sz="2800" dirty="0" smtClean="0"/>
+                  <a:t> </a:t>
+                </a:r>
+                <a:endParaRPr lang="pt-PT" sz="2800" dirty="0"/>
+              </a:p>
+            </p:txBody>
+          </p:sp>
+        </mc:Choice>
+        <mc:Fallback>
+          <p:sp>
+            <p:nvSpPr>
+              <p:cNvPr id="12" name="TextBox 11"/>
+              <p:cNvSpPr txBox="1">
+                <a:spLocks noRot="1" noChangeAspect="1" noMove="1" noResize="1" noEditPoints="1" noAdjustHandles="1" noChangeArrowheads="1" noChangeShapeType="1" noTextEdit="1"/>
+              </p:cNvSpPr>
+              <p:nvPr/>
+            </p:nvSpPr>
+            <p:spPr>
+              <a:xfrm>
+                <a:off x="6605111" y="1258725"/>
+                <a:ext cx="1801177" cy="1384995"/>
+              </a:xfrm>
+              <a:prstGeom prst="rect">
+                <a:avLst/>
+              </a:prstGeom>
+              <a:blipFill rotWithShape="1">
+                <a:blip r:embed="rId2"/>
+                <a:stretch>
+                  <a:fillRect l="-7119" t="-3947"/>
+                </a:stretch>
+              </a:blipFill>
+            </p:spPr>
+            <p:txBody>
+              <a:bodyPr/>
+              <a:lstStyle/>
+              <a:p>
+                <a:r>
+                  <a:rPr lang="pt-PT">
+                    <a:noFill/>
+                  </a:rPr>
+                  <a:t> </a:t>
+                </a:r>
+              </a:p>
+            </p:txBody>
+          </p:sp>
+        </mc:Fallback>
+      </mc:AlternateContent>
+      <p:sp>
+        <p:nvSpPr>
+          <p:cNvPr id="13" name="TextBox 12"/>
+          <p:cNvSpPr txBox="1"/>
+          <p:nvPr/>
+        </p:nvSpPr>
+        <p:spPr>
+          <a:xfrm>
+            <a:off x="304324" y="3341102"/>
+            <a:ext cx="2070258" cy="523220"/>
+          </a:xfrm>
+          <a:prstGeom prst="rect">
+            <a:avLst/>
+          </a:prstGeom>
+          <a:noFill/>
+        </p:spPr>
+        <p:txBody>
+          <a:bodyPr wrap="square" rtlCol="0">
+            <a:spAutoFit/>
+          </a:bodyPr>
+          <a:lstStyle/>
+          <a:p>
+            <a:r>
+              <a:rPr lang="pt-PT" sz="2800" dirty="0" smtClean="0"/>
+              <a:t>Accept</a:t>
+            </a:r>
+            <a:endParaRPr lang="pt-PT" sz="2800" dirty="0"/>
+          </a:p>
+        </p:txBody>
+      </p:sp>
+      <p:sp>
+        <p:nvSpPr>
+          <p:cNvPr id="14" name="TextBox 13"/>
+          <p:cNvSpPr txBox="1"/>
+          <p:nvPr/>
+        </p:nvSpPr>
+        <p:spPr>
+          <a:xfrm>
+            <a:off x="3094672" y="3341340"/>
+            <a:ext cx="2070258" cy="523220"/>
+          </a:xfrm>
+          <a:prstGeom prst="rect">
+            <a:avLst/>
+          </a:prstGeom>
+          <a:noFill/>
+        </p:spPr>
+        <p:txBody>
+          <a:bodyPr wrap="square" rtlCol="0">
+            <a:spAutoFit/>
+          </a:bodyPr>
+          <a:lstStyle/>
+          <a:p>
+            <a:r>
+              <a:rPr lang="pt-PT" sz="2800" dirty="0" smtClean="0"/>
+              <a:t>Reject</a:t>
+            </a:r>
+            <a:endParaRPr lang="pt-PT" sz="2800" dirty="0"/>
+          </a:p>
+        </p:txBody>
+      </p:sp>
+      <p:cxnSp>
+        <p:nvCxnSpPr>
+          <p:cNvPr id="15" name="Straight Connector 14"/>
+          <p:cNvCxnSpPr/>
+          <p:nvPr/>
+        </p:nvCxnSpPr>
+        <p:spPr>
+          <a:xfrm flipH="1">
+            <a:off x="472202" y="2996294"/>
+            <a:ext cx="1620202" cy="1474473"/>
+          </a:xfrm>
+          <a:prstGeom prst="line">
+            <a:avLst/>
+          </a:prstGeom>
+        </p:spPr>
+        <p:style>
+          <a:lnRef idx="3">
+            <a:schemeClr val="dk1"/>
+          </a:lnRef>
+          <a:fillRef idx="0">
+            <a:schemeClr val="dk1"/>
+          </a:fillRef>
+          <a:effectRef idx="2">
+            <a:schemeClr val="dk1"/>
+          </a:effectRef>
+          <a:fontRef idx="minor">
+            <a:schemeClr val="tx1"/>
+          </a:fontRef>
+        </p:style>
+      </p:cxnSp>
+      <p:cxnSp>
+        <p:nvCxnSpPr>
+          <p:cNvPr id="16" name="Straight Connector 15"/>
+          <p:cNvCxnSpPr/>
+          <p:nvPr/>
+        </p:nvCxnSpPr>
+        <p:spPr>
+          <a:xfrm>
+            <a:off x="2092404" y="2996294"/>
+            <a:ext cx="1620203" cy="1474473"/>
+          </a:xfrm>
+          <a:prstGeom prst="line">
+            <a:avLst/>
+          </a:prstGeom>
+        </p:spPr>
+        <p:style>
+          <a:lnRef idx="3">
+            <a:schemeClr val="dk1"/>
+          </a:lnRef>
+          <a:fillRef idx="0">
+            <a:schemeClr val="dk1"/>
+          </a:fillRef>
+          <a:effectRef idx="2">
+            <a:schemeClr val="dk1"/>
+          </a:effectRef>
+          <a:fontRef idx="minor">
+            <a:schemeClr val="tx1"/>
+          </a:fontRef>
+        </p:style>
+      </p:cxnSp>
+      <p:cxnSp>
+        <p:nvCxnSpPr>
+          <p:cNvPr id="17" name="Straight Connector 16"/>
+          <p:cNvCxnSpPr/>
+          <p:nvPr/>
+        </p:nvCxnSpPr>
+        <p:spPr>
+          <a:xfrm flipH="1">
+            <a:off x="5472113" y="2996294"/>
+            <a:ext cx="1620202" cy="1474473"/>
+          </a:xfrm>
+          <a:prstGeom prst="line">
+            <a:avLst/>
+          </a:prstGeom>
+        </p:spPr>
+        <p:style>
+          <a:lnRef idx="3">
+            <a:schemeClr val="dk1"/>
+          </a:lnRef>
+          <a:fillRef idx="0">
+            <a:schemeClr val="dk1"/>
+          </a:fillRef>
+          <a:effectRef idx="2">
+            <a:schemeClr val="dk1"/>
+          </a:effectRef>
+          <a:fontRef idx="minor">
+            <a:schemeClr val="tx1"/>
+          </a:fontRef>
+        </p:style>
+      </p:cxnSp>
+      <p:cxnSp>
+        <p:nvCxnSpPr>
+          <p:cNvPr id="18" name="Straight Connector 17"/>
+          <p:cNvCxnSpPr/>
+          <p:nvPr/>
+        </p:nvCxnSpPr>
+        <p:spPr>
+          <a:xfrm>
+            <a:off x="7092315" y="2996294"/>
+            <a:ext cx="1620203" cy="1474473"/>
+          </a:xfrm>
+          <a:prstGeom prst="line">
+            <a:avLst/>
+          </a:prstGeom>
+        </p:spPr>
+        <p:style>
+          <a:lnRef idx="3">
+            <a:schemeClr val="dk1"/>
+          </a:lnRef>
+          <a:fillRef idx="0">
+            <a:schemeClr val="dk1"/>
+          </a:fillRef>
+          <a:effectRef idx="2">
+            <a:schemeClr val="dk1"/>
+          </a:effectRef>
+          <a:fontRef idx="minor">
+            <a:schemeClr val="tx1"/>
+          </a:fontRef>
+        </p:style>
+      </p:cxnSp>
+      <p:sp>
+        <p:nvSpPr>
+          <p:cNvPr id="21" name="TextBox 20"/>
+          <p:cNvSpPr txBox="1"/>
+          <p:nvPr/>
+        </p:nvSpPr>
+        <p:spPr>
+          <a:xfrm>
+            <a:off x="2374582" y="2704349"/>
+            <a:ext cx="1440180" cy="523220"/>
+          </a:xfrm>
+          <a:prstGeom prst="rect">
+            <a:avLst/>
+          </a:prstGeom>
+          <a:noFill/>
+        </p:spPr>
+        <p:txBody>
+          <a:bodyPr wrap="square" rtlCol="0">
+            <a:spAutoFit/>
+          </a:bodyPr>
+          <a:lstStyle/>
+          <a:p>
+            <a:r>
+              <a:rPr lang="pt-PT" sz="2800" dirty="0" smtClean="0"/>
+              <a:t>Player 2</a:t>
+            </a:r>
+            <a:endParaRPr lang="pt-PT" sz="2800" dirty="0"/>
+          </a:p>
+        </p:txBody>
+      </p:sp>
+      <p:sp>
+        <p:nvSpPr>
+          <p:cNvPr id="22" name="TextBox 21"/>
+          <p:cNvSpPr txBox="1"/>
+          <p:nvPr/>
+        </p:nvSpPr>
+        <p:spPr>
+          <a:xfrm>
+            <a:off x="5163500" y="3364198"/>
+            <a:ext cx="2070258" cy="523220"/>
+          </a:xfrm>
+          <a:prstGeom prst="rect">
+            <a:avLst/>
+          </a:prstGeom>
+          <a:noFill/>
+        </p:spPr>
+        <p:txBody>
+          <a:bodyPr wrap="square" rtlCol="0">
+            <a:spAutoFit/>
+          </a:bodyPr>
+          <a:lstStyle/>
+          <a:p>
+            <a:r>
+              <a:rPr lang="pt-PT" sz="2800" dirty="0" smtClean="0"/>
+              <a:t>Accept</a:t>
+            </a:r>
+            <a:endParaRPr lang="pt-PT" sz="2800" dirty="0"/>
+          </a:p>
+        </p:txBody>
+      </p:sp>
+      <p:sp>
+        <p:nvSpPr>
+          <p:cNvPr id="23" name="TextBox 22"/>
+          <p:cNvSpPr txBox="1"/>
+          <p:nvPr/>
+        </p:nvSpPr>
+        <p:spPr>
+          <a:xfrm>
+            <a:off x="7953848" y="3341102"/>
+            <a:ext cx="2070258" cy="523220"/>
+          </a:xfrm>
+          <a:prstGeom prst="rect">
+            <a:avLst/>
+          </a:prstGeom>
+          <a:noFill/>
+        </p:spPr>
+        <p:txBody>
+          <a:bodyPr wrap="square" rtlCol="0">
+            <a:spAutoFit/>
+          </a:bodyPr>
+          <a:lstStyle/>
+          <a:p>
+            <a:r>
+              <a:rPr lang="pt-PT" sz="2800" dirty="0" smtClean="0"/>
+              <a:t>Reject</a:t>
+            </a:r>
+            <a:endParaRPr lang="pt-PT" sz="2800" dirty="0"/>
+          </a:p>
+        </p:txBody>
+      </p:sp>
+      <mc:AlternateContent xmlns:mc="http://schemas.openxmlformats.org/markup-compatibility/2006">
+        <mc:Choice xmlns:a14="http://schemas.microsoft.com/office/drawing/2010/main" Requires="a14">
+          <p:sp>
+            <p:nvSpPr>
+              <p:cNvPr id="24" name="TextBox 23"/>
+              <p:cNvSpPr txBox="1"/>
+              <p:nvPr/>
+            </p:nvSpPr>
+            <p:spPr>
+              <a:xfrm>
+                <a:off x="0" y="4517737"/>
+                <a:ext cx="2070258" cy="898964"/>
+              </a:xfrm>
+              <a:prstGeom prst="rect">
+                <a:avLst/>
+              </a:prstGeom>
+              <a:noFill/>
+            </p:spPr>
+            <p:txBody>
+              <a:bodyPr wrap="square" rtlCol="0">
+                <a:spAutoFit/>
+              </a:bodyPr>
+              <a:lstStyle/>
+              <a:p>
+                <a14:m>
+                  <m:oMathPara xmlns:m="http://schemas.openxmlformats.org/officeDocument/2006/math">
+                    <m:oMathParaPr>
+                      <m:jc m:val="centerGroup"/>
+                    </m:oMathParaPr>
+                    <m:oMath xmlns:m="http://schemas.openxmlformats.org/officeDocument/2006/math">
+                      <m:r>
+                        <a:rPr lang="pt-PT" sz="2800" b="0" i="1" smtClean="0">
+                          <a:latin typeface="Cambria Math"/>
+                        </a:rPr>
+                        <m:t>(</m:t>
+                      </m:r>
+                      <m:f>
+                        <m:fPr>
+                          <m:ctrlPr>
+                            <a:rPr lang="pt-PT" sz="2800" b="0" i="1" smtClean="0">
+                              <a:latin typeface="Cambria Math"/>
+                            </a:rPr>
+                          </m:ctrlPr>
+                        </m:fPr>
+                        <m:num>
+                          <m:r>
+                            <a:rPr lang="pt-PT" sz="2800" b="0" i="1" smtClean="0">
+                              <a:latin typeface="Cambria Math"/>
+                            </a:rPr>
+                            <m:t>100</m:t>
+                          </m:r>
+                        </m:num>
+                        <m:den>
+                          <m:r>
+                            <a:rPr lang="pt-PT" sz="2800" b="0" i="1" smtClean="0">
+                              <a:latin typeface="Cambria Math"/>
+                            </a:rPr>
+                            <m:t>2</m:t>
+                          </m:r>
+                        </m:den>
+                      </m:f>
+                      <m:r>
+                        <a:rPr lang="pt-PT" sz="2800" b="0" i="1" smtClean="0">
+                          <a:latin typeface="Cambria Math"/>
+                        </a:rPr>
+                        <m:t>,</m:t>
+                      </m:r>
+                      <m:f>
+                        <m:fPr>
+                          <m:ctrlPr>
+                            <a:rPr lang="pt-PT" sz="2800" b="0" i="1" smtClean="0">
+                              <a:latin typeface="Cambria Math"/>
+                            </a:rPr>
+                          </m:ctrlPr>
+                        </m:fPr>
+                        <m:num>
+                          <m:r>
+                            <a:rPr lang="pt-PT" sz="2800" i="1">
+                              <a:latin typeface="Cambria Math"/>
+                            </a:rPr>
+                            <m:t>100</m:t>
+                          </m:r>
+                        </m:num>
+                        <m:den>
+                          <m:r>
+                            <a:rPr lang="pt-PT" sz="2800" b="0" i="1" smtClean="0">
+                              <a:latin typeface="Cambria Math"/>
+                            </a:rPr>
+                            <m:t>2</m:t>
+                          </m:r>
+                        </m:den>
+                      </m:f>
+                      <m:r>
+                        <a:rPr lang="pt-PT" sz="2800" b="0" i="1" smtClean="0">
+                          <a:latin typeface="Cambria Math"/>
+                        </a:rPr>
+                        <m:t>)</m:t>
+                      </m:r>
+                    </m:oMath>
+                  </m:oMathPara>
+                </a14:m>
+                <a:endParaRPr lang="pt-PT" sz="2800" dirty="0"/>
+              </a:p>
+            </p:txBody>
+          </p:sp>
+        </mc:Choice>
+        <mc:Fallback>
+          <p:sp>
+            <p:nvSpPr>
+              <p:cNvPr id="24" name="TextBox 23"/>
+              <p:cNvSpPr txBox="1">
+                <a:spLocks noRot="1" noChangeAspect="1" noMove="1" noResize="1" noEditPoints="1" noAdjustHandles="1" noChangeArrowheads="1" noChangeShapeType="1" noTextEdit="1"/>
+              </p:cNvSpPr>
+              <p:nvPr/>
+            </p:nvSpPr>
+            <p:spPr>
+              <a:xfrm>
+                <a:off x="0" y="4517737"/>
+                <a:ext cx="2070258" cy="898964"/>
+              </a:xfrm>
+              <a:prstGeom prst="rect">
+                <a:avLst/>
+              </a:prstGeom>
+              <a:blipFill rotWithShape="1">
+                <a:blip r:embed="rId3"/>
+                <a:stretch>
+                  <a:fillRect/>
+                </a:stretch>
+              </a:blipFill>
+            </p:spPr>
+            <p:txBody>
+              <a:bodyPr/>
+              <a:lstStyle/>
+              <a:p>
+                <a:r>
+                  <a:rPr lang="pt-PT">
+                    <a:noFill/>
+                  </a:rPr>
+                  <a:t> </a:t>
+                </a:r>
+              </a:p>
+            </p:txBody>
+          </p:sp>
+        </mc:Fallback>
+      </mc:AlternateContent>
+      <mc:AlternateContent xmlns:mc="http://schemas.openxmlformats.org/markup-compatibility/2006">
+        <mc:Choice xmlns:a14="http://schemas.microsoft.com/office/drawing/2010/main" Requires="a14">
+          <p:sp>
+            <p:nvSpPr>
+              <p:cNvPr id="25" name="TextBox 24"/>
+              <p:cNvSpPr txBox="1"/>
+              <p:nvPr/>
+            </p:nvSpPr>
+            <p:spPr>
+              <a:xfrm>
+                <a:off x="2720816" y="4705609"/>
+                <a:ext cx="2070258" cy="523220"/>
+              </a:xfrm>
+              <a:prstGeom prst="rect">
+                <a:avLst/>
+              </a:prstGeom>
+              <a:noFill/>
+            </p:spPr>
+            <p:txBody>
+              <a:bodyPr wrap="square" rtlCol="0">
+                <a:spAutoFit/>
+              </a:bodyPr>
+              <a:lstStyle/>
+              <a:p>
+                <a14:m>
+                  <m:oMathPara xmlns:m="http://schemas.openxmlformats.org/officeDocument/2006/math">
+                    <m:oMathParaPr>
+                      <m:jc m:val="centerGroup"/>
+                    </m:oMathParaPr>
+                    <m:oMath xmlns:m="http://schemas.openxmlformats.org/officeDocument/2006/math">
+                      <m:r>
+                        <a:rPr lang="pt-PT" sz="2800" b="0" i="1" smtClean="0">
+                          <a:latin typeface="Cambria Math"/>
+                        </a:rPr>
+                        <m:t>(0,0)</m:t>
+                      </m:r>
+                    </m:oMath>
+                  </m:oMathPara>
+                </a14:m>
+                <a:endParaRPr lang="pt-PT" sz="2800" dirty="0"/>
+              </a:p>
+            </p:txBody>
+          </p:sp>
+        </mc:Choice>
+        <mc:Fallback>
+          <p:sp>
+            <p:nvSpPr>
+              <p:cNvPr id="25" name="TextBox 24"/>
+              <p:cNvSpPr txBox="1">
+                <a:spLocks noRot="1" noChangeAspect="1" noMove="1" noResize="1" noEditPoints="1" noAdjustHandles="1" noChangeArrowheads="1" noChangeShapeType="1" noTextEdit="1"/>
+              </p:cNvSpPr>
+              <p:nvPr/>
+            </p:nvSpPr>
+            <p:spPr>
+              <a:xfrm>
+                <a:off x="2720816" y="4705609"/>
+                <a:ext cx="2070258" cy="523220"/>
+              </a:xfrm>
+              <a:prstGeom prst="rect">
+                <a:avLst/>
+              </a:prstGeom>
+              <a:blipFill rotWithShape="1">
+                <a:blip r:embed="rId4"/>
+                <a:stretch>
+                  <a:fillRect/>
+                </a:stretch>
+              </a:blipFill>
+            </p:spPr>
+            <p:txBody>
+              <a:bodyPr/>
+              <a:lstStyle/>
+              <a:p>
+                <a:r>
+                  <a:rPr lang="pt-PT">
+                    <a:noFill/>
+                  </a:rPr>
+                  <a:t> </a:t>
+                </a:r>
+              </a:p>
+            </p:txBody>
+          </p:sp>
+        </mc:Fallback>
+      </mc:AlternateContent>
+      <mc:AlternateContent xmlns:mc="http://schemas.openxmlformats.org/markup-compatibility/2006">
+        <mc:Choice xmlns:a14="http://schemas.microsoft.com/office/drawing/2010/main" Requires="a14">
+          <p:sp>
+            <p:nvSpPr>
+              <p:cNvPr id="26" name="TextBox 25"/>
+              <p:cNvSpPr txBox="1"/>
+              <p:nvPr/>
+            </p:nvSpPr>
+            <p:spPr>
+              <a:xfrm>
+                <a:off x="7505700" y="4596399"/>
+                <a:ext cx="2070258" cy="523220"/>
+              </a:xfrm>
+              <a:prstGeom prst="rect">
+                <a:avLst/>
+              </a:prstGeom>
+              <a:noFill/>
+            </p:spPr>
+            <p:txBody>
+              <a:bodyPr wrap="square" rtlCol="0">
+                <a:spAutoFit/>
+              </a:bodyPr>
+              <a:lstStyle/>
+              <a:p>
+                <a14:m>
+                  <m:oMathPara xmlns:m="http://schemas.openxmlformats.org/officeDocument/2006/math">
+                    <m:oMathParaPr>
+                      <m:jc m:val="centerGroup"/>
+                    </m:oMathParaPr>
+                    <m:oMath xmlns:m="http://schemas.openxmlformats.org/officeDocument/2006/math">
+                      <m:r>
+                        <a:rPr lang="pt-PT" sz="2800" b="0" i="1" smtClean="0">
+                          <a:latin typeface="Cambria Math"/>
+                        </a:rPr>
+                        <m:t>(0,0)</m:t>
+                      </m:r>
+                    </m:oMath>
+                  </m:oMathPara>
+                </a14:m>
+                <a:endParaRPr lang="pt-PT" sz="2800" dirty="0"/>
+              </a:p>
+            </p:txBody>
+          </p:sp>
+        </mc:Choice>
+        <mc:Fallback>
+          <p:sp>
+            <p:nvSpPr>
+              <p:cNvPr id="26" name="TextBox 25"/>
+              <p:cNvSpPr txBox="1">
+                <a:spLocks noRot="1" noChangeAspect="1" noMove="1" noResize="1" noEditPoints="1" noAdjustHandles="1" noChangeArrowheads="1" noChangeShapeType="1" noTextEdit="1"/>
+              </p:cNvSpPr>
+              <p:nvPr/>
+            </p:nvSpPr>
+            <p:spPr>
+              <a:xfrm>
+                <a:off x="7505700" y="4596399"/>
+                <a:ext cx="2070258" cy="523220"/>
+              </a:xfrm>
+              <a:prstGeom prst="rect">
+                <a:avLst/>
+              </a:prstGeom>
+              <a:blipFill rotWithShape="1">
+                <a:blip r:embed="rId5"/>
+                <a:stretch>
+                  <a:fillRect/>
+                </a:stretch>
+              </a:blipFill>
+            </p:spPr>
+            <p:txBody>
+              <a:bodyPr/>
+              <a:lstStyle/>
+              <a:p>
+                <a:r>
+                  <a:rPr lang="pt-PT">
+                    <a:noFill/>
+                  </a:rPr>
+                  <a:t> </a:t>
+                </a:r>
+              </a:p>
+            </p:txBody>
+          </p:sp>
+        </mc:Fallback>
+      </mc:AlternateContent>
+      <mc:AlternateContent xmlns:mc="http://schemas.openxmlformats.org/markup-compatibility/2006">
+        <mc:Choice xmlns:a14="http://schemas.microsoft.com/office/drawing/2010/main" Requires="a14">
+          <p:sp>
+            <p:nvSpPr>
+              <p:cNvPr id="27" name="TextBox 26"/>
+              <p:cNvSpPr txBox="1"/>
+              <p:nvPr/>
+            </p:nvSpPr>
+            <p:spPr>
+              <a:xfrm>
+                <a:off x="4752022" y="4596399"/>
+                <a:ext cx="2070258" cy="523220"/>
+              </a:xfrm>
+              <a:prstGeom prst="rect">
+                <a:avLst/>
+              </a:prstGeom>
+              <a:noFill/>
+            </p:spPr>
+            <p:txBody>
+              <a:bodyPr wrap="square" rtlCol="0">
+                <a:spAutoFit/>
+              </a:bodyPr>
+              <a:lstStyle/>
+              <a:p>
+                <a14:m>
+                  <m:oMathPara xmlns:m="http://schemas.openxmlformats.org/officeDocument/2006/math">
+                    <m:oMathParaPr>
+                      <m:jc m:val="centerGroup"/>
+                    </m:oMathParaPr>
+                    <m:oMath xmlns:m="http://schemas.openxmlformats.org/officeDocument/2006/math">
+                      <m:r>
+                        <a:rPr lang="pt-PT" sz="2800" b="0" i="1" smtClean="0">
+                          <a:latin typeface="Cambria Math"/>
+                        </a:rPr>
+                        <m:t>(</m:t>
+                      </m:r>
+                      <m:r>
+                        <a:rPr lang="pt-PT" sz="2800" b="0" i="1" smtClean="0">
+                          <a:latin typeface="Cambria Math"/>
+                        </a:rPr>
+                        <m:t>𝜃</m:t>
+                      </m:r>
+                      <m:r>
+                        <a:rPr lang="pt-PT" sz="2800" b="0" i="1" smtClean="0">
+                          <a:latin typeface="Cambria Math"/>
+                        </a:rPr>
+                        <m:t>,100−</m:t>
+                      </m:r>
+                      <m:r>
+                        <a:rPr lang="pt-PT" sz="2800" b="0" i="1" smtClean="0">
+                          <a:latin typeface="Cambria Math"/>
+                        </a:rPr>
+                        <m:t>𝜃</m:t>
+                      </m:r>
+                      <m:r>
+                        <a:rPr lang="pt-PT" sz="2800" b="0" i="1" smtClean="0">
+                          <a:latin typeface="Cambria Math"/>
+                        </a:rPr>
+                        <m:t>)</m:t>
+                      </m:r>
+                    </m:oMath>
+                  </m:oMathPara>
+                </a14:m>
+                <a:endParaRPr lang="pt-PT" sz="2800" dirty="0"/>
+              </a:p>
+            </p:txBody>
+          </p:sp>
+        </mc:Choice>
+        <mc:Fallback>
+          <p:sp>
+            <p:nvSpPr>
+              <p:cNvPr id="27" name="TextBox 26"/>
+              <p:cNvSpPr txBox="1">
+                <a:spLocks noRot="1" noChangeAspect="1" noMove="1" noResize="1" noEditPoints="1" noAdjustHandles="1" noChangeArrowheads="1" noChangeShapeType="1" noTextEdit="1"/>
+              </p:cNvSpPr>
+              <p:nvPr/>
+            </p:nvSpPr>
+            <p:spPr>
+              <a:xfrm>
+                <a:off x="4752022" y="4596399"/>
+                <a:ext cx="2070258" cy="523220"/>
+              </a:xfrm>
+              <a:prstGeom prst="rect">
+                <a:avLst/>
+              </a:prstGeom>
+              <a:blipFill rotWithShape="1">
+                <a:blip r:embed="rId6"/>
+                <a:stretch>
+                  <a:fillRect/>
+                </a:stretch>
+              </a:blipFill>
+            </p:spPr>
+            <p:txBody>
+              <a:bodyPr/>
+              <a:lstStyle/>
+              <a:p>
+                <a:r>
+                  <a:rPr lang="pt-PT">
+                    <a:noFill/>
+                  </a:rPr>
+                  <a:t> </a:t>
+                </a:r>
+              </a:p>
+            </p:txBody>
+          </p:sp>
+        </mc:Fallback>
+      </mc:AlternateContent>
+    </p:spTree>
+    <p:extLst>
+      <p:ext uri="{BB962C8B-B14F-4D97-AF65-F5344CB8AC3E}">
+        <p14:creationId xmlns:p14="http://schemas.microsoft.com/office/powerpoint/2010/main" val="3643809300"/>
       </p:ext>
     </p:extLst>
   </p:cSld>

--- a/esquema.pptx
+++ b/esquema.pptx
@@ -13,6 +13,7 @@
     <p:sldId id="261" r:id="rId7"/>
     <p:sldId id="262" r:id="rId8"/>
     <p:sldId id="263" r:id="rId9"/>
+    <p:sldId id="264" r:id="rId10"/>
   </p:sldIdLst>
   <p:sldSz cx="9144000" cy="6858000" type="screen4x3"/>
   <p:notesSz cx="6858000" cy="9144000"/>
@@ -295,7 +296,7 @@
           <a:p>
             <a:fld id="{190083D6-91F4-43DC-AEC4-C280F2D89C3D}" type="datetimeFigureOut">
               <a:rPr lang="pt-PT" smtClean="0"/>
-              <a:t>08-10-2013</a:t>
+              <a:t>09-10-2013</a:t>
             </a:fld>
             <a:endParaRPr lang="pt-PT"/>
           </a:p>
@@ -465,7 +466,7 @@
           <a:p>
             <a:fld id="{190083D6-91F4-43DC-AEC4-C280F2D89C3D}" type="datetimeFigureOut">
               <a:rPr lang="pt-PT" smtClean="0"/>
-              <a:t>08-10-2013</a:t>
+              <a:t>09-10-2013</a:t>
             </a:fld>
             <a:endParaRPr lang="pt-PT"/>
           </a:p>
@@ -645,7 +646,7 @@
           <a:p>
             <a:fld id="{190083D6-91F4-43DC-AEC4-C280F2D89C3D}" type="datetimeFigureOut">
               <a:rPr lang="pt-PT" smtClean="0"/>
-              <a:t>08-10-2013</a:t>
+              <a:t>09-10-2013</a:t>
             </a:fld>
             <a:endParaRPr lang="pt-PT"/>
           </a:p>
@@ -815,7 +816,7 @@
           <a:p>
             <a:fld id="{190083D6-91F4-43DC-AEC4-C280F2D89C3D}" type="datetimeFigureOut">
               <a:rPr lang="pt-PT" smtClean="0"/>
-              <a:t>08-10-2013</a:t>
+              <a:t>09-10-2013</a:t>
             </a:fld>
             <a:endParaRPr lang="pt-PT"/>
           </a:p>
@@ -1061,7 +1062,7 @@
           <a:p>
             <a:fld id="{190083D6-91F4-43DC-AEC4-C280F2D89C3D}" type="datetimeFigureOut">
               <a:rPr lang="pt-PT" smtClean="0"/>
-              <a:t>08-10-2013</a:t>
+              <a:t>09-10-2013</a:t>
             </a:fld>
             <a:endParaRPr lang="pt-PT"/>
           </a:p>
@@ -1349,7 +1350,7 @@
           <a:p>
             <a:fld id="{190083D6-91F4-43DC-AEC4-C280F2D89C3D}" type="datetimeFigureOut">
               <a:rPr lang="pt-PT" smtClean="0"/>
-              <a:t>08-10-2013</a:t>
+              <a:t>09-10-2013</a:t>
             </a:fld>
             <a:endParaRPr lang="pt-PT"/>
           </a:p>
@@ -1771,7 +1772,7 @@
           <a:p>
             <a:fld id="{190083D6-91F4-43DC-AEC4-C280F2D89C3D}" type="datetimeFigureOut">
               <a:rPr lang="pt-PT" smtClean="0"/>
-              <a:t>08-10-2013</a:t>
+              <a:t>09-10-2013</a:t>
             </a:fld>
             <a:endParaRPr lang="pt-PT"/>
           </a:p>
@@ -1889,7 +1890,7 @@
           <a:p>
             <a:fld id="{190083D6-91F4-43DC-AEC4-C280F2D89C3D}" type="datetimeFigureOut">
               <a:rPr lang="pt-PT" smtClean="0"/>
-              <a:t>08-10-2013</a:t>
+              <a:t>09-10-2013</a:t>
             </a:fld>
             <a:endParaRPr lang="pt-PT"/>
           </a:p>
@@ -1984,7 +1985,7 @@
           <a:p>
             <a:fld id="{190083D6-91F4-43DC-AEC4-C280F2D89C3D}" type="datetimeFigureOut">
               <a:rPr lang="pt-PT" smtClean="0"/>
-              <a:t>08-10-2013</a:t>
+              <a:t>09-10-2013</a:t>
             </a:fld>
             <a:endParaRPr lang="pt-PT"/>
           </a:p>
@@ -2261,7 +2262,7 @@
           <a:p>
             <a:fld id="{190083D6-91F4-43DC-AEC4-C280F2D89C3D}" type="datetimeFigureOut">
               <a:rPr lang="pt-PT" smtClean="0"/>
-              <a:t>08-10-2013</a:t>
+              <a:t>09-10-2013</a:t>
             </a:fld>
             <a:endParaRPr lang="pt-PT"/>
           </a:p>
@@ -2514,7 +2515,7 @@
           <a:p>
             <a:fld id="{190083D6-91F4-43DC-AEC4-C280F2D89C3D}" type="datetimeFigureOut">
               <a:rPr lang="pt-PT" smtClean="0"/>
-              <a:t>08-10-2013</a:t>
+              <a:t>09-10-2013</a:t>
             </a:fld>
             <a:endParaRPr lang="pt-PT"/>
           </a:p>
@@ -2727,7 +2728,7 @@
           <a:p>
             <a:fld id="{190083D6-91F4-43DC-AEC4-C280F2D89C3D}" type="datetimeFigureOut">
               <a:rPr lang="pt-PT" smtClean="0"/>
-              <a:t>08-10-2013</a:t>
+              <a:t>09-10-2013</a:t>
             </a:fld>
             <a:endParaRPr lang="pt-PT"/>
           </a:p>
@@ -19714,8 +19715,8 @@
           </a:p>
         </p:txBody>
       </p:sp>
-      <mc:AlternateContent xmlns:mc="http://schemas.openxmlformats.org/markup-compatibility/2006">
-        <mc:Choice xmlns:a14="http://schemas.microsoft.com/office/drawing/2010/main" Requires="a14">
+      <mc:AlternateContent xmlns:mc="http://schemas.openxmlformats.org/markup-compatibility/2006" xmlns:a14="http://schemas.microsoft.com/office/drawing/2010/main">
+        <mc:Choice Requires="a14">
           <p:sp>
             <p:nvSpPr>
               <p:cNvPr id="12" name="TextBox 11"/>
@@ -19767,7 +19768,7 @@
             </p:txBody>
           </p:sp>
         </mc:Choice>
-        <mc:Fallback>
+        <mc:Fallback xmlns="">
           <p:sp>
             <p:nvSpPr>
               <p:cNvPr id="12" name="TextBox 11"/>
@@ -20076,8 +20077,8 @@
           </a:p>
         </p:txBody>
       </p:sp>
-      <mc:AlternateContent xmlns:mc="http://schemas.openxmlformats.org/markup-compatibility/2006">
-        <mc:Choice xmlns:a14="http://schemas.microsoft.com/office/drawing/2010/main" Requires="a14">
+      <mc:AlternateContent xmlns:mc="http://schemas.openxmlformats.org/markup-compatibility/2006" xmlns:a14="http://schemas.microsoft.com/office/drawing/2010/main">
+        <mc:Choice Requires="a14">
           <p:sp>
             <p:nvSpPr>
               <p:cNvPr id="24" name="TextBox 23"/>
@@ -20100,6 +20101,7 @@
               </a:bodyPr>
               <a:lstStyle/>
               <a:p>
+                <a:pPr/>
                 <a14:m>
                   <m:oMathPara xmlns:m="http://schemas.openxmlformats.org/officeDocument/2006/math">
                     <m:oMathParaPr>
@@ -20182,7 +20184,7 @@
             </p:txBody>
           </p:sp>
         </mc:Choice>
-        <mc:Fallback>
+        <mc:Fallback xmlns="">
           <p:sp>
             <p:nvSpPr>
               <p:cNvPr id="24" name="TextBox 23"/>
@@ -20221,8 +20223,8 @@
           </p:sp>
         </mc:Fallback>
       </mc:AlternateContent>
-      <mc:AlternateContent xmlns:mc="http://schemas.openxmlformats.org/markup-compatibility/2006">
-        <mc:Choice xmlns:a14="http://schemas.microsoft.com/office/drawing/2010/main" Requires="a14">
+      <mc:AlternateContent xmlns:mc="http://schemas.openxmlformats.org/markup-compatibility/2006" xmlns:a14="http://schemas.microsoft.com/office/drawing/2010/main">
+        <mc:Choice Requires="a14">
           <p:sp>
             <p:nvSpPr>
               <p:cNvPr id="25" name="TextBox 24"/>
@@ -20245,6 +20247,7 @@
               </a:bodyPr>
               <a:lstStyle/>
               <a:p>
+                <a:pPr/>
                 <a14:m>
                   <m:oMathPara xmlns:m="http://schemas.openxmlformats.org/officeDocument/2006/math">
                     <m:oMathParaPr>
@@ -20265,7 +20268,7 @@
             </p:txBody>
           </p:sp>
         </mc:Choice>
-        <mc:Fallback>
+        <mc:Fallback xmlns="">
           <p:sp>
             <p:nvSpPr>
               <p:cNvPr id="25" name="TextBox 24"/>
@@ -20304,8 +20307,8 @@
           </p:sp>
         </mc:Fallback>
       </mc:AlternateContent>
-      <mc:AlternateContent xmlns:mc="http://schemas.openxmlformats.org/markup-compatibility/2006">
-        <mc:Choice xmlns:a14="http://schemas.microsoft.com/office/drawing/2010/main" Requires="a14">
+      <mc:AlternateContent xmlns:mc="http://schemas.openxmlformats.org/markup-compatibility/2006" xmlns:a14="http://schemas.microsoft.com/office/drawing/2010/main">
+        <mc:Choice Requires="a14">
           <p:sp>
             <p:nvSpPr>
               <p:cNvPr id="26" name="TextBox 25"/>
@@ -20328,6 +20331,7 @@
               </a:bodyPr>
               <a:lstStyle/>
               <a:p>
+                <a:pPr/>
                 <a14:m>
                   <m:oMathPara xmlns:m="http://schemas.openxmlformats.org/officeDocument/2006/math">
                     <m:oMathParaPr>
@@ -20348,7 +20352,7 @@
             </p:txBody>
           </p:sp>
         </mc:Choice>
-        <mc:Fallback>
+        <mc:Fallback xmlns="">
           <p:sp>
             <p:nvSpPr>
               <p:cNvPr id="26" name="TextBox 25"/>
@@ -20387,8 +20391,8 @@
           </p:sp>
         </mc:Fallback>
       </mc:AlternateContent>
-      <mc:AlternateContent xmlns:mc="http://schemas.openxmlformats.org/markup-compatibility/2006">
-        <mc:Choice xmlns:a14="http://schemas.microsoft.com/office/drawing/2010/main" Requires="a14">
+      <mc:AlternateContent xmlns:mc="http://schemas.openxmlformats.org/markup-compatibility/2006" xmlns:a14="http://schemas.microsoft.com/office/drawing/2010/main">
+        <mc:Choice Requires="a14">
           <p:sp>
             <p:nvSpPr>
               <p:cNvPr id="27" name="TextBox 26"/>
@@ -20411,6 +20415,7 @@
               </a:bodyPr>
               <a:lstStyle/>
               <a:p>
+                <a:pPr/>
                 <a14:m>
                   <m:oMathPara xmlns:m="http://schemas.openxmlformats.org/officeDocument/2006/math">
                     <m:oMathParaPr>
@@ -20455,7 +20460,7 @@
             </p:txBody>
           </p:sp>
         </mc:Choice>
-        <mc:Fallback>
+        <mc:Fallback xmlns="">
           <p:sp>
             <p:nvSpPr>
               <p:cNvPr id="27" name="TextBox 26"/>
@@ -20498,6 +20503,2253 @@
     <p:extLst>
       <p:ext uri="{BB962C8B-B14F-4D97-AF65-F5344CB8AC3E}">
         <p14:creationId xmlns:p14="http://schemas.microsoft.com/office/powerpoint/2010/main" val="3643809300"/>
+      </p:ext>
+    </p:extLst>
+  </p:cSld>
+  <p:clrMapOvr>
+    <a:masterClrMapping/>
+  </p:clrMapOvr>
+</p:sld>
+</file>
+
+<file path=ppt/slides/slide9.xml><?xml version="1.0" encoding="utf-8"?>
+<p:sld xmlns:a="http://schemas.openxmlformats.org/drawingml/2006/main" xmlns:r="http://schemas.openxmlformats.org/officeDocument/2006/relationships" xmlns:p="http://schemas.openxmlformats.org/presentationml/2006/main">
+  <p:cSld>
+    <p:spTree>
+      <p:nvGrpSpPr>
+        <p:cNvPr id="1" name=""/>
+        <p:cNvGrpSpPr/>
+        <p:nvPr/>
+      </p:nvGrpSpPr>
+      <p:grpSpPr>
+        <a:xfrm>
+          <a:off x="0" y="0"/>
+          <a:ext cx="0" cy="0"/>
+          <a:chOff x="0" y="0"/>
+          <a:chExt cx="0" cy="0"/>
+        </a:xfrm>
+      </p:grpSpPr>
+      <mc:AlternateContent xmlns:mc="http://schemas.openxmlformats.org/markup-compatibility/2006">
+        <mc:Choice xmlns:a14="http://schemas.microsoft.com/office/drawing/2010/main" Requires="a14">
+          <p:sp>
+            <p:nvSpPr>
+              <p:cNvPr id="3" name="Rectangle 2"/>
+              <p:cNvSpPr/>
+              <p:nvPr/>
+            </p:nvSpPr>
+            <p:spPr>
+              <a:xfrm>
+                <a:off x="0" y="0"/>
+                <a:ext cx="1742785" cy="1323439"/>
+              </a:xfrm>
+              <a:prstGeom prst="rect">
+                <a:avLst/>
+              </a:prstGeom>
+            </p:spPr>
+            <p:txBody>
+              <a:bodyPr wrap="none">
+                <a:spAutoFit/>
+              </a:bodyPr>
+              <a:lstStyle/>
+              <a:p>
+                <a:pPr/>
+                <a14:m>
+                  <m:oMathPara xmlns:m="http://schemas.openxmlformats.org/officeDocument/2006/math">
+                    <m:oMathParaPr>
+                      <m:jc m:val="centerGroup"/>
+                    </m:oMathParaPr>
+                    <m:oMath xmlns:m="http://schemas.openxmlformats.org/officeDocument/2006/math">
+                      <m:d>
+                        <m:dPr>
+                          <m:begChr m:val=""/>
+                          <m:endChr m:val="⟩"/>
+                          <m:ctrlPr>
+                            <a:rPr lang="pt-PT" sz="4000" i="1" smtClean="0">
+                              <a:latin typeface="Cambria Math"/>
+                            </a:rPr>
+                          </m:ctrlPr>
+                        </m:dPr>
+                        <m:e>
+                          <m:d>
+                            <m:dPr>
+                              <m:begChr m:val="|"/>
+                              <m:endChr m:val=""/>
+                              <m:ctrlPr>
+                                <a:rPr lang="pt-PT" sz="4000" i="1">
+                                  <a:latin typeface="Cambria Math"/>
+                                </a:rPr>
+                              </m:ctrlPr>
+                            </m:dPr>
+                            <m:e>
+                              <m:sSub>
+                                <m:sSubPr>
+                                  <m:ctrlPr>
+                                    <a:rPr lang="pt-PT" sz="4000" i="1">
+                                      <a:latin typeface="Cambria Math"/>
+                                    </a:rPr>
+                                  </m:ctrlPr>
+                                </m:sSubPr>
+                                <m:e>
+                                  <m:r>
+                                    <a:rPr lang="pt-PT" sz="4000" i="1">
+                                      <a:latin typeface="Cambria Math"/>
+                                    </a:rPr>
+                                    <m:t>𝜑</m:t>
+                                  </m:r>
+                                </m:e>
+                                <m:sub>
+                                  <m:r>
+                                    <a:rPr lang="pt-PT" sz="4000" i="1">
+                                      <a:latin typeface="Cambria Math"/>
+                                    </a:rPr>
+                                    <m:t>1</m:t>
+                                  </m:r>
+                                </m:sub>
+                              </m:sSub>
+                            </m:e>
+                          </m:d>
+                        </m:e>
+                      </m:d>
+                      <m:r>
+                        <a:rPr lang="pt-PT" sz="4000" b="0" i="1" smtClean="0">
+                          <a:latin typeface="Cambria Math"/>
+                        </a:rPr>
+                        <m:t>=</m:t>
+                      </m:r>
+                    </m:oMath>
+                  </m:oMathPara>
+                </a14:m>
+                <a:endParaRPr lang="pt-PT" sz="4000" b="0" i="1" dirty="0" smtClean="0">
+                  <a:latin typeface="Cambria Math"/>
+                </a:endParaRPr>
+              </a:p>
+              <a:p>
+                <a:pPr/>
+                <a14:m>
+                  <m:oMathPara xmlns:m="http://schemas.openxmlformats.org/officeDocument/2006/math">
+                    <m:oMathParaPr>
+                      <m:jc m:val="centerGroup"/>
+                    </m:oMathParaPr>
+                    <m:oMath xmlns:m="http://schemas.openxmlformats.org/officeDocument/2006/math">
+                      <m:r>
+                        <a:rPr lang="pt-PT" sz="4000" b="0" i="1" smtClean="0">
+                          <a:latin typeface="Cambria Math"/>
+                        </a:rPr>
+                        <m:t>|</m:t>
+                      </m:r>
+                      <m:r>
+                        <a:rPr lang="pt-PT" sz="4000" b="0" i="1" smtClean="0">
+                          <a:latin typeface="Cambria Math"/>
+                        </a:rPr>
+                        <m:t>𝐶</m:t>
+                      </m:r>
+                      <m:r>
+                        <a:rPr lang="pt-PT" sz="4000" b="0" i="1" smtClean="0">
+                          <a:latin typeface="Cambria Math"/>
+                        </a:rPr>
+                        <m:t>〉</m:t>
+                      </m:r>
+                    </m:oMath>
+                  </m:oMathPara>
+                </a14:m>
+                <a:endParaRPr lang="pt-PT" sz="4000" dirty="0"/>
+              </a:p>
+            </p:txBody>
+          </p:sp>
+        </mc:Choice>
+        <mc:Fallback>
+          <p:sp>
+            <p:nvSpPr>
+              <p:cNvPr id="3" name="Rectangle 2"/>
+              <p:cNvSpPr>
+                <a:spLocks noRot="1" noChangeAspect="1" noMove="1" noResize="1" noEditPoints="1" noAdjustHandles="1" noChangeArrowheads="1" noChangeShapeType="1" noTextEdit="1"/>
+              </p:cNvSpPr>
+              <p:nvPr/>
+            </p:nvSpPr>
+            <p:spPr>
+              <a:xfrm>
+                <a:off x="0" y="0"/>
+                <a:ext cx="1742785" cy="1323439"/>
+              </a:xfrm>
+              <a:prstGeom prst="rect">
+                <a:avLst/>
+              </a:prstGeom>
+              <a:blipFill rotWithShape="1">
+                <a:blip r:embed="rId2"/>
+                <a:stretch>
+                  <a:fillRect/>
+                </a:stretch>
+              </a:blipFill>
+            </p:spPr>
+            <p:txBody>
+              <a:bodyPr/>
+              <a:lstStyle/>
+              <a:p>
+                <a:r>
+                  <a:rPr lang="pt-PT">
+                    <a:noFill/>
+                  </a:rPr>
+                  <a:t> </a:t>
+                </a:r>
+              </a:p>
+            </p:txBody>
+          </p:sp>
+        </mc:Fallback>
+      </mc:AlternateContent>
+      <mc:AlternateContent xmlns:mc="http://schemas.openxmlformats.org/markup-compatibility/2006">
+        <mc:Choice xmlns:a14="http://schemas.microsoft.com/office/drawing/2010/main" Requires="a14">
+          <p:sp>
+            <p:nvSpPr>
+              <p:cNvPr id="4" name="Rectangle 3"/>
+              <p:cNvSpPr/>
+              <p:nvPr/>
+            </p:nvSpPr>
+            <p:spPr>
+              <a:xfrm>
+                <a:off x="-84173" y="2874020"/>
+                <a:ext cx="1754648" cy="1323439"/>
+              </a:xfrm>
+              <a:prstGeom prst="rect">
+                <a:avLst/>
+              </a:prstGeom>
+            </p:spPr>
+            <p:txBody>
+              <a:bodyPr wrap="none">
+                <a:spAutoFit/>
+              </a:bodyPr>
+              <a:lstStyle/>
+              <a:p>
+                <a:pPr/>
+                <a14:m>
+                  <m:oMathPara xmlns:m="http://schemas.openxmlformats.org/officeDocument/2006/math">
+                    <m:oMathParaPr>
+                      <m:jc m:val="centerGroup"/>
+                    </m:oMathParaPr>
+                    <m:oMath xmlns:m="http://schemas.openxmlformats.org/officeDocument/2006/math">
+                      <m:d>
+                        <m:dPr>
+                          <m:begChr m:val=""/>
+                          <m:endChr m:val="⟩"/>
+                          <m:ctrlPr>
+                            <a:rPr lang="pt-PT" sz="4000" i="1" smtClean="0">
+                              <a:latin typeface="Cambria Math"/>
+                            </a:rPr>
+                          </m:ctrlPr>
+                        </m:dPr>
+                        <m:e>
+                          <m:d>
+                            <m:dPr>
+                              <m:begChr m:val="|"/>
+                              <m:endChr m:val=""/>
+                              <m:ctrlPr>
+                                <a:rPr lang="pt-PT" sz="4000" i="1">
+                                  <a:latin typeface="Cambria Math"/>
+                                </a:rPr>
+                              </m:ctrlPr>
+                            </m:dPr>
+                            <m:e>
+                              <m:sSub>
+                                <m:sSubPr>
+                                  <m:ctrlPr>
+                                    <a:rPr lang="pt-PT" sz="4000" i="1">
+                                      <a:latin typeface="Cambria Math"/>
+                                    </a:rPr>
+                                  </m:ctrlPr>
+                                </m:sSubPr>
+                                <m:e>
+                                  <m:r>
+                                    <a:rPr lang="pt-PT" sz="4000" i="1">
+                                      <a:latin typeface="Cambria Math"/>
+                                    </a:rPr>
+                                    <m:t>𝜑</m:t>
+                                  </m:r>
+                                </m:e>
+                                <m:sub>
+                                  <m:r>
+                                    <a:rPr lang="pt-PT" sz="4000" b="0" i="1" smtClean="0">
+                                      <a:latin typeface="Cambria Math"/>
+                                    </a:rPr>
+                                    <m:t>3</m:t>
+                                  </m:r>
+                                </m:sub>
+                              </m:sSub>
+                            </m:e>
+                          </m:d>
+                        </m:e>
+                      </m:d>
+                      <m:r>
+                        <a:rPr lang="pt-PT" sz="4000" b="0" i="1" smtClean="0">
+                          <a:latin typeface="Cambria Math"/>
+                        </a:rPr>
+                        <m:t>=</m:t>
+                      </m:r>
+                    </m:oMath>
+                  </m:oMathPara>
+                </a14:m>
+                <a:endParaRPr lang="pt-PT" sz="4000" b="0" i="1" dirty="0" smtClean="0">
+                  <a:latin typeface="Cambria Math"/>
+                </a:endParaRPr>
+              </a:p>
+              <a:p>
+                <a:pPr/>
+                <a14:m>
+                  <m:oMathPara xmlns:m="http://schemas.openxmlformats.org/officeDocument/2006/math">
+                    <m:oMathParaPr>
+                      <m:jc m:val="centerGroup"/>
+                    </m:oMathParaPr>
+                    <m:oMath xmlns:m="http://schemas.openxmlformats.org/officeDocument/2006/math">
+                      <m:r>
+                        <a:rPr lang="pt-PT" sz="4000" b="0" i="1" smtClean="0">
+                          <a:latin typeface="Cambria Math"/>
+                        </a:rPr>
+                        <m:t>|</m:t>
+                      </m:r>
+                      <m:r>
+                        <a:rPr lang="pt-PT" sz="4000" b="0" i="1" smtClean="0">
+                          <a:latin typeface="Cambria Math"/>
+                        </a:rPr>
+                        <m:t>𝐶</m:t>
+                      </m:r>
+                      <m:r>
+                        <a:rPr lang="pt-PT" sz="4000" b="0" i="1" smtClean="0">
+                          <a:latin typeface="Cambria Math"/>
+                        </a:rPr>
+                        <m:t>〉</m:t>
+                      </m:r>
+                    </m:oMath>
+                  </m:oMathPara>
+                </a14:m>
+                <a:endParaRPr lang="pt-PT" sz="4000" dirty="0"/>
+              </a:p>
+            </p:txBody>
+          </p:sp>
+        </mc:Choice>
+        <mc:Fallback>
+          <p:sp>
+            <p:nvSpPr>
+              <p:cNvPr id="4" name="Rectangle 3"/>
+              <p:cNvSpPr>
+                <a:spLocks noRot="1" noChangeAspect="1" noMove="1" noResize="1" noEditPoints="1" noAdjustHandles="1" noChangeArrowheads="1" noChangeShapeType="1" noTextEdit="1"/>
+              </p:cNvSpPr>
+              <p:nvPr/>
+            </p:nvSpPr>
+            <p:spPr>
+              <a:xfrm>
+                <a:off x="-84173" y="2874020"/>
+                <a:ext cx="1754648" cy="1323439"/>
+              </a:xfrm>
+              <a:prstGeom prst="rect">
+                <a:avLst/>
+              </a:prstGeom>
+              <a:blipFill rotWithShape="1">
+                <a:blip r:embed="rId3"/>
+                <a:stretch>
+                  <a:fillRect/>
+                </a:stretch>
+              </a:blipFill>
+            </p:spPr>
+            <p:txBody>
+              <a:bodyPr/>
+              <a:lstStyle/>
+              <a:p>
+                <a:r>
+                  <a:rPr lang="pt-PT">
+                    <a:noFill/>
+                  </a:rPr>
+                  <a:t> </a:t>
+                </a:r>
+              </a:p>
+            </p:txBody>
+          </p:sp>
+        </mc:Fallback>
+      </mc:AlternateContent>
+      <mc:AlternateContent xmlns:mc="http://schemas.openxmlformats.org/markup-compatibility/2006">
+        <mc:Choice xmlns:a14="http://schemas.microsoft.com/office/drawing/2010/main" Requires="a14">
+          <p:sp>
+            <p:nvSpPr>
+              <p:cNvPr id="5" name="Rectangle 4"/>
+              <p:cNvSpPr/>
+              <p:nvPr/>
+            </p:nvSpPr>
+            <p:spPr>
+              <a:xfrm>
+                <a:off x="-9185" y="5567958"/>
+                <a:ext cx="1754648" cy="1323439"/>
+              </a:xfrm>
+              <a:prstGeom prst="rect">
+                <a:avLst/>
+              </a:prstGeom>
+            </p:spPr>
+            <p:txBody>
+              <a:bodyPr wrap="none">
+                <a:spAutoFit/>
+              </a:bodyPr>
+              <a:lstStyle/>
+              <a:p>
+                <a:pPr/>
+                <a14:m>
+                  <m:oMathPara xmlns:m="http://schemas.openxmlformats.org/officeDocument/2006/math">
+                    <m:oMathParaPr>
+                      <m:jc m:val="centerGroup"/>
+                    </m:oMathParaPr>
+                    <m:oMath xmlns:m="http://schemas.openxmlformats.org/officeDocument/2006/math">
+                      <m:d>
+                        <m:dPr>
+                          <m:begChr m:val=""/>
+                          <m:endChr m:val="⟩"/>
+                          <m:ctrlPr>
+                            <a:rPr lang="pt-PT" sz="4000" i="1" smtClean="0">
+                              <a:latin typeface="Cambria Math"/>
+                            </a:rPr>
+                          </m:ctrlPr>
+                        </m:dPr>
+                        <m:e>
+                          <m:d>
+                            <m:dPr>
+                              <m:begChr m:val="|"/>
+                              <m:endChr m:val=""/>
+                              <m:ctrlPr>
+                                <a:rPr lang="pt-PT" sz="4000" i="1">
+                                  <a:latin typeface="Cambria Math"/>
+                                </a:rPr>
+                              </m:ctrlPr>
+                            </m:dPr>
+                            <m:e>
+                              <m:sSub>
+                                <m:sSubPr>
+                                  <m:ctrlPr>
+                                    <a:rPr lang="pt-PT" sz="4000" i="1">
+                                      <a:latin typeface="Cambria Math"/>
+                                    </a:rPr>
+                                  </m:ctrlPr>
+                                </m:sSubPr>
+                                <m:e>
+                                  <m:r>
+                                    <a:rPr lang="pt-PT" sz="4000" i="1">
+                                      <a:latin typeface="Cambria Math"/>
+                                    </a:rPr>
+                                    <m:t>𝜑</m:t>
+                                  </m:r>
+                                </m:e>
+                                <m:sub>
+                                  <m:r>
+                                    <a:rPr lang="pt-PT" sz="4000" b="0" i="1" smtClean="0">
+                                      <a:latin typeface="Cambria Math"/>
+                                    </a:rPr>
+                                    <m:t>5</m:t>
+                                  </m:r>
+                                </m:sub>
+                              </m:sSub>
+                            </m:e>
+                          </m:d>
+                        </m:e>
+                      </m:d>
+                      <m:r>
+                        <a:rPr lang="pt-PT" sz="4000" b="0" i="1" smtClean="0">
+                          <a:latin typeface="Cambria Math"/>
+                        </a:rPr>
+                        <m:t>=</m:t>
+                      </m:r>
+                    </m:oMath>
+                  </m:oMathPara>
+                </a14:m>
+                <a:endParaRPr lang="pt-PT" sz="4000" b="0" i="1" dirty="0" smtClean="0">
+                  <a:latin typeface="Cambria Math"/>
+                </a:endParaRPr>
+              </a:p>
+              <a:p>
+                <a:pPr/>
+                <a14:m>
+                  <m:oMathPara xmlns:m="http://schemas.openxmlformats.org/officeDocument/2006/math">
+                    <m:oMathParaPr>
+                      <m:jc m:val="centerGroup"/>
+                    </m:oMathParaPr>
+                    <m:oMath xmlns:m="http://schemas.openxmlformats.org/officeDocument/2006/math">
+                      <m:r>
+                        <a:rPr lang="pt-PT" sz="4000" b="0" i="1" smtClean="0">
+                          <a:latin typeface="Cambria Math"/>
+                        </a:rPr>
+                        <m:t>|</m:t>
+                      </m:r>
+                      <m:r>
+                        <a:rPr lang="pt-PT" sz="4000" b="0" i="1" smtClean="0">
+                          <a:latin typeface="Cambria Math"/>
+                        </a:rPr>
+                        <m:t>𝐶</m:t>
+                      </m:r>
+                      <m:r>
+                        <a:rPr lang="pt-PT" sz="4000" b="0" i="1" smtClean="0">
+                          <a:latin typeface="Cambria Math"/>
+                        </a:rPr>
+                        <m:t>〉</m:t>
+                      </m:r>
+                    </m:oMath>
+                  </m:oMathPara>
+                </a14:m>
+                <a:endParaRPr lang="pt-PT" sz="4000" dirty="0"/>
+              </a:p>
+            </p:txBody>
+          </p:sp>
+        </mc:Choice>
+        <mc:Fallback>
+          <p:sp>
+            <p:nvSpPr>
+              <p:cNvPr id="5" name="Rectangle 4"/>
+              <p:cNvSpPr>
+                <a:spLocks noRot="1" noChangeAspect="1" noMove="1" noResize="1" noEditPoints="1" noAdjustHandles="1" noChangeArrowheads="1" noChangeShapeType="1" noTextEdit="1"/>
+              </p:cNvSpPr>
+              <p:nvPr/>
+            </p:nvSpPr>
+            <p:spPr>
+              <a:xfrm>
+                <a:off x="-9185" y="5567958"/>
+                <a:ext cx="1754648" cy="1323439"/>
+              </a:xfrm>
+              <a:prstGeom prst="rect">
+                <a:avLst/>
+              </a:prstGeom>
+              <a:blipFill rotWithShape="1">
+                <a:blip r:embed="rId4"/>
+                <a:stretch>
+                  <a:fillRect/>
+                </a:stretch>
+              </a:blipFill>
+            </p:spPr>
+            <p:txBody>
+              <a:bodyPr/>
+              <a:lstStyle/>
+              <a:p>
+                <a:r>
+                  <a:rPr lang="pt-PT">
+                    <a:noFill/>
+                  </a:rPr>
+                  <a:t> </a:t>
+                </a:r>
+              </a:p>
+            </p:txBody>
+          </p:sp>
+        </mc:Fallback>
+      </mc:AlternateContent>
+      <p:cxnSp>
+        <p:nvCxnSpPr>
+          <p:cNvPr id="7" name="Straight Connector 6"/>
+          <p:cNvCxnSpPr/>
+          <p:nvPr/>
+        </p:nvCxnSpPr>
+        <p:spPr>
+          <a:xfrm>
+            <a:off x="1612042" y="811749"/>
+            <a:ext cx="6829691" cy="0"/>
+          </a:xfrm>
+          <a:prstGeom prst="line">
+            <a:avLst/>
+          </a:prstGeom>
+        </p:spPr>
+        <p:style>
+          <a:lnRef idx="3">
+            <a:schemeClr val="dk1"/>
+          </a:lnRef>
+          <a:fillRef idx="0">
+            <a:schemeClr val="dk1"/>
+          </a:fillRef>
+          <a:effectRef idx="2">
+            <a:schemeClr val="dk1"/>
+          </a:effectRef>
+          <a:fontRef idx="minor">
+            <a:schemeClr val="tx1"/>
+          </a:fontRef>
+        </p:style>
+      </p:cxnSp>
+      <p:cxnSp>
+        <p:nvCxnSpPr>
+          <p:cNvPr id="8" name="Straight Connector 7"/>
+          <p:cNvCxnSpPr/>
+          <p:nvPr/>
+        </p:nvCxnSpPr>
+        <p:spPr>
+          <a:xfrm>
+            <a:off x="1612042" y="3227963"/>
+            <a:ext cx="6811868" cy="0"/>
+          </a:xfrm>
+          <a:prstGeom prst="line">
+            <a:avLst/>
+          </a:prstGeom>
+        </p:spPr>
+        <p:style>
+          <a:lnRef idx="3">
+            <a:schemeClr val="dk1"/>
+          </a:lnRef>
+          <a:fillRef idx="0">
+            <a:schemeClr val="dk1"/>
+          </a:fillRef>
+          <a:effectRef idx="2">
+            <a:schemeClr val="dk1"/>
+          </a:effectRef>
+          <a:fontRef idx="minor">
+            <a:schemeClr val="tx1"/>
+          </a:fontRef>
+        </p:style>
+      </p:cxnSp>
+      <p:cxnSp>
+        <p:nvCxnSpPr>
+          <p:cNvPr id="9" name="Straight Connector 8"/>
+          <p:cNvCxnSpPr/>
+          <p:nvPr/>
+        </p:nvCxnSpPr>
+        <p:spPr>
+          <a:xfrm>
+            <a:off x="1692873" y="5921901"/>
+            <a:ext cx="6748860" cy="0"/>
+          </a:xfrm>
+          <a:prstGeom prst="line">
+            <a:avLst/>
+          </a:prstGeom>
+        </p:spPr>
+        <p:style>
+          <a:lnRef idx="3">
+            <a:schemeClr val="dk1"/>
+          </a:lnRef>
+          <a:fillRef idx="0">
+            <a:schemeClr val="dk1"/>
+          </a:fillRef>
+          <a:effectRef idx="2">
+            <a:schemeClr val="dk1"/>
+          </a:effectRef>
+          <a:fontRef idx="minor">
+            <a:schemeClr val="tx1"/>
+          </a:fontRef>
+        </p:style>
+      </p:cxnSp>
+      <mc:AlternateContent xmlns:mc="http://schemas.openxmlformats.org/markup-compatibility/2006">
+        <mc:Choice xmlns:a14="http://schemas.microsoft.com/office/drawing/2010/main" Requires="a14">
+          <p:sp>
+            <p:nvSpPr>
+              <p:cNvPr id="10" name="Rectangle 9"/>
+              <p:cNvSpPr/>
+              <p:nvPr/>
+            </p:nvSpPr>
+            <p:spPr>
+              <a:xfrm>
+                <a:off x="2051685" y="188595"/>
+                <a:ext cx="720090" cy="6480810"/>
+              </a:xfrm>
+              <a:prstGeom prst="rect">
+                <a:avLst/>
+              </a:prstGeom>
+            </p:spPr>
+            <p:style>
+              <a:lnRef idx="2">
+                <a:schemeClr val="dk1"/>
+              </a:lnRef>
+              <a:fillRef idx="1">
+                <a:schemeClr val="lt1"/>
+              </a:fillRef>
+              <a:effectRef idx="0">
+                <a:schemeClr val="dk1"/>
+              </a:effectRef>
+              <a:fontRef idx="minor">
+                <a:schemeClr val="dk1"/>
+              </a:fontRef>
+            </p:style>
+            <p:txBody>
+              <a:bodyPr rtlCol="0" anchor="ctr"/>
+              <a:lstStyle/>
+              <a:p>
+                <a:pPr algn="ctr"/>
+                <a14:m>
+                  <m:oMathPara xmlns:m="http://schemas.openxmlformats.org/officeDocument/2006/math">
+                    <m:oMathParaPr>
+                      <m:jc m:val="centerGroup"/>
+                    </m:oMathParaPr>
+                    <m:oMath xmlns:m="http://schemas.openxmlformats.org/officeDocument/2006/math">
+                      <m:r>
+                        <a:rPr lang="pt-PT" sz="4000" i="1" smtClean="0">
+                          <a:latin typeface="Cambria Math"/>
+                          <a:ea typeface="Cambria Math"/>
+                        </a:rPr>
+                        <m:t>𝒥</m:t>
+                      </m:r>
+                    </m:oMath>
+                  </m:oMathPara>
+                </a14:m>
+                <a:endParaRPr lang="pt-PT" sz="4000" dirty="0"/>
+              </a:p>
+            </p:txBody>
+          </p:sp>
+        </mc:Choice>
+        <mc:Fallback>
+          <p:sp>
+            <p:nvSpPr>
+              <p:cNvPr id="10" name="Rectangle 9"/>
+              <p:cNvSpPr>
+                <a:spLocks noRot="1" noChangeAspect="1" noMove="1" noResize="1" noEditPoints="1" noAdjustHandles="1" noChangeArrowheads="1" noChangeShapeType="1" noTextEdit="1"/>
+              </p:cNvSpPr>
+              <p:nvPr/>
+            </p:nvSpPr>
+            <p:spPr>
+              <a:xfrm>
+                <a:off x="2051685" y="188595"/>
+                <a:ext cx="720090" cy="6480810"/>
+              </a:xfrm>
+              <a:prstGeom prst="rect">
+                <a:avLst/>
+              </a:prstGeom>
+              <a:blipFill rotWithShape="1">
+                <a:blip r:embed="rId5"/>
+                <a:stretch>
+                  <a:fillRect/>
+                </a:stretch>
+              </a:blipFill>
+            </p:spPr>
+            <p:txBody>
+              <a:bodyPr/>
+              <a:lstStyle/>
+              <a:p>
+                <a:r>
+                  <a:rPr lang="pt-PT">
+                    <a:noFill/>
+                  </a:rPr>
+                  <a:t> </a:t>
+                </a:r>
+              </a:p>
+            </p:txBody>
+          </p:sp>
+        </mc:Fallback>
+      </mc:AlternateContent>
+      <mc:AlternateContent xmlns:mc="http://schemas.openxmlformats.org/markup-compatibility/2006">
+        <mc:Choice xmlns:a14="http://schemas.microsoft.com/office/drawing/2010/main" Requires="a14">
+          <p:sp>
+            <p:nvSpPr>
+              <p:cNvPr id="11" name="Rectangle 10"/>
+              <p:cNvSpPr/>
+              <p:nvPr/>
+            </p:nvSpPr>
+            <p:spPr>
+              <a:xfrm>
+                <a:off x="6256627" y="188595"/>
+                <a:ext cx="935550" cy="6480810"/>
+              </a:xfrm>
+              <a:prstGeom prst="rect">
+                <a:avLst/>
+              </a:prstGeom>
+            </p:spPr>
+            <p:style>
+              <a:lnRef idx="2">
+                <a:schemeClr val="dk1"/>
+              </a:lnRef>
+              <a:fillRef idx="1">
+                <a:schemeClr val="lt1"/>
+              </a:fillRef>
+              <a:effectRef idx="0">
+                <a:schemeClr val="dk1"/>
+              </a:effectRef>
+              <a:fontRef idx="minor">
+                <a:schemeClr val="dk1"/>
+              </a:fontRef>
+            </p:style>
+            <p:txBody>
+              <a:bodyPr rtlCol="0" anchor="ctr"/>
+              <a:lstStyle/>
+              <a:p>
+                <a:pPr algn="ctr"/>
+                <a14:m>
+                  <m:oMathPara xmlns:m="http://schemas.openxmlformats.org/officeDocument/2006/math">
+                    <m:oMathParaPr>
+                      <m:jc m:val="center"/>
+                    </m:oMathParaPr>
+                    <m:oMath xmlns:m="http://schemas.openxmlformats.org/officeDocument/2006/math">
+                      <m:sSup>
+                        <m:sSupPr>
+                          <m:ctrlPr>
+                            <a:rPr lang="pt-PT" sz="4000" i="1" smtClean="0">
+                              <a:latin typeface="Cambria Math"/>
+                              <a:ea typeface="Cambria Math"/>
+                            </a:rPr>
+                          </m:ctrlPr>
+                        </m:sSupPr>
+                        <m:e>
+                          <m:r>
+                            <a:rPr lang="pt-PT" sz="4000" i="1">
+                              <a:latin typeface="Cambria Math"/>
+                              <a:ea typeface="Cambria Math"/>
+                            </a:rPr>
+                            <m:t>𝒥</m:t>
+                          </m:r>
+                          <m:r>
+                            <m:rPr>
+                              <m:nor/>
+                            </m:rPr>
+                            <a:rPr lang="pt-PT" sz="4000" dirty="0"/>
+                            <m:t> </m:t>
+                          </m:r>
+                        </m:e>
+                        <m:sup>
+                          <m:r>
+                            <a:rPr lang="pt-PT" sz="4000" i="1">
+                              <a:latin typeface="Cambria Math"/>
+                              <a:ea typeface="Cambria Math"/>
+                            </a:rPr>
+                            <m:t>†</m:t>
+                          </m:r>
+                        </m:sup>
+                      </m:sSup>
+                    </m:oMath>
+                  </m:oMathPara>
+                </a14:m>
+                <a:endParaRPr lang="pt-PT" sz="6000" dirty="0"/>
+              </a:p>
+            </p:txBody>
+          </p:sp>
+        </mc:Choice>
+        <mc:Fallback>
+          <p:sp>
+            <p:nvSpPr>
+              <p:cNvPr id="11" name="Rectangle 10"/>
+              <p:cNvSpPr>
+                <a:spLocks noRot="1" noChangeAspect="1" noMove="1" noResize="1" noEditPoints="1" noAdjustHandles="1" noChangeArrowheads="1" noChangeShapeType="1" noTextEdit="1"/>
+              </p:cNvSpPr>
+              <p:nvPr/>
+            </p:nvSpPr>
+            <p:spPr>
+              <a:xfrm>
+                <a:off x="6256627" y="188595"/>
+                <a:ext cx="935550" cy="6480810"/>
+              </a:xfrm>
+              <a:prstGeom prst="rect">
+                <a:avLst/>
+              </a:prstGeom>
+              <a:blipFill rotWithShape="1">
+                <a:blip r:embed="rId6"/>
+                <a:stretch>
+                  <a:fillRect/>
+                </a:stretch>
+              </a:blipFill>
+            </p:spPr>
+            <p:txBody>
+              <a:bodyPr/>
+              <a:lstStyle/>
+              <a:p>
+                <a:r>
+                  <a:rPr lang="pt-PT">
+                    <a:noFill/>
+                  </a:rPr>
+                  <a:t> </a:t>
+                </a:r>
+              </a:p>
+            </p:txBody>
+          </p:sp>
+        </mc:Fallback>
+      </mc:AlternateContent>
+      <mc:AlternateContent xmlns:mc="http://schemas.openxmlformats.org/markup-compatibility/2006">
+        <mc:Choice xmlns:a14="http://schemas.microsoft.com/office/drawing/2010/main" Requires="a14">
+          <p:sp>
+            <p:nvSpPr>
+              <p:cNvPr id="12" name="Rectangle 11"/>
+              <p:cNvSpPr/>
+              <p:nvPr/>
+            </p:nvSpPr>
+            <p:spPr>
+              <a:xfrm>
+                <a:off x="7121944" y="1058514"/>
+                <a:ext cx="1473416" cy="730456"/>
+              </a:xfrm>
+              <a:prstGeom prst="rect">
+                <a:avLst/>
+              </a:prstGeom>
+            </p:spPr>
+            <p:txBody>
+              <a:bodyPr wrap="none">
+                <a:spAutoFit/>
+              </a:bodyPr>
+              <a:lstStyle/>
+              <a:p>
+                <a:pPr/>
+                <a14:m>
+                  <m:oMathPara xmlns:m="http://schemas.openxmlformats.org/officeDocument/2006/math">
+                    <m:oMathParaPr>
+                      <m:jc m:val="centerGroup"/>
+                    </m:oMathParaPr>
+                    <m:oMath xmlns:m="http://schemas.openxmlformats.org/officeDocument/2006/math">
+                      <m:d>
+                        <m:dPr>
+                          <m:begChr m:val=""/>
+                          <m:endChr m:val="⟩"/>
+                          <m:ctrlPr>
+                            <a:rPr lang="pt-PT" sz="3600" i="1" smtClean="0">
+                              <a:latin typeface="Cambria Math"/>
+                            </a:rPr>
+                          </m:ctrlPr>
+                        </m:dPr>
+                        <m:e>
+                          <m:d>
+                            <m:dPr>
+                              <m:begChr m:val="|"/>
+                              <m:endChr m:val=""/>
+                              <m:ctrlPr>
+                                <a:rPr lang="pt-PT" sz="3600" i="1">
+                                  <a:latin typeface="Cambria Math"/>
+                                </a:rPr>
+                              </m:ctrlPr>
+                            </m:dPr>
+                            <m:e>
+                              <m:sSub>
+                                <m:sSubPr>
+                                  <m:ctrlPr>
+                                    <a:rPr lang="pt-PT" sz="3600" i="1">
+                                      <a:latin typeface="Cambria Math"/>
+                                    </a:rPr>
+                                  </m:ctrlPr>
+                                </m:sSubPr>
+                                <m:e>
+                                  <m:r>
+                                    <a:rPr lang="pt-PT" sz="3600" b="0" i="1" smtClean="0">
+                                      <a:latin typeface="Cambria Math"/>
+                                    </a:rPr>
+                                    <m:t>𝜓</m:t>
+                                  </m:r>
+                                </m:e>
+                                <m:sub>
+                                  <m:r>
+                                    <a:rPr lang="pt-PT" sz="3600" b="0" i="1" smtClean="0">
+                                      <a:latin typeface="Cambria Math"/>
+                                    </a:rPr>
+                                    <m:t>𝑓𝑖𝑛</m:t>
+                                  </m:r>
+                                </m:sub>
+                              </m:sSub>
+                            </m:e>
+                          </m:d>
+                        </m:e>
+                      </m:d>
+                    </m:oMath>
+                  </m:oMathPara>
+                </a14:m>
+                <a:endParaRPr lang="pt-PT" sz="3600" dirty="0"/>
+              </a:p>
+            </p:txBody>
+          </p:sp>
+        </mc:Choice>
+        <mc:Fallback>
+          <p:sp>
+            <p:nvSpPr>
+              <p:cNvPr id="12" name="Rectangle 11"/>
+              <p:cNvSpPr>
+                <a:spLocks noRot="1" noChangeAspect="1" noMove="1" noResize="1" noEditPoints="1" noAdjustHandles="1" noChangeArrowheads="1" noChangeShapeType="1" noTextEdit="1"/>
+              </p:cNvSpPr>
+              <p:nvPr/>
+            </p:nvSpPr>
+            <p:spPr>
+              <a:xfrm>
+                <a:off x="7121944" y="1058514"/>
+                <a:ext cx="1473416" cy="730456"/>
+              </a:xfrm>
+              <a:prstGeom prst="rect">
+                <a:avLst/>
+              </a:prstGeom>
+              <a:blipFill rotWithShape="1">
+                <a:blip r:embed="rId7"/>
+                <a:stretch>
+                  <a:fillRect/>
+                </a:stretch>
+              </a:blipFill>
+            </p:spPr>
+            <p:txBody>
+              <a:bodyPr/>
+              <a:lstStyle/>
+              <a:p>
+                <a:r>
+                  <a:rPr lang="pt-PT">
+                    <a:noFill/>
+                  </a:rPr>
+                  <a:t> </a:t>
+                </a:r>
+              </a:p>
+            </p:txBody>
+          </p:sp>
+        </mc:Fallback>
+      </mc:AlternateContent>
+      <mc:AlternateContent xmlns:mc="http://schemas.openxmlformats.org/markup-compatibility/2006">
+        <mc:Choice xmlns:a14="http://schemas.microsoft.com/office/drawing/2010/main" Requires="a14">
+          <p:sp>
+            <p:nvSpPr>
+              <p:cNvPr id="16" name="Rectangle 15"/>
+              <p:cNvSpPr/>
+              <p:nvPr/>
+            </p:nvSpPr>
+            <p:spPr>
+              <a:xfrm>
+                <a:off x="2771775" y="1111861"/>
+                <a:ext cx="1413784" cy="646331"/>
+              </a:xfrm>
+              <a:prstGeom prst="rect">
+                <a:avLst/>
+              </a:prstGeom>
+            </p:spPr>
+            <p:txBody>
+              <a:bodyPr wrap="none">
+                <a:spAutoFit/>
+              </a:bodyPr>
+              <a:lstStyle/>
+              <a:p>
+                <a:pPr/>
+                <a14:m>
+                  <m:oMathPara xmlns:m="http://schemas.openxmlformats.org/officeDocument/2006/math">
+                    <m:oMathParaPr>
+                      <m:jc m:val="centerGroup"/>
+                    </m:oMathParaPr>
+                    <m:oMath xmlns:m="http://schemas.openxmlformats.org/officeDocument/2006/math">
+                      <m:d>
+                        <m:dPr>
+                          <m:begChr m:val=""/>
+                          <m:endChr m:val="⟩"/>
+                          <m:ctrlPr>
+                            <a:rPr lang="pt-PT" sz="3600" i="1" smtClean="0">
+                              <a:latin typeface="Cambria Math"/>
+                            </a:rPr>
+                          </m:ctrlPr>
+                        </m:dPr>
+                        <m:e>
+                          <m:d>
+                            <m:dPr>
+                              <m:begChr m:val="|"/>
+                              <m:endChr m:val=""/>
+                              <m:ctrlPr>
+                                <a:rPr lang="pt-PT" sz="3600" i="1">
+                                  <a:latin typeface="Cambria Math"/>
+                                </a:rPr>
+                              </m:ctrlPr>
+                            </m:dPr>
+                            <m:e>
+                              <m:sSub>
+                                <m:sSubPr>
+                                  <m:ctrlPr>
+                                    <a:rPr lang="pt-PT" sz="3600" i="1">
+                                      <a:latin typeface="Cambria Math"/>
+                                    </a:rPr>
+                                  </m:ctrlPr>
+                                </m:sSubPr>
+                                <m:e>
+                                  <m:r>
+                                    <a:rPr lang="pt-PT" sz="3600" b="0" i="1" smtClean="0">
+                                      <a:latin typeface="Cambria Math"/>
+                                    </a:rPr>
+                                    <m:t>𝜓</m:t>
+                                  </m:r>
+                                </m:e>
+                                <m:sub>
+                                  <m:r>
+                                    <a:rPr lang="pt-PT" sz="3600" b="0" i="1" smtClean="0">
+                                      <a:latin typeface="Cambria Math"/>
+                                    </a:rPr>
+                                    <m:t>𝑖𝑛𝑖</m:t>
+                                  </m:r>
+                                </m:sub>
+                              </m:sSub>
+                            </m:e>
+                          </m:d>
+                        </m:e>
+                      </m:d>
+                    </m:oMath>
+                  </m:oMathPara>
+                </a14:m>
+                <a:endParaRPr lang="pt-PT" sz="3600" dirty="0"/>
+              </a:p>
+            </p:txBody>
+          </p:sp>
+        </mc:Choice>
+        <mc:Fallback>
+          <p:sp>
+            <p:nvSpPr>
+              <p:cNvPr id="16" name="Rectangle 15"/>
+              <p:cNvSpPr>
+                <a:spLocks noRot="1" noChangeAspect="1" noMove="1" noResize="1" noEditPoints="1" noAdjustHandles="1" noChangeArrowheads="1" noChangeShapeType="1" noTextEdit="1"/>
+              </p:cNvSpPr>
+              <p:nvPr/>
+            </p:nvSpPr>
+            <p:spPr>
+              <a:xfrm>
+                <a:off x="2771775" y="1111861"/>
+                <a:ext cx="1413784" cy="646331"/>
+              </a:xfrm>
+              <a:prstGeom prst="rect">
+                <a:avLst/>
+              </a:prstGeom>
+              <a:blipFill rotWithShape="1">
+                <a:blip r:embed="rId8"/>
+                <a:stretch>
+                  <a:fillRect/>
+                </a:stretch>
+              </a:blipFill>
+            </p:spPr>
+            <p:txBody>
+              <a:bodyPr/>
+              <a:lstStyle/>
+              <a:p>
+                <a:r>
+                  <a:rPr lang="pt-PT">
+                    <a:noFill/>
+                  </a:rPr>
+                  <a:t> </a:t>
+                </a:r>
+              </a:p>
+            </p:txBody>
+          </p:sp>
+        </mc:Fallback>
+      </mc:AlternateContent>
+      <mc:AlternateContent xmlns:mc="http://schemas.openxmlformats.org/markup-compatibility/2006" xmlns:a14="http://schemas.microsoft.com/office/drawing/2010/main">
+        <mc:Choice Requires="a14">
+          <p:sp>
+            <p:nvSpPr>
+              <p:cNvPr id="20" name="Rectangle 19"/>
+              <p:cNvSpPr/>
+              <p:nvPr/>
+            </p:nvSpPr>
+            <p:spPr>
+              <a:xfrm>
+                <a:off x="8423910" y="500003"/>
+                <a:ext cx="720090" cy="5760720"/>
+              </a:xfrm>
+              <a:prstGeom prst="rect">
+                <a:avLst/>
+              </a:prstGeom>
+              <a:ln>
+                <a:solidFill>
+                  <a:schemeClr val="bg1"/>
+                </a:solidFill>
+              </a:ln>
+            </p:spPr>
+            <p:style>
+              <a:lnRef idx="2">
+                <a:schemeClr val="dk1"/>
+              </a:lnRef>
+              <a:fillRef idx="1">
+                <a:schemeClr val="lt1"/>
+              </a:fillRef>
+              <a:effectRef idx="0">
+                <a:schemeClr val="dk1"/>
+              </a:effectRef>
+              <a:fontRef idx="minor">
+                <a:schemeClr val="dk1"/>
+              </a:fontRef>
+            </p:style>
+            <p:txBody>
+              <a:bodyPr vert="vert270" rtlCol="0" anchor="ctr"/>
+              <a:lstStyle/>
+              <a:p>
+                <a:pPr algn="ctr"/>
+                <a14:m>
+                  <m:oMathPara xmlns:m="http://schemas.openxmlformats.org/officeDocument/2006/math">
+                    <m:oMathParaPr>
+                      <m:jc m:val="center"/>
+                    </m:oMathParaPr>
+                    <m:oMath xmlns:m="http://schemas.openxmlformats.org/officeDocument/2006/math">
+                      <m:r>
+                        <a:rPr lang="pt-PT" sz="4000" b="0" i="1" smtClean="0">
+                          <a:latin typeface="Cambria Math"/>
+                          <a:ea typeface="Cambria Math"/>
+                        </a:rPr>
+                        <m:t>𝑚𝑒𝑎𝑠𝑢𝑟𝑒𝑚𝑒𝑛𝑡</m:t>
+                      </m:r>
+                    </m:oMath>
+                  </m:oMathPara>
+                </a14:m>
+                <a:endParaRPr lang="pt-PT" sz="6000" dirty="0"/>
+              </a:p>
+            </p:txBody>
+          </p:sp>
+        </mc:Choice>
+        <mc:Fallback xmlns="">
+          <p:sp>
+            <p:nvSpPr>
+              <p:cNvPr id="20" name="Rectangle 19"/>
+              <p:cNvSpPr>
+                <a:spLocks noRot="1" noChangeAspect="1" noMove="1" noResize="1" noEditPoints="1" noAdjustHandles="1" noChangeArrowheads="1" noChangeShapeType="1" noTextEdit="1"/>
+              </p:cNvSpPr>
+              <p:nvPr/>
+            </p:nvSpPr>
+            <p:spPr>
+              <a:xfrm>
+                <a:off x="8423910" y="500003"/>
+                <a:ext cx="720090" cy="5760720"/>
+              </a:xfrm>
+              <a:prstGeom prst="rect">
+                <a:avLst/>
+              </a:prstGeom>
+              <a:blipFill rotWithShape="1">
+                <a:blip r:embed="rId9"/>
+                <a:stretch>
+                  <a:fillRect/>
+                </a:stretch>
+              </a:blipFill>
+              <a:ln>
+                <a:solidFill>
+                  <a:schemeClr val="bg1"/>
+                </a:solidFill>
+              </a:ln>
+            </p:spPr>
+            <p:txBody>
+              <a:bodyPr/>
+              <a:lstStyle/>
+              <a:p>
+                <a:r>
+                  <a:rPr lang="pt-PT">
+                    <a:noFill/>
+                  </a:rPr>
+                  <a:t> </a:t>
+                </a:r>
+              </a:p>
+            </p:txBody>
+          </p:sp>
+        </mc:Fallback>
+      </mc:AlternateContent>
+      <p:cxnSp>
+        <p:nvCxnSpPr>
+          <p:cNvPr id="22" name="Straight Connector 21"/>
+          <p:cNvCxnSpPr/>
+          <p:nvPr/>
+        </p:nvCxnSpPr>
+        <p:spPr>
+          <a:xfrm>
+            <a:off x="8441733" y="548640"/>
+            <a:ext cx="0" cy="5559683"/>
+          </a:xfrm>
+          <a:prstGeom prst="line">
+            <a:avLst/>
+          </a:prstGeom>
+        </p:spPr>
+        <p:style>
+          <a:lnRef idx="3">
+            <a:schemeClr val="dk1"/>
+          </a:lnRef>
+          <a:fillRef idx="0">
+            <a:schemeClr val="dk1"/>
+          </a:fillRef>
+          <a:effectRef idx="2">
+            <a:schemeClr val="dk1"/>
+          </a:effectRef>
+          <a:fontRef idx="minor">
+            <a:schemeClr val="tx1"/>
+          </a:fontRef>
+        </p:style>
+      </p:cxnSp>
+      <mc:AlternateContent xmlns:mc="http://schemas.openxmlformats.org/markup-compatibility/2006">
+        <mc:Choice xmlns:a14="http://schemas.microsoft.com/office/drawing/2010/main" Requires="a14">
+          <p:sp>
+            <p:nvSpPr>
+              <p:cNvPr id="15" name="Rectangle 14"/>
+              <p:cNvSpPr/>
+              <p:nvPr/>
+            </p:nvSpPr>
+            <p:spPr>
+              <a:xfrm>
+                <a:off x="0" y="1435027"/>
+                <a:ext cx="1754648" cy="1323439"/>
+              </a:xfrm>
+              <a:prstGeom prst="rect">
+                <a:avLst/>
+              </a:prstGeom>
+            </p:spPr>
+            <p:txBody>
+              <a:bodyPr wrap="none">
+                <a:spAutoFit/>
+              </a:bodyPr>
+              <a:lstStyle/>
+              <a:p>
+                <a:pPr/>
+                <a14:m>
+                  <m:oMathPara xmlns:m="http://schemas.openxmlformats.org/officeDocument/2006/math">
+                    <m:oMathParaPr>
+                      <m:jc m:val="centerGroup"/>
+                    </m:oMathParaPr>
+                    <m:oMath xmlns:m="http://schemas.openxmlformats.org/officeDocument/2006/math">
+                      <m:d>
+                        <m:dPr>
+                          <m:begChr m:val=""/>
+                          <m:endChr m:val="⟩"/>
+                          <m:ctrlPr>
+                            <a:rPr lang="pt-PT" sz="4000" i="1" smtClean="0">
+                              <a:latin typeface="Cambria Math"/>
+                            </a:rPr>
+                          </m:ctrlPr>
+                        </m:dPr>
+                        <m:e>
+                          <m:d>
+                            <m:dPr>
+                              <m:begChr m:val="|"/>
+                              <m:endChr m:val=""/>
+                              <m:ctrlPr>
+                                <a:rPr lang="pt-PT" sz="4000" i="1">
+                                  <a:latin typeface="Cambria Math"/>
+                                </a:rPr>
+                              </m:ctrlPr>
+                            </m:dPr>
+                            <m:e>
+                              <m:sSub>
+                                <m:sSubPr>
+                                  <m:ctrlPr>
+                                    <a:rPr lang="pt-PT" sz="4000" i="1">
+                                      <a:latin typeface="Cambria Math"/>
+                                    </a:rPr>
+                                  </m:ctrlPr>
+                                </m:sSubPr>
+                                <m:e>
+                                  <m:r>
+                                    <a:rPr lang="pt-PT" sz="4000" i="1">
+                                      <a:latin typeface="Cambria Math"/>
+                                    </a:rPr>
+                                    <m:t>𝜑</m:t>
+                                  </m:r>
+                                </m:e>
+                                <m:sub>
+                                  <m:r>
+                                    <a:rPr lang="pt-PT" sz="4000" b="0" i="1" smtClean="0">
+                                      <a:latin typeface="Cambria Math"/>
+                                    </a:rPr>
+                                    <m:t>2</m:t>
+                                  </m:r>
+                                </m:sub>
+                              </m:sSub>
+                            </m:e>
+                          </m:d>
+                        </m:e>
+                      </m:d>
+                      <m:r>
+                        <a:rPr lang="pt-PT" sz="4000" b="0" i="1" smtClean="0">
+                          <a:latin typeface="Cambria Math"/>
+                        </a:rPr>
+                        <m:t>=</m:t>
+                      </m:r>
+                    </m:oMath>
+                  </m:oMathPara>
+                </a14:m>
+                <a:endParaRPr lang="pt-PT" sz="4000" b="0" i="1" dirty="0" smtClean="0">
+                  <a:latin typeface="Cambria Math"/>
+                </a:endParaRPr>
+              </a:p>
+              <a:p>
+                <a:pPr/>
+                <a14:m>
+                  <m:oMathPara xmlns:m="http://schemas.openxmlformats.org/officeDocument/2006/math">
+                    <m:oMathParaPr>
+                      <m:jc m:val="centerGroup"/>
+                    </m:oMathParaPr>
+                    <m:oMath xmlns:m="http://schemas.openxmlformats.org/officeDocument/2006/math">
+                      <m:r>
+                        <a:rPr lang="pt-PT" sz="4000" b="0" i="1" smtClean="0">
+                          <a:latin typeface="Cambria Math"/>
+                        </a:rPr>
+                        <m:t>|</m:t>
+                      </m:r>
+                      <m:r>
+                        <a:rPr lang="pt-PT" sz="4000" b="0" i="1" smtClean="0">
+                          <a:latin typeface="Cambria Math"/>
+                        </a:rPr>
+                        <m:t>𝐶</m:t>
+                      </m:r>
+                      <m:r>
+                        <a:rPr lang="pt-PT" sz="4000" b="0" i="1" smtClean="0">
+                          <a:latin typeface="Cambria Math"/>
+                        </a:rPr>
+                        <m:t>〉</m:t>
+                      </m:r>
+                    </m:oMath>
+                  </m:oMathPara>
+                </a14:m>
+                <a:endParaRPr lang="pt-PT" sz="4000" dirty="0"/>
+              </a:p>
+            </p:txBody>
+          </p:sp>
+        </mc:Choice>
+        <mc:Fallback>
+          <p:sp>
+            <p:nvSpPr>
+              <p:cNvPr id="15" name="Rectangle 14"/>
+              <p:cNvSpPr>
+                <a:spLocks noRot="1" noChangeAspect="1" noMove="1" noResize="1" noEditPoints="1" noAdjustHandles="1" noChangeArrowheads="1" noChangeShapeType="1" noTextEdit="1"/>
+              </p:cNvSpPr>
+              <p:nvPr/>
+            </p:nvSpPr>
+            <p:spPr>
+              <a:xfrm>
+                <a:off x="0" y="1435027"/>
+                <a:ext cx="1754648" cy="1323439"/>
+              </a:xfrm>
+              <a:prstGeom prst="rect">
+                <a:avLst/>
+              </a:prstGeom>
+              <a:blipFill rotWithShape="1">
+                <a:blip r:embed="rId10"/>
+                <a:stretch>
+                  <a:fillRect/>
+                </a:stretch>
+              </a:blipFill>
+            </p:spPr>
+            <p:txBody>
+              <a:bodyPr/>
+              <a:lstStyle/>
+              <a:p>
+                <a:r>
+                  <a:rPr lang="pt-PT">
+                    <a:noFill/>
+                  </a:rPr>
+                  <a:t> </a:t>
+                </a:r>
+              </a:p>
+            </p:txBody>
+          </p:sp>
+        </mc:Fallback>
+      </mc:AlternateContent>
+      <p:cxnSp>
+        <p:nvCxnSpPr>
+          <p:cNvPr id="17" name="Straight Connector 16"/>
+          <p:cNvCxnSpPr/>
+          <p:nvPr/>
+        </p:nvCxnSpPr>
+        <p:spPr>
+          <a:xfrm>
+            <a:off x="1696215" y="1788970"/>
+            <a:ext cx="6811868" cy="0"/>
+          </a:xfrm>
+          <a:prstGeom prst="line">
+            <a:avLst/>
+          </a:prstGeom>
+        </p:spPr>
+        <p:style>
+          <a:lnRef idx="3">
+            <a:schemeClr val="dk1"/>
+          </a:lnRef>
+          <a:fillRef idx="0">
+            <a:schemeClr val="dk1"/>
+          </a:fillRef>
+          <a:effectRef idx="2">
+            <a:schemeClr val="dk1"/>
+          </a:effectRef>
+          <a:fontRef idx="minor">
+            <a:schemeClr val="tx1"/>
+          </a:fontRef>
+        </p:style>
+      </p:cxnSp>
+      <mc:AlternateContent xmlns:mc="http://schemas.openxmlformats.org/markup-compatibility/2006">
+        <mc:Choice xmlns:a14="http://schemas.microsoft.com/office/drawing/2010/main" Requires="a14">
+          <p:sp>
+            <p:nvSpPr>
+              <p:cNvPr id="18" name="Rectangle 17"/>
+              <p:cNvSpPr/>
+              <p:nvPr/>
+            </p:nvSpPr>
+            <p:spPr>
+              <a:xfrm>
+                <a:off x="-17498" y="4244519"/>
+                <a:ext cx="1754648" cy="1323439"/>
+              </a:xfrm>
+              <a:prstGeom prst="rect">
+                <a:avLst/>
+              </a:prstGeom>
+            </p:spPr>
+            <p:txBody>
+              <a:bodyPr wrap="none">
+                <a:spAutoFit/>
+              </a:bodyPr>
+              <a:lstStyle/>
+              <a:p>
+                <a:pPr/>
+                <a14:m>
+                  <m:oMathPara xmlns:m="http://schemas.openxmlformats.org/officeDocument/2006/math">
+                    <m:oMathParaPr>
+                      <m:jc m:val="centerGroup"/>
+                    </m:oMathParaPr>
+                    <m:oMath xmlns:m="http://schemas.openxmlformats.org/officeDocument/2006/math">
+                      <m:d>
+                        <m:dPr>
+                          <m:begChr m:val=""/>
+                          <m:endChr m:val="⟩"/>
+                          <m:ctrlPr>
+                            <a:rPr lang="pt-PT" sz="4000" i="1" smtClean="0">
+                              <a:latin typeface="Cambria Math"/>
+                            </a:rPr>
+                          </m:ctrlPr>
+                        </m:dPr>
+                        <m:e>
+                          <m:d>
+                            <m:dPr>
+                              <m:begChr m:val="|"/>
+                              <m:endChr m:val=""/>
+                              <m:ctrlPr>
+                                <a:rPr lang="pt-PT" sz="4000" i="1">
+                                  <a:latin typeface="Cambria Math"/>
+                                </a:rPr>
+                              </m:ctrlPr>
+                            </m:dPr>
+                            <m:e>
+                              <m:sSub>
+                                <m:sSubPr>
+                                  <m:ctrlPr>
+                                    <a:rPr lang="pt-PT" sz="4000" i="1">
+                                      <a:latin typeface="Cambria Math"/>
+                                    </a:rPr>
+                                  </m:ctrlPr>
+                                </m:sSubPr>
+                                <m:e>
+                                  <m:r>
+                                    <a:rPr lang="pt-PT" sz="4000" i="1">
+                                      <a:latin typeface="Cambria Math"/>
+                                    </a:rPr>
+                                    <m:t>𝜑</m:t>
+                                  </m:r>
+                                </m:e>
+                                <m:sub>
+                                  <m:r>
+                                    <a:rPr lang="pt-PT" sz="4000" b="0" i="1" smtClean="0">
+                                      <a:latin typeface="Cambria Math"/>
+                                    </a:rPr>
+                                    <m:t>4</m:t>
+                                  </m:r>
+                                </m:sub>
+                              </m:sSub>
+                            </m:e>
+                          </m:d>
+                        </m:e>
+                      </m:d>
+                      <m:r>
+                        <a:rPr lang="pt-PT" sz="4000" b="0" i="1" smtClean="0">
+                          <a:latin typeface="Cambria Math"/>
+                        </a:rPr>
+                        <m:t>=</m:t>
+                      </m:r>
+                    </m:oMath>
+                  </m:oMathPara>
+                </a14:m>
+                <a:endParaRPr lang="pt-PT" sz="4000" b="0" i="1" dirty="0" smtClean="0">
+                  <a:latin typeface="Cambria Math"/>
+                </a:endParaRPr>
+              </a:p>
+              <a:p>
+                <a:pPr/>
+                <a14:m>
+                  <m:oMathPara xmlns:m="http://schemas.openxmlformats.org/officeDocument/2006/math">
+                    <m:oMathParaPr>
+                      <m:jc m:val="centerGroup"/>
+                    </m:oMathParaPr>
+                    <m:oMath xmlns:m="http://schemas.openxmlformats.org/officeDocument/2006/math">
+                      <m:r>
+                        <a:rPr lang="pt-PT" sz="4000" b="0" i="1" smtClean="0">
+                          <a:latin typeface="Cambria Math"/>
+                        </a:rPr>
+                        <m:t>|</m:t>
+                      </m:r>
+                      <m:r>
+                        <a:rPr lang="pt-PT" sz="4000" b="0" i="1" smtClean="0">
+                          <a:latin typeface="Cambria Math"/>
+                        </a:rPr>
+                        <m:t>𝐶</m:t>
+                      </m:r>
+                      <m:r>
+                        <a:rPr lang="pt-PT" sz="4000" b="0" i="1" smtClean="0">
+                          <a:latin typeface="Cambria Math"/>
+                        </a:rPr>
+                        <m:t>〉</m:t>
+                      </m:r>
+                    </m:oMath>
+                  </m:oMathPara>
+                </a14:m>
+                <a:endParaRPr lang="pt-PT" sz="4000" dirty="0"/>
+              </a:p>
+            </p:txBody>
+          </p:sp>
+        </mc:Choice>
+        <mc:Fallback>
+          <p:sp>
+            <p:nvSpPr>
+              <p:cNvPr id="18" name="Rectangle 17"/>
+              <p:cNvSpPr>
+                <a:spLocks noRot="1" noChangeAspect="1" noMove="1" noResize="1" noEditPoints="1" noAdjustHandles="1" noChangeArrowheads="1" noChangeShapeType="1" noTextEdit="1"/>
+              </p:cNvSpPr>
+              <p:nvPr/>
+            </p:nvSpPr>
+            <p:spPr>
+              <a:xfrm>
+                <a:off x="-17498" y="4244519"/>
+                <a:ext cx="1754648" cy="1323439"/>
+              </a:xfrm>
+              <a:prstGeom prst="rect">
+                <a:avLst/>
+              </a:prstGeom>
+              <a:blipFill rotWithShape="1">
+                <a:blip r:embed="rId11"/>
+                <a:stretch>
+                  <a:fillRect/>
+                </a:stretch>
+              </a:blipFill>
+            </p:spPr>
+            <p:txBody>
+              <a:bodyPr/>
+              <a:lstStyle/>
+              <a:p>
+                <a:r>
+                  <a:rPr lang="pt-PT">
+                    <a:noFill/>
+                  </a:rPr>
+                  <a:t> </a:t>
+                </a:r>
+              </a:p>
+            </p:txBody>
+          </p:sp>
+        </mc:Fallback>
+      </mc:AlternateContent>
+      <p:cxnSp>
+        <p:nvCxnSpPr>
+          <p:cNvPr id="19" name="Straight Connector 18"/>
+          <p:cNvCxnSpPr/>
+          <p:nvPr/>
+        </p:nvCxnSpPr>
+        <p:spPr>
+          <a:xfrm>
+            <a:off x="1678717" y="4598462"/>
+            <a:ext cx="6811868" cy="0"/>
+          </a:xfrm>
+          <a:prstGeom prst="line">
+            <a:avLst/>
+          </a:prstGeom>
+        </p:spPr>
+        <p:style>
+          <a:lnRef idx="3">
+            <a:schemeClr val="dk1"/>
+          </a:lnRef>
+          <a:fillRef idx="0">
+            <a:schemeClr val="dk1"/>
+          </a:fillRef>
+          <a:effectRef idx="2">
+            <a:schemeClr val="dk1"/>
+          </a:effectRef>
+          <a:fontRef idx="minor">
+            <a:schemeClr val="tx1"/>
+          </a:fontRef>
+        </p:style>
+      </p:cxnSp>
+      <mc:AlternateContent xmlns:mc="http://schemas.openxmlformats.org/markup-compatibility/2006">
+        <mc:Choice xmlns:a14="http://schemas.microsoft.com/office/drawing/2010/main" Requires="a14">
+          <p:sp>
+            <p:nvSpPr>
+              <p:cNvPr id="2" name="Rectangle 1"/>
+              <p:cNvSpPr/>
+              <p:nvPr/>
+            </p:nvSpPr>
+            <p:spPr>
+              <a:xfrm>
+                <a:off x="4131128" y="400031"/>
+                <a:ext cx="881744" cy="823436"/>
+              </a:xfrm>
+              <a:prstGeom prst="rect">
+                <a:avLst/>
+              </a:prstGeom>
+            </p:spPr>
+            <p:style>
+              <a:lnRef idx="2">
+                <a:schemeClr val="dk1"/>
+              </a:lnRef>
+              <a:fillRef idx="1">
+                <a:schemeClr val="lt1"/>
+              </a:fillRef>
+              <a:effectRef idx="0">
+                <a:schemeClr val="dk1"/>
+              </a:effectRef>
+              <a:fontRef idx="minor">
+                <a:schemeClr val="dk1"/>
+              </a:fontRef>
+            </p:style>
+            <p:txBody>
+              <a:bodyPr rtlCol="0" anchor="ctr"/>
+              <a:lstStyle/>
+              <a:p>
+                <a:pPr algn="ctr"/>
+                <a14:m>
+                  <m:oMathPara xmlns:m="http://schemas.openxmlformats.org/officeDocument/2006/math">
+                    <m:oMathParaPr>
+                      <m:jc m:val="centerGroup"/>
+                    </m:oMathParaPr>
+                    <m:oMath xmlns:m="http://schemas.openxmlformats.org/officeDocument/2006/math">
+                      <m:sSub>
+                        <m:sSubPr>
+                          <m:ctrlPr>
+                            <a:rPr lang="pt-PT" sz="4000" i="1" smtClean="0">
+                              <a:latin typeface="Cambria Math"/>
+                              <a:ea typeface="Cambria Math"/>
+                            </a:rPr>
+                          </m:ctrlPr>
+                        </m:sSubPr>
+                        <m:e>
+                          <m:r>
+                            <a:rPr lang="pt-PT" sz="4000" i="1">
+                              <a:latin typeface="Cambria Math"/>
+                              <a:ea typeface="Cambria Math"/>
+                            </a:rPr>
+                            <m:t>𝒰</m:t>
+                          </m:r>
+                          <m:r>
+                            <m:rPr>
+                              <m:nor/>
+                            </m:rPr>
+                            <a:rPr lang="pt-PT" sz="4000" dirty="0"/>
+                            <m:t> </m:t>
+                          </m:r>
+                        </m:e>
+                        <m:sub>
+                          <m:r>
+                            <a:rPr lang="pt-PT" sz="4000" b="0" i="1" smtClean="0">
+                              <a:latin typeface="Cambria Math"/>
+                              <a:ea typeface="Cambria Math"/>
+                            </a:rPr>
+                            <m:t>1</m:t>
+                          </m:r>
+                        </m:sub>
+                      </m:sSub>
+                    </m:oMath>
+                  </m:oMathPara>
+                </a14:m>
+                <a:endParaRPr lang="pt-PT" sz="4000" dirty="0"/>
+              </a:p>
+            </p:txBody>
+          </p:sp>
+        </mc:Choice>
+        <mc:Fallback>
+          <p:sp>
+            <p:nvSpPr>
+              <p:cNvPr id="2" name="Rectangle 1"/>
+              <p:cNvSpPr>
+                <a:spLocks noRot="1" noChangeAspect="1" noMove="1" noResize="1" noEditPoints="1" noAdjustHandles="1" noChangeArrowheads="1" noChangeShapeType="1" noTextEdit="1"/>
+              </p:cNvSpPr>
+              <p:nvPr/>
+            </p:nvSpPr>
+            <p:spPr>
+              <a:xfrm>
+                <a:off x="4131128" y="400031"/>
+                <a:ext cx="881744" cy="823436"/>
+              </a:xfrm>
+              <a:prstGeom prst="rect">
+                <a:avLst/>
+              </a:prstGeom>
+              <a:blipFill rotWithShape="1">
+                <a:blip r:embed="rId12"/>
+                <a:stretch>
+                  <a:fillRect/>
+                </a:stretch>
+              </a:blipFill>
+            </p:spPr>
+            <p:txBody>
+              <a:bodyPr/>
+              <a:lstStyle/>
+              <a:p>
+                <a:r>
+                  <a:rPr lang="pt-PT">
+                    <a:noFill/>
+                  </a:rPr>
+                  <a:t> </a:t>
+                </a:r>
+              </a:p>
+            </p:txBody>
+          </p:sp>
+        </mc:Fallback>
+      </mc:AlternateContent>
+      <mc:AlternateContent xmlns:mc="http://schemas.openxmlformats.org/markup-compatibility/2006">
+        <mc:Choice xmlns:a14="http://schemas.microsoft.com/office/drawing/2010/main" Requires="a14">
+          <p:sp>
+            <p:nvSpPr>
+              <p:cNvPr id="21" name="Rectangle 20"/>
+              <p:cNvSpPr/>
+              <p:nvPr/>
+            </p:nvSpPr>
+            <p:spPr>
+              <a:xfrm>
+                <a:off x="4131128" y="1435027"/>
+                <a:ext cx="881744" cy="823436"/>
+              </a:xfrm>
+              <a:prstGeom prst="rect">
+                <a:avLst/>
+              </a:prstGeom>
+            </p:spPr>
+            <p:style>
+              <a:lnRef idx="2">
+                <a:schemeClr val="dk1"/>
+              </a:lnRef>
+              <a:fillRef idx="1">
+                <a:schemeClr val="lt1"/>
+              </a:fillRef>
+              <a:effectRef idx="0">
+                <a:schemeClr val="dk1"/>
+              </a:effectRef>
+              <a:fontRef idx="minor">
+                <a:schemeClr val="dk1"/>
+              </a:fontRef>
+            </p:style>
+            <p:txBody>
+              <a:bodyPr rtlCol="0" anchor="ctr"/>
+              <a:lstStyle/>
+              <a:p>
+                <a:pPr algn="ctr"/>
+                <a14:m>
+                  <m:oMathPara xmlns:m="http://schemas.openxmlformats.org/officeDocument/2006/math">
+                    <m:oMathParaPr>
+                      <m:jc m:val="centerGroup"/>
+                    </m:oMathParaPr>
+                    <m:oMath xmlns:m="http://schemas.openxmlformats.org/officeDocument/2006/math">
+                      <m:sSub>
+                        <m:sSubPr>
+                          <m:ctrlPr>
+                            <a:rPr lang="pt-PT" sz="4000" i="1" smtClean="0">
+                              <a:latin typeface="Cambria Math"/>
+                              <a:ea typeface="Cambria Math"/>
+                            </a:rPr>
+                          </m:ctrlPr>
+                        </m:sSubPr>
+                        <m:e>
+                          <m:r>
+                            <a:rPr lang="pt-PT" sz="4000" i="1">
+                              <a:latin typeface="Cambria Math"/>
+                              <a:ea typeface="Cambria Math"/>
+                            </a:rPr>
+                            <m:t>𝒰</m:t>
+                          </m:r>
+                          <m:r>
+                            <m:rPr>
+                              <m:nor/>
+                            </m:rPr>
+                            <a:rPr lang="pt-PT" sz="4000" dirty="0"/>
+                            <m:t> </m:t>
+                          </m:r>
+                        </m:e>
+                        <m:sub>
+                          <m:r>
+                            <a:rPr lang="pt-PT" sz="4000" b="0" i="1" smtClean="0">
+                              <a:latin typeface="Cambria Math"/>
+                              <a:ea typeface="Cambria Math"/>
+                            </a:rPr>
+                            <m:t>2</m:t>
+                          </m:r>
+                        </m:sub>
+                      </m:sSub>
+                    </m:oMath>
+                  </m:oMathPara>
+                </a14:m>
+                <a:endParaRPr lang="pt-PT" sz="4000" dirty="0"/>
+              </a:p>
+            </p:txBody>
+          </p:sp>
+        </mc:Choice>
+        <mc:Fallback>
+          <p:sp>
+            <p:nvSpPr>
+              <p:cNvPr id="21" name="Rectangle 20"/>
+              <p:cNvSpPr>
+                <a:spLocks noRot="1" noChangeAspect="1" noMove="1" noResize="1" noEditPoints="1" noAdjustHandles="1" noChangeArrowheads="1" noChangeShapeType="1" noTextEdit="1"/>
+              </p:cNvSpPr>
+              <p:nvPr/>
+            </p:nvSpPr>
+            <p:spPr>
+              <a:xfrm>
+                <a:off x="4131128" y="1435027"/>
+                <a:ext cx="881744" cy="823436"/>
+              </a:xfrm>
+              <a:prstGeom prst="rect">
+                <a:avLst/>
+              </a:prstGeom>
+              <a:blipFill rotWithShape="1">
+                <a:blip r:embed="rId13"/>
+                <a:stretch>
+                  <a:fillRect/>
+                </a:stretch>
+              </a:blipFill>
+            </p:spPr>
+            <p:txBody>
+              <a:bodyPr/>
+              <a:lstStyle/>
+              <a:p>
+                <a:r>
+                  <a:rPr lang="pt-PT">
+                    <a:noFill/>
+                  </a:rPr>
+                  <a:t> </a:t>
+                </a:r>
+              </a:p>
+            </p:txBody>
+          </p:sp>
+        </mc:Fallback>
+      </mc:AlternateContent>
+      <mc:AlternateContent xmlns:mc="http://schemas.openxmlformats.org/markup-compatibility/2006">
+        <mc:Choice xmlns:a14="http://schemas.microsoft.com/office/drawing/2010/main" Requires="a14">
+          <p:sp>
+            <p:nvSpPr>
+              <p:cNvPr id="23" name="Rectangle 22"/>
+              <p:cNvSpPr/>
+              <p:nvPr/>
+            </p:nvSpPr>
+            <p:spPr>
+              <a:xfrm>
+                <a:off x="4131128" y="2758466"/>
+                <a:ext cx="881744" cy="823436"/>
+              </a:xfrm>
+              <a:prstGeom prst="rect">
+                <a:avLst/>
+              </a:prstGeom>
+            </p:spPr>
+            <p:style>
+              <a:lnRef idx="2">
+                <a:schemeClr val="dk1"/>
+              </a:lnRef>
+              <a:fillRef idx="1">
+                <a:schemeClr val="lt1"/>
+              </a:fillRef>
+              <a:effectRef idx="0">
+                <a:schemeClr val="dk1"/>
+              </a:effectRef>
+              <a:fontRef idx="minor">
+                <a:schemeClr val="dk1"/>
+              </a:fontRef>
+            </p:style>
+            <p:txBody>
+              <a:bodyPr rtlCol="0" anchor="ctr"/>
+              <a:lstStyle/>
+              <a:p>
+                <a:pPr algn="ctr"/>
+                <a14:m>
+                  <m:oMathPara xmlns:m="http://schemas.openxmlformats.org/officeDocument/2006/math">
+                    <m:oMathParaPr>
+                      <m:jc m:val="centerGroup"/>
+                    </m:oMathParaPr>
+                    <m:oMath xmlns:m="http://schemas.openxmlformats.org/officeDocument/2006/math">
+                      <m:sSub>
+                        <m:sSubPr>
+                          <m:ctrlPr>
+                            <a:rPr lang="pt-PT" sz="4000" i="1" smtClean="0">
+                              <a:latin typeface="Cambria Math"/>
+                              <a:ea typeface="Cambria Math"/>
+                            </a:rPr>
+                          </m:ctrlPr>
+                        </m:sSubPr>
+                        <m:e>
+                          <m:r>
+                            <a:rPr lang="pt-PT" sz="4000" i="1">
+                              <a:latin typeface="Cambria Math"/>
+                              <a:ea typeface="Cambria Math"/>
+                            </a:rPr>
+                            <m:t>𝒰</m:t>
+                          </m:r>
+                          <m:r>
+                            <m:rPr>
+                              <m:nor/>
+                            </m:rPr>
+                            <a:rPr lang="pt-PT" sz="4000" dirty="0"/>
+                            <m:t> </m:t>
+                          </m:r>
+                        </m:e>
+                        <m:sub>
+                          <m:r>
+                            <a:rPr lang="pt-PT" sz="4000" b="0" i="1" smtClean="0">
+                              <a:latin typeface="Cambria Math"/>
+                              <a:ea typeface="Cambria Math"/>
+                            </a:rPr>
+                            <m:t>3</m:t>
+                          </m:r>
+                        </m:sub>
+                      </m:sSub>
+                    </m:oMath>
+                  </m:oMathPara>
+                </a14:m>
+                <a:endParaRPr lang="pt-PT" sz="4000" dirty="0"/>
+              </a:p>
+            </p:txBody>
+          </p:sp>
+        </mc:Choice>
+        <mc:Fallback>
+          <p:sp>
+            <p:nvSpPr>
+              <p:cNvPr id="23" name="Rectangle 22"/>
+              <p:cNvSpPr>
+                <a:spLocks noRot="1" noChangeAspect="1" noMove="1" noResize="1" noEditPoints="1" noAdjustHandles="1" noChangeArrowheads="1" noChangeShapeType="1" noTextEdit="1"/>
+              </p:cNvSpPr>
+              <p:nvPr/>
+            </p:nvSpPr>
+            <p:spPr>
+              <a:xfrm>
+                <a:off x="4131128" y="2758466"/>
+                <a:ext cx="881744" cy="823436"/>
+              </a:xfrm>
+              <a:prstGeom prst="rect">
+                <a:avLst/>
+              </a:prstGeom>
+              <a:blipFill rotWithShape="1">
+                <a:blip r:embed="rId14"/>
+                <a:stretch>
+                  <a:fillRect/>
+                </a:stretch>
+              </a:blipFill>
+            </p:spPr>
+            <p:txBody>
+              <a:bodyPr/>
+              <a:lstStyle/>
+              <a:p>
+                <a:r>
+                  <a:rPr lang="pt-PT">
+                    <a:noFill/>
+                  </a:rPr>
+                  <a:t> </a:t>
+                </a:r>
+              </a:p>
+            </p:txBody>
+          </p:sp>
+        </mc:Fallback>
+      </mc:AlternateContent>
+      <mc:AlternateContent xmlns:mc="http://schemas.openxmlformats.org/markup-compatibility/2006">
+        <mc:Choice xmlns:a14="http://schemas.microsoft.com/office/drawing/2010/main" Requires="a14">
+          <p:sp>
+            <p:nvSpPr>
+              <p:cNvPr id="24" name="Rectangle 23"/>
+              <p:cNvSpPr/>
+              <p:nvPr/>
+            </p:nvSpPr>
+            <p:spPr>
+              <a:xfrm>
+                <a:off x="4131128" y="4264026"/>
+                <a:ext cx="881744" cy="823436"/>
+              </a:xfrm>
+              <a:prstGeom prst="rect">
+                <a:avLst/>
+              </a:prstGeom>
+            </p:spPr>
+            <p:style>
+              <a:lnRef idx="2">
+                <a:schemeClr val="dk1"/>
+              </a:lnRef>
+              <a:fillRef idx="1">
+                <a:schemeClr val="lt1"/>
+              </a:fillRef>
+              <a:effectRef idx="0">
+                <a:schemeClr val="dk1"/>
+              </a:effectRef>
+              <a:fontRef idx="minor">
+                <a:schemeClr val="dk1"/>
+              </a:fontRef>
+            </p:style>
+            <p:txBody>
+              <a:bodyPr rtlCol="0" anchor="ctr"/>
+              <a:lstStyle/>
+              <a:p>
+                <a:pPr algn="ctr"/>
+                <a14:m>
+                  <m:oMathPara xmlns:m="http://schemas.openxmlformats.org/officeDocument/2006/math">
+                    <m:oMathParaPr>
+                      <m:jc m:val="centerGroup"/>
+                    </m:oMathParaPr>
+                    <m:oMath xmlns:m="http://schemas.openxmlformats.org/officeDocument/2006/math">
+                      <m:sSub>
+                        <m:sSubPr>
+                          <m:ctrlPr>
+                            <a:rPr lang="pt-PT" sz="4000" i="1" smtClean="0">
+                              <a:latin typeface="Cambria Math"/>
+                              <a:ea typeface="Cambria Math"/>
+                            </a:rPr>
+                          </m:ctrlPr>
+                        </m:sSubPr>
+                        <m:e>
+                          <m:r>
+                            <a:rPr lang="pt-PT" sz="4000" i="1">
+                              <a:latin typeface="Cambria Math"/>
+                              <a:ea typeface="Cambria Math"/>
+                            </a:rPr>
+                            <m:t>𝒰</m:t>
+                          </m:r>
+                          <m:r>
+                            <m:rPr>
+                              <m:nor/>
+                            </m:rPr>
+                            <a:rPr lang="pt-PT" sz="4000" dirty="0"/>
+                            <m:t> </m:t>
+                          </m:r>
+                        </m:e>
+                        <m:sub>
+                          <m:r>
+                            <a:rPr lang="pt-PT" sz="4000" b="0" i="1" smtClean="0">
+                              <a:latin typeface="Cambria Math"/>
+                              <a:ea typeface="Cambria Math"/>
+                            </a:rPr>
+                            <m:t>4</m:t>
+                          </m:r>
+                        </m:sub>
+                      </m:sSub>
+                    </m:oMath>
+                  </m:oMathPara>
+                </a14:m>
+                <a:endParaRPr lang="pt-PT" sz="4000" dirty="0"/>
+              </a:p>
+            </p:txBody>
+          </p:sp>
+        </mc:Choice>
+        <mc:Fallback>
+          <p:sp>
+            <p:nvSpPr>
+              <p:cNvPr id="24" name="Rectangle 23"/>
+              <p:cNvSpPr>
+                <a:spLocks noRot="1" noChangeAspect="1" noMove="1" noResize="1" noEditPoints="1" noAdjustHandles="1" noChangeArrowheads="1" noChangeShapeType="1" noTextEdit="1"/>
+              </p:cNvSpPr>
+              <p:nvPr/>
+            </p:nvSpPr>
+            <p:spPr>
+              <a:xfrm>
+                <a:off x="4131128" y="4264026"/>
+                <a:ext cx="881744" cy="823436"/>
+              </a:xfrm>
+              <a:prstGeom prst="rect">
+                <a:avLst/>
+              </a:prstGeom>
+              <a:blipFill rotWithShape="1">
+                <a:blip r:embed="rId15"/>
+                <a:stretch>
+                  <a:fillRect/>
+                </a:stretch>
+              </a:blipFill>
+            </p:spPr>
+            <p:txBody>
+              <a:bodyPr/>
+              <a:lstStyle/>
+              <a:p>
+                <a:r>
+                  <a:rPr lang="pt-PT">
+                    <a:noFill/>
+                  </a:rPr>
+                  <a:t> </a:t>
+                </a:r>
+              </a:p>
+            </p:txBody>
+          </p:sp>
+        </mc:Fallback>
+      </mc:AlternateContent>
+      <mc:AlternateContent xmlns:mc="http://schemas.openxmlformats.org/markup-compatibility/2006">
+        <mc:Choice xmlns:a14="http://schemas.microsoft.com/office/drawing/2010/main" Requires="a14">
+          <p:sp>
+            <p:nvSpPr>
+              <p:cNvPr id="25" name="Rectangle 24"/>
+              <p:cNvSpPr/>
+              <p:nvPr/>
+            </p:nvSpPr>
+            <p:spPr>
+              <a:xfrm>
+                <a:off x="4130040" y="5567958"/>
+                <a:ext cx="881744" cy="823436"/>
+              </a:xfrm>
+              <a:prstGeom prst="rect">
+                <a:avLst/>
+              </a:prstGeom>
+            </p:spPr>
+            <p:style>
+              <a:lnRef idx="2">
+                <a:schemeClr val="dk1"/>
+              </a:lnRef>
+              <a:fillRef idx="1">
+                <a:schemeClr val="lt1"/>
+              </a:fillRef>
+              <a:effectRef idx="0">
+                <a:schemeClr val="dk1"/>
+              </a:effectRef>
+              <a:fontRef idx="minor">
+                <a:schemeClr val="dk1"/>
+              </a:fontRef>
+            </p:style>
+            <p:txBody>
+              <a:bodyPr rtlCol="0" anchor="ctr"/>
+              <a:lstStyle/>
+              <a:p>
+                <a:pPr algn="ctr"/>
+                <a14:m>
+                  <m:oMathPara xmlns:m="http://schemas.openxmlformats.org/officeDocument/2006/math">
+                    <m:oMathParaPr>
+                      <m:jc m:val="centerGroup"/>
+                    </m:oMathParaPr>
+                    <m:oMath xmlns:m="http://schemas.openxmlformats.org/officeDocument/2006/math">
+                      <m:sSub>
+                        <m:sSubPr>
+                          <m:ctrlPr>
+                            <a:rPr lang="pt-PT" sz="4000" i="1" smtClean="0">
+                              <a:latin typeface="Cambria Math"/>
+                              <a:ea typeface="Cambria Math"/>
+                            </a:rPr>
+                          </m:ctrlPr>
+                        </m:sSubPr>
+                        <m:e>
+                          <m:r>
+                            <a:rPr lang="pt-PT" sz="4000" i="1">
+                              <a:latin typeface="Cambria Math"/>
+                              <a:ea typeface="Cambria Math"/>
+                            </a:rPr>
+                            <m:t>𝒰</m:t>
+                          </m:r>
+                          <m:r>
+                            <m:rPr>
+                              <m:nor/>
+                            </m:rPr>
+                            <a:rPr lang="pt-PT" sz="4000" dirty="0"/>
+                            <m:t> </m:t>
+                          </m:r>
+                        </m:e>
+                        <m:sub>
+                          <m:r>
+                            <a:rPr lang="pt-PT" sz="4000" b="0" i="1" smtClean="0">
+                              <a:latin typeface="Cambria Math"/>
+                              <a:ea typeface="Cambria Math"/>
+                            </a:rPr>
+                            <m:t>5</m:t>
+                          </m:r>
+                        </m:sub>
+                      </m:sSub>
+                    </m:oMath>
+                  </m:oMathPara>
+                </a14:m>
+                <a:endParaRPr lang="pt-PT" sz="4000" dirty="0"/>
+              </a:p>
+            </p:txBody>
+          </p:sp>
+        </mc:Choice>
+        <mc:Fallback>
+          <p:sp>
+            <p:nvSpPr>
+              <p:cNvPr id="25" name="Rectangle 24"/>
+              <p:cNvSpPr>
+                <a:spLocks noRot="1" noChangeAspect="1" noMove="1" noResize="1" noEditPoints="1" noAdjustHandles="1" noChangeArrowheads="1" noChangeShapeType="1" noTextEdit="1"/>
+              </p:cNvSpPr>
+              <p:nvPr/>
+            </p:nvSpPr>
+            <p:spPr>
+              <a:xfrm>
+                <a:off x="4130040" y="5567958"/>
+                <a:ext cx="881744" cy="823436"/>
+              </a:xfrm>
+              <a:prstGeom prst="rect">
+                <a:avLst/>
+              </a:prstGeom>
+              <a:blipFill rotWithShape="1">
+                <a:blip r:embed="rId16"/>
+                <a:stretch>
+                  <a:fillRect/>
+                </a:stretch>
+              </a:blipFill>
+            </p:spPr>
+            <p:txBody>
+              <a:bodyPr/>
+              <a:lstStyle/>
+              <a:p>
+                <a:r>
+                  <a:rPr lang="pt-PT">
+                    <a:noFill/>
+                  </a:rPr>
+                  <a:t> </a:t>
+                </a:r>
+              </a:p>
+            </p:txBody>
+          </p:sp>
+        </mc:Fallback>
+      </mc:AlternateContent>
+    </p:spTree>
+    <p:extLst>
+      <p:ext uri="{BB962C8B-B14F-4D97-AF65-F5344CB8AC3E}">
+        <p14:creationId xmlns:p14="http://schemas.microsoft.com/office/powerpoint/2010/main" val="1894558398"/>
       </p:ext>
     </p:extLst>
   </p:cSld>
